--- a/slides/01 Introduction to NLP.pptx
+++ b/slides/01 Introduction to NLP.pptx
@@ -44,82 +44,84 @@
     <p:sldId id="392" r:id="rId37"/>
     <p:sldId id="393" r:id="rId38"/>
     <p:sldId id="281" r:id="rId39"/>
-    <p:sldId id="282" r:id="rId40"/>
-    <p:sldId id="283" r:id="rId41"/>
-    <p:sldId id="284" r:id="rId42"/>
-    <p:sldId id="285" r:id="rId43"/>
-    <p:sldId id="286" r:id="rId44"/>
-    <p:sldId id="287" r:id="rId45"/>
-    <p:sldId id="288" r:id="rId46"/>
-    <p:sldId id="289" r:id="rId47"/>
-    <p:sldId id="290" r:id="rId48"/>
-    <p:sldId id="291" r:id="rId49"/>
-    <p:sldId id="292" r:id="rId50"/>
-    <p:sldId id="293" r:id="rId51"/>
-    <p:sldId id="395" r:id="rId52"/>
-    <p:sldId id="394" r:id="rId53"/>
-    <p:sldId id="294" r:id="rId54"/>
-    <p:sldId id="295" r:id="rId55"/>
-    <p:sldId id="296" r:id="rId56"/>
-    <p:sldId id="297" r:id="rId57"/>
-    <p:sldId id="298" r:id="rId58"/>
-    <p:sldId id="299" r:id="rId59"/>
-    <p:sldId id="300" r:id="rId60"/>
-    <p:sldId id="301" r:id="rId61"/>
-    <p:sldId id="302" r:id="rId62"/>
-    <p:sldId id="303" r:id="rId63"/>
-    <p:sldId id="304" r:id="rId64"/>
-    <p:sldId id="305" r:id="rId65"/>
-    <p:sldId id="306" r:id="rId66"/>
-    <p:sldId id="307" r:id="rId67"/>
-    <p:sldId id="308" r:id="rId68"/>
-    <p:sldId id="309" r:id="rId69"/>
-    <p:sldId id="310" r:id="rId70"/>
-    <p:sldId id="317" r:id="rId71"/>
-    <p:sldId id="318" r:id="rId72"/>
+    <p:sldId id="283" r:id="rId40"/>
+    <p:sldId id="284" r:id="rId41"/>
+    <p:sldId id="449" r:id="rId42"/>
+    <p:sldId id="450" r:id="rId43"/>
+    <p:sldId id="282" r:id="rId44"/>
+    <p:sldId id="285" r:id="rId45"/>
+    <p:sldId id="286" r:id="rId46"/>
+    <p:sldId id="287" r:id="rId47"/>
+    <p:sldId id="288" r:id="rId48"/>
+    <p:sldId id="289" r:id="rId49"/>
+    <p:sldId id="290" r:id="rId50"/>
+    <p:sldId id="291" r:id="rId51"/>
+    <p:sldId id="292" r:id="rId52"/>
+    <p:sldId id="293" r:id="rId53"/>
+    <p:sldId id="395" r:id="rId54"/>
+    <p:sldId id="394" r:id="rId55"/>
+    <p:sldId id="294" r:id="rId56"/>
+    <p:sldId id="295" r:id="rId57"/>
+    <p:sldId id="296" r:id="rId58"/>
+    <p:sldId id="297" r:id="rId59"/>
+    <p:sldId id="298" r:id="rId60"/>
+    <p:sldId id="299" r:id="rId61"/>
+    <p:sldId id="300" r:id="rId62"/>
+    <p:sldId id="301" r:id="rId63"/>
+    <p:sldId id="302" r:id="rId64"/>
+    <p:sldId id="303" r:id="rId65"/>
+    <p:sldId id="304" r:id="rId66"/>
+    <p:sldId id="305" r:id="rId67"/>
+    <p:sldId id="306" r:id="rId68"/>
+    <p:sldId id="307" r:id="rId69"/>
+    <p:sldId id="308" r:id="rId70"/>
+    <p:sldId id="309" r:id="rId71"/>
+    <p:sldId id="310" r:id="rId72"/>
+    <p:sldId id="317" r:id="rId73"/>
+    <p:sldId id="318" r:id="rId74"/>
   </p:sldIdLst>
   <p:sldSz cx="9144000" cy="5143500"/>
   <p:notesSz cx="6858000" cy="9144000"/>
   <p:embeddedFontLst>
     <p:embeddedFont>
       <p:font typeface="Calibri" panose="020F0502020204030204"/>
-      <p:regular r:id="rId76"/>
+      <p:regular r:id="rId78"/>
     </p:embeddedFont>
     <p:embeddedFont>
       <p:font typeface="Roboto" panose="02000000000000000000"/>
-      <p:regular r:id="rId77"/>
-      <p:bold r:id="rId78"/>
-      <p:italic r:id="rId79"/>
-      <p:boldItalic r:id="rId80"/>
+      <p:regular r:id="rId79"/>
+      <p:bold r:id="rId80"/>
+      <p:italic r:id="rId81"/>
+      <p:boldItalic r:id="rId82"/>
+    </p:embeddedFont>
+    <p:embeddedFont>
+      <p:font typeface="Calibri" panose="020F0502020204030204" charset="0"/>
+      <p:regular r:id="rId83"/>
+      <p:bold r:id="rId84"/>
+      <p:italic r:id="rId85"/>
+      <p:boldItalic r:id="rId86"/>
+    </p:embeddedFont>
+    <p:embeddedFont>
+      <p:font typeface="MS PGothic" panose="020B0600070205080204" charset="-128"/>
+      <p:regular r:id="rId87"/>
+    </p:embeddedFont>
+    <p:embeddedFont>
+      <p:font typeface="Lucida Sans" panose="020B0602030504020204" charset="0"/>
+      <p:regular r:id="rId88"/>
+      <p:bold r:id="rId89"/>
+      <p:italic r:id="rId90"/>
     </p:embeddedFont>
     <p:embeddedFont>
       <p:font typeface="Roboto Mono" panose="00000009000000000000"/>
-      <p:regular r:id="rId81"/>
-      <p:bold r:id="rId82"/>
-      <p:italic r:id="rId83"/>
-      <p:boldItalic r:id="rId84"/>
+      <p:regular r:id="rId91"/>
+      <p:bold r:id="rId92"/>
+      <p:italic r:id="rId93"/>
+      <p:boldItalic r:id="rId94"/>
     </p:embeddedFont>
     <p:embeddedFont>
       <p:font typeface="Noto Sans Symbols"/>
-      <p:regular r:id="rId85"/>
-      <p:bold r:id="rId86"/>
-    </p:embeddedFont>
-    <p:embeddedFont>
-      <p:font typeface="Calibri" panose="020F0502020204030204" charset="0"/>
-      <p:regular r:id="rId87"/>
-      <p:bold r:id="rId88"/>
-      <p:italic r:id="rId89"/>
-      <p:boldItalic r:id="rId90"/>
-    </p:embeddedFont>
-    <p:embeddedFont>
-      <p:font typeface="MS PGothic" panose="020B0600070205080204" charset="-128"/>
-      <p:regular r:id="rId91"/>
-    </p:embeddedFont>
-    <p:embeddedFont>
-      <p:font typeface="Lucida Sans" panose="020B0602030504020204" charset="0"/>
-      <p:regular r:id="rId92"/>
-      <p:bold r:id="rId93"/>
-      <p:italic r:id="rId94"/>
+      <p:regular r:id="rId95"/>
+      <p:bold r:id="rId96"/>
     </p:embeddedFont>
   </p:embeddedFontLst>
   <p:defaultTextStyle>
@@ -354,7 +356,7 @@
   <p:extLst>
     <p:ext uri="{EFAFB233-063F-42B5-8137-9DF3F51BA10A}">
       <p15:sldGuideLst xmlns:p15="http://schemas.microsoft.com/office/powerpoint/2012/main">
-        <p15:guide id="1" orient="horz" pos="1612" userDrawn="1">
+        <p15:guide id="1" orient="horz" pos="1620" userDrawn="1">
           <p15:clr>
             <a:srgbClr val="747775"/>
           </p15:clr>
@@ -4036,6 +4038,204 @@
   <p:cSld>
     <p:spTree>
       <p:nvGrpSpPr>
+        <p:cNvPr id="329" name="Shape 329"/>
+        <p:cNvGrpSpPr/>
+        <p:nvPr/>
+      </p:nvGrpSpPr>
+      <p:grpSpPr>
+        <a:xfrm>
+          <a:off x="0" y="0"/>
+          <a:ext cx="0" cy="0"/>
+          <a:chOff x="0" y="0"/>
+          <a:chExt cx="0" cy="0"/>
+        </a:xfrm>
+      </p:grpSpPr>
+      <p:sp>
+        <p:nvSpPr>
+          <p:cNvPr id="330" name="Google Shape;330;g30ad953b3ee_0_35:notes"/>
+          <p:cNvSpPr/>
+          <p:nvPr>
+            <p:ph type="sldImg" idx="2"/>
+          </p:nvPr>
+        </p:nvSpPr>
+        <p:spPr>
+          <a:xfrm>
+            <a:off x="381300" y="685800"/>
+            <a:ext cx="6096000" cy="3429000"/>
+          </a:xfrm>
+          <a:custGeom>
+            <a:avLst/>
+            <a:gdLst/>
+            <a:ahLst/>
+            <a:cxnLst/>
+            <a:rect l="l" t="t" r="r" b="b"/>
+            <a:pathLst>
+              <a:path w="120000" h="120000" extrusionOk="0">
+                <a:moveTo>
+                  <a:pt x="0" y="0"/>
+                </a:moveTo>
+                <a:lnTo>
+                  <a:pt x="120000" y="0"/>
+                </a:lnTo>
+                <a:lnTo>
+                  <a:pt x="120000" y="120000"/>
+                </a:lnTo>
+                <a:lnTo>
+                  <a:pt x="0" y="120000"/>
+                </a:lnTo>
+                <a:close/>
+              </a:path>
+            </a:pathLst>
+          </a:custGeom>
+        </p:spPr>
+      </p:sp>
+      <p:sp>
+        <p:nvSpPr>
+          <p:cNvPr id="331" name="Google Shape;331;g30ad953b3ee_0_35:notes"/>
+          <p:cNvSpPr txBox="1"/>
+          <p:nvPr>
+            <p:ph type="body" idx="1"/>
+          </p:nvPr>
+        </p:nvSpPr>
+        <p:spPr>
+          <a:xfrm>
+            <a:off x="685800" y="4343400"/>
+            <a:ext cx="5486400" cy="4114800"/>
+          </a:xfrm>
+          <a:prstGeom prst="rect">
+            <a:avLst/>
+          </a:prstGeom>
+        </p:spPr>
+        <p:txBody>
+          <a:bodyPr spcFirstLastPara="1" wrap="square" lIns="91425" tIns="91425" rIns="91425" bIns="91425" anchor="t" anchorCtr="0">
+            <a:noAutofit/>
+          </a:bodyPr>
+          <a:lstStyle/>
+          <a:p>
+            <a:pPr marL="0" lvl="0" indent="0" algn="l" rtl="0">
+              <a:spcBef>
+                <a:spcPts val="0"/>
+              </a:spcBef>
+              <a:spcAft>
+                <a:spcPts val="0"/>
+              </a:spcAft>
+              <a:buNone/>
+            </a:pPr>
+          </a:p>
+        </p:txBody>
+      </p:sp>
+    </p:spTree>
+  </p:cSld>
+  <p:clrMapOvr>
+    <a:masterClrMapping/>
+  </p:clrMapOvr>
+</p:notes>
+</file>
+
+<file path=ppt/notesSlides/notesSlide34.xml><?xml version="1.0" encoding="utf-8"?>
+<p:notes xmlns:a="http://schemas.openxmlformats.org/drawingml/2006/main" xmlns:r="http://schemas.openxmlformats.org/officeDocument/2006/relationships" xmlns:p="http://schemas.openxmlformats.org/presentationml/2006/main" showMasterPhAnim="0" showMasterSp="0">
+  <p:cSld>
+    <p:spTree>
+      <p:nvGrpSpPr>
+        <p:cNvPr id="335" name="Shape 335"/>
+        <p:cNvGrpSpPr/>
+        <p:nvPr/>
+      </p:nvGrpSpPr>
+      <p:grpSpPr>
+        <a:xfrm>
+          <a:off x="0" y="0"/>
+          <a:ext cx="0" cy="0"/>
+          <a:chOff x="0" y="0"/>
+          <a:chExt cx="0" cy="0"/>
+        </a:xfrm>
+      </p:grpSpPr>
+      <p:sp>
+        <p:nvSpPr>
+          <p:cNvPr id="336" name="Google Shape;336;g30ad953b3ee_0_23:notes"/>
+          <p:cNvSpPr/>
+          <p:nvPr>
+            <p:ph type="sldImg" idx="2"/>
+          </p:nvPr>
+        </p:nvSpPr>
+        <p:spPr>
+          <a:xfrm>
+            <a:off x="381300" y="685800"/>
+            <a:ext cx="6096000" cy="3429000"/>
+          </a:xfrm>
+          <a:custGeom>
+            <a:avLst/>
+            <a:gdLst/>
+            <a:ahLst/>
+            <a:cxnLst/>
+            <a:rect l="l" t="t" r="r" b="b"/>
+            <a:pathLst>
+              <a:path w="120000" h="120000" extrusionOk="0">
+                <a:moveTo>
+                  <a:pt x="0" y="0"/>
+                </a:moveTo>
+                <a:lnTo>
+                  <a:pt x="120000" y="0"/>
+                </a:lnTo>
+                <a:lnTo>
+                  <a:pt x="120000" y="120000"/>
+                </a:lnTo>
+                <a:lnTo>
+                  <a:pt x="0" y="120000"/>
+                </a:lnTo>
+                <a:close/>
+              </a:path>
+            </a:pathLst>
+          </a:custGeom>
+        </p:spPr>
+      </p:sp>
+      <p:sp>
+        <p:nvSpPr>
+          <p:cNvPr id="337" name="Google Shape;337;g30ad953b3ee_0_23:notes"/>
+          <p:cNvSpPr txBox="1"/>
+          <p:nvPr>
+            <p:ph type="body" idx="1"/>
+          </p:nvPr>
+        </p:nvSpPr>
+        <p:spPr>
+          <a:xfrm>
+            <a:off x="685800" y="4343400"/>
+            <a:ext cx="5486400" cy="4114800"/>
+          </a:xfrm>
+          <a:prstGeom prst="rect">
+            <a:avLst/>
+          </a:prstGeom>
+        </p:spPr>
+        <p:txBody>
+          <a:bodyPr spcFirstLastPara="1" wrap="square" lIns="91425" tIns="91425" rIns="91425" bIns="91425" anchor="t" anchorCtr="0">
+            <a:noAutofit/>
+          </a:bodyPr>
+          <a:lstStyle/>
+          <a:p>
+            <a:pPr marL="0" lvl="0" indent="0" algn="l" rtl="0">
+              <a:spcBef>
+                <a:spcPts val="0"/>
+              </a:spcBef>
+              <a:spcAft>
+                <a:spcPts val="0"/>
+              </a:spcAft>
+              <a:buNone/>
+            </a:pPr>
+          </a:p>
+        </p:txBody>
+      </p:sp>
+    </p:spTree>
+  </p:cSld>
+  <p:clrMapOvr>
+    <a:masterClrMapping/>
+  </p:clrMapOvr>
+</p:notes>
+</file>
+
+<file path=ppt/notesSlides/notesSlide35.xml><?xml version="1.0" encoding="utf-8"?>
+<p:notes xmlns:a="http://schemas.openxmlformats.org/drawingml/2006/main" xmlns:r="http://schemas.openxmlformats.org/officeDocument/2006/relationships" xmlns:p="http://schemas.openxmlformats.org/presentationml/2006/main" showMasterPhAnim="0" showMasterSp="0">
+  <p:cSld>
+    <p:spTree>
+      <p:nvGrpSpPr>
         <p:cNvPr id="322" name="Shape 322"/>
         <p:cNvGrpSpPr/>
         <p:nvPr/>
@@ -4199,204 +4399,6 @@
               <a:cs typeface="Arial" panose="020B0604020202020204"/>
               <a:sym typeface="Arial" panose="020B0604020202020204"/>
             </a:endParaRPr>
-          </a:p>
-        </p:txBody>
-      </p:sp>
-    </p:spTree>
-  </p:cSld>
-  <p:clrMapOvr>
-    <a:masterClrMapping/>
-  </p:clrMapOvr>
-</p:notes>
-</file>
-
-<file path=ppt/notesSlides/notesSlide34.xml><?xml version="1.0" encoding="utf-8"?>
-<p:notes xmlns:a="http://schemas.openxmlformats.org/drawingml/2006/main" xmlns:r="http://schemas.openxmlformats.org/officeDocument/2006/relationships" xmlns:p="http://schemas.openxmlformats.org/presentationml/2006/main" showMasterPhAnim="0" showMasterSp="0">
-  <p:cSld>
-    <p:spTree>
-      <p:nvGrpSpPr>
-        <p:cNvPr id="329" name="Shape 329"/>
-        <p:cNvGrpSpPr/>
-        <p:nvPr/>
-      </p:nvGrpSpPr>
-      <p:grpSpPr>
-        <a:xfrm>
-          <a:off x="0" y="0"/>
-          <a:ext cx="0" cy="0"/>
-          <a:chOff x="0" y="0"/>
-          <a:chExt cx="0" cy="0"/>
-        </a:xfrm>
-      </p:grpSpPr>
-      <p:sp>
-        <p:nvSpPr>
-          <p:cNvPr id="330" name="Google Shape;330;g30ad953b3ee_0_35:notes"/>
-          <p:cNvSpPr/>
-          <p:nvPr>
-            <p:ph type="sldImg" idx="2"/>
-          </p:nvPr>
-        </p:nvSpPr>
-        <p:spPr>
-          <a:xfrm>
-            <a:off x="381300" y="685800"/>
-            <a:ext cx="6096000" cy="3429000"/>
-          </a:xfrm>
-          <a:custGeom>
-            <a:avLst/>
-            <a:gdLst/>
-            <a:ahLst/>
-            <a:cxnLst/>
-            <a:rect l="l" t="t" r="r" b="b"/>
-            <a:pathLst>
-              <a:path w="120000" h="120000" extrusionOk="0">
-                <a:moveTo>
-                  <a:pt x="0" y="0"/>
-                </a:moveTo>
-                <a:lnTo>
-                  <a:pt x="120000" y="0"/>
-                </a:lnTo>
-                <a:lnTo>
-                  <a:pt x="120000" y="120000"/>
-                </a:lnTo>
-                <a:lnTo>
-                  <a:pt x="0" y="120000"/>
-                </a:lnTo>
-                <a:close/>
-              </a:path>
-            </a:pathLst>
-          </a:custGeom>
-        </p:spPr>
-      </p:sp>
-      <p:sp>
-        <p:nvSpPr>
-          <p:cNvPr id="331" name="Google Shape;331;g30ad953b3ee_0_35:notes"/>
-          <p:cNvSpPr txBox="1"/>
-          <p:nvPr>
-            <p:ph type="body" idx="1"/>
-          </p:nvPr>
-        </p:nvSpPr>
-        <p:spPr>
-          <a:xfrm>
-            <a:off x="685800" y="4343400"/>
-            <a:ext cx="5486400" cy="4114800"/>
-          </a:xfrm>
-          <a:prstGeom prst="rect">
-            <a:avLst/>
-          </a:prstGeom>
-        </p:spPr>
-        <p:txBody>
-          <a:bodyPr spcFirstLastPara="1" wrap="square" lIns="91425" tIns="91425" rIns="91425" bIns="91425" anchor="t" anchorCtr="0">
-            <a:noAutofit/>
-          </a:bodyPr>
-          <a:lstStyle/>
-          <a:p>
-            <a:pPr marL="0" lvl="0" indent="0" algn="l" rtl="0">
-              <a:spcBef>
-                <a:spcPts val="0"/>
-              </a:spcBef>
-              <a:spcAft>
-                <a:spcPts val="0"/>
-              </a:spcAft>
-              <a:buNone/>
-            </a:pPr>
-          </a:p>
-        </p:txBody>
-      </p:sp>
-    </p:spTree>
-  </p:cSld>
-  <p:clrMapOvr>
-    <a:masterClrMapping/>
-  </p:clrMapOvr>
-</p:notes>
-</file>
-
-<file path=ppt/notesSlides/notesSlide35.xml><?xml version="1.0" encoding="utf-8"?>
-<p:notes xmlns:a="http://schemas.openxmlformats.org/drawingml/2006/main" xmlns:r="http://schemas.openxmlformats.org/officeDocument/2006/relationships" xmlns:p="http://schemas.openxmlformats.org/presentationml/2006/main" showMasterPhAnim="0" showMasterSp="0">
-  <p:cSld>
-    <p:spTree>
-      <p:nvGrpSpPr>
-        <p:cNvPr id="335" name="Shape 335"/>
-        <p:cNvGrpSpPr/>
-        <p:nvPr/>
-      </p:nvGrpSpPr>
-      <p:grpSpPr>
-        <a:xfrm>
-          <a:off x="0" y="0"/>
-          <a:ext cx="0" cy="0"/>
-          <a:chOff x="0" y="0"/>
-          <a:chExt cx="0" cy="0"/>
-        </a:xfrm>
-      </p:grpSpPr>
-      <p:sp>
-        <p:nvSpPr>
-          <p:cNvPr id="336" name="Google Shape;336;g30ad953b3ee_0_23:notes"/>
-          <p:cNvSpPr/>
-          <p:nvPr>
-            <p:ph type="sldImg" idx="2"/>
-          </p:nvPr>
-        </p:nvSpPr>
-        <p:spPr>
-          <a:xfrm>
-            <a:off x="381300" y="685800"/>
-            <a:ext cx="6096000" cy="3429000"/>
-          </a:xfrm>
-          <a:custGeom>
-            <a:avLst/>
-            <a:gdLst/>
-            <a:ahLst/>
-            <a:cxnLst/>
-            <a:rect l="l" t="t" r="r" b="b"/>
-            <a:pathLst>
-              <a:path w="120000" h="120000" extrusionOk="0">
-                <a:moveTo>
-                  <a:pt x="0" y="0"/>
-                </a:moveTo>
-                <a:lnTo>
-                  <a:pt x="120000" y="0"/>
-                </a:lnTo>
-                <a:lnTo>
-                  <a:pt x="120000" y="120000"/>
-                </a:lnTo>
-                <a:lnTo>
-                  <a:pt x="0" y="120000"/>
-                </a:lnTo>
-                <a:close/>
-              </a:path>
-            </a:pathLst>
-          </a:custGeom>
-        </p:spPr>
-      </p:sp>
-      <p:sp>
-        <p:nvSpPr>
-          <p:cNvPr id="337" name="Google Shape;337;g30ad953b3ee_0_23:notes"/>
-          <p:cNvSpPr txBox="1"/>
-          <p:nvPr>
-            <p:ph type="body" idx="1"/>
-          </p:nvPr>
-        </p:nvSpPr>
-        <p:spPr>
-          <a:xfrm>
-            <a:off x="685800" y="4343400"/>
-            <a:ext cx="5486400" cy="4114800"/>
-          </a:xfrm>
-          <a:prstGeom prst="rect">
-            <a:avLst/>
-          </a:prstGeom>
-        </p:spPr>
-        <p:txBody>
-          <a:bodyPr spcFirstLastPara="1" wrap="square" lIns="91425" tIns="91425" rIns="91425" bIns="91425" anchor="t" anchorCtr="0">
-            <a:noAutofit/>
-          </a:bodyPr>
-          <a:lstStyle/>
-          <a:p>
-            <a:pPr marL="0" lvl="0" indent="0" algn="l" rtl="0">
-              <a:spcBef>
-                <a:spcPts val="0"/>
-              </a:spcBef>
-              <a:spcAft>
-                <a:spcPts val="0"/>
-              </a:spcAft>
-              <a:buNone/>
-            </a:pPr>
           </a:p>
         </p:txBody>
       </p:sp>
@@ -25686,8 +25688,8 @@
         </p:nvSpPr>
         <p:spPr>
           <a:xfrm>
-            <a:off x="609480" y="1428840"/>
-            <a:ext cx="7619400" cy="4114200"/>
+            <a:off x="609600" y="1428750"/>
+            <a:ext cx="7619365" cy="3459480"/>
           </a:xfrm>
           <a:prstGeom prst="rect">
             <a:avLst/>
@@ -27177,8 +27179,8 @@
         </p:nvSpPr>
         <p:spPr>
           <a:xfrm>
-            <a:off x="609480" y="1428840"/>
-            <a:ext cx="7619400" cy="4114200"/>
+            <a:off x="609600" y="1428750"/>
+            <a:ext cx="7619365" cy="3192780"/>
           </a:xfrm>
           <a:prstGeom prst="rect">
             <a:avLst/>
@@ -31887,380 +31889,6 @@
   <p:cSld>
     <p:spTree>
       <p:nvGrpSpPr>
-        <p:cNvPr id="326" name="Shape 326"/>
-        <p:cNvGrpSpPr/>
-        <p:nvPr/>
-      </p:nvGrpSpPr>
-      <p:grpSpPr>
-        <a:xfrm>
-          <a:off x="0" y="0"/>
-          <a:ext cx="0" cy="0"/>
-          <a:chOff x="0" y="0"/>
-          <a:chExt cx="0" cy="0"/>
-        </a:xfrm>
-      </p:grpSpPr>
-      <p:sp>
-        <p:nvSpPr>
-          <p:cNvPr id="327" name="Google Shape;327;p43"/>
-          <p:cNvSpPr/>
-          <p:nvPr/>
-        </p:nvSpPr>
-        <p:spPr>
-          <a:xfrm>
-            <a:off x="397800" y="16925"/>
-            <a:ext cx="8469000" cy="856500"/>
-          </a:xfrm>
-          <a:prstGeom prst="rect">
-            <a:avLst/>
-          </a:prstGeom>
-          <a:noFill/>
-          <a:ln>
-            <a:noFill/>
-          </a:ln>
-        </p:spPr>
-        <p:txBody>
-          <a:bodyPr spcFirstLastPara="1" wrap="square" lIns="90000" tIns="45000" rIns="90000" bIns="45000" anchor="b" anchorCtr="0">
-            <a:noAutofit/>
-          </a:bodyPr>
-          <a:lstStyle/>
-          <a:p>
-            <a:pPr marL="0" marR="0" lvl="0" indent="0" algn="l" rtl="0">
-              <a:lnSpc>
-                <a:spcPct val="100000"/>
-              </a:lnSpc>
-              <a:spcBef>
-                <a:spcPts val="0"/>
-              </a:spcBef>
-              <a:spcAft>
-                <a:spcPts val="0"/>
-              </a:spcAft>
-              <a:buNone/>
-            </a:pPr>
-            <a:r>
-              <a:rPr lang="en-GB" sz="3200" b="1">
-                <a:solidFill>
-                  <a:srgbClr val="000000"/>
-                </a:solidFill>
-                <a:latin typeface="Calibri" panose="020F0502020204030204"/>
-                <a:ea typeface="Calibri" panose="020F0502020204030204"/>
-                <a:cs typeface="Calibri" panose="020F0502020204030204"/>
-                <a:sym typeface="Calibri" panose="020F0502020204030204"/>
-              </a:rPr>
-              <a:t>Text Normalization</a:t>
-            </a:r>
-            <a:r>
-              <a:rPr lang="en-GB" sz="3200" b="1">
-                <a:latin typeface="Calibri" panose="020F0502020204030204"/>
-                <a:ea typeface="Calibri" panose="020F0502020204030204"/>
-                <a:cs typeface="Calibri" panose="020F0502020204030204"/>
-                <a:sym typeface="Calibri" panose="020F0502020204030204"/>
-              </a:rPr>
-              <a:t>: Typical NLP pipeline </a:t>
-            </a:r>
-            <a:endParaRPr sz="3200">
-              <a:solidFill>
-                <a:schemeClr val="dk1"/>
-              </a:solidFill>
-              <a:latin typeface="Arial" panose="020B0604020202020204"/>
-              <a:ea typeface="Arial" panose="020B0604020202020204"/>
-              <a:cs typeface="Arial" panose="020B0604020202020204"/>
-              <a:sym typeface="Arial" panose="020B0604020202020204"/>
-            </a:endParaRPr>
-          </a:p>
-        </p:txBody>
-      </p:sp>
-      <p:sp>
-        <p:nvSpPr>
-          <p:cNvPr id="328" name="Google Shape;328;p43"/>
-          <p:cNvSpPr/>
-          <p:nvPr/>
-        </p:nvSpPr>
-        <p:spPr>
-          <a:xfrm>
-            <a:off x="269475" y="971650"/>
-            <a:ext cx="8416800" cy="3428400"/>
-          </a:xfrm>
-          <a:prstGeom prst="rect">
-            <a:avLst/>
-          </a:prstGeom>
-          <a:noFill/>
-          <a:ln>
-            <a:noFill/>
-          </a:ln>
-        </p:spPr>
-        <p:txBody>
-          <a:bodyPr spcFirstLastPara="1" wrap="square" lIns="90000" tIns="45000" rIns="90000" bIns="45000" anchor="t" anchorCtr="0">
-            <a:noAutofit/>
-          </a:bodyPr>
-          <a:lstStyle/>
-          <a:p>
-            <a:pPr marL="342900" marR="0" lvl="0" indent="-342900" algn="l" rtl="0">
-              <a:lnSpc>
-                <a:spcPct val="150000"/>
-              </a:lnSpc>
-              <a:spcBef>
-                <a:spcPts val="0"/>
-              </a:spcBef>
-              <a:spcAft>
-                <a:spcPts val="0"/>
-              </a:spcAft>
-              <a:buClr>
-                <a:srgbClr val="CC0000"/>
-              </a:buClr>
-              <a:buSzPts val="3200"/>
-              <a:buFont typeface="Times"/>
-              <a:buChar char="•"/>
-            </a:pPr>
-            <a:r>
-              <a:rPr lang="en-GB" sz="3200">
-                <a:solidFill>
-                  <a:srgbClr val="000000"/>
-                </a:solidFill>
-                <a:latin typeface="Calibri" panose="020F0502020204030204"/>
-                <a:ea typeface="Calibri" panose="020F0502020204030204"/>
-                <a:cs typeface="Calibri" panose="020F0502020204030204"/>
-                <a:sym typeface="Calibri" panose="020F0502020204030204"/>
-              </a:rPr>
-              <a:t>Every NLP task needs to do text </a:t>
-            </a:r>
-            <a:r>
-              <a:rPr lang="en-GB" sz="3200">
-                <a:solidFill>
-                  <a:srgbClr val="000000"/>
-                </a:solidFill>
-                <a:latin typeface="Calibri" panose="020F0502020204030204"/>
-                <a:ea typeface="Calibri" panose="020F0502020204030204"/>
-                <a:cs typeface="Calibri" panose="020F0502020204030204"/>
-                <a:sym typeface="Calibri" panose="020F0502020204030204"/>
-              </a:rPr>
-              <a:t> n</a:t>
-            </a:r>
-            <a:r>
-              <a:rPr lang="en-GB" sz="3200">
-                <a:solidFill>
-                  <a:srgbClr val="000000"/>
-                </a:solidFill>
-                <a:latin typeface="Calibri" panose="020F0502020204030204"/>
-                <a:ea typeface="Calibri" panose="020F0502020204030204"/>
-                <a:cs typeface="Calibri" panose="020F0502020204030204"/>
-                <a:sym typeface="Calibri" panose="020F0502020204030204"/>
-              </a:rPr>
-              <a:t>ormalization: </a:t>
-            </a:r>
-            <a:endParaRPr sz="3200">
-              <a:solidFill>
-                <a:schemeClr val="dk1"/>
-              </a:solidFill>
-              <a:latin typeface="Arial" panose="020B0604020202020204"/>
-              <a:ea typeface="Arial" panose="020B0604020202020204"/>
-              <a:cs typeface="Arial" panose="020B0604020202020204"/>
-              <a:sym typeface="Arial" panose="020B0604020202020204"/>
-            </a:endParaRPr>
-          </a:p>
-          <a:p>
-            <a:pPr marL="914400" marR="0" lvl="1" indent="-457200" algn="l" rtl="0">
-              <a:lnSpc>
-                <a:spcPct val="150000"/>
-              </a:lnSpc>
-              <a:spcBef>
-                <a:spcPts val="600"/>
-              </a:spcBef>
-              <a:spcAft>
-                <a:spcPts val="0"/>
-              </a:spcAft>
-              <a:buClr>
-                <a:srgbClr val="000000"/>
-              </a:buClr>
-              <a:buSzPts val="2800"/>
-              <a:buFont typeface="Calibri" panose="020F0502020204030204"/>
-              <a:buAutoNum type="arabicPeriod"/>
-            </a:pPr>
-            <a:r>
-              <a:rPr lang="en-GB" sz="2800" b="0" i="0" u="none" strike="noStrike" cap="none">
-                <a:solidFill>
-                  <a:srgbClr val="000000"/>
-                </a:solidFill>
-                <a:latin typeface="Calibri" panose="020F0502020204030204"/>
-                <a:ea typeface="Calibri" panose="020F0502020204030204"/>
-                <a:cs typeface="Calibri" panose="020F0502020204030204"/>
-                <a:sym typeface="Calibri" panose="020F0502020204030204"/>
-              </a:rPr>
-              <a:t>Segmenting/tokenizing words in running text</a:t>
-            </a:r>
-            <a:endParaRPr sz="2800" b="0" i="0" u="none" strike="noStrike" cap="none">
-              <a:solidFill>
-                <a:schemeClr val="dk1"/>
-              </a:solidFill>
-              <a:latin typeface="Arial" panose="020B0604020202020204"/>
-              <a:ea typeface="Arial" panose="020B0604020202020204"/>
-              <a:cs typeface="Arial" panose="020B0604020202020204"/>
-              <a:sym typeface="Arial" panose="020B0604020202020204"/>
-            </a:endParaRPr>
-          </a:p>
-          <a:p>
-            <a:pPr marL="914400" marR="0" lvl="1" indent="-457200" algn="l" rtl="0">
-              <a:lnSpc>
-                <a:spcPct val="150000"/>
-              </a:lnSpc>
-              <a:spcBef>
-                <a:spcPts val="600"/>
-              </a:spcBef>
-              <a:spcAft>
-                <a:spcPts val="0"/>
-              </a:spcAft>
-              <a:buClr>
-                <a:srgbClr val="000000"/>
-              </a:buClr>
-              <a:buSzPts val="2800"/>
-              <a:buFont typeface="Calibri" panose="020F0502020204030204"/>
-              <a:buAutoNum type="arabicPeriod"/>
-            </a:pPr>
-            <a:r>
-              <a:rPr lang="en-GB" sz="2800" b="0" i="0" u="none" strike="noStrike" cap="none">
-                <a:solidFill>
-                  <a:srgbClr val="000000"/>
-                </a:solidFill>
-                <a:latin typeface="Calibri" panose="020F0502020204030204"/>
-                <a:ea typeface="Calibri" panose="020F0502020204030204"/>
-                <a:cs typeface="Calibri" panose="020F0502020204030204"/>
-                <a:sym typeface="Calibri" panose="020F0502020204030204"/>
-              </a:rPr>
-              <a:t>Normalizing word formats</a:t>
-            </a:r>
-            <a:endParaRPr sz="2800" b="0" i="0" u="none" strike="noStrike" cap="none">
-              <a:solidFill>
-                <a:schemeClr val="dk1"/>
-              </a:solidFill>
-              <a:latin typeface="Arial" panose="020B0604020202020204"/>
-              <a:ea typeface="Arial" panose="020B0604020202020204"/>
-              <a:cs typeface="Arial" panose="020B0604020202020204"/>
-              <a:sym typeface="Arial" panose="020B0604020202020204"/>
-            </a:endParaRPr>
-          </a:p>
-          <a:p>
-            <a:pPr marL="914400" marR="0" lvl="1" indent="-457200" algn="l" rtl="0">
-              <a:lnSpc>
-                <a:spcPct val="150000"/>
-              </a:lnSpc>
-              <a:spcBef>
-                <a:spcPts val="600"/>
-              </a:spcBef>
-              <a:spcAft>
-                <a:spcPts val="0"/>
-              </a:spcAft>
-              <a:buClr>
-                <a:srgbClr val="000000"/>
-              </a:buClr>
-              <a:buSzPts val="2800"/>
-              <a:buFont typeface="Calibri" panose="020F0502020204030204"/>
-              <a:buAutoNum type="arabicPeriod"/>
-            </a:pPr>
-            <a:r>
-              <a:rPr lang="en-GB" sz="2800" b="0" i="0" u="none" strike="noStrike" cap="none">
-                <a:solidFill>
-                  <a:srgbClr val="000000"/>
-                </a:solidFill>
-                <a:latin typeface="Calibri" panose="020F0502020204030204"/>
-                <a:ea typeface="Calibri" panose="020F0502020204030204"/>
-                <a:cs typeface="Calibri" panose="020F0502020204030204"/>
-                <a:sym typeface="Calibri" panose="020F0502020204030204"/>
-              </a:rPr>
-              <a:t>Segmenting sentences in running text</a:t>
-            </a:r>
-            <a:endParaRPr sz="2800" b="0" i="0" u="none" strike="noStrike" cap="none">
-              <a:solidFill>
-                <a:schemeClr val="dk1"/>
-              </a:solidFill>
-              <a:latin typeface="Arial" panose="020B0604020202020204"/>
-              <a:ea typeface="Arial" panose="020B0604020202020204"/>
-              <a:cs typeface="Arial" panose="020B0604020202020204"/>
-              <a:sym typeface="Arial" panose="020B0604020202020204"/>
-            </a:endParaRPr>
-          </a:p>
-          <a:p>
-            <a:pPr marL="685800" marR="0" lvl="0" indent="-228600" algn="l" rtl="0">
-              <a:lnSpc>
-                <a:spcPct val="90000"/>
-              </a:lnSpc>
-              <a:spcBef>
-                <a:spcPts val="400"/>
-              </a:spcBef>
-              <a:spcAft>
-                <a:spcPts val="0"/>
-              </a:spcAft>
-              <a:buNone/>
-            </a:pPr>
-            <a:endParaRPr sz="2800">
-              <a:solidFill>
-                <a:schemeClr val="dk1"/>
-              </a:solidFill>
-              <a:latin typeface="Arial" panose="020B0604020202020204"/>
-              <a:ea typeface="Arial" panose="020B0604020202020204"/>
-              <a:cs typeface="Arial" panose="020B0604020202020204"/>
-              <a:sym typeface="Arial" panose="020B0604020202020204"/>
-            </a:endParaRPr>
-          </a:p>
-          <a:p>
-            <a:pPr marL="685800" marR="0" lvl="0" indent="-228600" algn="l" rtl="0">
-              <a:lnSpc>
-                <a:spcPct val="90000"/>
-              </a:lnSpc>
-              <a:spcBef>
-                <a:spcPts val="400"/>
-              </a:spcBef>
-              <a:spcAft>
-                <a:spcPts val="0"/>
-              </a:spcAft>
-              <a:buNone/>
-            </a:pPr>
-            <a:endParaRPr sz="2800">
-              <a:solidFill>
-                <a:schemeClr val="dk1"/>
-              </a:solidFill>
-              <a:latin typeface="Arial" panose="020B0604020202020204"/>
-              <a:ea typeface="Arial" panose="020B0604020202020204"/>
-              <a:cs typeface="Arial" panose="020B0604020202020204"/>
-              <a:sym typeface="Arial" panose="020B0604020202020204"/>
-            </a:endParaRPr>
-          </a:p>
-          <a:p>
-            <a:pPr marL="685800" marR="0" lvl="0" indent="-228600" algn="l" rtl="0">
-              <a:lnSpc>
-                <a:spcPct val="90000"/>
-              </a:lnSpc>
-              <a:spcBef>
-                <a:spcPts val="400"/>
-              </a:spcBef>
-              <a:spcAft>
-                <a:spcPts val="0"/>
-              </a:spcAft>
-              <a:buNone/>
-            </a:pPr>
-            <a:endParaRPr sz="2800">
-              <a:solidFill>
-                <a:schemeClr val="dk1"/>
-              </a:solidFill>
-              <a:latin typeface="Arial" panose="020B0604020202020204"/>
-              <a:ea typeface="Arial" panose="020B0604020202020204"/>
-              <a:cs typeface="Arial" panose="020B0604020202020204"/>
-              <a:sym typeface="Arial" panose="020B0604020202020204"/>
-            </a:endParaRPr>
-          </a:p>
-        </p:txBody>
-      </p:sp>
-    </p:spTree>
-  </p:cSld>
-  <p:clrMapOvr>
-    <a:masterClrMapping/>
-  </p:clrMapOvr>
-</p:sld>
-</file>
-
-<file path=ppt/slides/slide38.xml><?xml version="1.0" encoding="utf-8"?>
-<p:sld xmlns:a="http://schemas.openxmlformats.org/drawingml/2006/main" xmlns:r="http://schemas.openxmlformats.org/officeDocument/2006/relationships" xmlns:p="http://schemas.openxmlformats.org/presentationml/2006/main">
-  <p:cSld>
-    <p:spTree>
-      <p:nvGrpSpPr>
         <p:cNvPr id="332" name="Shape 332"/>
         <p:cNvGrpSpPr/>
         <p:nvPr/>
@@ -32496,7 +32124,7 @@
 </p:sld>
 </file>
 
-<file path=ppt/slides/slide39.xml><?xml version="1.0" encoding="utf-8"?>
+<file path=ppt/slides/slide38.xml><?xml version="1.0" encoding="utf-8"?>
 <p:sld xmlns:a="http://schemas.openxmlformats.org/drawingml/2006/main" xmlns:r="http://schemas.openxmlformats.org/officeDocument/2006/relationships" xmlns:p="http://schemas.openxmlformats.org/presentationml/2006/main">
   <p:cSld>
     <p:spTree>
@@ -32579,6 +32207,250 @@
           </a:ln>
         </p:spPr>
       </p:pic>
+    </p:spTree>
+  </p:cSld>
+  <p:clrMapOvr>
+    <a:masterClrMapping/>
+  </p:clrMapOvr>
+</p:sld>
+</file>
+
+<file path=ppt/slides/slide39.xml><?xml version="1.0" encoding="utf-8"?>
+<p:sld xmlns:a="http://schemas.openxmlformats.org/drawingml/2006/main" xmlns:r="http://schemas.openxmlformats.org/officeDocument/2006/relationships" xmlns:p="http://schemas.openxmlformats.org/presentationml/2006/main">
+  <p:cSld>
+    <p:spTree>
+      <p:nvGrpSpPr>
+        <p:cNvPr id="1" name=""/>
+        <p:cNvGrpSpPr/>
+        <p:nvPr/>
+      </p:nvGrpSpPr>
+      <p:grpSpPr/>
+      <p:sp>
+        <p:nvSpPr>
+          <p:cNvPr id="2" name="Title 1"/>
+          <p:cNvSpPr/>
+          <p:nvPr>
+            <p:ph type="title"/>
+          </p:nvPr>
+        </p:nvSpPr>
+        <p:spPr/>
+        <p:txBody>
+          <a:bodyPr>
+            <a:normAutofit fontScale="90000"/>
+          </a:bodyPr>
+          <a:p>
+            <a:r>
+              <a:rPr lang="en-US" altLang="en-GB"/>
+              <a:t>Sentence segmentation </a:t>
+            </a:r>
+            <a:endParaRPr lang="en-US" altLang="en-GB"/>
+          </a:p>
+        </p:txBody>
+      </p:sp>
+      <p:sp>
+        <p:nvSpPr>
+          <p:cNvPr id="3" name="Text Placeholder 2"/>
+          <p:cNvSpPr/>
+          <p:nvPr>
+            <p:ph type="body" idx="1"/>
+          </p:nvPr>
+        </p:nvSpPr>
+        <p:spPr/>
+        <p:txBody>
+          <a:bodyPr/>
+          <a:p>
+            <a:r>
+              <a:rPr lang="en-US" altLang="en-GB"/>
+              <a:t>Sentence segmentation is the process of dividing a text into individual sentences. This is a fundamental task in Natural Language Processing (NLP) and text analysis, as it helps in understanding the structure and meaning of the text.</a:t>
+            </a:r>
+            <a:endParaRPr lang="en-US" altLang="en-GB"/>
+          </a:p>
+        </p:txBody>
+      </p:sp>
+      <p:pic>
+        <p:nvPicPr>
+          <p:cNvPr id="4" name="Picture 3"/>
+          <p:cNvPicPr>
+            <a:picLocks noChangeAspect="1"/>
+          </p:cNvPicPr>
+          <p:nvPr/>
+        </p:nvPicPr>
+        <p:blipFill>
+          <a:blip r:embed="rId1"/>
+          <a:stretch>
+            <a:fillRect/>
+          </a:stretch>
+        </p:blipFill>
+        <p:spPr>
+          <a:xfrm>
+            <a:off x="114935" y="2572385"/>
+            <a:ext cx="6497955" cy="2319655"/>
+          </a:xfrm>
+          <a:prstGeom prst="rect">
+            <a:avLst/>
+          </a:prstGeom>
+          <a:ln>
+            <a:solidFill>
+              <a:schemeClr val="tx1"/>
+            </a:solidFill>
+          </a:ln>
+        </p:spPr>
+      </p:pic>
+      <p:sp>
+        <p:nvSpPr>
+          <p:cNvPr id="5" name="Text Box 4"/>
+          <p:cNvSpPr txBox="1"/>
+          <p:nvPr/>
+        </p:nvSpPr>
+        <p:spPr>
+          <a:xfrm>
+            <a:off x="6221730" y="3736340"/>
+            <a:ext cx="2794635" cy="1322070"/>
+          </a:xfrm>
+          <a:prstGeom prst="rect">
+            <a:avLst/>
+          </a:prstGeom>
+          <a:ln>
+            <a:solidFill>
+              <a:schemeClr val="tx1"/>
+            </a:solidFill>
+          </a:ln>
+        </p:spPr>
+        <p:txBody>
+          <a:bodyPr wrap="square">
+            <a:spAutoFit/>
+          </a:bodyPr>
+          <a:p>
+            <a:pPr marL="0" indent="0" algn="l" fontAlgn="base">
+              <a:spcBef>
+                <a:spcPct val="0"/>
+              </a:spcBef>
+              <a:spcAft>
+                <a:spcPct val="0"/>
+              </a:spcAft>
+            </a:pPr>
+            <a:r>
+              <a:rPr lang="en-US" altLang="zh-CN" sz="1600" b="0" i="0">
+                <a:latin typeface="ui-monospace"/>
+                <a:ea typeface="ui-monospace"/>
+              </a:rPr>
+              <a:t>Hello! </a:t>
+            </a:r>
+            <a:endParaRPr lang="en-US" altLang="zh-CN" sz="1600" b="0" i="0">
+              <a:latin typeface="ui-monospace"/>
+              <a:ea typeface="ui-monospace"/>
+            </a:endParaRPr>
+          </a:p>
+          <a:p>
+            <a:pPr marL="0" indent="0" algn="l" fontAlgn="base">
+              <a:spcBef>
+                <a:spcPct val="0"/>
+              </a:spcBef>
+              <a:spcAft>
+                <a:spcPct val="0"/>
+              </a:spcAft>
+            </a:pPr>
+            <a:r>
+              <a:rPr lang="en-US" altLang="zh-CN" sz="1600" b="0" i="0">
+                <a:solidFill>
+                  <a:srgbClr val="393A34"/>
+                </a:solidFill>
+                <a:latin typeface="ui-monospace"/>
+                <a:ea typeface="ui-monospace"/>
+              </a:rPr>
+              <a:t>My name is John. </a:t>
+            </a:r>
+            <a:endParaRPr lang="en-US" altLang="zh-CN" sz="1600" b="0" i="0">
+              <a:solidFill>
+                <a:srgbClr val="393A34"/>
+              </a:solidFill>
+              <a:latin typeface="ui-monospace"/>
+              <a:ea typeface="ui-monospace"/>
+            </a:endParaRPr>
+          </a:p>
+          <a:p>
+            <a:pPr marL="0" indent="0" algn="l" fontAlgn="base">
+              <a:spcBef>
+                <a:spcPct val="0"/>
+              </a:spcBef>
+              <a:spcAft>
+                <a:spcPct val="0"/>
+              </a:spcAft>
+            </a:pPr>
+            <a:r>
+              <a:rPr lang="en-US" altLang="zh-CN" sz="1600" b="0" i="0">
+                <a:solidFill>
+                  <a:srgbClr val="393A34"/>
+                </a:solidFill>
+                <a:latin typeface="ui-monospace"/>
+                <a:ea typeface="ui-monospace"/>
+              </a:rPr>
+              <a:t>I love programming. </a:t>
+            </a:r>
+            <a:endParaRPr lang="en-US" altLang="zh-CN" sz="1600" b="0" i="0">
+              <a:solidFill>
+                <a:srgbClr val="393A34"/>
+              </a:solidFill>
+              <a:latin typeface="ui-monospace"/>
+              <a:ea typeface="ui-monospace"/>
+            </a:endParaRPr>
+          </a:p>
+          <a:p>
+            <a:pPr marL="0" indent="0" algn="l" fontAlgn="base">
+              <a:spcBef>
+                <a:spcPct val="0"/>
+              </a:spcBef>
+              <a:spcAft>
+                <a:spcPct val="0"/>
+              </a:spcAft>
+            </a:pPr>
+            <a:r>
+              <a:rPr lang="en-US" altLang="zh-CN" sz="1600" b="0" i="0">
+                <a:solidFill>
+                  <a:srgbClr val="393A34"/>
+                </a:solidFill>
+                <a:latin typeface="ui-monospace"/>
+                <a:ea typeface="ui-monospace"/>
+              </a:rPr>
+              <a:t>How about you? </a:t>
+            </a:r>
+            <a:endParaRPr lang="en-US" altLang="zh-CN" sz="1600" b="0" i="0">
+              <a:solidFill>
+                <a:srgbClr val="393A34"/>
+              </a:solidFill>
+              <a:latin typeface="ui-monospace"/>
+              <a:ea typeface="ui-monospace"/>
+            </a:endParaRPr>
+          </a:p>
+          <a:p>
+            <a:pPr marL="0" indent="0" algn="l" fontAlgn="base">
+              <a:spcBef>
+                <a:spcPct val="0"/>
+              </a:spcBef>
+              <a:spcAft>
+                <a:spcPct val="0"/>
+              </a:spcAft>
+            </a:pPr>
+            <a:r>
+              <a:rPr lang="en-US" altLang="zh-CN" sz="1600" b="0" i="0">
+                <a:solidFill>
+                  <a:srgbClr val="393A34"/>
+                </a:solidFill>
+                <a:latin typeface="ui-monospace"/>
+                <a:ea typeface="ui-monospace"/>
+              </a:rPr>
+              <a:t>Let's code together.</a:t>
+            </a:r>
+            <a:endParaRPr lang="en-US" altLang="zh-CN" sz="1600" b="0" i="0">
+              <a:solidFill>
+                <a:srgbClr val="393A34"/>
+              </a:solidFill>
+              <a:latin typeface="ui-monospace"/>
+              <a:ea typeface="ui-monospace"/>
+            </a:endParaRPr>
+          </a:p>
+        </p:txBody>
+      </p:sp>
     </p:spTree>
   </p:cSld>
   <p:clrMapOvr>
@@ -32769,6 +32641,524 @@
   <p:cSld>
     <p:spTree>
       <p:nvGrpSpPr>
+        <p:cNvPr id="1" name=""/>
+        <p:cNvGrpSpPr/>
+        <p:nvPr/>
+      </p:nvGrpSpPr>
+      <p:grpSpPr/>
+      <p:sp>
+        <p:nvSpPr>
+          <p:cNvPr id="2" name="Title 1"/>
+          <p:cNvSpPr/>
+          <p:nvPr>
+            <p:ph type="title"/>
+          </p:nvPr>
+        </p:nvSpPr>
+        <p:spPr/>
+        <p:txBody>
+          <a:bodyPr>
+            <a:normAutofit fontScale="90000"/>
+          </a:bodyPr>
+          <a:p>
+            <a:r>
+              <a:rPr lang="en-US" altLang="en-GB"/>
+              <a:t>Tokenization </a:t>
+            </a:r>
+            <a:endParaRPr lang="en-US" altLang="en-GB"/>
+          </a:p>
+        </p:txBody>
+      </p:sp>
+      <p:sp>
+        <p:nvSpPr>
+          <p:cNvPr id="3" name="Text Placeholder 2"/>
+          <p:cNvSpPr/>
+          <p:nvPr>
+            <p:ph type="body" idx="1"/>
+          </p:nvPr>
+        </p:nvSpPr>
+        <p:spPr/>
+        <p:txBody>
+          <a:bodyPr/>
+          <a:p>
+            <a:pPr marL="114300" indent="0">
+              <a:buNone/>
+            </a:pPr>
+            <a:r>
+              <a:rPr lang="en-US" altLang="en-GB" sz="1600"/>
+              <a:t>Tokenization is the process of breaking down text into smaller units, called tokens. These tokens can be words, phrases, or even sentences, depending on the level of tokenization being applied. In this example, we will perform word tokenization on the provided text.</a:t>
+            </a:r>
+            <a:endParaRPr lang="en-US" altLang="en-GB" sz="1600"/>
+          </a:p>
+          <a:p>
+            <a:endParaRPr lang="en-US" altLang="en-GB" sz="1600"/>
+          </a:p>
+          <a:p>
+            <a:endParaRPr lang="en-US" altLang="en-GB" sz="1600"/>
+          </a:p>
+        </p:txBody>
+      </p:sp>
+      <p:pic>
+        <p:nvPicPr>
+          <p:cNvPr id="4" name="Picture 3"/>
+          <p:cNvPicPr>
+            <a:picLocks noChangeAspect="1"/>
+          </p:cNvPicPr>
+          <p:nvPr/>
+        </p:nvPicPr>
+        <p:blipFill>
+          <a:blip r:embed="rId1"/>
+          <a:stretch>
+            <a:fillRect/>
+          </a:stretch>
+        </p:blipFill>
+        <p:spPr>
+          <a:xfrm>
+            <a:off x="1087120" y="2133600"/>
+            <a:ext cx="6754495" cy="2186305"/>
+          </a:xfrm>
+          <a:prstGeom prst="rect">
+            <a:avLst/>
+          </a:prstGeom>
+          <a:ln>
+            <a:solidFill>
+              <a:schemeClr val="tx1"/>
+            </a:solidFill>
+          </a:ln>
+        </p:spPr>
+      </p:pic>
+      <p:sp>
+        <p:nvSpPr>
+          <p:cNvPr id="5" name="Text Box 4"/>
+          <p:cNvSpPr txBox="1"/>
+          <p:nvPr/>
+        </p:nvSpPr>
+        <p:spPr>
+          <a:xfrm>
+            <a:off x="318770" y="4458970"/>
+            <a:ext cx="8513445" cy="460375"/>
+          </a:xfrm>
+          <a:prstGeom prst="rect">
+            <a:avLst/>
+          </a:prstGeom>
+          <a:ln>
+            <a:solidFill>
+              <a:schemeClr val="tx1"/>
+            </a:solidFill>
+          </a:ln>
+        </p:spPr>
+        <p:txBody>
+          <a:bodyPr wrap="square">
+            <a:spAutoFit/>
+          </a:bodyPr>
+          <a:p>
+            <a:pPr marL="0" indent="0" algn="l"/>
+            <a:r>
+              <a:rPr lang="en-US" altLang="zh-CN" sz="1200" b="0" i="0">
+                <a:solidFill>
+                  <a:srgbClr val="222222"/>
+                </a:solidFill>
+                <a:latin typeface="ui-monospace"/>
+                <a:ea typeface="ui-monospace"/>
+              </a:rPr>
+              <a:t>['Hello', '!', 'My', 'name', 'is', 'John', '.', 'I', 'love', 'programming', '.', 'How', 'about', 'you', '?', 'Let', "'s", 'code', 'together', '.']</a:t>
+            </a:r>
+            <a:endParaRPr lang="en-US" altLang="zh-CN" sz="1200" b="0" i="0">
+              <a:solidFill>
+                <a:srgbClr val="222222"/>
+              </a:solidFill>
+              <a:latin typeface="ui-monospace"/>
+              <a:ea typeface="ui-monospace"/>
+            </a:endParaRPr>
+          </a:p>
+        </p:txBody>
+      </p:sp>
+    </p:spTree>
+  </p:cSld>
+  <p:clrMapOvr>
+    <a:masterClrMapping/>
+  </p:clrMapOvr>
+</p:sld>
+</file>
+
+<file path=ppt/slides/slide41.xml><?xml version="1.0" encoding="utf-8"?>
+<p:sld xmlns:a="http://schemas.openxmlformats.org/drawingml/2006/main" xmlns:r="http://schemas.openxmlformats.org/officeDocument/2006/relationships" xmlns:p="http://schemas.openxmlformats.org/presentationml/2006/main">
+  <p:cSld>
+    <p:spTree>
+      <p:nvGrpSpPr>
+        <p:cNvPr id="326" name="Shape 326"/>
+        <p:cNvGrpSpPr/>
+        <p:nvPr/>
+      </p:nvGrpSpPr>
+      <p:grpSpPr>
+        <a:xfrm>
+          <a:off x="0" y="0"/>
+          <a:ext cx="0" cy="0"/>
+          <a:chOff x="0" y="0"/>
+          <a:chExt cx="0" cy="0"/>
+        </a:xfrm>
+      </p:grpSpPr>
+      <p:sp>
+        <p:nvSpPr>
+          <p:cNvPr id="327" name="Google Shape;327;p43"/>
+          <p:cNvSpPr/>
+          <p:nvPr/>
+        </p:nvSpPr>
+        <p:spPr>
+          <a:xfrm>
+            <a:off x="397800" y="16925"/>
+            <a:ext cx="8469000" cy="856500"/>
+          </a:xfrm>
+          <a:prstGeom prst="rect">
+            <a:avLst/>
+          </a:prstGeom>
+          <a:noFill/>
+          <a:ln>
+            <a:noFill/>
+          </a:ln>
+        </p:spPr>
+        <p:txBody>
+          <a:bodyPr spcFirstLastPara="1" wrap="square" lIns="90000" tIns="45000" rIns="90000" bIns="45000" anchor="b" anchorCtr="0">
+            <a:noAutofit/>
+          </a:bodyPr>
+          <a:lstStyle/>
+          <a:p>
+            <a:pPr marL="0" marR="0" lvl="0" indent="0" algn="l" rtl="0">
+              <a:lnSpc>
+                <a:spcPct val="100000"/>
+              </a:lnSpc>
+              <a:spcBef>
+                <a:spcPts val="0"/>
+              </a:spcBef>
+              <a:spcAft>
+                <a:spcPts val="0"/>
+              </a:spcAft>
+              <a:buNone/>
+            </a:pPr>
+            <a:r>
+              <a:rPr lang="en-GB" sz="3200" b="1">
+                <a:solidFill>
+                  <a:srgbClr val="000000"/>
+                </a:solidFill>
+                <a:latin typeface="Calibri" panose="020F0502020204030204"/>
+                <a:ea typeface="Calibri" panose="020F0502020204030204"/>
+                <a:cs typeface="Calibri" panose="020F0502020204030204"/>
+                <a:sym typeface="Calibri" panose="020F0502020204030204"/>
+              </a:rPr>
+              <a:t>Text Normalization</a:t>
+            </a:r>
+            <a:r>
+              <a:rPr lang="en-GB" sz="3200" b="1">
+                <a:latin typeface="Calibri" panose="020F0502020204030204"/>
+                <a:ea typeface="Calibri" panose="020F0502020204030204"/>
+                <a:cs typeface="Calibri" panose="020F0502020204030204"/>
+                <a:sym typeface="Calibri" panose="020F0502020204030204"/>
+              </a:rPr>
+              <a:t>: Typical NLP pipeline </a:t>
+            </a:r>
+            <a:endParaRPr sz="3200">
+              <a:solidFill>
+                <a:schemeClr val="dk1"/>
+              </a:solidFill>
+              <a:latin typeface="Arial" panose="020B0604020202020204"/>
+              <a:ea typeface="Arial" panose="020B0604020202020204"/>
+              <a:cs typeface="Arial" panose="020B0604020202020204"/>
+              <a:sym typeface="Arial" panose="020B0604020202020204"/>
+            </a:endParaRPr>
+          </a:p>
+        </p:txBody>
+      </p:sp>
+      <p:sp>
+        <p:nvSpPr>
+          <p:cNvPr id="328" name="Google Shape;328;p43"/>
+          <p:cNvSpPr/>
+          <p:nvPr/>
+        </p:nvSpPr>
+        <p:spPr>
+          <a:xfrm>
+            <a:off x="269475" y="971650"/>
+            <a:ext cx="8416800" cy="3428400"/>
+          </a:xfrm>
+          <a:prstGeom prst="rect">
+            <a:avLst/>
+          </a:prstGeom>
+          <a:noFill/>
+          <a:ln>
+            <a:noFill/>
+          </a:ln>
+        </p:spPr>
+        <p:txBody>
+          <a:bodyPr spcFirstLastPara="1" wrap="square" lIns="90000" tIns="45000" rIns="90000" bIns="45000" anchor="t" anchorCtr="0">
+            <a:noAutofit/>
+          </a:bodyPr>
+          <a:lstStyle/>
+          <a:p>
+            <a:pPr marL="342900" marR="0" lvl="0" indent="-342900" algn="l" rtl="0">
+              <a:lnSpc>
+                <a:spcPct val="150000"/>
+              </a:lnSpc>
+              <a:spcBef>
+                <a:spcPts val="0"/>
+              </a:spcBef>
+              <a:spcAft>
+                <a:spcPts val="0"/>
+              </a:spcAft>
+              <a:buClr>
+                <a:srgbClr val="CC0000"/>
+              </a:buClr>
+              <a:buSzPts val="3200"/>
+              <a:buFont typeface="Times"/>
+              <a:buChar char="•"/>
+            </a:pPr>
+            <a:r>
+              <a:rPr lang="en-GB" sz="3200">
+                <a:solidFill>
+                  <a:srgbClr val="000000"/>
+                </a:solidFill>
+                <a:latin typeface="Calibri" panose="020F0502020204030204"/>
+                <a:ea typeface="Calibri" panose="020F0502020204030204"/>
+                <a:cs typeface="Calibri" panose="020F0502020204030204"/>
+                <a:sym typeface="Calibri" panose="020F0502020204030204"/>
+              </a:rPr>
+              <a:t>Every NLP task needs to do text </a:t>
+            </a:r>
+            <a:r>
+              <a:rPr lang="en-GB" sz="3200">
+                <a:solidFill>
+                  <a:srgbClr val="000000"/>
+                </a:solidFill>
+                <a:latin typeface="Calibri" panose="020F0502020204030204"/>
+                <a:ea typeface="Calibri" panose="020F0502020204030204"/>
+                <a:cs typeface="Calibri" panose="020F0502020204030204"/>
+                <a:sym typeface="Calibri" panose="020F0502020204030204"/>
+              </a:rPr>
+              <a:t> n</a:t>
+            </a:r>
+            <a:r>
+              <a:rPr lang="en-GB" sz="3200">
+                <a:solidFill>
+                  <a:srgbClr val="000000"/>
+                </a:solidFill>
+                <a:latin typeface="Calibri" panose="020F0502020204030204"/>
+                <a:ea typeface="Calibri" panose="020F0502020204030204"/>
+                <a:cs typeface="Calibri" panose="020F0502020204030204"/>
+                <a:sym typeface="Calibri" panose="020F0502020204030204"/>
+              </a:rPr>
+              <a:t>ormalization: </a:t>
+            </a:r>
+            <a:endParaRPr sz="3200">
+              <a:solidFill>
+                <a:schemeClr val="dk1"/>
+              </a:solidFill>
+              <a:latin typeface="Arial" panose="020B0604020202020204"/>
+              <a:ea typeface="Arial" panose="020B0604020202020204"/>
+              <a:cs typeface="Arial" panose="020B0604020202020204"/>
+              <a:sym typeface="Arial" panose="020B0604020202020204"/>
+            </a:endParaRPr>
+          </a:p>
+          <a:p>
+            <a:pPr marL="914400" marR="0" lvl="1" indent="-457200" algn="l" rtl="0">
+              <a:lnSpc>
+                <a:spcPct val="150000"/>
+              </a:lnSpc>
+              <a:spcBef>
+                <a:spcPts val="600"/>
+              </a:spcBef>
+              <a:spcAft>
+                <a:spcPts val="0"/>
+              </a:spcAft>
+              <a:buClr>
+                <a:srgbClr val="000000"/>
+              </a:buClr>
+              <a:buSzPts val="2800"/>
+              <a:buFont typeface="Calibri" panose="020F0502020204030204"/>
+              <a:buAutoNum type="arabicPeriod"/>
+            </a:pPr>
+            <a:r>
+              <a:rPr lang="en-GB" sz="2800" b="0" i="0" u="none" strike="noStrike" cap="none">
+                <a:solidFill>
+                  <a:srgbClr val="000000"/>
+                </a:solidFill>
+                <a:latin typeface="Calibri" panose="020F0502020204030204"/>
+                <a:ea typeface="Calibri" panose="020F0502020204030204"/>
+                <a:cs typeface="Calibri" panose="020F0502020204030204"/>
+                <a:sym typeface="Calibri" panose="020F0502020204030204"/>
+              </a:rPr>
+              <a:t>Segmenting/tokenizing words in running text</a:t>
+            </a:r>
+            <a:endParaRPr sz="2800" b="0" i="0" u="none" strike="noStrike" cap="none">
+              <a:solidFill>
+                <a:schemeClr val="dk1"/>
+              </a:solidFill>
+              <a:latin typeface="Arial" panose="020B0604020202020204"/>
+              <a:ea typeface="Arial" panose="020B0604020202020204"/>
+              <a:cs typeface="Arial" panose="020B0604020202020204"/>
+              <a:sym typeface="Arial" panose="020B0604020202020204"/>
+            </a:endParaRPr>
+          </a:p>
+          <a:p>
+            <a:pPr marL="914400" marR="0" lvl="1" indent="-457200" algn="l" rtl="0">
+              <a:lnSpc>
+                <a:spcPct val="150000"/>
+              </a:lnSpc>
+              <a:spcBef>
+                <a:spcPts val="600"/>
+              </a:spcBef>
+              <a:spcAft>
+                <a:spcPts val="0"/>
+              </a:spcAft>
+              <a:buClr>
+                <a:srgbClr val="000000"/>
+              </a:buClr>
+              <a:buSzPts val="2800"/>
+              <a:buFont typeface="Calibri" panose="020F0502020204030204"/>
+              <a:buAutoNum type="arabicPeriod"/>
+            </a:pPr>
+            <a:r>
+              <a:rPr lang="en-GB" sz="2800" b="0" i="0" u="none" strike="noStrike" cap="none">
+                <a:solidFill>
+                  <a:srgbClr val="000000"/>
+                </a:solidFill>
+                <a:latin typeface="Calibri" panose="020F0502020204030204"/>
+                <a:ea typeface="Calibri" panose="020F0502020204030204"/>
+                <a:cs typeface="Calibri" panose="020F0502020204030204"/>
+                <a:sym typeface="Calibri" panose="020F0502020204030204"/>
+              </a:rPr>
+              <a:t>Normalizing word formats</a:t>
+            </a:r>
+            <a:endParaRPr sz="2800" b="0" i="0" u="none" strike="noStrike" cap="none">
+              <a:solidFill>
+                <a:schemeClr val="dk1"/>
+              </a:solidFill>
+              <a:latin typeface="Arial" panose="020B0604020202020204"/>
+              <a:ea typeface="Arial" panose="020B0604020202020204"/>
+              <a:cs typeface="Arial" panose="020B0604020202020204"/>
+              <a:sym typeface="Arial" panose="020B0604020202020204"/>
+            </a:endParaRPr>
+          </a:p>
+          <a:p>
+            <a:pPr marL="914400" marR="0" lvl="1" indent="-457200" algn="l" rtl="0">
+              <a:lnSpc>
+                <a:spcPct val="150000"/>
+              </a:lnSpc>
+              <a:spcBef>
+                <a:spcPts val="600"/>
+              </a:spcBef>
+              <a:spcAft>
+                <a:spcPts val="0"/>
+              </a:spcAft>
+              <a:buClr>
+                <a:srgbClr val="000000"/>
+              </a:buClr>
+              <a:buSzPts val="2800"/>
+              <a:buFont typeface="Calibri" panose="020F0502020204030204"/>
+              <a:buAutoNum type="arabicPeriod"/>
+            </a:pPr>
+            <a:r>
+              <a:rPr lang="en-GB" sz="2800" b="0" i="0" u="none" strike="noStrike" cap="none">
+                <a:solidFill>
+                  <a:srgbClr val="000000"/>
+                </a:solidFill>
+                <a:latin typeface="Calibri" panose="020F0502020204030204"/>
+                <a:ea typeface="Calibri" panose="020F0502020204030204"/>
+                <a:cs typeface="Calibri" panose="020F0502020204030204"/>
+                <a:sym typeface="Calibri" panose="020F0502020204030204"/>
+              </a:rPr>
+              <a:t>Segmenting sentences in running text</a:t>
+            </a:r>
+            <a:endParaRPr sz="2800" b="0" i="0" u="none" strike="noStrike" cap="none">
+              <a:solidFill>
+                <a:schemeClr val="dk1"/>
+              </a:solidFill>
+              <a:latin typeface="Arial" panose="020B0604020202020204"/>
+              <a:ea typeface="Arial" panose="020B0604020202020204"/>
+              <a:cs typeface="Arial" panose="020B0604020202020204"/>
+              <a:sym typeface="Arial" panose="020B0604020202020204"/>
+            </a:endParaRPr>
+          </a:p>
+          <a:p>
+            <a:pPr marL="685800" marR="0" lvl="0" indent="-228600" algn="l" rtl="0">
+              <a:lnSpc>
+                <a:spcPct val="90000"/>
+              </a:lnSpc>
+              <a:spcBef>
+                <a:spcPts val="400"/>
+              </a:spcBef>
+              <a:spcAft>
+                <a:spcPts val="0"/>
+              </a:spcAft>
+              <a:buNone/>
+            </a:pPr>
+            <a:endParaRPr sz="2800">
+              <a:solidFill>
+                <a:schemeClr val="dk1"/>
+              </a:solidFill>
+              <a:latin typeface="Arial" panose="020B0604020202020204"/>
+              <a:ea typeface="Arial" panose="020B0604020202020204"/>
+              <a:cs typeface="Arial" panose="020B0604020202020204"/>
+              <a:sym typeface="Arial" panose="020B0604020202020204"/>
+            </a:endParaRPr>
+          </a:p>
+          <a:p>
+            <a:pPr marL="685800" marR="0" lvl="0" indent="-228600" algn="l" rtl="0">
+              <a:lnSpc>
+                <a:spcPct val="90000"/>
+              </a:lnSpc>
+              <a:spcBef>
+                <a:spcPts val="400"/>
+              </a:spcBef>
+              <a:spcAft>
+                <a:spcPts val="0"/>
+              </a:spcAft>
+              <a:buNone/>
+            </a:pPr>
+            <a:endParaRPr sz="2800">
+              <a:solidFill>
+                <a:schemeClr val="dk1"/>
+              </a:solidFill>
+              <a:latin typeface="Arial" panose="020B0604020202020204"/>
+              <a:ea typeface="Arial" panose="020B0604020202020204"/>
+              <a:cs typeface="Arial" panose="020B0604020202020204"/>
+              <a:sym typeface="Arial" panose="020B0604020202020204"/>
+            </a:endParaRPr>
+          </a:p>
+          <a:p>
+            <a:pPr marL="685800" marR="0" lvl="0" indent="-228600" algn="l" rtl="0">
+              <a:lnSpc>
+                <a:spcPct val="90000"/>
+              </a:lnSpc>
+              <a:spcBef>
+                <a:spcPts val="400"/>
+              </a:spcBef>
+              <a:spcAft>
+                <a:spcPts val="0"/>
+              </a:spcAft>
+              <a:buNone/>
+            </a:pPr>
+            <a:endParaRPr sz="2800">
+              <a:solidFill>
+                <a:schemeClr val="dk1"/>
+              </a:solidFill>
+              <a:latin typeface="Arial" panose="020B0604020202020204"/>
+              <a:ea typeface="Arial" panose="020B0604020202020204"/>
+              <a:cs typeface="Arial" panose="020B0604020202020204"/>
+              <a:sym typeface="Arial" panose="020B0604020202020204"/>
+            </a:endParaRPr>
+          </a:p>
+        </p:txBody>
+      </p:sp>
+    </p:spTree>
+  </p:cSld>
+  <p:clrMapOvr>
+    <a:masterClrMapping/>
+  </p:clrMapOvr>
+</p:sld>
+</file>
+
+<file path=ppt/slides/slide42.xml><?xml version="1.0" encoding="utf-8"?>
+<p:sld xmlns:a="http://schemas.openxmlformats.org/drawingml/2006/main" xmlns:r="http://schemas.openxmlformats.org/officeDocument/2006/relationships" xmlns:p="http://schemas.openxmlformats.org/presentationml/2006/main">
+  <p:cSld>
+    <p:spTree>
+      <p:nvGrpSpPr>
         <p:cNvPr id="344" name="Shape 344"/>
         <p:cNvGrpSpPr/>
         <p:nvPr/>
@@ -32855,7 +33245,7 @@
 </p:sld>
 </file>
 
-<file path=ppt/slides/slide41.xml><?xml version="1.0" encoding="utf-8"?>
+<file path=ppt/slides/slide43.xml><?xml version="1.0" encoding="utf-8"?>
 <p:sld xmlns:a="http://schemas.openxmlformats.org/drawingml/2006/main" xmlns:r="http://schemas.openxmlformats.org/officeDocument/2006/relationships" xmlns:p="http://schemas.openxmlformats.org/presentationml/2006/main">
   <p:cSld>
     <p:spTree>
@@ -33393,7 +33783,7 @@
 </p:sld>
 </file>
 
-<file path=ppt/slides/slide42.xml><?xml version="1.0" encoding="utf-8"?>
+<file path=ppt/slides/slide44.xml><?xml version="1.0" encoding="utf-8"?>
 <p:sld xmlns:a="http://schemas.openxmlformats.org/drawingml/2006/main" xmlns:r="http://schemas.openxmlformats.org/officeDocument/2006/relationships" xmlns:p="http://schemas.openxmlformats.org/presentationml/2006/main">
   <p:cSld>
     <p:spTree>
@@ -33779,7 +34169,7 @@
 </p:sld>
 </file>
 
-<file path=ppt/slides/slide43.xml><?xml version="1.0" encoding="utf-8"?>
+<file path=ppt/slides/slide45.xml><?xml version="1.0" encoding="utf-8"?>
 <p:sld xmlns:a="http://schemas.openxmlformats.org/drawingml/2006/main" xmlns:r="http://schemas.openxmlformats.org/officeDocument/2006/relationships" xmlns:p="http://schemas.openxmlformats.org/presentationml/2006/main">
   <p:cSld>
     <p:spTree>
@@ -34303,7 +34693,7 @@
 </p:sld>
 </file>
 
-<file path=ppt/slides/slide44.xml><?xml version="1.0" encoding="utf-8"?>
+<file path=ppt/slides/slide46.xml><?xml version="1.0" encoding="utf-8"?>
 <p:sld xmlns:a="http://schemas.openxmlformats.org/drawingml/2006/main" xmlns:r="http://schemas.openxmlformats.org/officeDocument/2006/relationships" xmlns:p="http://schemas.openxmlformats.org/presentationml/2006/main">
   <p:cSld>
     <p:spTree>
@@ -36181,7 +36571,7 @@
 </p:sld>
 </file>
 
-<file path=ppt/slides/slide45.xml><?xml version="1.0" encoding="utf-8"?>
+<file path=ppt/slides/slide47.xml><?xml version="1.0" encoding="utf-8"?>
 <p:sld xmlns:a="http://schemas.openxmlformats.org/drawingml/2006/main" xmlns:r="http://schemas.openxmlformats.org/officeDocument/2006/relationships" xmlns:p="http://schemas.openxmlformats.org/presentationml/2006/main">
   <p:cSld>
     <p:spTree>
@@ -36828,7 +37218,7 @@
 </p:sld>
 </file>
 
-<file path=ppt/slides/slide46.xml><?xml version="1.0" encoding="utf-8"?>
+<file path=ppt/slides/slide48.xml><?xml version="1.0" encoding="utf-8"?>
 <p:sld xmlns:a="http://schemas.openxmlformats.org/drawingml/2006/main" xmlns:r="http://schemas.openxmlformats.org/officeDocument/2006/relationships" xmlns:p="http://schemas.openxmlformats.org/presentationml/2006/main">
   <p:cSld>
     <p:spTree>
@@ -37403,7 +37793,7 @@
 </p:sld>
 </file>
 
-<file path=ppt/slides/slide47.xml><?xml version="1.0" encoding="utf-8"?>
+<file path=ppt/slides/slide49.xml><?xml version="1.0" encoding="utf-8"?>
 <p:sld xmlns:a="http://schemas.openxmlformats.org/drawingml/2006/main" xmlns:r="http://schemas.openxmlformats.org/officeDocument/2006/relationships" xmlns:p="http://schemas.openxmlformats.org/presentationml/2006/main">
   <p:cSld>
     <p:spTree>
@@ -37901,7 +38291,336 @@
 </p:sld>
 </file>
 
-<file path=ppt/slides/slide48.xml><?xml version="1.0" encoding="utf-8"?>
+<file path=ppt/slides/slide5.xml><?xml version="1.0" encoding="utf-8"?>
+<p:sld xmlns:a="http://schemas.openxmlformats.org/drawingml/2006/main" xmlns:r="http://schemas.openxmlformats.org/officeDocument/2006/relationships" xmlns:p="http://schemas.openxmlformats.org/presentationml/2006/main">
+  <p:cSld>
+    <p:spTree>
+      <p:nvGrpSpPr>
+        <p:cNvPr id="110" name="Shape 110"/>
+        <p:cNvGrpSpPr/>
+        <p:nvPr/>
+      </p:nvGrpSpPr>
+      <p:grpSpPr>
+        <a:xfrm>
+          <a:off x="0" y="0"/>
+          <a:ext cx="0" cy="0"/>
+          <a:chOff x="0" y="0"/>
+          <a:chExt cx="0" cy="0"/>
+        </a:xfrm>
+      </p:grpSpPr>
+      <p:sp>
+        <p:nvSpPr>
+          <p:cNvPr id="111" name="Google Shape;111;p22"/>
+          <p:cNvSpPr/>
+          <p:nvPr>
+            <p:ph type="title"/>
+          </p:nvPr>
+        </p:nvSpPr>
+        <p:spPr>
+          <a:xfrm>
+            <a:off x="520883" y="1115454"/>
+            <a:ext cx="2057400" cy="2057400"/>
+          </a:xfrm>
+          <a:prstGeom prst="ellipse">
+            <a:avLst/>
+          </a:prstGeom>
+          <a:solidFill>
+            <a:srgbClr val="262626"/>
+          </a:solidFill>
+          <a:ln w="174625" cap="flat" cmpd="thinThick">
+            <a:solidFill>
+              <a:srgbClr val="262626"/>
+            </a:solidFill>
+            <a:prstDash val="solid"/>
+            <a:round/>
+            <a:headEnd type="none" w="sm" len="sm"/>
+            <a:tailEnd type="none" w="sm" len="sm"/>
+          </a:ln>
+        </p:spPr>
+        <p:txBody>
+          <a:bodyPr spcFirstLastPara="1" wrap="square" lIns="68575" tIns="34275" rIns="68575" bIns="34275" anchor="ctr" anchorCtr="0">
+            <a:normAutofit/>
+          </a:bodyPr>
+          <a:lstStyle/>
+          <a:p>
+            <a:pPr marL="0" lvl="0" indent="0" algn="ctr" rtl="0">
+              <a:lnSpc>
+                <a:spcPct val="90000"/>
+              </a:lnSpc>
+              <a:spcBef>
+                <a:spcPts val="0"/>
+              </a:spcBef>
+              <a:spcAft>
+                <a:spcPts val="0"/>
+              </a:spcAft>
+              <a:buClr>
+                <a:srgbClr val="FFFFFF"/>
+              </a:buClr>
+              <a:buSzPts val="2000"/>
+              <a:buFont typeface="Calibri" panose="020F0502020204030204"/>
+              <a:buNone/>
+            </a:pPr>
+            <a:r>
+              <a:rPr lang="en-GB" sz="2000">
+                <a:solidFill>
+                  <a:srgbClr val="FFFFFF"/>
+                </a:solidFill>
+              </a:rPr>
+              <a:t>What is Natural Language Processing?</a:t>
+            </a:r>
+            <a:endParaRPr lang="en-GB" sz="2000">
+              <a:solidFill>
+                <a:srgbClr val="FFFFFF"/>
+              </a:solidFill>
+            </a:endParaRPr>
+          </a:p>
+        </p:txBody>
+      </p:sp>
+      <p:pic>
+        <p:nvPicPr>
+          <p:cNvPr id="112" name="Google Shape;112;p22" descr="A screenshot of a cell phone&#10;&#10;Description automatically generated"/>
+          <p:cNvPicPr preferRelativeResize="0"/>
+          <p:nvPr/>
+        </p:nvPicPr>
+        <p:blipFill rotWithShape="1">
+          <a:blip r:embed="rId1"/>
+          <a:srcRect/>
+          <a:stretch>
+            <a:fillRect/>
+          </a:stretch>
+        </p:blipFill>
+        <p:spPr>
+          <a:xfrm>
+            <a:off x="3261989" y="707439"/>
+            <a:ext cx="5070890" cy="1749456"/>
+          </a:xfrm>
+          <a:prstGeom prst="rect">
+            <a:avLst/>
+          </a:prstGeom>
+          <a:noFill/>
+          <a:ln>
+            <a:noFill/>
+          </a:ln>
+        </p:spPr>
+      </p:pic>
+      <p:sp>
+        <p:nvSpPr>
+          <p:cNvPr id="113" name="Google Shape;113;p22"/>
+          <p:cNvSpPr txBox="1"/>
+          <p:nvPr>
+            <p:ph type="body" idx="1"/>
+          </p:nvPr>
+        </p:nvSpPr>
+        <p:spPr>
+          <a:xfrm>
+            <a:off x="3073774" y="3017804"/>
+            <a:ext cx="5740800" cy="497700"/>
+          </a:xfrm>
+          <a:prstGeom prst="rect">
+            <a:avLst/>
+          </a:prstGeom>
+          <a:noFill/>
+          <a:ln>
+            <a:noFill/>
+          </a:ln>
+        </p:spPr>
+        <p:txBody>
+          <a:bodyPr spcFirstLastPara="1" wrap="square" lIns="68575" tIns="34275" rIns="68575" bIns="34275" anchor="t" anchorCtr="0">
+            <a:normAutofit fontScale="25000" lnSpcReduction="20000"/>
+          </a:bodyPr>
+          <a:lstStyle/>
+          <a:p>
+            <a:pPr marL="0" lvl="0" indent="0" algn="l" rtl="0">
+              <a:lnSpc>
+                <a:spcPct val="90000"/>
+              </a:lnSpc>
+              <a:spcBef>
+                <a:spcPts val="0"/>
+              </a:spcBef>
+              <a:spcAft>
+                <a:spcPts val="0"/>
+              </a:spcAft>
+              <a:buClr>
+                <a:schemeClr val="dk1"/>
+              </a:buClr>
+              <a:buSzPct val="36000"/>
+              <a:buNone/>
+            </a:pPr>
+            <a:r>
+              <a:rPr lang="en-GB" sz="6680"/>
+              <a:t>Computers using natural language as input and/or output</a:t>
+            </a:r>
+            <a:endParaRPr sz="6080"/>
+          </a:p>
+          <a:p>
+            <a:pPr marL="177800" lvl="0" indent="-114300" algn="l" rtl="0">
+              <a:lnSpc>
+                <a:spcPct val="90000"/>
+              </a:lnSpc>
+              <a:spcBef>
+                <a:spcPts val="800"/>
+              </a:spcBef>
+              <a:spcAft>
+                <a:spcPts val="0"/>
+              </a:spcAft>
+              <a:buClr>
+                <a:schemeClr val="dk1"/>
+              </a:buClr>
+              <a:buSzPct val="100000"/>
+              <a:buNone/>
+            </a:pPr>
+            <a:endParaRPr sz="1400"/>
+          </a:p>
+          <a:p>
+            <a:pPr marL="177800" lvl="0" indent="-114300" algn="l" rtl="0">
+              <a:lnSpc>
+                <a:spcPct val="90000"/>
+              </a:lnSpc>
+              <a:spcBef>
+                <a:spcPts val="800"/>
+              </a:spcBef>
+              <a:spcAft>
+                <a:spcPts val="1200"/>
+              </a:spcAft>
+              <a:buClr>
+                <a:schemeClr val="dk1"/>
+              </a:buClr>
+              <a:buSzPct val="100000"/>
+              <a:buNone/>
+            </a:pPr>
+            <a:endParaRPr sz="1400"/>
+          </a:p>
+        </p:txBody>
+      </p:sp>
+      <p:sp>
+        <p:nvSpPr>
+          <p:cNvPr id="114" name="Google Shape;114;p22"/>
+          <p:cNvSpPr txBox="1"/>
+          <p:nvPr/>
+        </p:nvSpPr>
+        <p:spPr>
+          <a:xfrm>
+            <a:off x="4514150" y="3881762"/>
+            <a:ext cx="2323800" cy="497700"/>
+          </a:xfrm>
+          <a:prstGeom prst="rect">
+            <a:avLst/>
+          </a:prstGeom>
+          <a:noFill/>
+          <a:ln w="9525" cap="flat" cmpd="sng">
+            <a:solidFill>
+              <a:schemeClr val="dk1"/>
+            </a:solidFill>
+            <a:prstDash val="solid"/>
+            <a:round/>
+            <a:headEnd type="none" w="sm" len="sm"/>
+            <a:tailEnd type="none" w="sm" len="sm"/>
+          </a:ln>
+        </p:spPr>
+        <p:txBody>
+          <a:bodyPr spcFirstLastPara="1" wrap="square" lIns="68575" tIns="34275" rIns="68575" bIns="34275" anchor="t" anchorCtr="0">
+            <a:normAutofit fontScale="25000" lnSpcReduction="20000"/>
+          </a:bodyPr>
+          <a:lstStyle/>
+          <a:p>
+            <a:pPr marL="0" marR="0" lvl="0" indent="0" algn="l" rtl="0">
+              <a:lnSpc>
+                <a:spcPct val="90000"/>
+              </a:lnSpc>
+              <a:spcBef>
+                <a:spcPts val="0"/>
+              </a:spcBef>
+              <a:spcAft>
+                <a:spcPts val="0"/>
+              </a:spcAft>
+              <a:buClr>
+                <a:schemeClr val="dk1"/>
+              </a:buClr>
+              <a:buSzPct val="26000"/>
+              <a:buFont typeface="Arial" panose="020B0604020202020204"/>
+              <a:buNone/>
+            </a:pPr>
+            <a:r>
+              <a:rPr lang="en-GB" sz="9080" b="0" i="0" u="none" strike="noStrike" cap="none">
+                <a:solidFill>
+                  <a:schemeClr val="dk1"/>
+                </a:solidFill>
+                <a:latin typeface="Calibri" panose="020F0502020204030204"/>
+                <a:ea typeface="Calibri" panose="020F0502020204030204"/>
+                <a:cs typeface="Calibri" panose="020F0502020204030204"/>
+                <a:sym typeface="Calibri" panose="020F0502020204030204"/>
+              </a:rPr>
+              <a:t>NLP = NLU + NLG</a:t>
+            </a:r>
+            <a:endParaRPr sz="7780"/>
+          </a:p>
+          <a:p>
+            <a:pPr marL="177800" marR="0" lvl="0" indent="-88900" algn="l" rtl="0">
+              <a:lnSpc>
+                <a:spcPct val="90000"/>
+              </a:lnSpc>
+              <a:spcBef>
+                <a:spcPts val="800"/>
+              </a:spcBef>
+              <a:spcAft>
+                <a:spcPts val="0"/>
+              </a:spcAft>
+              <a:buClr>
+                <a:schemeClr val="dk1"/>
+              </a:buClr>
+              <a:buSzPct val="100000"/>
+              <a:buFont typeface="Arial" panose="020B0604020202020204"/>
+              <a:buNone/>
+            </a:pPr>
+            <a:endParaRPr sz="1400" b="0" i="0" u="none" strike="noStrike" cap="none">
+              <a:solidFill>
+                <a:schemeClr val="dk1"/>
+              </a:solidFill>
+              <a:latin typeface="Calibri" panose="020F0502020204030204"/>
+              <a:ea typeface="Calibri" panose="020F0502020204030204"/>
+              <a:cs typeface="Calibri" panose="020F0502020204030204"/>
+              <a:sym typeface="Calibri" panose="020F0502020204030204"/>
+            </a:endParaRPr>
+          </a:p>
+          <a:p>
+            <a:pPr marL="177800" marR="0" lvl="0" indent="-88900" algn="l" rtl="0">
+              <a:lnSpc>
+                <a:spcPct val="90000"/>
+              </a:lnSpc>
+              <a:spcBef>
+                <a:spcPts val="800"/>
+              </a:spcBef>
+              <a:spcAft>
+                <a:spcPts val="0"/>
+              </a:spcAft>
+              <a:buClr>
+                <a:schemeClr val="dk1"/>
+              </a:buClr>
+              <a:buSzPct val="100000"/>
+              <a:buFont typeface="Arial" panose="020B0604020202020204"/>
+              <a:buNone/>
+            </a:pPr>
+            <a:endParaRPr sz="1400" b="0" i="0" u="none" strike="noStrike" cap="none">
+              <a:solidFill>
+                <a:schemeClr val="dk1"/>
+              </a:solidFill>
+              <a:latin typeface="Calibri" panose="020F0502020204030204"/>
+              <a:ea typeface="Calibri" panose="020F0502020204030204"/>
+              <a:cs typeface="Calibri" panose="020F0502020204030204"/>
+              <a:sym typeface="Calibri" panose="020F0502020204030204"/>
+            </a:endParaRPr>
+          </a:p>
+        </p:txBody>
+      </p:sp>
+    </p:spTree>
+  </p:cSld>
+  <p:clrMapOvr>
+    <a:masterClrMapping/>
+  </p:clrMapOvr>
+</p:sld>
+</file>
+
+<file path=ppt/slides/slide50.xml><?xml version="1.0" encoding="utf-8"?>
 <p:sld xmlns:a="http://schemas.openxmlformats.org/drawingml/2006/main" xmlns:r="http://schemas.openxmlformats.org/officeDocument/2006/relationships" xmlns:p="http://schemas.openxmlformats.org/presentationml/2006/main">
   <p:cSld>
     <p:spTree>
@@ -38265,7 +38984,7 @@
 </p:sld>
 </file>
 
-<file path=ppt/slides/slide49.xml><?xml version="1.0" encoding="utf-8"?>
+<file path=ppt/slides/slide51.xml><?xml version="1.0" encoding="utf-8"?>
 <p:sld xmlns:a="http://schemas.openxmlformats.org/drawingml/2006/main" xmlns:r="http://schemas.openxmlformats.org/officeDocument/2006/relationships" xmlns:p="http://schemas.openxmlformats.org/presentationml/2006/main">
   <p:cSld>
     <p:spTree>
@@ -39033,336 +39752,7 @@
 </p:sld>
 </file>
 
-<file path=ppt/slides/slide5.xml><?xml version="1.0" encoding="utf-8"?>
-<p:sld xmlns:a="http://schemas.openxmlformats.org/drawingml/2006/main" xmlns:r="http://schemas.openxmlformats.org/officeDocument/2006/relationships" xmlns:p="http://schemas.openxmlformats.org/presentationml/2006/main">
-  <p:cSld>
-    <p:spTree>
-      <p:nvGrpSpPr>
-        <p:cNvPr id="110" name="Shape 110"/>
-        <p:cNvGrpSpPr/>
-        <p:nvPr/>
-      </p:nvGrpSpPr>
-      <p:grpSpPr>
-        <a:xfrm>
-          <a:off x="0" y="0"/>
-          <a:ext cx="0" cy="0"/>
-          <a:chOff x="0" y="0"/>
-          <a:chExt cx="0" cy="0"/>
-        </a:xfrm>
-      </p:grpSpPr>
-      <p:sp>
-        <p:nvSpPr>
-          <p:cNvPr id="111" name="Google Shape;111;p22"/>
-          <p:cNvSpPr/>
-          <p:nvPr>
-            <p:ph type="title"/>
-          </p:nvPr>
-        </p:nvSpPr>
-        <p:spPr>
-          <a:xfrm>
-            <a:off x="520883" y="1115454"/>
-            <a:ext cx="2057400" cy="2057400"/>
-          </a:xfrm>
-          <a:prstGeom prst="ellipse">
-            <a:avLst/>
-          </a:prstGeom>
-          <a:solidFill>
-            <a:srgbClr val="262626"/>
-          </a:solidFill>
-          <a:ln w="174625" cap="flat" cmpd="thinThick">
-            <a:solidFill>
-              <a:srgbClr val="262626"/>
-            </a:solidFill>
-            <a:prstDash val="solid"/>
-            <a:round/>
-            <a:headEnd type="none" w="sm" len="sm"/>
-            <a:tailEnd type="none" w="sm" len="sm"/>
-          </a:ln>
-        </p:spPr>
-        <p:txBody>
-          <a:bodyPr spcFirstLastPara="1" wrap="square" lIns="68575" tIns="34275" rIns="68575" bIns="34275" anchor="ctr" anchorCtr="0">
-            <a:normAutofit/>
-          </a:bodyPr>
-          <a:lstStyle/>
-          <a:p>
-            <a:pPr marL="0" lvl="0" indent="0" algn="ctr" rtl="0">
-              <a:lnSpc>
-                <a:spcPct val="90000"/>
-              </a:lnSpc>
-              <a:spcBef>
-                <a:spcPts val="0"/>
-              </a:spcBef>
-              <a:spcAft>
-                <a:spcPts val="0"/>
-              </a:spcAft>
-              <a:buClr>
-                <a:srgbClr val="FFFFFF"/>
-              </a:buClr>
-              <a:buSzPts val="2000"/>
-              <a:buFont typeface="Calibri" panose="020F0502020204030204"/>
-              <a:buNone/>
-            </a:pPr>
-            <a:r>
-              <a:rPr lang="en-GB" sz="2000">
-                <a:solidFill>
-                  <a:srgbClr val="FFFFFF"/>
-                </a:solidFill>
-              </a:rPr>
-              <a:t>What is Natural Language Processing?</a:t>
-            </a:r>
-            <a:endParaRPr lang="en-GB" sz="2000">
-              <a:solidFill>
-                <a:srgbClr val="FFFFFF"/>
-              </a:solidFill>
-            </a:endParaRPr>
-          </a:p>
-        </p:txBody>
-      </p:sp>
-      <p:pic>
-        <p:nvPicPr>
-          <p:cNvPr id="112" name="Google Shape;112;p22" descr="A screenshot of a cell phone&#10;&#10;Description automatically generated"/>
-          <p:cNvPicPr preferRelativeResize="0"/>
-          <p:nvPr/>
-        </p:nvPicPr>
-        <p:blipFill rotWithShape="1">
-          <a:blip r:embed="rId1"/>
-          <a:srcRect/>
-          <a:stretch>
-            <a:fillRect/>
-          </a:stretch>
-        </p:blipFill>
-        <p:spPr>
-          <a:xfrm>
-            <a:off x="3261989" y="707439"/>
-            <a:ext cx="5070890" cy="1749456"/>
-          </a:xfrm>
-          <a:prstGeom prst="rect">
-            <a:avLst/>
-          </a:prstGeom>
-          <a:noFill/>
-          <a:ln>
-            <a:noFill/>
-          </a:ln>
-        </p:spPr>
-      </p:pic>
-      <p:sp>
-        <p:nvSpPr>
-          <p:cNvPr id="113" name="Google Shape;113;p22"/>
-          <p:cNvSpPr txBox="1"/>
-          <p:nvPr>
-            <p:ph type="body" idx="1"/>
-          </p:nvPr>
-        </p:nvSpPr>
-        <p:spPr>
-          <a:xfrm>
-            <a:off x="3073774" y="3017804"/>
-            <a:ext cx="5740800" cy="497700"/>
-          </a:xfrm>
-          <a:prstGeom prst="rect">
-            <a:avLst/>
-          </a:prstGeom>
-          <a:noFill/>
-          <a:ln>
-            <a:noFill/>
-          </a:ln>
-        </p:spPr>
-        <p:txBody>
-          <a:bodyPr spcFirstLastPara="1" wrap="square" lIns="68575" tIns="34275" rIns="68575" bIns="34275" anchor="t" anchorCtr="0">
-            <a:normAutofit fontScale="25000" lnSpcReduction="20000"/>
-          </a:bodyPr>
-          <a:lstStyle/>
-          <a:p>
-            <a:pPr marL="0" lvl="0" indent="0" algn="l" rtl="0">
-              <a:lnSpc>
-                <a:spcPct val="90000"/>
-              </a:lnSpc>
-              <a:spcBef>
-                <a:spcPts val="0"/>
-              </a:spcBef>
-              <a:spcAft>
-                <a:spcPts val="0"/>
-              </a:spcAft>
-              <a:buClr>
-                <a:schemeClr val="dk1"/>
-              </a:buClr>
-              <a:buSzPct val="36000"/>
-              <a:buNone/>
-            </a:pPr>
-            <a:r>
-              <a:rPr lang="en-GB" sz="6680"/>
-              <a:t>Computers using natural language as input and/or output</a:t>
-            </a:r>
-            <a:endParaRPr sz="6080"/>
-          </a:p>
-          <a:p>
-            <a:pPr marL="177800" lvl="0" indent="-114300" algn="l" rtl="0">
-              <a:lnSpc>
-                <a:spcPct val="90000"/>
-              </a:lnSpc>
-              <a:spcBef>
-                <a:spcPts val="800"/>
-              </a:spcBef>
-              <a:spcAft>
-                <a:spcPts val="0"/>
-              </a:spcAft>
-              <a:buClr>
-                <a:schemeClr val="dk1"/>
-              </a:buClr>
-              <a:buSzPct val="100000"/>
-              <a:buNone/>
-            </a:pPr>
-            <a:endParaRPr sz="1400"/>
-          </a:p>
-          <a:p>
-            <a:pPr marL="177800" lvl="0" indent="-114300" algn="l" rtl="0">
-              <a:lnSpc>
-                <a:spcPct val="90000"/>
-              </a:lnSpc>
-              <a:spcBef>
-                <a:spcPts val="800"/>
-              </a:spcBef>
-              <a:spcAft>
-                <a:spcPts val="1200"/>
-              </a:spcAft>
-              <a:buClr>
-                <a:schemeClr val="dk1"/>
-              </a:buClr>
-              <a:buSzPct val="100000"/>
-              <a:buNone/>
-            </a:pPr>
-            <a:endParaRPr sz="1400"/>
-          </a:p>
-        </p:txBody>
-      </p:sp>
-      <p:sp>
-        <p:nvSpPr>
-          <p:cNvPr id="114" name="Google Shape;114;p22"/>
-          <p:cNvSpPr txBox="1"/>
-          <p:nvPr/>
-        </p:nvSpPr>
-        <p:spPr>
-          <a:xfrm>
-            <a:off x="4514150" y="3881762"/>
-            <a:ext cx="2323800" cy="497700"/>
-          </a:xfrm>
-          <a:prstGeom prst="rect">
-            <a:avLst/>
-          </a:prstGeom>
-          <a:noFill/>
-          <a:ln w="9525" cap="flat" cmpd="sng">
-            <a:solidFill>
-              <a:schemeClr val="dk1"/>
-            </a:solidFill>
-            <a:prstDash val="solid"/>
-            <a:round/>
-            <a:headEnd type="none" w="sm" len="sm"/>
-            <a:tailEnd type="none" w="sm" len="sm"/>
-          </a:ln>
-        </p:spPr>
-        <p:txBody>
-          <a:bodyPr spcFirstLastPara="1" wrap="square" lIns="68575" tIns="34275" rIns="68575" bIns="34275" anchor="t" anchorCtr="0">
-            <a:normAutofit fontScale="25000" lnSpcReduction="20000"/>
-          </a:bodyPr>
-          <a:lstStyle/>
-          <a:p>
-            <a:pPr marL="0" marR="0" lvl="0" indent="0" algn="l" rtl="0">
-              <a:lnSpc>
-                <a:spcPct val="90000"/>
-              </a:lnSpc>
-              <a:spcBef>
-                <a:spcPts val="0"/>
-              </a:spcBef>
-              <a:spcAft>
-                <a:spcPts val="0"/>
-              </a:spcAft>
-              <a:buClr>
-                <a:schemeClr val="dk1"/>
-              </a:buClr>
-              <a:buSzPct val="26000"/>
-              <a:buFont typeface="Arial" panose="020B0604020202020204"/>
-              <a:buNone/>
-            </a:pPr>
-            <a:r>
-              <a:rPr lang="en-GB" sz="9080" b="0" i="0" u="none" strike="noStrike" cap="none">
-                <a:solidFill>
-                  <a:schemeClr val="dk1"/>
-                </a:solidFill>
-                <a:latin typeface="Calibri" panose="020F0502020204030204"/>
-                <a:ea typeface="Calibri" panose="020F0502020204030204"/>
-                <a:cs typeface="Calibri" panose="020F0502020204030204"/>
-                <a:sym typeface="Calibri" panose="020F0502020204030204"/>
-              </a:rPr>
-              <a:t>NLP = NLU + NLG</a:t>
-            </a:r>
-            <a:endParaRPr sz="7780"/>
-          </a:p>
-          <a:p>
-            <a:pPr marL="177800" marR="0" lvl="0" indent="-88900" algn="l" rtl="0">
-              <a:lnSpc>
-                <a:spcPct val="90000"/>
-              </a:lnSpc>
-              <a:spcBef>
-                <a:spcPts val="800"/>
-              </a:spcBef>
-              <a:spcAft>
-                <a:spcPts val="0"/>
-              </a:spcAft>
-              <a:buClr>
-                <a:schemeClr val="dk1"/>
-              </a:buClr>
-              <a:buSzPct val="100000"/>
-              <a:buFont typeface="Arial" panose="020B0604020202020204"/>
-              <a:buNone/>
-            </a:pPr>
-            <a:endParaRPr sz="1400" b="0" i="0" u="none" strike="noStrike" cap="none">
-              <a:solidFill>
-                <a:schemeClr val="dk1"/>
-              </a:solidFill>
-              <a:latin typeface="Calibri" panose="020F0502020204030204"/>
-              <a:ea typeface="Calibri" panose="020F0502020204030204"/>
-              <a:cs typeface="Calibri" panose="020F0502020204030204"/>
-              <a:sym typeface="Calibri" panose="020F0502020204030204"/>
-            </a:endParaRPr>
-          </a:p>
-          <a:p>
-            <a:pPr marL="177800" marR="0" lvl="0" indent="-88900" algn="l" rtl="0">
-              <a:lnSpc>
-                <a:spcPct val="90000"/>
-              </a:lnSpc>
-              <a:spcBef>
-                <a:spcPts val="800"/>
-              </a:spcBef>
-              <a:spcAft>
-                <a:spcPts val="0"/>
-              </a:spcAft>
-              <a:buClr>
-                <a:schemeClr val="dk1"/>
-              </a:buClr>
-              <a:buSzPct val="100000"/>
-              <a:buFont typeface="Arial" panose="020B0604020202020204"/>
-              <a:buNone/>
-            </a:pPr>
-            <a:endParaRPr sz="1400" b="0" i="0" u="none" strike="noStrike" cap="none">
-              <a:solidFill>
-                <a:schemeClr val="dk1"/>
-              </a:solidFill>
-              <a:latin typeface="Calibri" panose="020F0502020204030204"/>
-              <a:ea typeface="Calibri" panose="020F0502020204030204"/>
-              <a:cs typeface="Calibri" panose="020F0502020204030204"/>
-              <a:sym typeface="Calibri" panose="020F0502020204030204"/>
-            </a:endParaRPr>
-          </a:p>
-        </p:txBody>
-      </p:sp>
-    </p:spTree>
-  </p:cSld>
-  <p:clrMapOvr>
-    <a:masterClrMapping/>
-  </p:clrMapOvr>
-</p:sld>
-</file>
-
-<file path=ppt/slides/slide50.xml><?xml version="1.0" encoding="utf-8"?>
+<file path=ppt/slides/slide52.xml><?xml version="1.0" encoding="utf-8"?>
 <p:sld xmlns:a="http://schemas.openxmlformats.org/drawingml/2006/main" xmlns:r="http://schemas.openxmlformats.org/officeDocument/2006/relationships" xmlns:p="http://schemas.openxmlformats.org/presentationml/2006/main">
   <p:cSld>
     <p:spTree>
@@ -39499,7 +39889,7 @@
 </p:sld>
 </file>
 
-<file path=ppt/slides/slide51.xml><?xml version="1.0" encoding="utf-8"?>
+<file path=ppt/slides/slide53.xml><?xml version="1.0" encoding="utf-8"?>
 <p:sld xmlns:a="http://schemas.openxmlformats.org/drawingml/2006/main" xmlns:r="http://schemas.openxmlformats.org/officeDocument/2006/relationships" xmlns:p="http://schemas.openxmlformats.org/presentationml/2006/main">
   <p:cSld>
     <p:spTree>
@@ -39834,7 +40224,7 @@
 </p:sld>
 </file>
 
-<file path=ppt/slides/slide52.xml><?xml version="1.0" encoding="utf-8"?>
+<file path=ppt/slides/slide54.xml><?xml version="1.0" encoding="utf-8"?>
 <p:sld xmlns:a="http://schemas.openxmlformats.org/drawingml/2006/main" xmlns:r="http://schemas.openxmlformats.org/officeDocument/2006/relationships" xmlns:p="http://schemas.openxmlformats.org/presentationml/2006/main">
   <p:cSld>
     <p:spTree>
@@ -40483,7 +40873,7 @@
 </p:sld>
 </file>
 
-<file path=ppt/slides/slide53.xml><?xml version="1.0" encoding="utf-8"?>
+<file path=ppt/slides/slide55.xml><?xml version="1.0" encoding="utf-8"?>
 <p:sld xmlns:a="http://schemas.openxmlformats.org/drawingml/2006/main" xmlns:r="http://schemas.openxmlformats.org/officeDocument/2006/relationships" xmlns:p="http://schemas.openxmlformats.org/presentationml/2006/main">
   <p:cSld>
     <p:spTree>
@@ -40999,7 +41389,7 @@
 </p:sld>
 </file>
 
-<file path=ppt/slides/slide54.xml><?xml version="1.0" encoding="utf-8"?>
+<file path=ppt/slides/slide56.xml><?xml version="1.0" encoding="utf-8"?>
 <p:sld xmlns:a="http://schemas.openxmlformats.org/drawingml/2006/main" xmlns:r="http://schemas.openxmlformats.org/officeDocument/2006/relationships" xmlns:p="http://schemas.openxmlformats.org/presentationml/2006/main">
   <p:cSld>
     <p:spTree>
@@ -41651,7 +42041,7 @@
 </p:sld>
 </file>
 
-<file path=ppt/slides/slide55.xml><?xml version="1.0" encoding="utf-8"?>
+<file path=ppt/slides/slide57.xml><?xml version="1.0" encoding="utf-8"?>
 <p:sld xmlns:a="http://schemas.openxmlformats.org/drawingml/2006/main" xmlns:r="http://schemas.openxmlformats.org/officeDocument/2006/relationships" xmlns:p="http://schemas.openxmlformats.org/presentationml/2006/main">
   <p:cSld>
     <p:spTree>
@@ -41984,7 +42374,7 @@
 </p:sld>
 </file>
 
-<file path=ppt/slides/slide56.xml><?xml version="1.0" encoding="utf-8"?>
+<file path=ppt/slides/slide58.xml><?xml version="1.0" encoding="utf-8"?>
 <p:sld xmlns:a="http://schemas.openxmlformats.org/drawingml/2006/main" xmlns:r="http://schemas.openxmlformats.org/officeDocument/2006/relationships" xmlns:p="http://schemas.openxmlformats.org/presentationml/2006/main">
   <p:cSld>
     <p:spTree>
@@ -42865,7 +43255,7 @@
 </p:sld>
 </file>
 
-<file path=ppt/slides/slide57.xml><?xml version="1.0" encoding="utf-8"?>
+<file path=ppt/slides/slide59.xml><?xml version="1.0" encoding="utf-8"?>
 <p:sld xmlns:a="http://schemas.openxmlformats.org/drawingml/2006/main" xmlns:r="http://schemas.openxmlformats.org/officeDocument/2006/relationships" xmlns:p="http://schemas.openxmlformats.org/presentationml/2006/main">
   <p:cSld>
     <p:spTree>
@@ -43781,7 +44171,601 @@
 </p:sld>
 </file>
 
-<file path=ppt/slides/slide58.xml><?xml version="1.0" encoding="utf-8"?>
+<file path=ppt/slides/slide6.xml><?xml version="1.0" encoding="utf-8"?>
+<p:sld xmlns:a="http://schemas.openxmlformats.org/drawingml/2006/main" xmlns:r="http://schemas.openxmlformats.org/officeDocument/2006/relationships" xmlns:p="http://schemas.openxmlformats.org/presentationml/2006/main">
+  <p:cSld>
+    <p:spTree>
+      <p:nvGrpSpPr>
+        <p:cNvPr id="97" name="Shape 97"/>
+        <p:cNvGrpSpPr/>
+        <p:nvPr/>
+      </p:nvGrpSpPr>
+      <p:grpSpPr>
+        <a:xfrm>
+          <a:off x="0" y="0"/>
+          <a:ext cx="0" cy="0"/>
+          <a:chOff x="0" y="0"/>
+          <a:chExt cx="0" cy="0"/>
+        </a:xfrm>
+      </p:grpSpPr>
+      <p:sp>
+        <p:nvSpPr>
+          <p:cNvPr id="98" name="Google Shape;98;p20"/>
+          <p:cNvSpPr txBox="1"/>
+          <p:nvPr>
+            <p:ph type="title"/>
+          </p:nvPr>
+        </p:nvSpPr>
+        <p:spPr>
+          <a:xfrm>
+            <a:off x="311700" y="445025"/>
+            <a:ext cx="8520600" cy="572700"/>
+          </a:xfrm>
+          <a:prstGeom prst="rect">
+            <a:avLst/>
+          </a:prstGeom>
+        </p:spPr>
+        <p:txBody>
+          <a:bodyPr spcFirstLastPara="1" wrap="square" lIns="91425" tIns="91425" rIns="91425" bIns="91425" anchor="t" anchorCtr="0">
+            <a:normAutofit fontScale="90000"/>
+          </a:bodyPr>
+          <a:lstStyle/>
+          <a:p>
+            <a:pPr marL="0" lvl="0" indent="0" algn="l" rtl="0">
+              <a:spcBef>
+                <a:spcPts val="0"/>
+              </a:spcBef>
+              <a:spcAft>
+                <a:spcPts val="0"/>
+              </a:spcAft>
+              <a:buClr>
+                <a:schemeClr val="dk1"/>
+              </a:buClr>
+              <a:buSzPct val="39000"/>
+              <a:buFont typeface="Arial" panose="020B0604020202020204"/>
+              <a:buNone/>
+            </a:pPr>
+            <a:r>
+              <a:rPr lang="en-GB"/>
+              <a:t>NLP &amp; AI</a:t>
+            </a:r>
+            <a:endParaRPr lang="en-GB"/>
+          </a:p>
+          <a:p>
+            <a:pPr marL="0" lvl="0" indent="0" algn="l" rtl="0">
+              <a:spcBef>
+                <a:spcPts val="0"/>
+              </a:spcBef>
+              <a:spcAft>
+                <a:spcPts val="0"/>
+              </a:spcAft>
+              <a:buClr>
+                <a:schemeClr val="dk1"/>
+              </a:buClr>
+              <a:buSzPct val="39000"/>
+              <a:buFont typeface="Arial" panose="020B0604020202020204"/>
+              <a:buNone/>
+            </a:pPr>
+          </a:p>
+          <a:p>
+            <a:pPr marL="0" lvl="0" indent="0" algn="l" rtl="0">
+              <a:spcBef>
+                <a:spcPts val="0"/>
+              </a:spcBef>
+              <a:spcAft>
+                <a:spcPts val="0"/>
+              </a:spcAft>
+              <a:buNone/>
+            </a:pPr>
+          </a:p>
+        </p:txBody>
+      </p:sp>
+      <p:sp>
+        <p:nvSpPr>
+          <p:cNvPr id="99" name="Google Shape;99;p20"/>
+          <p:cNvSpPr txBox="1"/>
+          <p:nvPr>
+            <p:ph type="body" idx="1"/>
+          </p:nvPr>
+        </p:nvSpPr>
+        <p:spPr>
+          <a:xfrm>
+            <a:off x="311700" y="1152475"/>
+            <a:ext cx="8520600" cy="3416400"/>
+          </a:xfrm>
+          <a:prstGeom prst="rect">
+            <a:avLst/>
+          </a:prstGeom>
+        </p:spPr>
+        <p:txBody>
+          <a:bodyPr spcFirstLastPara="1" wrap="square" lIns="91425" tIns="91425" rIns="91425" bIns="91425" anchor="t" anchorCtr="0">
+            <a:noAutofit/>
+          </a:bodyPr>
+          <a:lstStyle/>
+          <a:p>
+            <a:pPr marL="457200" lvl="0" indent="-357505" algn="l" rtl="0">
+              <a:lnSpc>
+                <a:spcPct val="95000"/>
+              </a:lnSpc>
+              <a:spcBef>
+                <a:spcPts val="0"/>
+              </a:spcBef>
+              <a:spcAft>
+                <a:spcPts val="0"/>
+              </a:spcAft>
+              <a:buClr>
+                <a:schemeClr val="dk1"/>
+              </a:buClr>
+              <a:buSzPts val="2030"/>
+              <a:buChar char="●"/>
+            </a:pPr>
+            <a:r>
+              <a:rPr lang="en-GB" sz="2030" b="1">
+                <a:solidFill>
+                  <a:schemeClr val="dk1"/>
+                </a:solidFill>
+              </a:rPr>
+              <a:t>Computer Science </a:t>
+            </a:r>
+            <a:endParaRPr sz="2030" b="1">
+              <a:solidFill>
+                <a:schemeClr val="dk1"/>
+              </a:solidFill>
+            </a:endParaRPr>
+          </a:p>
+          <a:p>
+            <a:pPr marL="914400" lvl="1" indent="-335915" algn="l" rtl="0">
+              <a:lnSpc>
+                <a:spcPct val="95000"/>
+              </a:lnSpc>
+              <a:spcBef>
+                <a:spcPts val="0"/>
+              </a:spcBef>
+              <a:spcAft>
+                <a:spcPts val="0"/>
+              </a:spcAft>
+              <a:buClr>
+                <a:schemeClr val="dk1"/>
+              </a:buClr>
+              <a:buSzPts val="1690"/>
+              <a:buChar char="○"/>
+            </a:pPr>
+            <a:r>
+              <a:rPr lang="en-GB" sz="1690">
+                <a:solidFill>
+                  <a:schemeClr val="dk1"/>
+                </a:solidFill>
+              </a:rPr>
+              <a:t>Programming </a:t>
+            </a:r>
+            <a:endParaRPr sz="1690">
+              <a:solidFill>
+                <a:schemeClr val="dk1"/>
+              </a:solidFill>
+            </a:endParaRPr>
+          </a:p>
+          <a:p>
+            <a:pPr marL="914400" lvl="1" indent="-335915" algn="l" rtl="0">
+              <a:lnSpc>
+                <a:spcPct val="95000"/>
+              </a:lnSpc>
+              <a:spcBef>
+                <a:spcPts val="0"/>
+              </a:spcBef>
+              <a:spcAft>
+                <a:spcPts val="0"/>
+              </a:spcAft>
+              <a:buClr>
+                <a:schemeClr val="dk1"/>
+              </a:buClr>
+              <a:buSzPts val="1690"/>
+              <a:buChar char="○"/>
+            </a:pPr>
+            <a:r>
+              <a:rPr lang="en-GB" sz="1690">
+                <a:solidFill>
+                  <a:schemeClr val="dk1"/>
+                </a:solidFill>
+              </a:rPr>
+              <a:t>Operating Systems </a:t>
+            </a:r>
+            <a:endParaRPr sz="1690">
+              <a:solidFill>
+                <a:schemeClr val="dk1"/>
+              </a:solidFill>
+            </a:endParaRPr>
+          </a:p>
+          <a:p>
+            <a:pPr marL="914400" lvl="1" indent="-335915" algn="l" rtl="0">
+              <a:lnSpc>
+                <a:spcPct val="95000"/>
+              </a:lnSpc>
+              <a:spcBef>
+                <a:spcPts val="0"/>
+              </a:spcBef>
+              <a:spcAft>
+                <a:spcPts val="0"/>
+              </a:spcAft>
+              <a:buClr>
+                <a:schemeClr val="dk1"/>
+              </a:buClr>
+              <a:buSzPts val="1690"/>
+              <a:buChar char="○"/>
+            </a:pPr>
+            <a:r>
+              <a:rPr lang="en-GB" sz="1690">
+                <a:solidFill>
+                  <a:schemeClr val="dk1"/>
+                </a:solidFill>
+              </a:rPr>
+              <a:t>Databases</a:t>
+            </a:r>
+            <a:endParaRPr sz="1690">
+              <a:solidFill>
+                <a:schemeClr val="dk1"/>
+              </a:solidFill>
+            </a:endParaRPr>
+          </a:p>
+          <a:p>
+            <a:pPr marL="914400" lvl="1" indent="-335915" algn="l" rtl="0">
+              <a:lnSpc>
+                <a:spcPct val="95000"/>
+              </a:lnSpc>
+              <a:spcBef>
+                <a:spcPts val="0"/>
+              </a:spcBef>
+              <a:spcAft>
+                <a:spcPts val="0"/>
+              </a:spcAft>
+              <a:buClr>
+                <a:schemeClr val="dk1"/>
+              </a:buClr>
+              <a:buSzPts val="1690"/>
+              <a:buChar char="○"/>
+            </a:pPr>
+            <a:r>
+              <a:rPr lang="en-GB" sz="1690">
+                <a:solidFill>
+                  <a:schemeClr val="dk1"/>
+                </a:solidFill>
+              </a:rPr>
+              <a:t>… </a:t>
+            </a:r>
+            <a:endParaRPr sz="1690">
+              <a:solidFill>
+                <a:schemeClr val="dk1"/>
+              </a:solidFill>
+            </a:endParaRPr>
+          </a:p>
+          <a:p>
+            <a:pPr marL="914400" lvl="1" indent="-335915" algn="l" rtl="0">
+              <a:lnSpc>
+                <a:spcPct val="95000"/>
+              </a:lnSpc>
+              <a:spcBef>
+                <a:spcPts val="0"/>
+              </a:spcBef>
+              <a:spcAft>
+                <a:spcPts val="0"/>
+              </a:spcAft>
+              <a:buClr>
+                <a:schemeClr val="dk1"/>
+              </a:buClr>
+              <a:buSzPts val="1690"/>
+              <a:buChar char="○"/>
+            </a:pPr>
+            <a:r>
+              <a:rPr lang="en-GB" sz="1690" b="1">
+                <a:solidFill>
+                  <a:schemeClr val="dk1"/>
+                </a:solidFill>
+              </a:rPr>
+              <a:t>Artificial Intelligence </a:t>
+            </a:r>
+            <a:endParaRPr sz="1690" b="1">
+              <a:solidFill>
+                <a:schemeClr val="dk1"/>
+              </a:solidFill>
+            </a:endParaRPr>
+          </a:p>
+          <a:p>
+            <a:pPr marL="1371600" lvl="2" indent="-335915" algn="l" rtl="0">
+              <a:lnSpc>
+                <a:spcPct val="95000"/>
+              </a:lnSpc>
+              <a:spcBef>
+                <a:spcPts val="0"/>
+              </a:spcBef>
+              <a:spcAft>
+                <a:spcPts val="0"/>
+              </a:spcAft>
+              <a:buClr>
+                <a:schemeClr val="dk1"/>
+              </a:buClr>
+              <a:buSzPts val="1690"/>
+              <a:buChar char="■"/>
+            </a:pPr>
+            <a:r>
+              <a:rPr lang="en-GB" sz="1690">
+                <a:solidFill>
+                  <a:schemeClr val="dk1"/>
+                </a:solidFill>
+              </a:rPr>
+              <a:t>Problem Solving </a:t>
+            </a:r>
+            <a:endParaRPr sz="1690">
+              <a:solidFill>
+                <a:schemeClr val="dk1"/>
+              </a:solidFill>
+            </a:endParaRPr>
+          </a:p>
+          <a:p>
+            <a:pPr marL="1371600" lvl="2" indent="-335915" algn="l" rtl="0">
+              <a:lnSpc>
+                <a:spcPct val="95000"/>
+              </a:lnSpc>
+              <a:spcBef>
+                <a:spcPts val="0"/>
+              </a:spcBef>
+              <a:spcAft>
+                <a:spcPts val="0"/>
+              </a:spcAft>
+              <a:buClr>
+                <a:schemeClr val="dk1"/>
+              </a:buClr>
+              <a:buSzPts val="1690"/>
+              <a:buChar char="■"/>
+            </a:pPr>
+            <a:r>
+              <a:rPr lang="en-GB" sz="1690">
+                <a:solidFill>
+                  <a:schemeClr val="dk1"/>
+                </a:solidFill>
+              </a:rPr>
+              <a:t>Optimization </a:t>
+            </a:r>
+            <a:endParaRPr sz="1690">
+              <a:solidFill>
+                <a:schemeClr val="dk1"/>
+              </a:solidFill>
+            </a:endParaRPr>
+          </a:p>
+          <a:p>
+            <a:pPr marL="1371600" lvl="2" indent="-335915" algn="l" rtl="0">
+              <a:lnSpc>
+                <a:spcPct val="95000"/>
+              </a:lnSpc>
+              <a:spcBef>
+                <a:spcPts val="0"/>
+              </a:spcBef>
+              <a:spcAft>
+                <a:spcPts val="0"/>
+              </a:spcAft>
+              <a:buClr>
+                <a:schemeClr val="dk1"/>
+              </a:buClr>
+              <a:buSzPts val="1690"/>
+              <a:buChar char="■"/>
+            </a:pPr>
+            <a:r>
+              <a:rPr lang="en-GB" sz="1690">
+                <a:solidFill>
+                  <a:schemeClr val="dk1"/>
+                </a:solidFill>
+              </a:rPr>
+              <a:t>Robotics </a:t>
+            </a:r>
+            <a:endParaRPr sz="1690">
+              <a:solidFill>
+                <a:schemeClr val="dk1"/>
+              </a:solidFill>
+            </a:endParaRPr>
+          </a:p>
+          <a:p>
+            <a:pPr marL="1371600" lvl="2" indent="-335915" algn="l" rtl="0">
+              <a:lnSpc>
+                <a:spcPct val="95000"/>
+              </a:lnSpc>
+              <a:spcBef>
+                <a:spcPts val="0"/>
+              </a:spcBef>
+              <a:spcAft>
+                <a:spcPts val="0"/>
+              </a:spcAft>
+              <a:buClr>
+                <a:schemeClr val="dk1"/>
+              </a:buClr>
+              <a:buSzPts val="1690"/>
+              <a:buChar char="■"/>
+            </a:pPr>
+            <a:r>
+              <a:rPr lang="en-GB" sz="1690">
+                <a:solidFill>
+                  <a:schemeClr val="dk1"/>
+                </a:solidFill>
+              </a:rPr>
+              <a:t>Machine Learning </a:t>
+            </a:r>
+            <a:endParaRPr sz="1690">
+              <a:solidFill>
+                <a:schemeClr val="dk1"/>
+              </a:solidFill>
+            </a:endParaRPr>
+          </a:p>
+          <a:p>
+            <a:pPr marL="1371600" lvl="2" indent="-335915" algn="l" rtl="0">
+              <a:lnSpc>
+                <a:spcPct val="95000"/>
+              </a:lnSpc>
+              <a:spcBef>
+                <a:spcPts val="0"/>
+              </a:spcBef>
+              <a:spcAft>
+                <a:spcPts val="0"/>
+              </a:spcAft>
+              <a:buClr>
+                <a:schemeClr val="dk1"/>
+              </a:buClr>
+              <a:buSzPts val="1690"/>
+              <a:buChar char="■"/>
+            </a:pPr>
+            <a:r>
+              <a:rPr lang="en-GB" sz="1690">
+                <a:solidFill>
+                  <a:schemeClr val="dk1"/>
+                </a:solidFill>
+              </a:rPr>
+              <a:t>Computer Vision </a:t>
+            </a:r>
+            <a:endParaRPr sz="1690">
+              <a:solidFill>
+                <a:schemeClr val="dk1"/>
+              </a:solidFill>
+            </a:endParaRPr>
+          </a:p>
+          <a:p>
+            <a:pPr marL="1371600" lvl="2" indent="-335915" algn="l" rtl="0">
+              <a:lnSpc>
+                <a:spcPct val="95000"/>
+              </a:lnSpc>
+              <a:spcBef>
+                <a:spcPts val="0"/>
+              </a:spcBef>
+              <a:spcAft>
+                <a:spcPts val="0"/>
+              </a:spcAft>
+              <a:buClr>
+                <a:schemeClr val="dk1"/>
+              </a:buClr>
+              <a:buSzPts val="1690"/>
+              <a:buChar char="■"/>
+            </a:pPr>
+            <a:r>
+              <a:rPr lang="en-GB" sz="1690" b="1">
+                <a:solidFill>
+                  <a:schemeClr val="dk1"/>
+                </a:solidFill>
+              </a:rPr>
+              <a:t>Natural Language Processing</a:t>
+            </a:r>
+            <a:endParaRPr sz="1690" b="1">
+              <a:solidFill>
+                <a:schemeClr val="dk1"/>
+              </a:solidFill>
+            </a:endParaRPr>
+          </a:p>
+          <a:p>
+            <a:pPr marL="1371600" lvl="2" indent="-335915" algn="l" rtl="0">
+              <a:lnSpc>
+                <a:spcPct val="95000"/>
+              </a:lnSpc>
+              <a:spcBef>
+                <a:spcPts val="0"/>
+              </a:spcBef>
+              <a:spcAft>
+                <a:spcPts val="0"/>
+              </a:spcAft>
+              <a:buClr>
+                <a:schemeClr val="dk1"/>
+              </a:buClr>
+              <a:buSzPts val="1690"/>
+              <a:buChar char="■"/>
+            </a:pPr>
+            <a:r>
+              <a:rPr lang="en-GB" sz="1690">
+                <a:solidFill>
+                  <a:schemeClr val="dk1"/>
+                </a:solidFill>
+              </a:rPr>
+              <a:t>….. </a:t>
+            </a:r>
+            <a:endParaRPr sz="1690">
+              <a:solidFill>
+                <a:schemeClr val="dk1"/>
+              </a:solidFill>
+            </a:endParaRPr>
+          </a:p>
+          <a:p>
+            <a:pPr marL="0" lvl="0" indent="0" algn="l" rtl="0">
+              <a:lnSpc>
+                <a:spcPct val="95000"/>
+              </a:lnSpc>
+              <a:spcBef>
+                <a:spcPts val="1200"/>
+              </a:spcBef>
+              <a:spcAft>
+                <a:spcPts val="0"/>
+              </a:spcAft>
+              <a:buClr>
+                <a:schemeClr val="dk1"/>
+              </a:buClr>
+              <a:buSzPts val="935"/>
+              <a:buFont typeface="Arial" panose="020B0604020202020204"/>
+              <a:buNone/>
+            </a:pPr>
+            <a:endParaRPr sz="2030">
+              <a:solidFill>
+                <a:schemeClr val="dk1"/>
+              </a:solidFill>
+            </a:endParaRPr>
+          </a:p>
+          <a:p>
+            <a:pPr marL="0" lvl="0" indent="0" algn="l" rtl="0">
+              <a:lnSpc>
+                <a:spcPct val="95000"/>
+              </a:lnSpc>
+              <a:spcBef>
+                <a:spcPts val="1200"/>
+              </a:spcBef>
+              <a:spcAft>
+                <a:spcPts val="1200"/>
+              </a:spcAft>
+              <a:buSzPts val="935"/>
+              <a:buNone/>
+            </a:pPr>
+            <a:endParaRPr sz="2030">
+              <a:solidFill>
+                <a:schemeClr val="dk1"/>
+              </a:solidFill>
+            </a:endParaRPr>
+          </a:p>
+        </p:txBody>
+      </p:sp>
+      <p:pic>
+        <p:nvPicPr>
+          <p:cNvPr id="100" name="Google Shape;100;p20"/>
+          <p:cNvPicPr preferRelativeResize="0"/>
+          <p:nvPr/>
+        </p:nvPicPr>
+        <p:blipFill>
+          <a:blip r:embed="rId1"/>
+          <a:stretch>
+            <a:fillRect/>
+          </a:stretch>
+        </p:blipFill>
+        <p:spPr>
+          <a:xfrm>
+            <a:off x="3113725" y="139000"/>
+            <a:ext cx="6030274" cy="4228175"/>
+          </a:xfrm>
+          <a:prstGeom prst="rect">
+            <a:avLst/>
+          </a:prstGeom>
+          <a:noFill/>
+          <a:ln>
+            <a:noFill/>
+          </a:ln>
+        </p:spPr>
+      </p:pic>
+    </p:spTree>
+  </p:cSld>
+  <p:clrMapOvr>
+    <a:masterClrMapping/>
+  </p:clrMapOvr>
+</p:sld>
+</file>
+
+<file path=ppt/slides/slide60.xml><?xml version="1.0" encoding="utf-8"?>
 <p:sld xmlns:a="http://schemas.openxmlformats.org/drawingml/2006/main" xmlns:r="http://schemas.openxmlformats.org/officeDocument/2006/relationships" xmlns:p="http://schemas.openxmlformats.org/presentationml/2006/main">
   <p:cSld>
     <p:spTree>
@@ -43894,7 +44878,7 @@
 </p:sld>
 </file>
 
-<file path=ppt/slides/slide59.xml><?xml version="1.0" encoding="utf-8"?>
+<file path=ppt/slides/slide61.xml><?xml version="1.0" encoding="utf-8"?>
 <p:sld xmlns:a="http://schemas.openxmlformats.org/drawingml/2006/main" xmlns:r="http://schemas.openxmlformats.org/officeDocument/2006/relationships" xmlns:p="http://schemas.openxmlformats.org/presentationml/2006/main">
   <p:cSld>
     <p:spTree>
@@ -44078,601 +45062,7 @@
 </p:sld>
 </file>
 
-<file path=ppt/slides/slide6.xml><?xml version="1.0" encoding="utf-8"?>
-<p:sld xmlns:a="http://schemas.openxmlformats.org/drawingml/2006/main" xmlns:r="http://schemas.openxmlformats.org/officeDocument/2006/relationships" xmlns:p="http://schemas.openxmlformats.org/presentationml/2006/main">
-  <p:cSld>
-    <p:spTree>
-      <p:nvGrpSpPr>
-        <p:cNvPr id="97" name="Shape 97"/>
-        <p:cNvGrpSpPr/>
-        <p:nvPr/>
-      </p:nvGrpSpPr>
-      <p:grpSpPr>
-        <a:xfrm>
-          <a:off x="0" y="0"/>
-          <a:ext cx="0" cy="0"/>
-          <a:chOff x="0" y="0"/>
-          <a:chExt cx="0" cy="0"/>
-        </a:xfrm>
-      </p:grpSpPr>
-      <p:sp>
-        <p:nvSpPr>
-          <p:cNvPr id="98" name="Google Shape;98;p20"/>
-          <p:cNvSpPr txBox="1"/>
-          <p:nvPr>
-            <p:ph type="title"/>
-          </p:nvPr>
-        </p:nvSpPr>
-        <p:spPr>
-          <a:xfrm>
-            <a:off x="311700" y="445025"/>
-            <a:ext cx="8520600" cy="572700"/>
-          </a:xfrm>
-          <a:prstGeom prst="rect">
-            <a:avLst/>
-          </a:prstGeom>
-        </p:spPr>
-        <p:txBody>
-          <a:bodyPr spcFirstLastPara="1" wrap="square" lIns="91425" tIns="91425" rIns="91425" bIns="91425" anchor="t" anchorCtr="0">
-            <a:normAutofit fontScale="90000"/>
-          </a:bodyPr>
-          <a:lstStyle/>
-          <a:p>
-            <a:pPr marL="0" lvl="0" indent="0" algn="l" rtl="0">
-              <a:spcBef>
-                <a:spcPts val="0"/>
-              </a:spcBef>
-              <a:spcAft>
-                <a:spcPts val="0"/>
-              </a:spcAft>
-              <a:buClr>
-                <a:schemeClr val="dk1"/>
-              </a:buClr>
-              <a:buSzPct val="39000"/>
-              <a:buFont typeface="Arial" panose="020B0604020202020204"/>
-              <a:buNone/>
-            </a:pPr>
-            <a:r>
-              <a:rPr lang="en-GB"/>
-              <a:t>NLP &amp; AI</a:t>
-            </a:r>
-            <a:endParaRPr lang="en-GB"/>
-          </a:p>
-          <a:p>
-            <a:pPr marL="0" lvl="0" indent="0" algn="l" rtl="0">
-              <a:spcBef>
-                <a:spcPts val="0"/>
-              </a:spcBef>
-              <a:spcAft>
-                <a:spcPts val="0"/>
-              </a:spcAft>
-              <a:buClr>
-                <a:schemeClr val="dk1"/>
-              </a:buClr>
-              <a:buSzPct val="39000"/>
-              <a:buFont typeface="Arial" panose="020B0604020202020204"/>
-              <a:buNone/>
-            </a:pPr>
-          </a:p>
-          <a:p>
-            <a:pPr marL="0" lvl="0" indent="0" algn="l" rtl="0">
-              <a:spcBef>
-                <a:spcPts val="0"/>
-              </a:spcBef>
-              <a:spcAft>
-                <a:spcPts val="0"/>
-              </a:spcAft>
-              <a:buNone/>
-            </a:pPr>
-          </a:p>
-        </p:txBody>
-      </p:sp>
-      <p:sp>
-        <p:nvSpPr>
-          <p:cNvPr id="99" name="Google Shape;99;p20"/>
-          <p:cNvSpPr txBox="1"/>
-          <p:nvPr>
-            <p:ph type="body" idx="1"/>
-          </p:nvPr>
-        </p:nvSpPr>
-        <p:spPr>
-          <a:xfrm>
-            <a:off x="311700" y="1152475"/>
-            <a:ext cx="8520600" cy="3416400"/>
-          </a:xfrm>
-          <a:prstGeom prst="rect">
-            <a:avLst/>
-          </a:prstGeom>
-        </p:spPr>
-        <p:txBody>
-          <a:bodyPr spcFirstLastPara="1" wrap="square" lIns="91425" tIns="91425" rIns="91425" bIns="91425" anchor="t" anchorCtr="0">
-            <a:noAutofit/>
-          </a:bodyPr>
-          <a:lstStyle/>
-          <a:p>
-            <a:pPr marL="457200" lvl="0" indent="-357505" algn="l" rtl="0">
-              <a:lnSpc>
-                <a:spcPct val="95000"/>
-              </a:lnSpc>
-              <a:spcBef>
-                <a:spcPts val="0"/>
-              </a:spcBef>
-              <a:spcAft>
-                <a:spcPts val="0"/>
-              </a:spcAft>
-              <a:buClr>
-                <a:schemeClr val="dk1"/>
-              </a:buClr>
-              <a:buSzPts val="2030"/>
-              <a:buChar char="●"/>
-            </a:pPr>
-            <a:r>
-              <a:rPr lang="en-GB" sz="2030" b="1">
-                <a:solidFill>
-                  <a:schemeClr val="dk1"/>
-                </a:solidFill>
-              </a:rPr>
-              <a:t>Computer Science </a:t>
-            </a:r>
-            <a:endParaRPr sz="2030" b="1">
-              <a:solidFill>
-                <a:schemeClr val="dk1"/>
-              </a:solidFill>
-            </a:endParaRPr>
-          </a:p>
-          <a:p>
-            <a:pPr marL="914400" lvl="1" indent="-335915" algn="l" rtl="0">
-              <a:lnSpc>
-                <a:spcPct val="95000"/>
-              </a:lnSpc>
-              <a:spcBef>
-                <a:spcPts val="0"/>
-              </a:spcBef>
-              <a:spcAft>
-                <a:spcPts val="0"/>
-              </a:spcAft>
-              <a:buClr>
-                <a:schemeClr val="dk1"/>
-              </a:buClr>
-              <a:buSzPts val="1690"/>
-              <a:buChar char="○"/>
-            </a:pPr>
-            <a:r>
-              <a:rPr lang="en-GB" sz="1690">
-                <a:solidFill>
-                  <a:schemeClr val="dk1"/>
-                </a:solidFill>
-              </a:rPr>
-              <a:t>Programming </a:t>
-            </a:r>
-            <a:endParaRPr sz="1690">
-              <a:solidFill>
-                <a:schemeClr val="dk1"/>
-              </a:solidFill>
-            </a:endParaRPr>
-          </a:p>
-          <a:p>
-            <a:pPr marL="914400" lvl="1" indent="-335915" algn="l" rtl="0">
-              <a:lnSpc>
-                <a:spcPct val="95000"/>
-              </a:lnSpc>
-              <a:spcBef>
-                <a:spcPts val="0"/>
-              </a:spcBef>
-              <a:spcAft>
-                <a:spcPts val="0"/>
-              </a:spcAft>
-              <a:buClr>
-                <a:schemeClr val="dk1"/>
-              </a:buClr>
-              <a:buSzPts val="1690"/>
-              <a:buChar char="○"/>
-            </a:pPr>
-            <a:r>
-              <a:rPr lang="en-GB" sz="1690">
-                <a:solidFill>
-                  <a:schemeClr val="dk1"/>
-                </a:solidFill>
-              </a:rPr>
-              <a:t>Operating Systems </a:t>
-            </a:r>
-            <a:endParaRPr sz="1690">
-              <a:solidFill>
-                <a:schemeClr val="dk1"/>
-              </a:solidFill>
-            </a:endParaRPr>
-          </a:p>
-          <a:p>
-            <a:pPr marL="914400" lvl="1" indent="-335915" algn="l" rtl="0">
-              <a:lnSpc>
-                <a:spcPct val="95000"/>
-              </a:lnSpc>
-              <a:spcBef>
-                <a:spcPts val="0"/>
-              </a:spcBef>
-              <a:spcAft>
-                <a:spcPts val="0"/>
-              </a:spcAft>
-              <a:buClr>
-                <a:schemeClr val="dk1"/>
-              </a:buClr>
-              <a:buSzPts val="1690"/>
-              <a:buChar char="○"/>
-            </a:pPr>
-            <a:r>
-              <a:rPr lang="en-GB" sz="1690">
-                <a:solidFill>
-                  <a:schemeClr val="dk1"/>
-                </a:solidFill>
-              </a:rPr>
-              <a:t>Databases</a:t>
-            </a:r>
-            <a:endParaRPr sz="1690">
-              <a:solidFill>
-                <a:schemeClr val="dk1"/>
-              </a:solidFill>
-            </a:endParaRPr>
-          </a:p>
-          <a:p>
-            <a:pPr marL="914400" lvl="1" indent="-335915" algn="l" rtl="0">
-              <a:lnSpc>
-                <a:spcPct val="95000"/>
-              </a:lnSpc>
-              <a:spcBef>
-                <a:spcPts val="0"/>
-              </a:spcBef>
-              <a:spcAft>
-                <a:spcPts val="0"/>
-              </a:spcAft>
-              <a:buClr>
-                <a:schemeClr val="dk1"/>
-              </a:buClr>
-              <a:buSzPts val="1690"/>
-              <a:buChar char="○"/>
-            </a:pPr>
-            <a:r>
-              <a:rPr lang="en-GB" sz="1690">
-                <a:solidFill>
-                  <a:schemeClr val="dk1"/>
-                </a:solidFill>
-              </a:rPr>
-              <a:t>… </a:t>
-            </a:r>
-            <a:endParaRPr sz="1690">
-              <a:solidFill>
-                <a:schemeClr val="dk1"/>
-              </a:solidFill>
-            </a:endParaRPr>
-          </a:p>
-          <a:p>
-            <a:pPr marL="914400" lvl="1" indent="-335915" algn="l" rtl="0">
-              <a:lnSpc>
-                <a:spcPct val="95000"/>
-              </a:lnSpc>
-              <a:spcBef>
-                <a:spcPts val="0"/>
-              </a:spcBef>
-              <a:spcAft>
-                <a:spcPts val="0"/>
-              </a:spcAft>
-              <a:buClr>
-                <a:schemeClr val="dk1"/>
-              </a:buClr>
-              <a:buSzPts val="1690"/>
-              <a:buChar char="○"/>
-            </a:pPr>
-            <a:r>
-              <a:rPr lang="en-GB" sz="1690" b="1">
-                <a:solidFill>
-                  <a:schemeClr val="dk1"/>
-                </a:solidFill>
-              </a:rPr>
-              <a:t>Artificial Intelligence </a:t>
-            </a:r>
-            <a:endParaRPr sz="1690" b="1">
-              <a:solidFill>
-                <a:schemeClr val="dk1"/>
-              </a:solidFill>
-            </a:endParaRPr>
-          </a:p>
-          <a:p>
-            <a:pPr marL="1371600" lvl="2" indent="-335915" algn="l" rtl="0">
-              <a:lnSpc>
-                <a:spcPct val="95000"/>
-              </a:lnSpc>
-              <a:spcBef>
-                <a:spcPts val="0"/>
-              </a:spcBef>
-              <a:spcAft>
-                <a:spcPts val="0"/>
-              </a:spcAft>
-              <a:buClr>
-                <a:schemeClr val="dk1"/>
-              </a:buClr>
-              <a:buSzPts val="1690"/>
-              <a:buChar char="■"/>
-            </a:pPr>
-            <a:r>
-              <a:rPr lang="en-GB" sz="1690">
-                <a:solidFill>
-                  <a:schemeClr val="dk1"/>
-                </a:solidFill>
-              </a:rPr>
-              <a:t>Problem Solving </a:t>
-            </a:r>
-            <a:endParaRPr sz="1690">
-              <a:solidFill>
-                <a:schemeClr val="dk1"/>
-              </a:solidFill>
-            </a:endParaRPr>
-          </a:p>
-          <a:p>
-            <a:pPr marL="1371600" lvl="2" indent="-335915" algn="l" rtl="0">
-              <a:lnSpc>
-                <a:spcPct val="95000"/>
-              </a:lnSpc>
-              <a:spcBef>
-                <a:spcPts val="0"/>
-              </a:spcBef>
-              <a:spcAft>
-                <a:spcPts val="0"/>
-              </a:spcAft>
-              <a:buClr>
-                <a:schemeClr val="dk1"/>
-              </a:buClr>
-              <a:buSzPts val="1690"/>
-              <a:buChar char="■"/>
-            </a:pPr>
-            <a:r>
-              <a:rPr lang="en-GB" sz="1690">
-                <a:solidFill>
-                  <a:schemeClr val="dk1"/>
-                </a:solidFill>
-              </a:rPr>
-              <a:t>Optimization </a:t>
-            </a:r>
-            <a:endParaRPr sz="1690">
-              <a:solidFill>
-                <a:schemeClr val="dk1"/>
-              </a:solidFill>
-            </a:endParaRPr>
-          </a:p>
-          <a:p>
-            <a:pPr marL="1371600" lvl="2" indent="-335915" algn="l" rtl="0">
-              <a:lnSpc>
-                <a:spcPct val="95000"/>
-              </a:lnSpc>
-              <a:spcBef>
-                <a:spcPts val="0"/>
-              </a:spcBef>
-              <a:spcAft>
-                <a:spcPts val="0"/>
-              </a:spcAft>
-              <a:buClr>
-                <a:schemeClr val="dk1"/>
-              </a:buClr>
-              <a:buSzPts val="1690"/>
-              <a:buChar char="■"/>
-            </a:pPr>
-            <a:r>
-              <a:rPr lang="en-GB" sz="1690">
-                <a:solidFill>
-                  <a:schemeClr val="dk1"/>
-                </a:solidFill>
-              </a:rPr>
-              <a:t>Robotics </a:t>
-            </a:r>
-            <a:endParaRPr sz="1690">
-              <a:solidFill>
-                <a:schemeClr val="dk1"/>
-              </a:solidFill>
-            </a:endParaRPr>
-          </a:p>
-          <a:p>
-            <a:pPr marL="1371600" lvl="2" indent="-335915" algn="l" rtl="0">
-              <a:lnSpc>
-                <a:spcPct val="95000"/>
-              </a:lnSpc>
-              <a:spcBef>
-                <a:spcPts val="0"/>
-              </a:spcBef>
-              <a:spcAft>
-                <a:spcPts val="0"/>
-              </a:spcAft>
-              <a:buClr>
-                <a:schemeClr val="dk1"/>
-              </a:buClr>
-              <a:buSzPts val="1690"/>
-              <a:buChar char="■"/>
-            </a:pPr>
-            <a:r>
-              <a:rPr lang="en-GB" sz="1690">
-                <a:solidFill>
-                  <a:schemeClr val="dk1"/>
-                </a:solidFill>
-              </a:rPr>
-              <a:t>Machine Learning </a:t>
-            </a:r>
-            <a:endParaRPr sz="1690">
-              <a:solidFill>
-                <a:schemeClr val="dk1"/>
-              </a:solidFill>
-            </a:endParaRPr>
-          </a:p>
-          <a:p>
-            <a:pPr marL="1371600" lvl="2" indent="-335915" algn="l" rtl="0">
-              <a:lnSpc>
-                <a:spcPct val="95000"/>
-              </a:lnSpc>
-              <a:spcBef>
-                <a:spcPts val="0"/>
-              </a:spcBef>
-              <a:spcAft>
-                <a:spcPts val="0"/>
-              </a:spcAft>
-              <a:buClr>
-                <a:schemeClr val="dk1"/>
-              </a:buClr>
-              <a:buSzPts val="1690"/>
-              <a:buChar char="■"/>
-            </a:pPr>
-            <a:r>
-              <a:rPr lang="en-GB" sz="1690">
-                <a:solidFill>
-                  <a:schemeClr val="dk1"/>
-                </a:solidFill>
-              </a:rPr>
-              <a:t>Computer Vision </a:t>
-            </a:r>
-            <a:endParaRPr sz="1690">
-              <a:solidFill>
-                <a:schemeClr val="dk1"/>
-              </a:solidFill>
-            </a:endParaRPr>
-          </a:p>
-          <a:p>
-            <a:pPr marL="1371600" lvl="2" indent="-335915" algn="l" rtl="0">
-              <a:lnSpc>
-                <a:spcPct val="95000"/>
-              </a:lnSpc>
-              <a:spcBef>
-                <a:spcPts val="0"/>
-              </a:spcBef>
-              <a:spcAft>
-                <a:spcPts val="0"/>
-              </a:spcAft>
-              <a:buClr>
-                <a:schemeClr val="dk1"/>
-              </a:buClr>
-              <a:buSzPts val="1690"/>
-              <a:buChar char="■"/>
-            </a:pPr>
-            <a:r>
-              <a:rPr lang="en-GB" sz="1690" b="1">
-                <a:solidFill>
-                  <a:schemeClr val="dk1"/>
-                </a:solidFill>
-              </a:rPr>
-              <a:t>Natural Language Processing</a:t>
-            </a:r>
-            <a:endParaRPr sz="1690" b="1">
-              <a:solidFill>
-                <a:schemeClr val="dk1"/>
-              </a:solidFill>
-            </a:endParaRPr>
-          </a:p>
-          <a:p>
-            <a:pPr marL="1371600" lvl="2" indent="-335915" algn="l" rtl="0">
-              <a:lnSpc>
-                <a:spcPct val="95000"/>
-              </a:lnSpc>
-              <a:spcBef>
-                <a:spcPts val="0"/>
-              </a:spcBef>
-              <a:spcAft>
-                <a:spcPts val="0"/>
-              </a:spcAft>
-              <a:buClr>
-                <a:schemeClr val="dk1"/>
-              </a:buClr>
-              <a:buSzPts val="1690"/>
-              <a:buChar char="■"/>
-            </a:pPr>
-            <a:r>
-              <a:rPr lang="en-GB" sz="1690">
-                <a:solidFill>
-                  <a:schemeClr val="dk1"/>
-                </a:solidFill>
-              </a:rPr>
-              <a:t>….. </a:t>
-            </a:r>
-            <a:endParaRPr sz="1690">
-              <a:solidFill>
-                <a:schemeClr val="dk1"/>
-              </a:solidFill>
-            </a:endParaRPr>
-          </a:p>
-          <a:p>
-            <a:pPr marL="0" lvl="0" indent="0" algn="l" rtl="0">
-              <a:lnSpc>
-                <a:spcPct val="95000"/>
-              </a:lnSpc>
-              <a:spcBef>
-                <a:spcPts val="1200"/>
-              </a:spcBef>
-              <a:spcAft>
-                <a:spcPts val="0"/>
-              </a:spcAft>
-              <a:buClr>
-                <a:schemeClr val="dk1"/>
-              </a:buClr>
-              <a:buSzPts val="935"/>
-              <a:buFont typeface="Arial" panose="020B0604020202020204"/>
-              <a:buNone/>
-            </a:pPr>
-            <a:endParaRPr sz="2030">
-              <a:solidFill>
-                <a:schemeClr val="dk1"/>
-              </a:solidFill>
-            </a:endParaRPr>
-          </a:p>
-          <a:p>
-            <a:pPr marL="0" lvl="0" indent="0" algn="l" rtl="0">
-              <a:lnSpc>
-                <a:spcPct val="95000"/>
-              </a:lnSpc>
-              <a:spcBef>
-                <a:spcPts val="1200"/>
-              </a:spcBef>
-              <a:spcAft>
-                <a:spcPts val="1200"/>
-              </a:spcAft>
-              <a:buSzPts val="935"/>
-              <a:buNone/>
-            </a:pPr>
-            <a:endParaRPr sz="2030">
-              <a:solidFill>
-                <a:schemeClr val="dk1"/>
-              </a:solidFill>
-            </a:endParaRPr>
-          </a:p>
-        </p:txBody>
-      </p:sp>
-      <p:pic>
-        <p:nvPicPr>
-          <p:cNvPr id="100" name="Google Shape;100;p20"/>
-          <p:cNvPicPr preferRelativeResize="0"/>
-          <p:nvPr/>
-        </p:nvPicPr>
-        <p:blipFill>
-          <a:blip r:embed="rId1"/>
-          <a:stretch>
-            <a:fillRect/>
-          </a:stretch>
-        </p:blipFill>
-        <p:spPr>
-          <a:xfrm>
-            <a:off x="3113725" y="139000"/>
-            <a:ext cx="6030274" cy="4228175"/>
-          </a:xfrm>
-          <a:prstGeom prst="rect">
-            <a:avLst/>
-          </a:prstGeom>
-          <a:noFill/>
-          <a:ln>
-            <a:noFill/>
-          </a:ln>
-        </p:spPr>
-      </p:pic>
-    </p:spTree>
-  </p:cSld>
-  <p:clrMapOvr>
-    <a:masterClrMapping/>
-  </p:clrMapOvr>
-</p:sld>
-</file>
-
-<file path=ppt/slides/slide60.xml><?xml version="1.0" encoding="utf-8"?>
+<file path=ppt/slides/slide62.xml><?xml version="1.0" encoding="utf-8"?>
 <p:sld xmlns:a="http://schemas.openxmlformats.org/drawingml/2006/main" xmlns:r="http://schemas.openxmlformats.org/officeDocument/2006/relationships" xmlns:p="http://schemas.openxmlformats.org/presentationml/2006/main">
   <p:cSld>
     <p:spTree>
@@ -46760,7 +47150,7 @@
 </p:sld>
 </file>
 
-<file path=ppt/slides/slide61.xml><?xml version="1.0" encoding="utf-8"?>
+<file path=ppt/slides/slide63.xml><?xml version="1.0" encoding="utf-8"?>
 <p:sld xmlns:a="http://schemas.openxmlformats.org/drawingml/2006/main" xmlns:r="http://schemas.openxmlformats.org/officeDocument/2006/relationships" xmlns:p="http://schemas.openxmlformats.org/presentationml/2006/main">
   <p:cSld>
     <p:spTree>
@@ -47094,7 +47484,7 @@
 </p:sld>
 </file>
 
-<file path=ppt/slides/slide62.xml><?xml version="1.0" encoding="utf-8"?>
+<file path=ppt/slides/slide64.xml><?xml version="1.0" encoding="utf-8"?>
 <p:sld xmlns:a="http://schemas.openxmlformats.org/drawingml/2006/main" xmlns:r="http://schemas.openxmlformats.org/officeDocument/2006/relationships" xmlns:p="http://schemas.openxmlformats.org/presentationml/2006/main">
   <p:cSld>
     <p:spTree>
@@ -47294,7 +47684,7 @@
 </p:sld>
 </file>
 
-<file path=ppt/slides/slide63.xml><?xml version="1.0" encoding="utf-8"?>
+<file path=ppt/slides/slide65.xml><?xml version="1.0" encoding="utf-8"?>
 <p:sld xmlns:a="http://schemas.openxmlformats.org/drawingml/2006/main" xmlns:r="http://schemas.openxmlformats.org/officeDocument/2006/relationships" xmlns:p="http://schemas.openxmlformats.org/presentationml/2006/main">
   <p:cSld>
     <p:spTree>
@@ -47807,7 +48197,7 @@
 </p:sld>
 </file>
 
-<file path=ppt/slides/slide64.xml><?xml version="1.0" encoding="utf-8"?>
+<file path=ppt/slides/slide66.xml><?xml version="1.0" encoding="utf-8"?>
 <p:sld xmlns:a="http://schemas.openxmlformats.org/drawingml/2006/main" xmlns:r="http://schemas.openxmlformats.org/officeDocument/2006/relationships" xmlns:p="http://schemas.openxmlformats.org/presentationml/2006/main">
   <p:cSld>
     <p:spTree>
@@ -48716,7 +49106,7 @@
 </p:sld>
 </file>
 
-<file path=ppt/slides/slide65.xml><?xml version="1.0" encoding="utf-8"?>
+<file path=ppt/slides/slide67.xml><?xml version="1.0" encoding="utf-8"?>
 <p:sld xmlns:a="http://schemas.openxmlformats.org/drawingml/2006/main" xmlns:r="http://schemas.openxmlformats.org/officeDocument/2006/relationships" xmlns:p="http://schemas.openxmlformats.org/presentationml/2006/main">
   <p:cSld>
     <p:spTree>
@@ -48939,7 +49329,7 @@
 </p:sld>
 </file>
 
-<file path=ppt/slides/slide66.xml><?xml version="1.0" encoding="utf-8"?>
+<file path=ppt/slides/slide68.xml><?xml version="1.0" encoding="utf-8"?>
 <p:sld xmlns:a="http://schemas.openxmlformats.org/drawingml/2006/main" xmlns:r="http://schemas.openxmlformats.org/officeDocument/2006/relationships" xmlns:p="http://schemas.openxmlformats.org/presentationml/2006/main">
   <p:cSld>
     <p:spTree>
@@ -49052,7 +49442,7 @@
 </p:sld>
 </file>
 
-<file path=ppt/slides/slide67.xml><?xml version="1.0" encoding="utf-8"?>
+<file path=ppt/slides/slide69.xml><?xml version="1.0" encoding="utf-8"?>
 <p:sld xmlns:a="http://schemas.openxmlformats.org/drawingml/2006/main" xmlns:r="http://schemas.openxmlformats.org/officeDocument/2006/relationships" xmlns:p="http://schemas.openxmlformats.org/presentationml/2006/main">
   <p:cSld>
     <p:spTree>
@@ -49141,7 +49531,213 @@
 </p:sld>
 </file>
 
-<file path=ppt/slides/slide68.xml><?xml version="1.0" encoding="utf-8"?>
+<file path=ppt/slides/slide7.xml><?xml version="1.0" encoding="utf-8"?>
+<p:sld xmlns:a="http://schemas.openxmlformats.org/drawingml/2006/main" xmlns:r="http://schemas.openxmlformats.org/officeDocument/2006/relationships" xmlns:p="http://schemas.openxmlformats.org/presentationml/2006/main">
+  <p:cSld>
+    <p:spTree>
+      <p:nvGrpSpPr>
+        <p:cNvPr id="104" name="Shape 104"/>
+        <p:cNvGrpSpPr/>
+        <p:nvPr/>
+      </p:nvGrpSpPr>
+      <p:grpSpPr>
+        <a:xfrm>
+          <a:off x="0" y="0"/>
+          <a:ext cx="0" cy="0"/>
+          <a:chOff x="0" y="0"/>
+          <a:chExt cx="0" cy="0"/>
+        </a:xfrm>
+      </p:grpSpPr>
+      <p:sp>
+        <p:nvSpPr>
+          <p:cNvPr id="105" name="Google Shape;105;p21"/>
+          <p:cNvSpPr txBox="1"/>
+          <p:nvPr>
+            <p:ph type="title"/>
+          </p:nvPr>
+        </p:nvSpPr>
+        <p:spPr>
+          <a:xfrm>
+            <a:off x="311700" y="445025"/>
+            <a:ext cx="8520600" cy="572700"/>
+          </a:xfrm>
+          <a:prstGeom prst="rect">
+            <a:avLst/>
+          </a:prstGeom>
+        </p:spPr>
+        <p:txBody>
+          <a:bodyPr spcFirstLastPara="1" wrap="square" lIns="91425" tIns="91425" rIns="91425" bIns="91425" anchor="t" anchorCtr="0">
+            <a:normAutofit fontScale="90000"/>
+          </a:bodyPr>
+          <a:lstStyle/>
+          <a:p>
+            <a:pPr marL="0" lvl="0" indent="0" algn="l" rtl="0">
+              <a:spcBef>
+                <a:spcPts val="0"/>
+              </a:spcBef>
+              <a:spcAft>
+                <a:spcPts val="0"/>
+              </a:spcAft>
+              <a:buNone/>
+            </a:pPr>
+            <a:r>
+              <a:rPr lang="en-GB"/>
+              <a:t>NLP fields </a:t>
+            </a:r>
+            <a:endParaRPr lang="en-GB"/>
+          </a:p>
+        </p:txBody>
+      </p:sp>
+      <p:sp>
+        <p:nvSpPr>
+          <p:cNvPr id="106" name="Google Shape;106;p21"/>
+          <p:cNvSpPr txBox="1"/>
+          <p:nvPr>
+            <p:ph type="body" idx="1"/>
+          </p:nvPr>
+        </p:nvSpPr>
+        <p:spPr>
+          <a:xfrm>
+            <a:off x="311700" y="1152475"/>
+            <a:ext cx="8520600" cy="3416400"/>
+          </a:xfrm>
+          <a:prstGeom prst="rect">
+            <a:avLst/>
+          </a:prstGeom>
+        </p:spPr>
+        <p:txBody>
+          <a:bodyPr spcFirstLastPara="1" wrap="square" lIns="91425" tIns="91425" rIns="91425" bIns="91425" anchor="t" anchorCtr="0">
+            <a:normAutofit/>
+          </a:bodyPr>
+          <a:lstStyle/>
+          <a:p>
+            <a:pPr marL="0" lvl="0" indent="0" algn="l" rtl="0">
+              <a:spcBef>
+                <a:spcPts val="0"/>
+              </a:spcBef>
+              <a:spcAft>
+                <a:spcPts val="1200"/>
+              </a:spcAft>
+              <a:buNone/>
+            </a:pPr>
+            <a:r>
+              <a:rPr lang="en-GB" sz="2050">
+                <a:solidFill>
+                  <a:srgbClr val="222222"/>
+                </a:solidFill>
+                <a:highlight>
+                  <a:srgbClr val="FFFFFF"/>
+                </a:highlight>
+                <a:latin typeface="Roboto" panose="02000000000000000000"/>
+                <a:ea typeface="Roboto" panose="02000000000000000000"/>
+                <a:cs typeface="Roboto" panose="02000000000000000000"/>
+                <a:sym typeface="Roboto" panose="02000000000000000000"/>
+              </a:rPr>
+              <a:t>NLP combines </a:t>
+            </a:r>
+            <a:r>
+              <a:rPr lang="en-GB" sz="2050" b="1">
+                <a:solidFill>
+                  <a:srgbClr val="222222"/>
+                </a:solidFill>
+                <a:highlight>
+                  <a:srgbClr val="FFFFFF"/>
+                </a:highlight>
+                <a:latin typeface="Roboto" panose="02000000000000000000"/>
+                <a:ea typeface="Roboto" panose="02000000000000000000"/>
+                <a:cs typeface="Roboto" panose="02000000000000000000"/>
+                <a:sym typeface="Roboto" panose="02000000000000000000"/>
+              </a:rPr>
+              <a:t>computational linguistics</a:t>
+            </a:r>
+            <a:r>
+              <a:rPr lang="en-GB" sz="2050">
+                <a:solidFill>
+                  <a:srgbClr val="222222"/>
+                </a:solidFill>
+                <a:highlight>
+                  <a:srgbClr val="FFFFFF"/>
+                </a:highlight>
+                <a:latin typeface="Roboto" panose="02000000000000000000"/>
+                <a:ea typeface="Roboto" panose="02000000000000000000"/>
+                <a:cs typeface="Roboto" panose="02000000000000000000"/>
+                <a:sym typeface="Roboto" panose="02000000000000000000"/>
+              </a:rPr>
+              <a:t>, </a:t>
+            </a:r>
+            <a:r>
+              <a:rPr lang="en-GB" sz="2050" b="1">
+                <a:solidFill>
+                  <a:srgbClr val="222222"/>
+                </a:solidFill>
+                <a:highlight>
+                  <a:srgbClr val="FFFFFF"/>
+                </a:highlight>
+                <a:latin typeface="Roboto" panose="02000000000000000000"/>
+                <a:ea typeface="Roboto" panose="02000000000000000000"/>
+                <a:cs typeface="Roboto" panose="02000000000000000000"/>
+                <a:sym typeface="Roboto" panose="02000000000000000000"/>
+              </a:rPr>
+              <a:t>computer science</a:t>
+            </a:r>
+            <a:r>
+              <a:rPr lang="en-GB" sz="2050">
+                <a:solidFill>
+                  <a:srgbClr val="222222"/>
+                </a:solidFill>
+                <a:highlight>
+                  <a:srgbClr val="FFFFFF"/>
+                </a:highlight>
+                <a:latin typeface="Roboto" panose="02000000000000000000"/>
+                <a:ea typeface="Roboto" panose="02000000000000000000"/>
+                <a:cs typeface="Roboto" panose="02000000000000000000"/>
+                <a:sym typeface="Roboto" panose="02000000000000000000"/>
+              </a:rPr>
+              <a:t>, and </a:t>
+            </a:r>
+            <a:r>
+              <a:rPr lang="en-GB" sz="2050" b="1">
+                <a:solidFill>
+                  <a:srgbClr val="222222"/>
+                </a:solidFill>
+                <a:highlight>
+                  <a:srgbClr val="FFFFFF"/>
+                </a:highlight>
+                <a:latin typeface="Roboto" panose="02000000000000000000"/>
+                <a:ea typeface="Roboto" panose="02000000000000000000"/>
+                <a:cs typeface="Roboto" panose="02000000000000000000"/>
+                <a:sym typeface="Roboto" panose="02000000000000000000"/>
+              </a:rPr>
+              <a:t>machine learning</a:t>
+            </a:r>
+            <a:r>
+              <a:rPr lang="en-GB" sz="2050">
+                <a:solidFill>
+                  <a:srgbClr val="222222"/>
+                </a:solidFill>
+                <a:highlight>
+                  <a:srgbClr val="FFFFFF"/>
+                </a:highlight>
+                <a:latin typeface="Roboto" panose="02000000000000000000"/>
+                <a:ea typeface="Roboto" panose="02000000000000000000"/>
+                <a:cs typeface="Roboto" panose="02000000000000000000"/>
+                <a:sym typeface="Roboto" panose="02000000000000000000"/>
+              </a:rPr>
+              <a:t> to process and analyze large amounts of natural language data.</a:t>
+            </a:r>
+            <a:endParaRPr sz="2600"/>
+          </a:p>
+        </p:txBody>
+      </p:sp>
+    </p:spTree>
+  </p:cSld>
+  <p:clrMapOvr>
+    <a:masterClrMapping/>
+  </p:clrMapOvr>
+</p:sld>
+</file>
+
+<file path=ppt/slides/slide70.xml><?xml version="1.0" encoding="utf-8"?>
 <p:sld xmlns:a="http://schemas.openxmlformats.org/drawingml/2006/main" xmlns:r="http://schemas.openxmlformats.org/officeDocument/2006/relationships" xmlns:p="http://schemas.openxmlformats.org/presentationml/2006/main">
   <p:cSld>
     <p:bg>
@@ -49407,7 +50003,7 @@
 </p:sld>
 </file>
 
-<file path=ppt/slides/slide69.xml><?xml version="1.0" encoding="utf-8"?>
+<file path=ppt/slides/slide71.xml><?xml version="1.0" encoding="utf-8"?>
 <p:sld xmlns:a="http://schemas.openxmlformats.org/drawingml/2006/main" xmlns:r="http://schemas.openxmlformats.org/officeDocument/2006/relationships" xmlns:p="http://schemas.openxmlformats.org/presentationml/2006/main">
   <p:cSld>
     <p:spTree>
@@ -49591,212 +50187,6 @@
               <a:cs typeface="Palatino"/>
               <a:sym typeface="Palatino"/>
             </a:endParaRPr>
-          </a:p>
-        </p:txBody>
-      </p:sp>
-    </p:spTree>
-  </p:cSld>
-  <p:clrMapOvr>
-    <a:masterClrMapping/>
-  </p:clrMapOvr>
-</p:sld>
-</file>
-
-<file path=ppt/slides/slide7.xml><?xml version="1.0" encoding="utf-8"?>
-<p:sld xmlns:a="http://schemas.openxmlformats.org/drawingml/2006/main" xmlns:r="http://schemas.openxmlformats.org/officeDocument/2006/relationships" xmlns:p="http://schemas.openxmlformats.org/presentationml/2006/main">
-  <p:cSld>
-    <p:spTree>
-      <p:nvGrpSpPr>
-        <p:cNvPr id="104" name="Shape 104"/>
-        <p:cNvGrpSpPr/>
-        <p:nvPr/>
-      </p:nvGrpSpPr>
-      <p:grpSpPr>
-        <a:xfrm>
-          <a:off x="0" y="0"/>
-          <a:ext cx="0" cy="0"/>
-          <a:chOff x="0" y="0"/>
-          <a:chExt cx="0" cy="0"/>
-        </a:xfrm>
-      </p:grpSpPr>
-      <p:sp>
-        <p:nvSpPr>
-          <p:cNvPr id="105" name="Google Shape;105;p21"/>
-          <p:cNvSpPr txBox="1"/>
-          <p:nvPr>
-            <p:ph type="title"/>
-          </p:nvPr>
-        </p:nvSpPr>
-        <p:spPr>
-          <a:xfrm>
-            <a:off x="311700" y="445025"/>
-            <a:ext cx="8520600" cy="572700"/>
-          </a:xfrm>
-          <a:prstGeom prst="rect">
-            <a:avLst/>
-          </a:prstGeom>
-        </p:spPr>
-        <p:txBody>
-          <a:bodyPr spcFirstLastPara="1" wrap="square" lIns="91425" tIns="91425" rIns="91425" bIns="91425" anchor="t" anchorCtr="0">
-            <a:normAutofit fontScale="90000"/>
-          </a:bodyPr>
-          <a:lstStyle/>
-          <a:p>
-            <a:pPr marL="0" lvl="0" indent="0" algn="l" rtl="0">
-              <a:spcBef>
-                <a:spcPts val="0"/>
-              </a:spcBef>
-              <a:spcAft>
-                <a:spcPts val="0"/>
-              </a:spcAft>
-              <a:buNone/>
-            </a:pPr>
-            <a:r>
-              <a:rPr lang="en-GB"/>
-              <a:t>NLP fields </a:t>
-            </a:r>
-            <a:endParaRPr lang="en-GB"/>
-          </a:p>
-        </p:txBody>
-      </p:sp>
-      <p:sp>
-        <p:nvSpPr>
-          <p:cNvPr id="106" name="Google Shape;106;p21"/>
-          <p:cNvSpPr txBox="1"/>
-          <p:nvPr>
-            <p:ph type="body" idx="1"/>
-          </p:nvPr>
-        </p:nvSpPr>
-        <p:spPr>
-          <a:xfrm>
-            <a:off x="311700" y="1152475"/>
-            <a:ext cx="8520600" cy="3416400"/>
-          </a:xfrm>
-          <a:prstGeom prst="rect">
-            <a:avLst/>
-          </a:prstGeom>
-        </p:spPr>
-        <p:txBody>
-          <a:bodyPr spcFirstLastPara="1" wrap="square" lIns="91425" tIns="91425" rIns="91425" bIns="91425" anchor="t" anchorCtr="0">
-            <a:normAutofit/>
-          </a:bodyPr>
-          <a:lstStyle/>
-          <a:p>
-            <a:pPr marL="0" lvl="0" indent="0" algn="l" rtl="0">
-              <a:spcBef>
-                <a:spcPts val="0"/>
-              </a:spcBef>
-              <a:spcAft>
-                <a:spcPts val="1200"/>
-              </a:spcAft>
-              <a:buNone/>
-            </a:pPr>
-            <a:r>
-              <a:rPr lang="en-GB" sz="2050">
-                <a:solidFill>
-                  <a:srgbClr val="222222"/>
-                </a:solidFill>
-                <a:highlight>
-                  <a:srgbClr val="FFFFFF"/>
-                </a:highlight>
-                <a:latin typeface="Roboto" panose="02000000000000000000"/>
-                <a:ea typeface="Roboto" panose="02000000000000000000"/>
-                <a:cs typeface="Roboto" panose="02000000000000000000"/>
-                <a:sym typeface="Roboto" panose="02000000000000000000"/>
-              </a:rPr>
-              <a:t>NLP combines </a:t>
-            </a:r>
-            <a:r>
-              <a:rPr lang="en-GB" sz="2050" b="1">
-                <a:solidFill>
-                  <a:srgbClr val="222222"/>
-                </a:solidFill>
-                <a:highlight>
-                  <a:srgbClr val="FFFFFF"/>
-                </a:highlight>
-                <a:latin typeface="Roboto" panose="02000000000000000000"/>
-                <a:ea typeface="Roboto" panose="02000000000000000000"/>
-                <a:cs typeface="Roboto" panose="02000000000000000000"/>
-                <a:sym typeface="Roboto" panose="02000000000000000000"/>
-              </a:rPr>
-              <a:t>computational linguistics</a:t>
-            </a:r>
-            <a:r>
-              <a:rPr lang="en-GB" sz="2050">
-                <a:solidFill>
-                  <a:srgbClr val="222222"/>
-                </a:solidFill>
-                <a:highlight>
-                  <a:srgbClr val="FFFFFF"/>
-                </a:highlight>
-                <a:latin typeface="Roboto" panose="02000000000000000000"/>
-                <a:ea typeface="Roboto" panose="02000000000000000000"/>
-                <a:cs typeface="Roboto" panose="02000000000000000000"/>
-                <a:sym typeface="Roboto" panose="02000000000000000000"/>
-              </a:rPr>
-              <a:t>, </a:t>
-            </a:r>
-            <a:r>
-              <a:rPr lang="en-GB" sz="2050" b="1">
-                <a:solidFill>
-                  <a:srgbClr val="222222"/>
-                </a:solidFill>
-                <a:highlight>
-                  <a:srgbClr val="FFFFFF"/>
-                </a:highlight>
-                <a:latin typeface="Roboto" panose="02000000000000000000"/>
-                <a:ea typeface="Roboto" panose="02000000000000000000"/>
-                <a:cs typeface="Roboto" panose="02000000000000000000"/>
-                <a:sym typeface="Roboto" panose="02000000000000000000"/>
-              </a:rPr>
-              <a:t>computer science</a:t>
-            </a:r>
-            <a:r>
-              <a:rPr lang="en-GB" sz="2050">
-                <a:solidFill>
-                  <a:srgbClr val="222222"/>
-                </a:solidFill>
-                <a:highlight>
-                  <a:srgbClr val="FFFFFF"/>
-                </a:highlight>
-                <a:latin typeface="Roboto" panose="02000000000000000000"/>
-                <a:ea typeface="Roboto" panose="02000000000000000000"/>
-                <a:cs typeface="Roboto" panose="02000000000000000000"/>
-                <a:sym typeface="Roboto" panose="02000000000000000000"/>
-              </a:rPr>
-              <a:t>, and </a:t>
-            </a:r>
-            <a:r>
-              <a:rPr lang="en-GB" sz="2050" b="1">
-                <a:solidFill>
-                  <a:srgbClr val="222222"/>
-                </a:solidFill>
-                <a:highlight>
-                  <a:srgbClr val="FFFFFF"/>
-                </a:highlight>
-                <a:latin typeface="Roboto" panose="02000000000000000000"/>
-                <a:ea typeface="Roboto" panose="02000000000000000000"/>
-                <a:cs typeface="Roboto" panose="02000000000000000000"/>
-                <a:sym typeface="Roboto" panose="02000000000000000000"/>
-              </a:rPr>
-              <a:t>machine learning</a:t>
-            </a:r>
-            <a:r>
-              <a:rPr lang="en-GB" sz="2050">
-                <a:solidFill>
-                  <a:srgbClr val="222222"/>
-                </a:solidFill>
-                <a:highlight>
-                  <a:srgbClr val="FFFFFF"/>
-                </a:highlight>
-                <a:latin typeface="Roboto" panose="02000000000000000000"/>
-                <a:ea typeface="Roboto" panose="02000000000000000000"/>
-                <a:cs typeface="Roboto" panose="02000000000000000000"/>
-                <a:sym typeface="Roboto" panose="02000000000000000000"/>
-              </a:rPr>
-              <a:t> to process and analyze large amounts of natural language data.</a:t>
-            </a:r>
-            <a:endParaRPr sz="2600"/>
           </a:p>
         </p:txBody>
       </p:sp>

--- a/slides/01 Introduction to NLP.pptx
+++ b/slides/01 Introduction to NLP.pptx
@@ -48,80 +48,84 @@
     <p:sldId id="284" r:id="rId41"/>
     <p:sldId id="449" r:id="rId42"/>
     <p:sldId id="450" r:id="rId43"/>
-    <p:sldId id="282" r:id="rId44"/>
-    <p:sldId id="285" r:id="rId45"/>
+    <p:sldId id="482" r:id="rId44"/>
+    <p:sldId id="483" r:id="rId45"/>
     <p:sldId id="286" r:id="rId46"/>
     <p:sldId id="287" r:id="rId47"/>
-    <p:sldId id="288" r:id="rId48"/>
-    <p:sldId id="289" r:id="rId49"/>
-    <p:sldId id="290" r:id="rId50"/>
-    <p:sldId id="291" r:id="rId51"/>
-    <p:sldId id="292" r:id="rId52"/>
-    <p:sldId id="293" r:id="rId53"/>
-    <p:sldId id="395" r:id="rId54"/>
-    <p:sldId id="394" r:id="rId55"/>
-    <p:sldId id="294" r:id="rId56"/>
-    <p:sldId id="295" r:id="rId57"/>
-    <p:sldId id="296" r:id="rId58"/>
-    <p:sldId id="297" r:id="rId59"/>
-    <p:sldId id="298" r:id="rId60"/>
-    <p:sldId id="299" r:id="rId61"/>
-    <p:sldId id="300" r:id="rId62"/>
-    <p:sldId id="301" r:id="rId63"/>
-    <p:sldId id="302" r:id="rId64"/>
-    <p:sldId id="303" r:id="rId65"/>
-    <p:sldId id="304" r:id="rId66"/>
-    <p:sldId id="305" r:id="rId67"/>
-    <p:sldId id="306" r:id="rId68"/>
-    <p:sldId id="307" r:id="rId69"/>
-    <p:sldId id="308" r:id="rId70"/>
-    <p:sldId id="309" r:id="rId71"/>
-    <p:sldId id="310" r:id="rId72"/>
-    <p:sldId id="317" r:id="rId73"/>
-    <p:sldId id="318" r:id="rId74"/>
+    <p:sldId id="484" r:id="rId48"/>
+    <p:sldId id="485" r:id="rId49"/>
+    <p:sldId id="486" r:id="rId50"/>
+    <p:sldId id="487" r:id="rId51"/>
+    <p:sldId id="288" r:id="rId52"/>
+    <p:sldId id="289" r:id="rId53"/>
+    <p:sldId id="290" r:id="rId54"/>
+    <p:sldId id="291" r:id="rId55"/>
+    <p:sldId id="292" r:id="rId56"/>
+    <p:sldId id="293" r:id="rId57"/>
+    <p:sldId id="395" r:id="rId58"/>
+    <p:sldId id="394" r:id="rId59"/>
+    <p:sldId id="294" r:id="rId60"/>
+    <p:sldId id="295" r:id="rId61"/>
+    <p:sldId id="296" r:id="rId62"/>
+    <p:sldId id="297" r:id="rId63"/>
+    <p:sldId id="298" r:id="rId64"/>
+    <p:sldId id="299" r:id="rId65"/>
+    <p:sldId id="300" r:id="rId66"/>
+    <p:sldId id="301" r:id="rId67"/>
+    <p:sldId id="302" r:id="rId68"/>
+    <p:sldId id="303" r:id="rId69"/>
+    <p:sldId id="304" r:id="rId70"/>
+    <p:sldId id="305" r:id="rId71"/>
+    <p:sldId id="306" r:id="rId72"/>
+    <p:sldId id="307" r:id="rId73"/>
+    <p:sldId id="308" r:id="rId74"/>
+    <p:sldId id="309" r:id="rId75"/>
+    <p:sldId id="310" r:id="rId76"/>
+    <p:sldId id="317" r:id="rId77"/>
+    <p:sldId id="318" r:id="rId78"/>
   </p:sldIdLst>
   <p:sldSz cx="9144000" cy="5143500"/>
   <p:notesSz cx="6858000" cy="9144000"/>
   <p:embeddedFontLst>
     <p:embeddedFont>
       <p:font typeface="Calibri" panose="020F0502020204030204"/>
-      <p:regular r:id="rId78"/>
+      <p:regular r:id="rId82"/>
     </p:embeddedFont>
     <p:embeddedFont>
       <p:font typeface="Roboto" panose="02000000000000000000"/>
-      <p:regular r:id="rId79"/>
-      <p:bold r:id="rId80"/>
-      <p:italic r:id="rId81"/>
-      <p:boldItalic r:id="rId82"/>
-    </p:embeddedFont>
-    <p:embeddedFont>
-      <p:font typeface="Calibri" panose="020F0502020204030204" charset="0"/>
       <p:regular r:id="rId83"/>
       <p:bold r:id="rId84"/>
       <p:italic r:id="rId85"/>
       <p:boldItalic r:id="rId86"/>
     </p:embeddedFont>
     <p:embeddedFont>
+      <p:font typeface="Calibri" panose="020F0502020204030204" charset="0"/>
+      <p:regular r:id="rId87"/>
+      <p:bold r:id="rId88"/>
+      <p:italic r:id="rId89"/>
+      <p:boldItalic r:id="rId90"/>
+    </p:embeddedFont>
+    <p:embeddedFont>
       <p:font typeface="MS PGothic" panose="020B0600070205080204" charset="-128"/>
-      <p:regular r:id="rId87"/>
+      <p:regular r:id="rId91"/>
     </p:embeddedFont>
     <p:embeddedFont>
       <p:font typeface="Lucida Sans" panose="020B0602030504020204" charset="0"/>
-      <p:regular r:id="rId88"/>
-      <p:bold r:id="rId89"/>
-      <p:italic r:id="rId90"/>
+      <p:regular r:id="rId92"/>
+      <p:bold r:id="rId93"/>
+      <p:italic r:id="rId94"/>
     </p:embeddedFont>
     <p:embeddedFont>
       <p:font typeface="Roboto Mono" panose="00000009000000000000"/>
-      <p:regular r:id="rId91"/>
-      <p:bold r:id="rId92"/>
-      <p:italic r:id="rId93"/>
-      <p:boldItalic r:id="rId94"/>
+      <p:regular r:id="rId95"/>
+      <p:bold r:id="rId96"/>
+      <p:italic r:id="rId97"/>
+      <p:boldItalic r:id="rId98"/>
     </p:embeddedFont>
     <p:embeddedFont>
       <p:font typeface="Noto Sans Symbols"/>
-      <p:regular r:id="rId95"/>
-      <p:bold r:id="rId96"/>
+      <p:regular r:id="rId99"/>
+      <p:bold r:id="rId100"/>
     </p:embeddedFont>
   </p:embeddedFontLst>
   <p:defaultTextStyle>
@@ -4236,284 +4240,6 @@
   <p:cSld>
     <p:spTree>
       <p:nvGrpSpPr>
-        <p:cNvPr id="322" name="Shape 322"/>
-        <p:cNvGrpSpPr/>
-        <p:nvPr/>
-      </p:nvGrpSpPr>
-      <p:grpSpPr>
-        <a:xfrm>
-          <a:off x="0" y="0"/>
-          <a:ext cx="0" cy="0"/>
-          <a:chOff x="0" y="0"/>
-          <a:chExt cx="0" cy="0"/>
-        </a:xfrm>
-      </p:grpSpPr>
-      <p:sp>
-        <p:nvSpPr>
-          <p:cNvPr id="323" name="Google Shape;323;g30abce0bbc2_0_618:notes"/>
-          <p:cNvSpPr/>
-          <p:nvPr/>
-        </p:nvSpPr>
-        <p:spPr>
-          <a:xfrm>
-            <a:off x="3878280" y="8926560"/>
-            <a:ext cx="2966400" cy="469200"/>
-          </a:xfrm>
-          <a:prstGeom prst="rect">
-            <a:avLst/>
-          </a:prstGeom>
-          <a:noFill/>
-          <a:ln>
-            <a:noFill/>
-          </a:ln>
-        </p:spPr>
-        <p:txBody>
-          <a:bodyPr spcFirstLastPara="1" wrap="square" lIns="90000" tIns="45000" rIns="90000" bIns="45000" anchor="b" anchorCtr="0">
-            <a:noAutofit/>
-          </a:bodyPr>
-          <a:lstStyle/>
-          <a:p>
-            <a:pPr marL="0" marR="0" lvl="0" indent="0" algn="r" rtl="0">
-              <a:lnSpc>
-                <a:spcPct val="100000"/>
-              </a:lnSpc>
-              <a:spcBef>
-                <a:spcPts val="0"/>
-              </a:spcBef>
-              <a:spcAft>
-                <a:spcPts val="0"/>
-              </a:spcAft>
-              <a:buNone/>
-            </a:pPr>
-            <a:fld id="{00000000-1234-1234-1234-123412341234}" type="slidenum">
-              <a:rPr lang="en-GB" sz="1200" b="0" strike="noStrike">
-                <a:solidFill>
-                  <a:schemeClr val="dk1"/>
-                </a:solidFill>
-                <a:latin typeface="Times New Roman" panose="02020603050405020304"/>
-                <a:ea typeface="Times New Roman" panose="02020603050405020304"/>
-                <a:cs typeface="Times New Roman" panose="02020603050405020304"/>
-                <a:sym typeface="Times New Roman" panose="02020603050405020304"/>
-              </a:rPr>
-            </a:fld>
-            <a:endParaRPr sz="1200" b="0" strike="noStrike">
-              <a:solidFill>
-                <a:schemeClr val="dk1"/>
-              </a:solidFill>
-              <a:latin typeface="Arial" panose="020B0604020202020204"/>
-              <a:ea typeface="Arial" panose="020B0604020202020204"/>
-              <a:cs typeface="Arial" panose="020B0604020202020204"/>
-              <a:sym typeface="Arial" panose="020B0604020202020204"/>
-            </a:endParaRPr>
-          </a:p>
-        </p:txBody>
-      </p:sp>
-      <p:sp>
-        <p:nvSpPr>
-          <p:cNvPr id="324" name="Google Shape;324;g30abce0bbc2_0_618:notes"/>
-          <p:cNvSpPr/>
-          <p:nvPr>
-            <p:ph type="sldImg" idx="2"/>
-          </p:nvPr>
-        </p:nvSpPr>
-        <p:spPr>
-          <a:xfrm>
-            <a:off x="290513" y="704850"/>
-            <a:ext cx="6264300" cy="3524400"/>
-          </a:xfrm>
-          <a:custGeom>
-            <a:avLst/>
-            <a:gdLst/>
-            <a:ahLst/>
-            <a:cxnLst/>
-            <a:rect l="l" t="t" r="r" b="b"/>
-            <a:pathLst>
-              <a:path w="120000" h="120000" extrusionOk="0">
-                <a:moveTo>
-                  <a:pt x="0" y="0"/>
-                </a:moveTo>
-                <a:lnTo>
-                  <a:pt x="120000" y="0"/>
-                </a:lnTo>
-                <a:lnTo>
-                  <a:pt x="120000" y="120000"/>
-                </a:lnTo>
-                <a:lnTo>
-                  <a:pt x="0" y="120000"/>
-                </a:lnTo>
-                <a:close/>
-              </a:path>
-            </a:pathLst>
-          </a:custGeom>
-          <a:noFill/>
-          <a:ln w="12700" cap="flat" cmpd="sng">
-            <a:solidFill>
-              <a:srgbClr val="000000"/>
-            </a:solidFill>
-            <a:prstDash val="solid"/>
-            <a:round/>
-            <a:headEnd type="none" w="sm" len="sm"/>
-            <a:tailEnd type="none" w="sm" len="sm"/>
-          </a:ln>
-        </p:spPr>
-      </p:sp>
-      <p:sp>
-        <p:nvSpPr>
-          <p:cNvPr id="325" name="Google Shape;325;g30abce0bbc2_0_618:notes"/>
-          <p:cNvSpPr txBox="1"/>
-          <p:nvPr>
-            <p:ph type="body" idx="1"/>
-          </p:nvPr>
-        </p:nvSpPr>
-        <p:spPr>
-          <a:xfrm>
-            <a:off x="912960" y="4464000"/>
-            <a:ext cx="5019000" cy="4226700"/>
-          </a:xfrm>
-          <a:prstGeom prst="rect">
-            <a:avLst/>
-          </a:prstGeom>
-          <a:noFill/>
-          <a:ln>
-            <a:noFill/>
-          </a:ln>
-        </p:spPr>
-        <p:txBody>
-          <a:bodyPr spcFirstLastPara="1" wrap="square" lIns="0" tIns="0" rIns="0" bIns="0" anchor="t" anchorCtr="0">
-            <a:noAutofit/>
-          </a:bodyPr>
-          <a:lstStyle/>
-          <a:p>
-            <a:pPr marL="0" lvl="0" indent="0" algn="l" rtl="0">
-              <a:spcBef>
-                <a:spcPts val="0"/>
-              </a:spcBef>
-              <a:spcAft>
-                <a:spcPts val="0"/>
-              </a:spcAft>
-              <a:buNone/>
-            </a:pPr>
-            <a:endParaRPr sz="2000" b="0" strike="noStrike">
-              <a:latin typeface="Arial" panose="020B0604020202020204"/>
-              <a:ea typeface="Arial" panose="020B0604020202020204"/>
-              <a:cs typeface="Arial" panose="020B0604020202020204"/>
-              <a:sym typeface="Arial" panose="020B0604020202020204"/>
-            </a:endParaRPr>
-          </a:p>
-        </p:txBody>
-      </p:sp>
-    </p:spTree>
-  </p:cSld>
-  <p:clrMapOvr>
-    <a:masterClrMapping/>
-  </p:clrMapOvr>
-</p:notes>
-</file>
-
-<file path=ppt/notesSlides/notesSlide36.xml><?xml version="1.0" encoding="utf-8"?>
-<p:notes xmlns:a="http://schemas.openxmlformats.org/drawingml/2006/main" xmlns:r="http://schemas.openxmlformats.org/officeDocument/2006/relationships" xmlns:p="http://schemas.openxmlformats.org/presentationml/2006/main" showMasterPhAnim="0" showMasterSp="0">
-  <p:cSld>
-    <p:spTree>
-      <p:nvGrpSpPr>
-        <p:cNvPr id="341" name="Shape 341"/>
-        <p:cNvGrpSpPr/>
-        <p:nvPr/>
-      </p:nvGrpSpPr>
-      <p:grpSpPr>
-        <a:xfrm>
-          <a:off x="0" y="0"/>
-          <a:ext cx="0" cy="0"/>
-          <a:chOff x="0" y="0"/>
-          <a:chExt cx="0" cy="0"/>
-        </a:xfrm>
-      </p:grpSpPr>
-      <p:sp>
-        <p:nvSpPr>
-          <p:cNvPr id="342" name="Google Shape;342;g30ad953b3ee_0_29:notes"/>
-          <p:cNvSpPr/>
-          <p:nvPr>
-            <p:ph type="sldImg" idx="2"/>
-          </p:nvPr>
-        </p:nvSpPr>
-        <p:spPr>
-          <a:xfrm>
-            <a:off x="381300" y="685800"/>
-            <a:ext cx="6096000" cy="3429000"/>
-          </a:xfrm>
-          <a:custGeom>
-            <a:avLst/>
-            <a:gdLst/>
-            <a:ahLst/>
-            <a:cxnLst/>
-            <a:rect l="l" t="t" r="r" b="b"/>
-            <a:pathLst>
-              <a:path w="120000" h="120000" extrusionOk="0">
-                <a:moveTo>
-                  <a:pt x="0" y="0"/>
-                </a:moveTo>
-                <a:lnTo>
-                  <a:pt x="120000" y="0"/>
-                </a:lnTo>
-                <a:lnTo>
-                  <a:pt x="120000" y="120000"/>
-                </a:lnTo>
-                <a:lnTo>
-                  <a:pt x="0" y="120000"/>
-                </a:lnTo>
-                <a:close/>
-              </a:path>
-            </a:pathLst>
-          </a:custGeom>
-        </p:spPr>
-      </p:sp>
-      <p:sp>
-        <p:nvSpPr>
-          <p:cNvPr id="343" name="Google Shape;343;g30ad953b3ee_0_29:notes"/>
-          <p:cNvSpPr txBox="1"/>
-          <p:nvPr>
-            <p:ph type="body" idx="1"/>
-          </p:nvPr>
-        </p:nvSpPr>
-        <p:spPr>
-          <a:xfrm>
-            <a:off x="685800" y="4343400"/>
-            <a:ext cx="5486400" cy="4114800"/>
-          </a:xfrm>
-          <a:prstGeom prst="rect">
-            <a:avLst/>
-          </a:prstGeom>
-        </p:spPr>
-        <p:txBody>
-          <a:bodyPr spcFirstLastPara="1" wrap="square" lIns="91425" tIns="91425" rIns="91425" bIns="91425" anchor="t" anchorCtr="0">
-            <a:noAutofit/>
-          </a:bodyPr>
-          <a:lstStyle/>
-          <a:p>
-            <a:pPr marL="0" lvl="0" indent="0" algn="l" rtl="0">
-              <a:spcBef>
-                <a:spcPts val="0"/>
-              </a:spcBef>
-              <a:spcAft>
-                <a:spcPts val="0"/>
-              </a:spcAft>
-              <a:buNone/>
-            </a:pPr>
-          </a:p>
-        </p:txBody>
-      </p:sp>
-    </p:spTree>
-  </p:cSld>
-  <p:clrMapOvr>
-    <a:masterClrMapping/>
-  </p:clrMapOvr>
-</p:notes>
-</file>
-
-<file path=ppt/notesSlides/notesSlide37.xml><?xml version="1.0" encoding="utf-8"?>
-<p:notes xmlns:a="http://schemas.openxmlformats.org/drawingml/2006/main" xmlns:r="http://schemas.openxmlformats.org/officeDocument/2006/relationships" xmlns:p="http://schemas.openxmlformats.org/presentationml/2006/main" showMasterPhAnim="0" showMasterSp="0">
-  <p:cSld>
-    <p:spTree>
-      <p:nvGrpSpPr>
         <p:cNvPr id="347" name="Shape 347"/>
         <p:cNvGrpSpPr/>
         <p:nvPr/>
@@ -4608,7 +4334,7 @@
 </p:notes>
 </file>
 
-<file path=ppt/notesSlides/notesSlide38.xml><?xml version="1.0" encoding="utf-8"?>
+<file path=ppt/notesSlides/notesSlide36.xml><?xml version="1.0" encoding="utf-8"?>
 <p:notes xmlns:a="http://schemas.openxmlformats.org/drawingml/2006/main" xmlns:r="http://schemas.openxmlformats.org/officeDocument/2006/relationships" xmlns:p="http://schemas.openxmlformats.org/presentationml/2006/main" showMasterPhAnim="0" showMasterSp="0">
   <p:cSld>
     <p:spTree>
@@ -4707,7 +4433,7 @@
 </p:notes>
 </file>
 
-<file path=ppt/notesSlides/notesSlide39.xml><?xml version="1.0" encoding="utf-8"?>
+<file path=ppt/notesSlides/notesSlide37.xml><?xml version="1.0" encoding="utf-8"?>
 <p:notes xmlns:a="http://schemas.openxmlformats.org/drawingml/2006/main" xmlns:r="http://schemas.openxmlformats.org/officeDocument/2006/relationships" xmlns:p="http://schemas.openxmlformats.org/presentationml/2006/main" showMasterPhAnim="0" showMasterSp="0">
   <p:cSld>
     <p:spTree>
@@ -4877,6 +4603,284 @@
             </a:endParaRPr>
           </a:p>
         </p:txBody>
+      </p:sp>
+    </p:spTree>
+  </p:cSld>
+  <p:clrMapOvr>
+    <a:masterClrMapping/>
+  </p:clrMapOvr>
+</p:notes>
+</file>
+
+<file path=ppt/notesSlides/notesSlide38.xml><?xml version="1.0" encoding="utf-8"?>
+<p:notes xmlns:a="http://schemas.openxmlformats.org/drawingml/2006/main" xmlns:r="http://schemas.openxmlformats.org/officeDocument/2006/relationships" xmlns:p="http://schemas.openxmlformats.org/presentationml/2006/main" showMasterPhAnim="0" showMasterSp="0">
+  <p:cSld>
+    <p:spTree>
+      <p:nvGrpSpPr>
+        <p:cNvPr id="366" name="Shape 366"/>
+        <p:cNvGrpSpPr/>
+        <p:nvPr/>
+      </p:nvGrpSpPr>
+      <p:grpSpPr>
+        <a:xfrm>
+          <a:off x="0" y="0"/>
+          <a:ext cx="0" cy="0"/>
+          <a:chOff x="0" y="0"/>
+          <a:chExt cx="0" cy="0"/>
+        </a:xfrm>
+      </p:grpSpPr>
+      <p:sp>
+        <p:nvSpPr>
+          <p:cNvPr id="367" name="Google Shape;367;g30abce0bbc2_0_630:notes"/>
+          <p:cNvSpPr/>
+          <p:nvPr/>
+        </p:nvSpPr>
+        <p:spPr>
+          <a:xfrm>
+            <a:off x="3878280" y="8926560"/>
+            <a:ext cx="2966400" cy="469200"/>
+          </a:xfrm>
+          <a:prstGeom prst="rect">
+            <a:avLst/>
+          </a:prstGeom>
+          <a:noFill/>
+          <a:ln>
+            <a:noFill/>
+          </a:ln>
+        </p:spPr>
+        <p:txBody>
+          <a:bodyPr spcFirstLastPara="1" wrap="square" lIns="90000" tIns="45000" rIns="90000" bIns="45000" anchor="b" anchorCtr="0">
+            <a:noAutofit/>
+          </a:bodyPr>
+          <a:lstStyle/>
+          <a:p>
+            <a:pPr marL="0" marR="0" lvl="0" indent="0" algn="r" rtl="0">
+              <a:lnSpc>
+                <a:spcPct val="100000"/>
+              </a:lnSpc>
+              <a:spcBef>
+                <a:spcPts val="0"/>
+              </a:spcBef>
+              <a:spcAft>
+                <a:spcPts val="0"/>
+              </a:spcAft>
+              <a:buNone/>
+            </a:pPr>
+            <a:fld id="{00000000-1234-1234-1234-123412341234}" type="slidenum">
+              <a:rPr lang="en-GB" sz="1200" b="0" strike="noStrike">
+                <a:solidFill>
+                  <a:schemeClr val="dk1"/>
+                </a:solidFill>
+                <a:latin typeface="Times New Roman" panose="02020603050405020304"/>
+                <a:ea typeface="Times New Roman" panose="02020603050405020304"/>
+                <a:cs typeface="Times New Roman" panose="02020603050405020304"/>
+                <a:sym typeface="Times New Roman" panose="02020603050405020304"/>
+              </a:rPr>
+            </a:fld>
+            <a:endParaRPr sz="1200" b="0" strike="noStrike">
+              <a:solidFill>
+                <a:schemeClr val="dk1"/>
+              </a:solidFill>
+              <a:latin typeface="Arial" panose="020B0604020202020204"/>
+              <a:ea typeface="Arial" panose="020B0604020202020204"/>
+              <a:cs typeface="Arial" panose="020B0604020202020204"/>
+              <a:sym typeface="Arial" panose="020B0604020202020204"/>
+            </a:endParaRPr>
+          </a:p>
+        </p:txBody>
+      </p:sp>
+      <p:sp>
+        <p:nvSpPr>
+          <p:cNvPr id="368" name="Google Shape;368;g30abce0bbc2_0_630:notes"/>
+          <p:cNvSpPr/>
+          <p:nvPr>
+            <p:ph type="sldImg" idx="2"/>
+          </p:nvPr>
+        </p:nvSpPr>
+        <p:spPr>
+          <a:xfrm>
+            <a:off x="290513" y="704850"/>
+            <a:ext cx="6264300" cy="3524400"/>
+          </a:xfrm>
+          <a:custGeom>
+            <a:avLst/>
+            <a:gdLst/>
+            <a:ahLst/>
+            <a:cxnLst/>
+            <a:rect l="l" t="t" r="r" b="b"/>
+            <a:pathLst>
+              <a:path w="120000" h="120000" extrusionOk="0">
+                <a:moveTo>
+                  <a:pt x="0" y="0"/>
+                </a:moveTo>
+                <a:lnTo>
+                  <a:pt x="120000" y="0"/>
+                </a:lnTo>
+                <a:lnTo>
+                  <a:pt x="120000" y="120000"/>
+                </a:lnTo>
+                <a:lnTo>
+                  <a:pt x="0" y="120000"/>
+                </a:lnTo>
+                <a:close/>
+              </a:path>
+            </a:pathLst>
+          </a:custGeom>
+          <a:noFill/>
+          <a:ln w="12700" cap="flat" cmpd="sng">
+            <a:solidFill>
+              <a:srgbClr val="000000"/>
+            </a:solidFill>
+            <a:prstDash val="solid"/>
+            <a:round/>
+            <a:headEnd type="none" w="sm" len="sm"/>
+            <a:tailEnd type="none" w="sm" len="sm"/>
+          </a:ln>
+        </p:spPr>
+      </p:sp>
+      <p:sp>
+        <p:nvSpPr>
+          <p:cNvPr id="369" name="Google Shape;369;g30abce0bbc2_0_630:notes"/>
+          <p:cNvSpPr txBox="1"/>
+          <p:nvPr>
+            <p:ph type="body" idx="1"/>
+          </p:nvPr>
+        </p:nvSpPr>
+        <p:spPr>
+          <a:xfrm>
+            <a:off x="912960" y="4464000"/>
+            <a:ext cx="5019000" cy="4226700"/>
+          </a:xfrm>
+          <a:prstGeom prst="rect">
+            <a:avLst/>
+          </a:prstGeom>
+          <a:noFill/>
+          <a:ln>
+            <a:noFill/>
+          </a:ln>
+        </p:spPr>
+        <p:txBody>
+          <a:bodyPr spcFirstLastPara="1" wrap="square" lIns="0" tIns="0" rIns="0" bIns="0" anchor="t" anchorCtr="0">
+            <a:noAutofit/>
+          </a:bodyPr>
+          <a:lstStyle/>
+          <a:p>
+            <a:pPr marL="0" lvl="0" indent="0" algn="l" rtl="0">
+              <a:spcBef>
+                <a:spcPts val="0"/>
+              </a:spcBef>
+              <a:spcAft>
+                <a:spcPts val="0"/>
+              </a:spcAft>
+              <a:buNone/>
+            </a:pPr>
+            <a:endParaRPr sz="2000" b="0" strike="noStrike">
+              <a:latin typeface="Arial" panose="020B0604020202020204"/>
+              <a:ea typeface="Arial" panose="020B0604020202020204"/>
+              <a:cs typeface="Arial" panose="020B0604020202020204"/>
+              <a:sym typeface="Arial" panose="020B0604020202020204"/>
+            </a:endParaRPr>
+          </a:p>
+        </p:txBody>
+      </p:sp>
+    </p:spTree>
+  </p:cSld>
+  <p:clrMapOvr>
+    <a:masterClrMapping/>
+  </p:clrMapOvr>
+</p:notes>
+</file>
+
+<file path=ppt/notesSlides/notesSlide39.xml><?xml version="1.0" encoding="utf-8"?>
+<p:notes xmlns:a="http://schemas.openxmlformats.org/drawingml/2006/main" xmlns:r="http://schemas.openxmlformats.org/officeDocument/2006/relationships" xmlns:p="http://schemas.openxmlformats.org/presentationml/2006/main" showMasterPhAnim="0" showMasterSp="0">
+  <p:cSld>
+    <p:spTree>
+      <p:nvGrpSpPr>
+        <p:cNvPr id="374" name="Shape 374"/>
+        <p:cNvGrpSpPr/>
+        <p:nvPr/>
+      </p:nvGrpSpPr>
+      <p:grpSpPr>
+        <a:xfrm>
+          <a:off x="0" y="0"/>
+          <a:ext cx="0" cy="0"/>
+          <a:chOff x="0" y="0"/>
+          <a:chExt cx="0" cy="0"/>
+        </a:xfrm>
+      </p:grpSpPr>
+      <p:sp>
+        <p:nvSpPr>
+          <p:cNvPr id="375" name="Google Shape;375;g30abce0bbc2_0_637:notes"/>
+          <p:cNvSpPr txBox="1"/>
+          <p:nvPr>
+            <p:ph type="body" idx="1"/>
+          </p:nvPr>
+        </p:nvSpPr>
+        <p:spPr>
+          <a:xfrm>
+            <a:off x="685800" y="4400550"/>
+            <a:ext cx="5486400" cy="3600600"/>
+          </a:xfrm>
+          <a:prstGeom prst="rect">
+            <a:avLst/>
+          </a:prstGeom>
+        </p:spPr>
+        <p:txBody>
+          <a:bodyPr spcFirstLastPara="1" wrap="square" lIns="91425" tIns="91425" rIns="91425" bIns="91425" anchor="t" anchorCtr="0">
+            <a:noAutofit/>
+          </a:bodyPr>
+          <a:lstStyle/>
+          <a:p>
+            <a:pPr marL="0" lvl="0" indent="0" algn="l" rtl="0">
+              <a:spcBef>
+                <a:spcPts val="0"/>
+              </a:spcBef>
+              <a:spcAft>
+                <a:spcPts val="0"/>
+              </a:spcAft>
+              <a:buNone/>
+            </a:pPr>
+          </a:p>
+        </p:txBody>
+      </p:sp>
+      <p:sp>
+        <p:nvSpPr>
+          <p:cNvPr id="376" name="Google Shape;376;g30abce0bbc2_0_637:notes"/>
+          <p:cNvSpPr/>
+          <p:nvPr>
+            <p:ph type="sldImg" idx="2"/>
+          </p:nvPr>
+        </p:nvSpPr>
+        <p:spPr>
+          <a:xfrm>
+            <a:off x="685800" y="1143000"/>
+            <a:ext cx="5486400" cy="3086100"/>
+          </a:xfrm>
+          <a:custGeom>
+            <a:avLst/>
+            <a:gdLst/>
+            <a:ahLst/>
+            <a:cxnLst/>
+            <a:rect l="l" t="t" r="r" b="b"/>
+            <a:pathLst>
+              <a:path w="120000" h="120000" extrusionOk="0">
+                <a:moveTo>
+                  <a:pt x="0" y="0"/>
+                </a:moveTo>
+                <a:lnTo>
+                  <a:pt x="120000" y="0"/>
+                </a:lnTo>
+                <a:lnTo>
+                  <a:pt x="120000" y="120000"/>
+                </a:lnTo>
+                <a:lnTo>
+                  <a:pt x="0" y="120000"/>
+                </a:lnTo>
+                <a:close/>
+              </a:path>
+            </a:pathLst>
+          </a:custGeom>
+        </p:spPr>
       </p:sp>
     </p:spTree>
   </p:cSld>
@@ -4990,284 +4994,6 @@
   <p:cSld>
     <p:spTree>
       <p:nvGrpSpPr>
-        <p:cNvPr id="366" name="Shape 366"/>
-        <p:cNvGrpSpPr/>
-        <p:nvPr/>
-      </p:nvGrpSpPr>
-      <p:grpSpPr>
-        <a:xfrm>
-          <a:off x="0" y="0"/>
-          <a:ext cx="0" cy="0"/>
-          <a:chOff x="0" y="0"/>
-          <a:chExt cx="0" cy="0"/>
-        </a:xfrm>
-      </p:grpSpPr>
-      <p:sp>
-        <p:nvSpPr>
-          <p:cNvPr id="367" name="Google Shape;367;g30abce0bbc2_0_630:notes"/>
-          <p:cNvSpPr/>
-          <p:nvPr/>
-        </p:nvSpPr>
-        <p:spPr>
-          <a:xfrm>
-            <a:off x="3878280" y="8926560"/>
-            <a:ext cx="2966400" cy="469200"/>
-          </a:xfrm>
-          <a:prstGeom prst="rect">
-            <a:avLst/>
-          </a:prstGeom>
-          <a:noFill/>
-          <a:ln>
-            <a:noFill/>
-          </a:ln>
-        </p:spPr>
-        <p:txBody>
-          <a:bodyPr spcFirstLastPara="1" wrap="square" lIns="90000" tIns="45000" rIns="90000" bIns="45000" anchor="b" anchorCtr="0">
-            <a:noAutofit/>
-          </a:bodyPr>
-          <a:lstStyle/>
-          <a:p>
-            <a:pPr marL="0" marR="0" lvl="0" indent="0" algn="r" rtl="0">
-              <a:lnSpc>
-                <a:spcPct val="100000"/>
-              </a:lnSpc>
-              <a:spcBef>
-                <a:spcPts val="0"/>
-              </a:spcBef>
-              <a:spcAft>
-                <a:spcPts val="0"/>
-              </a:spcAft>
-              <a:buNone/>
-            </a:pPr>
-            <a:fld id="{00000000-1234-1234-1234-123412341234}" type="slidenum">
-              <a:rPr lang="en-GB" sz="1200" b="0" strike="noStrike">
-                <a:solidFill>
-                  <a:schemeClr val="dk1"/>
-                </a:solidFill>
-                <a:latin typeface="Times New Roman" panose="02020603050405020304"/>
-                <a:ea typeface="Times New Roman" panose="02020603050405020304"/>
-                <a:cs typeface="Times New Roman" panose="02020603050405020304"/>
-                <a:sym typeface="Times New Roman" panose="02020603050405020304"/>
-              </a:rPr>
-            </a:fld>
-            <a:endParaRPr sz="1200" b="0" strike="noStrike">
-              <a:solidFill>
-                <a:schemeClr val="dk1"/>
-              </a:solidFill>
-              <a:latin typeface="Arial" panose="020B0604020202020204"/>
-              <a:ea typeface="Arial" panose="020B0604020202020204"/>
-              <a:cs typeface="Arial" panose="020B0604020202020204"/>
-              <a:sym typeface="Arial" panose="020B0604020202020204"/>
-            </a:endParaRPr>
-          </a:p>
-        </p:txBody>
-      </p:sp>
-      <p:sp>
-        <p:nvSpPr>
-          <p:cNvPr id="368" name="Google Shape;368;g30abce0bbc2_0_630:notes"/>
-          <p:cNvSpPr/>
-          <p:nvPr>
-            <p:ph type="sldImg" idx="2"/>
-          </p:nvPr>
-        </p:nvSpPr>
-        <p:spPr>
-          <a:xfrm>
-            <a:off x="290513" y="704850"/>
-            <a:ext cx="6264300" cy="3524400"/>
-          </a:xfrm>
-          <a:custGeom>
-            <a:avLst/>
-            <a:gdLst/>
-            <a:ahLst/>
-            <a:cxnLst/>
-            <a:rect l="l" t="t" r="r" b="b"/>
-            <a:pathLst>
-              <a:path w="120000" h="120000" extrusionOk="0">
-                <a:moveTo>
-                  <a:pt x="0" y="0"/>
-                </a:moveTo>
-                <a:lnTo>
-                  <a:pt x="120000" y="0"/>
-                </a:lnTo>
-                <a:lnTo>
-                  <a:pt x="120000" y="120000"/>
-                </a:lnTo>
-                <a:lnTo>
-                  <a:pt x="0" y="120000"/>
-                </a:lnTo>
-                <a:close/>
-              </a:path>
-            </a:pathLst>
-          </a:custGeom>
-          <a:noFill/>
-          <a:ln w="12700" cap="flat" cmpd="sng">
-            <a:solidFill>
-              <a:srgbClr val="000000"/>
-            </a:solidFill>
-            <a:prstDash val="solid"/>
-            <a:round/>
-            <a:headEnd type="none" w="sm" len="sm"/>
-            <a:tailEnd type="none" w="sm" len="sm"/>
-          </a:ln>
-        </p:spPr>
-      </p:sp>
-      <p:sp>
-        <p:nvSpPr>
-          <p:cNvPr id="369" name="Google Shape;369;g30abce0bbc2_0_630:notes"/>
-          <p:cNvSpPr txBox="1"/>
-          <p:nvPr>
-            <p:ph type="body" idx="1"/>
-          </p:nvPr>
-        </p:nvSpPr>
-        <p:spPr>
-          <a:xfrm>
-            <a:off x="912960" y="4464000"/>
-            <a:ext cx="5019000" cy="4226700"/>
-          </a:xfrm>
-          <a:prstGeom prst="rect">
-            <a:avLst/>
-          </a:prstGeom>
-          <a:noFill/>
-          <a:ln>
-            <a:noFill/>
-          </a:ln>
-        </p:spPr>
-        <p:txBody>
-          <a:bodyPr spcFirstLastPara="1" wrap="square" lIns="0" tIns="0" rIns="0" bIns="0" anchor="t" anchorCtr="0">
-            <a:noAutofit/>
-          </a:bodyPr>
-          <a:lstStyle/>
-          <a:p>
-            <a:pPr marL="0" lvl="0" indent="0" algn="l" rtl="0">
-              <a:spcBef>
-                <a:spcPts val="0"/>
-              </a:spcBef>
-              <a:spcAft>
-                <a:spcPts val="0"/>
-              </a:spcAft>
-              <a:buNone/>
-            </a:pPr>
-            <a:endParaRPr sz="2000" b="0" strike="noStrike">
-              <a:latin typeface="Arial" panose="020B0604020202020204"/>
-              <a:ea typeface="Arial" panose="020B0604020202020204"/>
-              <a:cs typeface="Arial" panose="020B0604020202020204"/>
-              <a:sym typeface="Arial" panose="020B0604020202020204"/>
-            </a:endParaRPr>
-          </a:p>
-        </p:txBody>
-      </p:sp>
-    </p:spTree>
-  </p:cSld>
-  <p:clrMapOvr>
-    <a:masterClrMapping/>
-  </p:clrMapOvr>
-</p:notes>
-</file>
-
-<file path=ppt/notesSlides/notesSlide41.xml><?xml version="1.0" encoding="utf-8"?>
-<p:notes xmlns:a="http://schemas.openxmlformats.org/drawingml/2006/main" xmlns:r="http://schemas.openxmlformats.org/officeDocument/2006/relationships" xmlns:p="http://schemas.openxmlformats.org/presentationml/2006/main" showMasterPhAnim="0" showMasterSp="0">
-  <p:cSld>
-    <p:spTree>
-      <p:nvGrpSpPr>
-        <p:cNvPr id="374" name="Shape 374"/>
-        <p:cNvGrpSpPr/>
-        <p:nvPr/>
-      </p:nvGrpSpPr>
-      <p:grpSpPr>
-        <a:xfrm>
-          <a:off x="0" y="0"/>
-          <a:ext cx="0" cy="0"/>
-          <a:chOff x="0" y="0"/>
-          <a:chExt cx="0" cy="0"/>
-        </a:xfrm>
-      </p:grpSpPr>
-      <p:sp>
-        <p:nvSpPr>
-          <p:cNvPr id="375" name="Google Shape;375;g30abce0bbc2_0_637:notes"/>
-          <p:cNvSpPr txBox="1"/>
-          <p:nvPr>
-            <p:ph type="body" idx="1"/>
-          </p:nvPr>
-        </p:nvSpPr>
-        <p:spPr>
-          <a:xfrm>
-            <a:off x="685800" y="4400550"/>
-            <a:ext cx="5486400" cy="3600600"/>
-          </a:xfrm>
-          <a:prstGeom prst="rect">
-            <a:avLst/>
-          </a:prstGeom>
-        </p:spPr>
-        <p:txBody>
-          <a:bodyPr spcFirstLastPara="1" wrap="square" lIns="91425" tIns="91425" rIns="91425" bIns="91425" anchor="t" anchorCtr="0">
-            <a:noAutofit/>
-          </a:bodyPr>
-          <a:lstStyle/>
-          <a:p>
-            <a:pPr marL="0" lvl="0" indent="0" algn="l" rtl="0">
-              <a:spcBef>
-                <a:spcPts val="0"/>
-              </a:spcBef>
-              <a:spcAft>
-                <a:spcPts val="0"/>
-              </a:spcAft>
-              <a:buNone/>
-            </a:pPr>
-          </a:p>
-        </p:txBody>
-      </p:sp>
-      <p:sp>
-        <p:nvSpPr>
-          <p:cNvPr id="376" name="Google Shape;376;g30abce0bbc2_0_637:notes"/>
-          <p:cNvSpPr/>
-          <p:nvPr>
-            <p:ph type="sldImg" idx="2"/>
-          </p:nvPr>
-        </p:nvSpPr>
-        <p:spPr>
-          <a:xfrm>
-            <a:off x="685800" y="1143000"/>
-            <a:ext cx="5486400" cy="3086100"/>
-          </a:xfrm>
-          <a:custGeom>
-            <a:avLst/>
-            <a:gdLst/>
-            <a:ahLst/>
-            <a:cxnLst/>
-            <a:rect l="l" t="t" r="r" b="b"/>
-            <a:pathLst>
-              <a:path w="120000" h="120000" extrusionOk="0">
-                <a:moveTo>
-                  <a:pt x="0" y="0"/>
-                </a:moveTo>
-                <a:lnTo>
-                  <a:pt x="120000" y="0"/>
-                </a:lnTo>
-                <a:lnTo>
-                  <a:pt x="120000" y="120000"/>
-                </a:lnTo>
-                <a:lnTo>
-                  <a:pt x="0" y="120000"/>
-                </a:lnTo>
-                <a:close/>
-              </a:path>
-            </a:pathLst>
-          </a:custGeom>
-        </p:spPr>
-      </p:sp>
-    </p:spTree>
-  </p:cSld>
-  <p:clrMapOvr>
-    <a:masterClrMapping/>
-  </p:clrMapOvr>
-</p:notes>
-</file>
-
-<file path=ppt/notesSlides/notesSlide42.xml><?xml version="1.0" encoding="utf-8"?>
-<p:notes xmlns:a="http://schemas.openxmlformats.org/drawingml/2006/main" xmlns:r="http://schemas.openxmlformats.org/officeDocument/2006/relationships" xmlns:p="http://schemas.openxmlformats.org/presentationml/2006/main" showMasterPhAnim="0" showMasterSp="0">
-  <p:cSld>
-    <p:spTree>
-      <p:nvGrpSpPr>
         <p:cNvPr id="380" name="Shape 380"/>
         <p:cNvGrpSpPr/>
         <p:nvPr/>
@@ -5362,7 +5088,7 @@
 </p:notes>
 </file>
 
-<file path=ppt/notesSlides/notesSlide43.xml><?xml version="1.0" encoding="utf-8"?>
+<file path=ppt/notesSlides/notesSlide41.xml><?xml version="1.0" encoding="utf-8"?>
 <p:notes xmlns:a="http://schemas.openxmlformats.org/drawingml/2006/main" xmlns:r="http://schemas.openxmlformats.org/officeDocument/2006/relationships" xmlns:p="http://schemas.openxmlformats.org/presentationml/2006/main" showMasterPhAnim="0" showMasterSp="0">
   <p:cSld>
     <p:spTree>
@@ -5461,7 +5187,7 @@
 </p:notes>
 </file>
 
-<file path=ppt/notesSlides/notesSlide44.xml><?xml version="1.0" encoding="utf-8"?>
+<file path=ppt/notesSlides/notesSlide42.xml><?xml version="1.0" encoding="utf-8"?>
 <p:notes xmlns:a="http://schemas.openxmlformats.org/drawingml/2006/main" xmlns:r="http://schemas.openxmlformats.org/officeDocument/2006/relationships" xmlns:p="http://schemas.openxmlformats.org/presentationml/2006/main" showMasterPhAnim="0" showMasterSp="0">
   <p:cSld>
     <p:spTree>
@@ -5640,7 +5366,7 @@
 </p:notes>
 </file>
 
-<file path=ppt/notesSlides/notesSlide45.xml><?xml version="1.0" encoding="utf-8"?>
+<file path=ppt/notesSlides/notesSlide43.xml><?xml version="1.0" encoding="utf-8"?>
 <p:notes xmlns:a="http://schemas.openxmlformats.org/drawingml/2006/main" xmlns:r="http://schemas.openxmlformats.org/officeDocument/2006/relationships" xmlns:p="http://schemas.openxmlformats.org/presentationml/2006/main">
   <p:cSld>
     <p:spTree>
@@ -5722,7 +5448,7 @@
 </p:notes>
 </file>
 
-<file path=ppt/notesSlides/notesSlide46.xml><?xml version="1.0" encoding="utf-8"?>
+<file path=ppt/notesSlides/notesSlide44.xml><?xml version="1.0" encoding="utf-8"?>
 <p:notes xmlns:a="http://schemas.openxmlformats.org/drawingml/2006/main" xmlns:r="http://schemas.openxmlformats.org/officeDocument/2006/relationships" xmlns:p="http://schemas.openxmlformats.org/presentationml/2006/main">
   <p:cSld>
     <p:spTree>
@@ -5812,7 +5538,7 @@
 </p:notes>
 </file>
 
-<file path=ppt/notesSlides/notesSlide47.xml><?xml version="1.0" encoding="utf-8"?>
+<file path=ppt/notesSlides/notesSlide45.xml><?xml version="1.0" encoding="utf-8"?>
 <p:notes xmlns:a="http://schemas.openxmlformats.org/drawingml/2006/main" xmlns:r="http://schemas.openxmlformats.org/officeDocument/2006/relationships" xmlns:p="http://schemas.openxmlformats.org/presentationml/2006/main" showMasterPhAnim="0" showMasterSp="0">
   <p:cSld>
     <p:spTree>
@@ -5991,7 +5717,7 @@
 </p:notes>
 </file>
 
-<file path=ppt/notesSlides/notesSlide48.xml><?xml version="1.0" encoding="utf-8"?>
+<file path=ppt/notesSlides/notesSlide46.xml><?xml version="1.0" encoding="utf-8"?>
 <p:notes xmlns:a="http://schemas.openxmlformats.org/drawingml/2006/main" xmlns:r="http://schemas.openxmlformats.org/officeDocument/2006/relationships" xmlns:p="http://schemas.openxmlformats.org/presentationml/2006/main" showMasterPhAnim="0" showMasterSp="0">
   <p:cSld>
     <p:spTree>
@@ -6090,7 +5816,7 @@
 </p:notes>
 </file>
 
-<file path=ppt/notesSlides/notesSlide49.xml><?xml version="1.0" encoding="utf-8"?>
+<file path=ppt/notesSlides/notesSlide47.xml><?xml version="1.0" encoding="utf-8"?>
 <p:notes xmlns:a="http://schemas.openxmlformats.org/drawingml/2006/main" xmlns:r="http://schemas.openxmlformats.org/officeDocument/2006/relationships" xmlns:p="http://schemas.openxmlformats.org/presentationml/2006/main" showMasterPhAnim="0" showMasterSp="0">
   <p:cSld>
     <p:spTree>
@@ -6180,6 +5906,284 @@
             </a:pathLst>
           </a:custGeom>
         </p:spPr>
+      </p:sp>
+    </p:spTree>
+  </p:cSld>
+  <p:clrMapOvr>
+    <a:masterClrMapping/>
+  </p:clrMapOvr>
+</p:notes>
+</file>
+
+<file path=ppt/notesSlides/notesSlide48.xml><?xml version="1.0" encoding="utf-8"?>
+<p:notes xmlns:a="http://schemas.openxmlformats.org/drawingml/2006/main" xmlns:r="http://schemas.openxmlformats.org/officeDocument/2006/relationships" xmlns:p="http://schemas.openxmlformats.org/presentationml/2006/main" showMasterPhAnim="0" showMasterSp="0">
+  <p:cSld>
+    <p:spTree>
+      <p:nvGrpSpPr>
+        <p:cNvPr id="418" name="Shape 418"/>
+        <p:cNvGrpSpPr/>
+        <p:nvPr/>
+      </p:nvGrpSpPr>
+      <p:grpSpPr>
+        <a:xfrm>
+          <a:off x="0" y="0"/>
+          <a:ext cx="0" cy="0"/>
+          <a:chOff x="0" y="0"/>
+          <a:chExt cx="0" cy="0"/>
+        </a:xfrm>
+      </p:grpSpPr>
+      <p:sp>
+        <p:nvSpPr>
+          <p:cNvPr id="419" name="Google Shape;419;g30abce0bbc2_0_674:notes"/>
+          <p:cNvSpPr txBox="1"/>
+          <p:nvPr>
+            <p:ph type="body" idx="1"/>
+          </p:nvPr>
+        </p:nvSpPr>
+        <p:spPr>
+          <a:xfrm>
+            <a:off x="685800" y="4400550"/>
+            <a:ext cx="5486400" cy="3600600"/>
+          </a:xfrm>
+          <a:prstGeom prst="rect">
+            <a:avLst/>
+          </a:prstGeom>
+        </p:spPr>
+        <p:txBody>
+          <a:bodyPr spcFirstLastPara="1" wrap="square" lIns="91425" tIns="91425" rIns="91425" bIns="91425" anchor="t" anchorCtr="0">
+            <a:noAutofit/>
+          </a:bodyPr>
+          <a:lstStyle/>
+          <a:p>
+            <a:pPr marL="0" lvl="0" indent="0" algn="l" rtl="0">
+              <a:spcBef>
+                <a:spcPts val="0"/>
+              </a:spcBef>
+              <a:spcAft>
+                <a:spcPts val="0"/>
+              </a:spcAft>
+              <a:buNone/>
+            </a:pPr>
+          </a:p>
+        </p:txBody>
+      </p:sp>
+      <p:sp>
+        <p:nvSpPr>
+          <p:cNvPr id="420" name="Google Shape;420;g30abce0bbc2_0_674:notes"/>
+          <p:cNvSpPr/>
+          <p:nvPr>
+            <p:ph type="sldImg" idx="2"/>
+          </p:nvPr>
+        </p:nvSpPr>
+        <p:spPr>
+          <a:xfrm>
+            <a:off x="685800" y="1143000"/>
+            <a:ext cx="5486400" cy="3086100"/>
+          </a:xfrm>
+          <a:custGeom>
+            <a:avLst/>
+            <a:gdLst/>
+            <a:ahLst/>
+            <a:cxnLst/>
+            <a:rect l="l" t="t" r="r" b="b"/>
+            <a:pathLst>
+              <a:path w="120000" h="120000" extrusionOk="0">
+                <a:moveTo>
+                  <a:pt x="0" y="0"/>
+                </a:moveTo>
+                <a:lnTo>
+                  <a:pt x="120000" y="0"/>
+                </a:lnTo>
+                <a:lnTo>
+                  <a:pt x="120000" y="120000"/>
+                </a:lnTo>
+                <a:lnTo>
+                  <a:pt x="0" y="120000"/>
+                </a:lnTo>
+                <a:close/>
+              </a:path>
+            </a:pathLst>
+          </a:custGeom>
+        </p:spPr>
+      </p:sp>
+    </p:spTree>
+  </p:cSld>
+  <p:clrMapOvr>
+    <a:masterClrMapping/>
+  </p:clrMapOvr>
+</p:notes>
+</file>
+
+<file path=ppt/notesSlides/notesSlide49.xml><?xml version="1.0" encoding="utf-8"?>
+<p:notes xmlns:a="http://schemas.openxmlformats.org/drawingml/2006/main" xmlns:r="http://schemas.openxmlformats.org/officeDocument/2006/relationships" xmlns:p="http://schemas.openxmlformats.org/presentationml/2006/main" showMasterPhAnim="0" showMasterSp="0">
+  <p:cSld>
+    <p:spTree>
+      <p:nvGrpSpPr>
+        <p:cNvPr id="424" name="Shape 424"/>
+        <p:cNvGrpSpPr/>
+        <p:nvPr/>
+      </p:nvGrpSpPr>
+      <p:grpSpPr>
+        <a:xfrm>
+          <a:off x="0" y="0"/>
+          <a:ext cx="0" cy="0"/>
+          <a:chOff x="0" y="0"/>
+          <a:chExt cx="0" cy="0"/>
+        </a:xfrm>
+      </p:grpSpPr>
+      <p:sp>
+        <p:nvSpPr>
+          <p:cNvPr id="425" name="Google Shape;425;g30abce0bbc2_0_679:notes"/>
+          <p:cNvSpPr/>
+          <p:nvPr/>
+        </p:nvSpPr>
+        <p:spPr>
+          <a:xfrm>
+            <a:off x="3878280" y="8926560"/>
+            <a:ext cx="2966400" cy="469200"/>
+          </a:xfrm>
+          <a:prstGeom prst="rect">
+            <a:avLst/>
+          </a:prstGeom>
+          <a:noFill/>
+          <a:ln>
+            <a:noFill/>
+          </a:ln>
+        </p:spPr>
+        <p:txBody>
+          <a:bodyPr spcFirstLastPara="1" wrap="square" lIns="90000" tIns="45000" rIns="90000" bIns="45000" anchor="b" anchorCtr="0">
+            <a:noAutofit/>
+          </a:bodyPr>
+          <a:lstStyle/>
+          <a:p>
+            <a:pPr marL="0" marR="0" lvl="0" indent="0" algn="r" rtl="0">
+              <a:lnSpc>
+                <a:spcPct val="100000"/>
+              </a:lnSpc>
+              <a:spcBef>
+                <a:spcPts val="0"/>
+              </a:spcBef>
+              <a:spcAft>
+                <a:spcPts val="0"/>
+              </a:spcAft>
+              <a:buNone/>
+            </a:pPr>
+            <a:fld id="{00000000-1234-1234-1234-123412341234}" type="slidenum">
+              <a:rPr lang="en-GB" sz="1200" b="0" strike="noStrike">
+                <a:solidFill>
+                  <a:schemeClr val="dk1"/>
+                </a:solidFill>
+                <a:latin typeface="Times New Roman" panose="02020603050405020304"/>
+                <a:ea typeface="Times New Roman" panose="02020603050405020304"/>
+                <a:cs typeface="Times New Roman" panose="02020603050405020304"/>
+                <a:sym typeface="Times New Roman" panose="02020603050405020304"/>
+              </a:rPr>
+            </a:fld>
+            <a:endParaRPr sz="1200" b="0" strike="noStrike">
+              <a:solidFill>
+                <a:schemeClr val="dk1"/>
+              </a:solidFill>
+              <a:latin typeface="Arial" panose="020B0604020202020204"/>
+              <a:ea typeface="Arial" panose="020B0604020202020204"/>
+              <a:cs typeface="Arial" panose="020B0604020202020204"/>
+              <a:sym typeface="Arial" panose="020B0604020202020204"/>
+            </a:endParaRPr>
+          </a:p>
+        </p:txBody>
+      </p:sp>
+      <p:sp>
+        <p:nvSpPr>
+          <p:cNvPr id="426" name="Google Shape;426;g30abce0bbc2_0_679:notes"/>
+          <p:cNvSpPr/>
+          <p:nvPr>
+            <p:ph type="sldImg" idx="2"/>
+          </p:nvPr>
+        </p:nvSpPr>
+        <p:spPr>
+          <a:xfrm>
+            <a:off x="290520" y="704880"/>
+            <a:ext cx="6263700" cy="3523800"/>
+          </a:xfrm>
+          <a:custGeom>
+            <a:avLst/>
+            <a:gdLst/>
+            <a:ahLst/>
+            <a:cxnLst/>
+            <a:rect l="l" t="t" r="r" b="b"/>
+            <a:pathLst>
+              <a:path w="120000" h="120000" extrusionOk="0">
+                <a:moveTo>
+                  <a:pt x="0" y="0"/>
+                </a:moveTo>
+                <a:lnTo>
+                  <a:pt x="120000" y="0"/>
+                </a:lnTo>
+                <a:lnTo>
+                  <a:pt x="120000" y="120000"/>
+                </a:lnTo>
+                <a:lnTo>
+                  <a:pt x="0" y="120000"/>
+                </a:lnTo>
+                <a:close/>
+              </a:path>
+            </a:pathLst>
+          </a:custGeom>
+          <a:noFill/>
+          <a:ln w="12700" cap="flat" cmpd="sng">
+            <a:solidFill>
+              <a:srgbClr val="000000"/>
+            </a:solidFill>
+            <a:prstDash val="solid"/>
+            <a:round/>
+            <a:headEnd type="none" w="sm" len="sm"/>
+            <a:tailEnd type="none" w="sm" len="sm"/>
+          </a:ln>
+        </p:spPr>
+      </p:sp>
+      <p:sp>
+        <p:nvSpPr>
+          <p:cNvPr id="427" name="Google Shape;427;g30abce0bbc2_0_679:notes"/>
+          <p:cNvSpPr txBox="1"/>
+          <p:nvPr>
+            <p:ph type="body" idx="1"/>
+          </p:nvPr>
+        </p:nvSpPr>
+        <p:spPr>
+          <a:xfrm>
+            <a:off x="912960" y="4464000"/>
+            <a:ext cx="5019000" cy="4226700"/>
+          </a:xfrm>
+          <a:prstGeom prst="rect">
+            <a:avLst/>
+          </a:prstGeom>
+          <a:noFill/>
+          <a:ln>
+            <a:noFill/>
+          </a:ln>
+        </p:spPr>
+        <p:txBody>
+          <a:bodyPr spcFirstLastPara="1" wrap="square" lIns="0" tIns="0" rIns="0" bIns="0" anchor="t" anchorCtr="0">
+            <a:noAutofit/>
+          </a:bodyPr>
+          <a:lstStyle/>
+          <a:p>
+            <a:pPr marL="0" lvl="0" indent="0" algn="l" rtl="0">
+              <a:spcBef>
+                <a:spcPts val="0"/>
+              </a:spcBef>
+              <a:spcAft>
+                <a:spcPts val="0"/>
+              </a:spcAft>
+              <a:buNone/>
+            </a:pPr>
+            <a:endParaRPr sz="2000" b="0" strike="noStrike">
+              <a:latin typeface="Arial" panose="020B0604020202020204"/>
+              <a:ea typeface="Arial" panose="020B0604020202020204"/>
+              <a:cs typeface="Arial" panose="020B0604020202020204"/>
+              <a:sym typeface="Arial" panose="020B0604020202020204"/>
+            </a:endParaRPr>
+          </a:p>
+        </p:txBody>
       </p:sp>
     </p:spTree>
   </p:cSld>
@@ -6293,284 +6297,6 @@
   <p:cSld>
     <p:spTree>
       <p:nvGrpSpPr>
-        <p:cNvPr id="418" name="Shape 418"/>
-        <p:cNvGrpSpPr/>
-        <p:nvPr/>
-      </p:nvGrpSpPr>
-      <p:grpSpPr>
-        <a:xfrm>
-          <a:off x="0" y="0"/>
-          <a:ext cx="0" cy="0"/>
-          <a:chOff x="0" y="0"/>
-          <a:chExt cx="0" cy="0"/>
-        </a:xfrm>
-      </p:grpSpPr>
-      <p:sp>
-        <p:nvSpPr>
-          <p:cNvPr id="419" name="Google Shape;419;g30abce0bbc2_0_674:notes"/>
-          <p:cNvSpPr txBox="1"/>
-          <p:nvPr>
-            <p:ph type="body" idx="1"/>
-          </p:nvPr>
-        </p:nvSpPr>
-        <p:spPr>
-          <a:xfrm>
-            <a:off x="685800" y="4400550"/>
-            <a:ext cx="5486400" cy="3600600"/>
-          </a:xfrm>
-          <a:prstGeom prst="rect">
-            <a:avLst/>
-          </a:prstGeom>
-        </p:spPr>
-        <p:txBody>
-          <a:bodyPr spcFirstLastPara="1" wrap="square" lIns="91425" tIns="91425" rIns="91425" bIns="91425" anchor="t" anchorCtr="0">
-            <a:noAutofit/>
-          </a:bodyPr>
-          <a:lstStyle/>
-          <a:p>
-            <a:pPr marL="0" lvl="0" indent="0" algn="l" rtl="0">
-              <a:spcBef>
-                <a:spcPts val="0"/>
-              </a:spcBef>
-              <a:spcAft>
-                <a:spcPts val="0"/>
-              </a:spcAft>
-              <a:buNone/>
-            </a:pPr>
-          </a:p>
-        </p:txBody>
-      </p:sp>
-      <p:sp>
-        <p:nvSpPr>
-          <p:cNvPr id="420" name="Google Shape;420;g30abce0bbc2_0_674:notes"/>
-          <p:cNvSpPr/>
-          <p:nvPr>
-            <p:ph type="sldImg" idx="2"/>
-          </p:nvPr>
-        </p:nvSpPr>
-        <p:spPr>
-          <a:xfrm>
-            <a:off x="685800" y="1143000"/>
-            <a:ext cx="5486400" cy="3086100"/>
-          </a:xfrm>
-          <a:custGeom>
-            <a:avLst/>
-            <a:gdLst/>
-            <a:ahLst/>
-            <a:cxnLst/>
-            <a:rect l="l" t="t" r="r" b="b"/>
-            <a:pathLst>
-              <a:path w="120000" h="120000" extrusionOk="0">
-                <a:moveTo>
-                  <a:pt x="0" y="0"/>
-                </a:moveTo>
-                <a:lnTo>
-                  <a:pt x="120000" y="0"/>
-                </a:lnTo>
-                <a:lnTo>
-                  <a:pt x="120000" y="120000"/>
-                </a:lnTo>
-                <a:lnTo>
-                  <a:pt x="0" y="120000"/>
-                </a:lnTo>
-                <a:close/>
-              </a:path>
-            </a:pathLst>
-          </a:custGeom>
-        </p:spPr>
-      </p:sp>
-    </p:spTree>
-  </p:cSld>
-  <p:clrMapOvr>
-    <a:masterClrMapping/>
-  </p:clrMapOvr>
-</p:notes>
-</file>
-
-<file path=ppt/notesSlides/notesSlide51.xml><?xml version="1.0" encoding="utf-8"?>
-<p:notes xmlns:a="http://schemas.openxmlformats.org/drawingml/2006/main" xmlns:r="http://schemas.openxmlformats.org/officeDocument/2006/relationships" xmlns:p="http://schemas.openxmlformats.org/presentationml/2006/main" showMasterPhAnim="0" showMasterSp="0">
-  <p:cSld>
-    <p:spTree>
-      <p:nvGrpSpPr>
-        <p:cNvPr id="424" name="Shape 424"/>
-        <p:cNvGrpSpPr/>
-        <p:nvPr/>
-      </p:nvGrpSpPr>
-      <p:grpSpPr>
-        <a:xfrm>
-          <a:off x="0" y="0"/>
-          <a:ext cx="0" cy="0"/>
-          <a:chOff x="0" y="0"/>
-          <a:chExt cx="0" cy="0"/>
-        </a:xfrm>
-      </p:grpSpPr>
-      <p:sp>
-        <p:nvSpPr>
-          <p:cNvPr id="425" name="Google Shape;425;g30abce0bbc2_0_679:notes"/>
-          <p:cNvSpPr/>
-          <p:nvPr/>
-        </p:nvSpPr>
-        <p:spPr>
-          <a:xfrm>
-            <a:off x="3878280" y="8926560"/>
-            <a:ext cx="2966400" cy="469200"/>
-          </a:xfrm>
-          <a:prstGeom prst="rect">
-            <a:avLst/>
-          </a:prstGeom>
-          <a:noFill/>
-          <a:ln>
-            <a:noFill/>
-          </a:ln>
-        </p:spPr>
-        <p:txBody>
-          <a:bodyPr spcFirstLastPara="1" wrap="square" lIns="90000" tIns="45000" rIns="90000" bIns="45000" anchor="b" anchorCtr="0">
-            <a:noAutofit/>
-          </a:bodyPr>
-          <a:lstStyle/>
-          <a:p>
-            <a:pPr marL="0" marR="0" lvl="0" indent="0" algn="r" rtl="0">
-              <a:lnSpc>
-                <a:spcPct val="100000"/>
-              </a:lnSpc>
-              <a:spcBef>
-                <a:spcPts val="0"/>
-              </a:spcBef>
-              <a:spcAft>
-                <a:spcPts val="0"/>
-              </a:spcAft>
-              <a:buNone/>
-            </a:pPr>
-            <a:fld id="{00000000-1234-1234-1234-123412341234}" type="slidenum">
-              <a:rPr lang="en-GB" sz="1200" b="0" strike="noStrike">
-                <a:solidFill>
-                  <a:schemeClr val="dk1"/>
-                </a:solidFill>
-                <a:latin typeface="Times New Roman" panose="02020603050405020304"/>
-                <a:ea typeface="Times New Roman" panose="02020603050405020304"/>
-                <a:cs typeface="Times New Roman" panose="02020603050405020304"/>
-                <a:sym typeface="Times New Roman" panose="02020603050405020304"/>
-              </a:rPr>
-            </a:fld>
-            <a:endParaRPr sz="1200" b="0" strike="noStrike">
-              <a:solidFill>
-                <a:schemeClr val="dk1"/>
-              </a:solidFill>
-              <a:latin typeface="Arial" panose="020B0604020202020204"/>
-              <a:ea typeface="Arial" panose="020B0604020202020204"/>
-              <a:cs typeface="Arial" panose="020B0604020202020204"/>
-              <a:sym typeface="Arial" panose="020B0604020202020204"/>
-            </a:endParaRPr>
-          </a:p>
-        </p:txBody>
-      </p:sp>
-      <p:sp>
-        <p:nvSpPr>
-          <p:cNvPr id="426" name="Google Shape;426;g30abce0bbc2_0_679:notes"/>
-          <p:cNvSpPr/>
-          <p:nvPr>
-            <p:ph type="sldImg" idx="2"/>
-          </p:nvPr>
-        </p:nvSpPr>
-        <p:spPr>
-          <a:xfrm>
-            <a:off x="290520" y="704880"/>
-            <a:ext cx="6263700" cy="3523800"/>
-          </a:xfrm>
-          <a:custGeom>
-            <a:avLst/>
-            <a:gdLst/>
-            <a:ahLst/>
-            <a:cxnLst/>
-            <a:rect l="l" t="t" r="r" b="b"/>
-            <a:pathLst>
-              <a:path w="120000" h="120000" extrusionOk="0">
-                <a:moveTo>
-                  <a:pt x="0" y="0"/>
-                </a:moveTo>
-                <a:lnTo>
-                  <a:pt x="120000" y="0"/>
-                </a:lnTo>
-                <a:lnTo>
-                  <a:pt x="120000" y="120000"/>
-                </a:lnTo>
-                <a:lnTo>
-                  <a:pt x="0" y="120000"/>
-                </a:lnTo>
-                <a:close/>
-              </a:path>
-            </a:pathLst>
-          </a:custGeom>
-          <a:noFill/>
-          <a:ln w="12700" cap="flat" cmpd="sng">
-            <a:solidFill>
-              <a:srgbClr val="000000"/>
-            </a:solidFill>
-            <a:prstDash val="solid"/>
-            <a:round/>
-            <a:headEnd type="none" w="sm" len="sm"/>
-            <a:tailEnd type="none" w="sm" len="sm"/>
-          </a:ln>
-        </p:spPr>
-      </p:sp>
-      <p:sp>
-        <p:nvSpPr>
-          <p:cNvPr id="427" name="Google Shape;427;g30abce0bbc2_0_679:notes"/>
-          <p:cNvSpPr txBox="1"/>
-          <p:nvPr>
-            <p:ph type="body" idx="1"/>
-          </p:nvPr>
-        </p:nvSpPr>
-        <p:spPr>
-          <a:xfrm>
-            <a:off x="912960" y="4464000"/>
-            <a:ext cx="5019000" cy="4226700"/>
-          </a:xfrm>
-          <a:prstGeom prst="rect">
-            <a:avLst/>
-          </a:prstGeom>
-          <a:noFill/>
-          <a:ln>
-            <a:noFill/>
-          </a:ln>
-        </p:spPr>
-        <p:txBody>
-          <a:bodyPr spcFirstLastPara="1" wrap="square" lIns="0" tIns="0" rIns="0" bIns="0" anchor="t" anchorCtr="0">
-            <a:noAutofit/>
-          </a:bodyPr>
-          <a:lstStyle/>
-          <a:p>
-            <a:pPr marL="0" lvl="0" indent="0" algn="l" rtl="0">
-              <a:spcBef>
-                <a:spcPts val="0"/>
-              </a:spcBef>
-              <a:spcAft>
-                <a:spcPts val="0"/>
-              </a:spcAft>
-              <a:buNone/>
-            </a:pPr>
-            <a:endParaRPr sz="2000" b="0" strike="noStrike">
-              <a:latin typeface="Arial" panose="020B0604020202020204"/>
-              <a:ea typeface="Arial" panose="020B0604020202020204"/>
-              <a:cs typeface="Arial" panose="020B0604020202020204"/>
-              <a:sym typeface="Arial" panose="020B0604020202020204"/>
-            </a:endParaRPr>
-          </a:p>
-        </p:txBody>
-      </p:sp>
-    </p:spTree>
-  </p:cSld>
-  <p:clrMapOvr>
-    <a:masterClrMapping/>
-  </p:clrMapOvr>
-</p:notes>
-</file>
-
-<file path=ppt/notesSlides/notesSlide52.xml><?xml version="1.0" encoding="utf-8"?>
-<p:notes xmlns:a="http://schemas.openxmlformats.org/drawingml/2006/main" xmlns:r="http://schemas.openxmlformats.org/officeDocument/2006/relationships" xmlns:p="http://schemas.openxmlformats.org/presentationml/2006/main" showMasterPhAnim="0" showMasterSp="0">
-  <p:cSld>
-    <p:spTree>
-      <p:nvGrpSpPr>
         <p:cNvPr id="431" name="Shape 431"/>
         <p:cNvGrpSpPr/>
         <p:nvPr/>
@@ -6665,7 +6391,7 @@
 </p:notes>
 </file>
 
-<file path=ppt/notesSlides/notesSlide53.xml><?xml version="1.0" encoding="utf-8"?>
+<file path=ppt/notesSlides/notesSlide51.xml><?xml version="1.0" encoding="utf-8"?>
 <p:notes xmlns:a="http://schemas.openxmlformats.org/drawingml/2006/main" xmlns:r="http://schemas.openxmlformats.org/officeDocument/2006/relationships" xmlns:p="http://schemas.openxmlformats.org/presentationml/2006/main" showMasterPhAnim="0" showMasterSp="0">
   <p:cSld>
     <p:spTree>
@@ -6844,7 +6570,7 @@
 </p:notes>
 </file>
 
-<file path=ppt/notesSlides/notesSlide54.xml><?xml version="1.0" encoding="utf-8"?>
+<file path=ppt/notesSlides/notesSlide52.xml><?xml version="1.0" encoding="utf-8"?>
 <p:notes xmlns:a="http://schemas.openxmlformats.org/drawingml/2006/main" xmlns:r="http://schemas.openxmlformats.org/officeDocument/2006/relationships" xmlns:p="http://schemas.openxmlformats.org/presentationml/2006/main" showMasterPhAnim="0" showMasterSp="0">
   <p:cSld>
     <p:spTree>
@@ -7023,7 +6749,7 @@
 </p:notes>
 </file>
 
-<file path=ppt/notesSlides/notesSlide55.xml><?xml version="1.0" encoding="utf-8"?>
+<file path=ppt/notesSlides/notesSlide53.xml><?xml version="1.0" encoding="utf-8"?>
 <p:notes xmlns:a="http://schemas.openxmlformats.org/drawingml/2006/main" xmlns:r="http://schemas.openxmlformats.org/officeDocument/2006/relationships" xmlns:p="http://schemas.openxmlformats.org/presentationml/2006/main" showMasterPhAnim="0" showMasterSp="0">
   <p:cSld>
     <p:spTree>
@@ -7202,7 +6928,7 @@
 </p:notes>
 </file>
 
-<file path=ppt/notesSlides/notesSlide56.xml><?xml version="1.0" encoding="utf-8"?>
+<file path=ppt/notesSlides/notesSlide54.xml><?xml version="1.0" encoding="utf-8"?>
 <p:notes xmlns:a="http://schemas.openxmlformats.org/drawingml/2006/main" xmlns:r="http://schemas.openxmlformats.org/officeDocument/2006/relationships" xmlns:p="http://schemas.openxmlformats.org/presentationml/2006/main" showMasterPhAnim="0" showMasterSp="0">
   <p:cSld>
     <p:spTree>
@@ -7381,7 +7107,7 @@
 </p:notes>
 </file>
 
-<file path=ppt/notesSlides/notesSlide57.xml><?xml version="1.0" encoding="utf-8"?>
+<file path=ppt/notesSlides/notesSlide55.xml><?xml version="1.0" encoding="utf-8"?>
 <p:notes xmlns:a="http://schemas.openxmlformats.org/drawingml/2006/main" xmlns:r="http://schemas.openxmlformats.org/officeDocument/2006/relationships" xmlns:p="http://schemas.openxmlformats.org/presentationml/2006/main" showMasterPhAnim="0" showMasterSp="0">
   <p:cSld>
     <p:spTree>
@@ -7560,7 +7286,7 @@
 </p:notes>
 </file>
 
-<file path=ppt/notesSlides/notesSlide58.xml><?xml version="1.0" encoding="utf-8"?>
+<file path=ppt/notesSlides/notesSlide56.xml><?xml version="1.0" encoding="utf-8"?>
 <p:notes xmlns:a="http://schemas.openxmlformats.org/drawingml/2006/main" xmlns:r="http://schemas.openxmlformats.org/officeDocument/2006/relationships" xmlns:p="http://schemas.openxmlformats.org/presentationml/2006/main" showMasterPhAnim="0" showMasterSp="0">
   <p:cSld>
     <p:spTree>
@@ -7739,7 +7465,7 @@
 </p:notes>
 </file>
 
-<file path=ppt/notesSlides/notesSlide59.xml><?xml version="1.0" encoding="utf-8"?>
+<file path=ppt/notesSlides/notesSlide57.xml><?xml version="1.0" encoding="utf-8"?>
 <p:notes xmlns:a="http://schemas.openxmlformats.org/drawingml/2006/main" xmlns:r="http://schemas.openxmlformats.org/officeDocument/2006/relationships" xmlns:p="http://schemas.openxmlformats.org/presentationml/2006/main" showMasterPhAnim="0" showMasterSp="0">
   <p:cSld>
     <p:spTree>
@@ -7868,6 +7594,284 @@
       <p:sp>
         <p:nvSpPr>
           <p:cNvPr id="491" name="Google Shape;491;g30abce0bbc2_0_735:notes"/>
+          <p:cNvSpPr txBox="1"/>
+          <p:nvPr>
+            <p:ph type="body" idx="1"/>
+          </p:nvPr>
+        </p:nvSpPr>
+        <p:spPr>
+          <a:xfrm>
+            <a:off x="912960" y="4464000"/>
+            <a:ext cx="5019000" cy="4226700"/>
+          </a:xfrm>
+          <a:prstGeom prst="rect">
+            <a:avLst/>
+          </a:prstGeom>
+          <a:noFill/>
+          <a:ln>
+            <a:noFill/>
+          </a:ln>
+        </p:spPr>
+        <p:txBody>
+          <a:bodyPr spcFirstLastPara="1" wrap="square" lIns="0" tIns="0" rIns="0" bIns="0" anchor="t" anchorCtr="0">
+            <a:noAutofit/>
+          </a:bodyPr>
+          <a:lstStyle/>
+          <a:p>
+            <a:pPr marL="0" lvl="0" indent="0" algn="l" rtl="0">
+              <a:spcBef>
+                <a:spcPts val="0"/>
+              </a:spcBef>
+              <a:spcAft>
+                <a:spcPts val="0"/>
+              </a:spcAft>
+              <a:buNone/>
+            </a:pPr>
+            <a:endParaRPr sz="2000" b="0" strike="noStrike">
+              <a:latin typeface="Arial" panose="020B0604020202020204"/>
+              <a:ea typeface="Arial" panose="020B0604020202020204"/>
+              <a:cs typeface="Arial" panose="020B0604020202020204"/>
+              <a:sym typeface="Arial" panose="020B0604020202020204"/>
+            </a:endParaRPr>
+          </a:p>
+        </p:txBody>
+      </p:sp>
+    </p:spTree>
+  </p:cSld>
+  <p:clrMapOvr>
+    <a:masterClrMapping/>
+  </p:clrMapOvr>
+</p:notes>
+</file>
+
+<file path=ppt/notesSlides/notesSlide58.xml><?xml version="1.0" encoding="utf-8"?>
+<p:notes xmlns:a="http://schemas.openxmlformats.org/drawingml/2006/main" xmlns:r="http://schemas.openxmlformats.org/officeDocument/2006/relationships" xmlns:p="http://schemas.openxmlformats.org/presentationml/2006/main" showMasterPhAnim="0" showMasterSp="0">
+  <p:cSld>
+    <p:spTree>
+      <p:nvGrpSpPr>
+        <p:cNvPr id="496" name="Shape 496"/>
+        <p:cNvGrpSpPr/>
+        <p:nvPr/>
+      </p:nvGrpSpPr>
+      <p:grpSpPr>
+        <a:xfrm>
+          <a:off x="0" y="0"/>
+          <a:ext cx="0" cy="0"/>
+          <a:chOff x="0" y="0"/>
+          <a:chExt cx="0" cy="0"/>
+        </a:xfrm>
+      </p:grpSpPr>
+      <p:sp>
+        <p:nvSpPr>
+          <p:cNvPr id="497" name="Google Shape;497;g30abce0bbc2_0_742:notes"/>
+          <p:cNvSpPr txBox="1"/>
+          <p:nvPr>
+            <p:ph type="body" idx="1"/>
+          </p:nvPr>
+        </p:nvSpPr>
+        <p:spPr>
+          <a:xfrm>
+            <a:off x="685800" y="4400550"/>
+            <a:ext cx="5486400" cy="3600600"/>
+          </a:xfrm>
+          <a:prstGeom prst="rect">
+            <a:avLst/>
+          </a:prstGeom>
+        </p:spPr>
+        <p:txBody>
+          <a:bodyPr spcFirstLastPara="1" wrap="square" lIns="91425" tIns="91425" rIns="91425" bIns="91425" anchor="t" anchorCtr="0">
+            <a:noAutofit/>
+          </a:bodyPr>
+          <a:lstStyle/>
+          <a:p>
+            <a:pPr marL="0" lvl="0" indent="0" algn="l" rtl="0">
+              <a:spcBef>
+                <a:spcPts val="0"/>
+              </a:spcBef>
+              <a:spcAft>
+                <a:spcPts val="0"/>
+              </a:spcAft>
+              <a:buNone/>
+            </a:pPr>
+          </a:p>
+        </p:txBody>
+      </p:sp>
+      <p:sp>
+        <p:nvSpPr>
+          <p:cNvPr id="498" name="Google Shape;498;g30abce0bbc2_0_742:notes"/>
+          <p:cNvSpPr/>
+          <p:nvPr>
+            <p:ph type="sldImg" idx="2"/>
+          </p:nvPr>
+        </p:nvSpPr>
+        <p:spPr>
+          <a:xfrm>
+            <a:off x="685800" y="1143000"/>
+            <a:ext cx="5486400" cy="3086100"/>
+          </a:xfrm>
+          <a:custGeom>
+            <a:avLst/>
+            <a:gdLst/>
+            <a:ahLst/>
+            <a:cxnLst/>
+            <a:rect l="l" t="t" r="r" b="b"/>
+            <a:pathLst>
+              <a:path w="120000" h="120000" extrusionOk="0">
+                <a:moveTo>
+                  <a:pt x="0" y="0"/>
+                </a:moveTo>
+                <a:lnTo>
+                  <a:pt x="120000" y="0"/>
+                </a:lnTo>
+                <a:lnTo>
+                  <a:pt x="120000" y="120000"/>
+                </a:lnTo>
+                <a:lnTo>
+                  <a:pt x="0" y="120000"/>
+                </a:lnTo>
+                <a:close/>
+              </a:path>
+            </a:pathLst>
+          </a:custGeom>
+        </p:spPr>
+      </p:sp>
+    </p:spTree>
+  </p:cSld>
+  <p:clrMapOvr>
+    <a:masterClrMapping/>
+  </p:clrMapOvr>
+</p:notes>
+</file>
+
+<file path=ppt/notesSlides/notesSlide59.xml><?xml version="1.0" encoding="utf-8"?>
+<p:notes xmlns:a="http://schemas.openxmlformats.org/drawingml/2006/main" xmlns:r="http://schemas.openxmlformats.org/officeDocument/2006/relationships" xmlns:p="http://schemas.openxmlformats.org/presentationml/2006/main" showMasterPhAnim="0" showMasterSp="0">
+  <p:cSld>
+    <p:spTree>
+      <p:nvGrpSpPr>
+        <p:cNvPr id="504" name="Shape 504"/>
+        <p:cNvGrpSpPr/>
+        <p:nvPr/>
+      </p:nvGrpSpPr>
+      <p:grpSpPr>
+        <a:xfrm>
+          <a:off x="0" y="0"/>
+          <a:ext cx="0" cy="0"/>
+          <a:chOff x="0" y="0"/>
+          <a:chExt cx="0" cy="0"/>
+        </a:xfrm>
+      </p:grpSpPr>
+      <p:sp>
+        <p:nvSpPr>
+          <p:cNvPr id="505" name="Google Shape;505;g30abce0bbc2_0_818:notes"/>
+          <p:cNvSpPr/>
+          <p:nvPr/>
+        </p:nvSpPr>
+        <p:spPr>
+          <a:xfrm>
+            <a:off x="3878280" y="8926560"/>
+            <a:ext cx="2966400" cy="469200"/>
+          </a:xfrm>
+          <a:prstGeom prst="rect">
+            <a:avLst/>
+          </a:prstGeom>
+          <a:noFill/>
+          <a:ln>
+            <a:noFill/>
+          </a:ln>
+        </p:spPr>
+        <p:txBody>
+          <a:bodyPr spcFirstLastPara="1" wrap="square" lIns="90000" tIns="45000" rIns="90000" bIns="45000" anchor="b" anchorCtr="0">
+            <a:noAutofit/>
+          </a:bodyPr>
+          <a:lstStyle/>
+          <a:p>
+            <a:pPr marL="0" marR="0" lvl="0" indent="0" algn="r" rtl="0">
+              <a:lnSpc>
+                <a:spcPct val="100000"/>
+              </a:lnSpc>
+              <a:spcBef>
+                <a:spcPts val="0"/>
+              </a:spcBef>
+              <a:spcAft>
+                <a:spcPts val="0"/>
+              </a:spcAft>
+              <a:buNone/>
+            </a:pPr>
+            <a:fld id="{00000000-1234-1234-1234-123412341234}" type="slidenum">
+              <a:rPr lang="en-GB" sz="1200" b="0" strike="noStrike">
+                <a:solidFill>
+                  <a:schemeClr val="dk1"/>
+                </a:solidFill>
+                <a:latin typeface="Times New Roman" panose="02020603050405020304"/>
+                <a:ea typeface="Times New Roman" panose="02020603050405020304"/>
+                <a:cs typeface="Times New Roman" panose="02020603050405020304"/>
+                <a:sym typeface="Times New Roman" panose="02020603050405020304"/>
+              </a:rPr>
+            </a:fld>
+            <a:endParaRPr sz="1200" b="0" strike="noStrike">
+              <a:solidFill>
+                <a:schemeClr val="dk1"/>
+              </a:solidFill>
+              <a:latin typeface="Arial" panose="020B0604020202020204"/>
+              <a:ea typeface="Arial" panose="020B0604020202020204"/>
+              <a:cs typeface="Arial" panose="020B0604020202020204"/>
+              <a:sym typeface="Arial" panose="020B0604020202020204"/>
+            </a:endParaRPr>
+          </a:p>
+        </p:txBody>
+      </p:sp>
+      <p:sp>
+        <p:nvSpPr>
+          <p:cNvPr id="506" name="Google Shape;506;g30abce0bbc2_0_818:notes"/>
+          <p:cNvSpPr/>
+          <p:nvPr>
+            <p:ph type="sldImg" idx="2"/>
+          </p:nvPr>
+        </p:nvSpPr>
+        <p:spPr>
+          <a:xfrm>
+            <a:off x="290520" y="704880"/>
+            <a:ext cx="6263700" cy="3523800"/>
+          </a:xfrm>
+          <a:custGeom>
+            <a:avLst/>
+            <a:gdLst/>
+            <a:ahLst/>
+            <a:cxnLst/>
+            <a:rect l="l" t="t" r="r" b="b"/>
+            <a:pathLst>
+              <a:path w="120000" h="120000" extrusionOk="0">
+                <a:moveTo>
+                  <a:pt x="0" y="0"/>
+                </a:moveTo>
+                <a:lnTo>
+                  <a:pt x="120000" y="0"/>
+                </a:lnTo>
+                <a:lnTo>
+                  <a:pt x="120000" y="120000"/>
+                </a:lnTo>
+                <a:lnTo>
+                  <a:pt x="0" y="120000"/>
+                </a:lnTo>
+                <a:close/>
+              </a:path>
+            </a:pathLst>
+          </a:custGeom>
+          <a:noFill/>
+          <a:ln w="12700" cap="flat" cmpd="sng">
+            <a:solidFill>
+              <a:srgbClr val="000000"/>
+            </a:solidFill>
+            <a:prstDash val="solid"/>
+            <a:round/>
+            <a:headEnd type="none" w="sm" len="sm"/>
+            <a:tailEnd type="none" w="sm" len="sm"/>
+          </a:ln>
+        </p:spPr>
+      </p:sp>
+      <p:sp>
+        <p:nvSpPr>
+          <p:cNvPr id="507" name="Google Shape;507;g30abce0bbc2_0_818:notes"/>
           <p:cNvSpPr txBox="1"/>
           <p:nvPr>
             <p:ph type="body" idx="1"/>
@@ -8022,7 +8026,7 @@
   <p:cSld>
     <p:spTree>
       <p:nvGrpSpPr>
-        <p:cNvPr id="496" name="Shape 496"/>
+        <p:cNvPr id="511" name="Shape 511"/>
         <p:cNvGrpSpPr/>
         <p:nvPr/>
       </p:nvGrpSpPr>
@@ -8036,7 +8040,7 @@
       </p:grpSpPr>
       <p:sp>
         <p:nvSpPr>
-          <p:cNvPr id="497" name="Google Shape;497;g30abce0bbc2_0_742:notes"/>
+          <p:cNvPr id="512" name="Google Shape;512;g30abce0bbc2_0_824:notes"/>
           <p:cNvSpPr txBox="1"/>
           <p:nvPr>
             <p:ph type="body" idx="1"/>
@@ -8071,7 +8075,7 @@
       </p:sp>
       <p:sp>
         <p:nvSpPr>
-          <p:cNvPr id="498" name="Google Shape;498;g30abce0bbc2_0_742:notes"/>
+          <p:cNvPr id="513" name="Google Shape;513;g30abce0bbc2_0_824:notes"/>
           <p:cNvSpPr/>
           <p:nvPr>
             <p:ph type="sldImg" idx="2"/>
@@ -8121,284 +8125,6 @@
   <p:cSld>
     <p:spTree>
       <p:nvGrpSpPr>
-        <p:cNvPr id="504" name="Shape 504"/>
-        <p:cNvGrpSpPr/>
-        <p:nvPr/>
-      </p:nvGrpSpPr>
-      <p:grpSpPr>
-        <a:xfrm>
-          <a:off x="0" y="0"/>
-          <a:ext cx="0" cy="0"/>
-          <a:chOff x="0" y="0"/>
-          <a:chExt cx="0" cy="0"/>
-        </a:xfrm>
-      </p:grpSpPr>
-      <p:sp>
-        <p:nvSpPr>
-          <p:cNvPr id="505" name="Google Shape;505;g30abce0bbc2_0_818:notes"/>
-          <p:cNvSpPr/>
-          <p:nvPr/>
-        </p:nvSpPr>
-        <p:spPr>
-          <a:xfrm>
-            <a:off x="3878280" y="8926560"/>
-            <a:ext cx="2966400" cy="469200"/>
-          </a:xfrm>
-          <a:prstGeom prst="rect">
-            <a:avLst/>
-          </a:prstGeom>
-          <a:noFill/>
-          <a:ln>
-            <a:noFill/>
-          </a:ln>
-        </p:spPr>
-        <p:txBody>
-          <a:bodyPr spcFirstLastPara="1" wrap="square" lIns="90000" tIns="45000" rIns="90000" bIns="45000" anchor="b" anchorCtr="0">
-            <a:noAutofit/>
-          </a:bodyPr>
-          <a:lstStyle/>
-          <a:p>
-            <a:pPr marL="0" marR="0" lvl="0" indent="0" algn="r" rtl="0">
-              <a:lnSpc>
-                <a:spcPct val="100000"/>
-              </a:lnSpc>
-              <a:spcBef>
-                <a:spcPts val="0"/>
-              </a:spcBef>
-              <a:spcAft>
-                <a:spcPts val="0"/>
-              </a:spcAft>
-              <a:buNone/>
-            </a:pPr>
-            <a:fld id="{00000000-1234-1234-1234-123412341234}" type="slidenum">
-              <a:rPr lang="en-GB" sz="1200" b="0" strike="noStrike">
-                <a:solidFill>
-                  <a:schemeClr val="dk1"/>
-                </a:solidFill>
-                <a:latin typeface="Times New Roman" panose="02020603050405020304"/>
-                <a:ea typeface="Times New Roman" panose="02020603050405020304"/>
-                <a:cs typeface="Times New Roman" panose="02020603050405020304"/>
-                <a:sym typeface="Times New Roman" panose="02020603050405020304"/>
-              </a:rPr>
-            </a:fld>
-            <a:endParaRPr sz="1200" b="0" strike="noStrike">
-              <a:solidFill>
-                <a:schemeClr val="dk1"/>
-              </a:solidFill>
-              <a:latin typeface="Arial" panose="020B0604020202020204"/>
-              <a:ea typeface="Arial" panose="020B0604020202020204"/>
-              <a:cs typeface="Arial" panose="020B0604020202020204"/>
-              <a:sym typeface="Arial" panose="020B0604020202020204"/>
-            </a:endParaRPr>
-          </a:p>
-        </p:txBody>
-      </p:sp>
-      <p:sp>
-        <p:nvSpPr>
-          <p:cNvPr id="506" name="Google Shape;506;g30abce0bbc2_0_818:notes"/>
-          <p:cNvSpPr/>
-          <p:nvPr>
-            <p:ph type="sldImg" idx="2"/>
-          </p:nvPr>
-        </p:nvSpPr>
-        <p:spPr>
-          <a:xfrm>
-            <a:off x="290520" y="704880"/>
-            <a:ext cx="6263700" cy="3523800"/>
-          </a:xfrm>
-          <a:custGeom>
-            <a:avLst/>
-            <a:gdLst/>
-            <a:ahLst/>
-            <a:cxnLst/>
-            <a:rect l="l" t="t" r="r" b="b"/>
-            <a:pathLst>
-              <a:path w="120000" h="120000" extrusionOk="0">
-                <a:moveTo>
-                  <a:pt x="0" y="0"/>
-                </a:moveTo>
-                <a:lnTo>
-                  <a:pt x="120000" y="0"/>
-                </a:lnTo>
-                <a:lnTo>
-                  <a:pt x="120000" y="120000"/>
-                </a:lnTo>
-                <a:lnTo>
-                  <a:pt x="0" y="120000"/>
-                </a:lnTo>
-                <a:close/>
-              </a:path>
-            </a:pathLst>
-          </a:custGeom>
-          <a:noFill/>
-          <a:ln w="12700" cap="flat" cmpd="sng">
-            <a:solidFill>
-              <a:srgbClr val="000000"/>
-            </a:solidFill>
-            <a:prstDash val="solid"/>
-            <a:round/>
-            <a:headEnd type="none" w="sm" len="sm"/>
-            <a:tailEnd type="none" w="sm" len="sm"/>
-          </a:ln>
-        </p:spPr>
-      </p:sp>
-      <p:sp>
-        <p:nvSpPr>
-          <p:cNvPr id="507" name="Google Shape;507;g30abce0bbc2_0_818:notes"/>
-          <p:cNvSpPr txBox="1"/>
-          <p:nvPr>
-            <p:ph type="body" idx="1"/>
-          </p:nvPr>
-        </p:nvSpPr>
-        <p:spPr>
-          <a:xfrm>
-            <a:off x="912960" y="4464000"/>
-            <a:ext cx="5019000" cy="4226700"/>
-          </a:xfrm>
-          <a:prstGeom prst="rect">
-            <a:avLst/>
-          </a:prstGeom>
-          <a:noFill/>
-          <a:ln>
-            <a:noFill/>
-          </a:ln>
-        </p:spPr>
-        <p:txBody>
-          <a:bodyPr spcFirstLastPara="1" wrap="square" lIns="0" tIns="0" rIns="0" bIns="0" anchor="t" anchorCtr="0">
-            <a:noAutofit/>
-          </a:bodyPr>
-          <a:lstStyle/>
-          <a:p>
-            <a:pPr marL="0" lvl="0" indent="0" algn="l" rtl="0">
-              <a:spcBef>
-                <a:spcPts val="0"/>
-              </a:spcBef>
-              <a:spcAft>
-                <a:spcPts val="0"/>
-              </a:spcAft>
-              <a:buNone/>
-            </a:pPr>
-            <a:endParaRPr sz="2000" b="0" strike="noStrike">
-              <a:latin typeface="Arial" panose="020B0604020202020204"/>
-              <a:ea typeface="Arial" panose="020B0604020202020204"/>
-              <a:cs typeface="Arial" panose="020B0604020202020204"/>
-              <a:sym typeface="Arial" panose="020B0604020202020204"/>
-            </a:endParaRPr>
-          </a:p>
-        </p:txBody>
-      </p:sp>
-    </p:spTree>
-  </p:cSld>
-  <p:clrMapOvr>
-    <a:masterClrMapping/>
-  </p:clrMapOvr>
-</p:notes>
-</file>
-
-<file path=ppt/notesSlides/notesSlide62.xml><?xml version="1.0" encoding="utf-8"?>
-<p:notes xmlns:a="http://schemas.openxmlformats.org/drawingml/2006/main" xmlns:r="http://schemas.openxmlformats.org/officeDocument/2006/relationships" xmlns:p="http://schemas.openxmlformats.org/presentationml/2006/main" showMasterPhAnim="0" showMasterSp="0">
-  <p:cSld>
-    <p:spTree>
-      <p:nvGrpSpPr>
-        <p:cNvPr id="511" name="Shape 511"/>
-        <p:cNvGrpSpPr/>
-        <p:nvPr/>
-      </p:nvGrpSpPr>
-      <p:grpSpPr>
-        <a:xfrm>
-          <a:off x="0" y="0"/>
-          <a:ext cx="0" cy="0"/>
-          <a:chOff x="0" y="0"/>
-          <a:chExt cx="0" cy="0"/>
-        </a:xfrm>
-      </p:grpSpPr>
-      <p:sp>
-        <p:nvSpPr>
-          <p:cNvPr id="512" name="Google Shape;512;g30abce0bbc2_0_824:notes"/>
-          <p:cNvSpPr txBox="1"/>
-          <p:nvPr>
-            <p:ph type="body" idx="1"/>
-          </p:nvPr>
-        </p:nvSpPr>
-        <p:spPr>
-          <a:xfrm>
-            <a:off x="685800" y="4400550"/>
-            <a:ext cx="5486400" cy="3600600"/>
-          </a:xfrm>
-          <a:prstGeom prst="rect">
-            <a:avLst/>
-          </a:prstGeom>
-        </p:spPr>
-        <p:txBody>
-          <a:bodyPr spcFirstLastPara="1" wrap="square" lIns="91425" tIns="91425" rIns="91425" bIns="91425" anchor="t" anchorCtr="0">
-            <a:noAutofit/>
-          </a:bodyPr>
-          <a:lstStyle/>
-          <a:p>
-            <a:pPr marL="0" lvl="0" indent="0" algn="l" rtl="0">
-              <a:spcBef>
-                <a:spcPts val="0"/>
-              </a:spcBef>
-              <a:spcAft>
-                <a:spcPts val="0"/>
-              </a:spcAft>
-              <a:buNone/>
-            </a:pPr>
-          </a:p>
-        </p:txBody>
-      </p:sp>
-      <p:sp>
-        <p:nvSpPr>
-          <p:cNvPr id="513" name="Google Shape;513;g30abce0bbc2_0_824:notes"/>
-          <p:cNvSpPr/>
-          <p:nvPr>
-            <p:ph type="sldImg" idx="2"/>
-          </p:nvPr>
-        </p:nvSpPr>
-        <p:spPr>
-          <a:xfrm>
-            <a:off x="685800" y="1143000"/>
-            <a:ext cx="5486400" cy="3086100"/>
-          </a:xfrm>
-          <a:custGeom>
-            <a:avLst/>
-            <a:gdLst/>
-            <a:ahLst/>
-            <a:cxnLst/>
-            <a:rect l="l" t="t" r="r" b="b"/>
-            <a:pathLst>
-              <a:path w="120000" h="120000" extrusionOk="0">
-                <a:moveTo>
-                  <a:pt x="0" y="0"/>
-                </a:moveTo>
-                <a:lnTo>
-                  <a:pt x="120000" y="0"/>
-                </a:lnTo>
-                <a:lnTo>
-                  <a:pt x="120000" y="120000"/>
-                </a:lnTo>
-                <a:lnTo>
-                  <a:pt x="0" y="120000"/>
-                </a:lnTo>
-                <a:close/>
-              </a:path>
-            </a:pathLst>
-          </a:custGeom>
-        </p:spPr>
-      </p:sp>
-    </p:spTree>
-  </p:cSld>
-  <p:clrMapOvr>
-    <a:masterClrMapping/>
-  </p:clrMapOvr>
-</p:notes>
-</file>
-
-<file path=ppt/notesSlides/notesSlide63.xml><?xml version="1.0" encoding="utf-8"?>
-<p:notes xmlns:a="http://schemas.openxmlformats.org/drawingml/2006/main" xmlns:r="http://schemas.openxmlformats.org/officeDocument/2006/relationships" xmlns:p="http://schemas.openxmlformats.org/presentationml/2006/main" showMasterPhAnim="0" showMasterSp="0">
-  <p:cSld>
-    <p:spTree>
-      <p:nvGrpSpPr>
         <p:cNvPr id="517" name="Shape 517"/>
         <p:cNvGrpSpPr/>
         <p:nvPr/>
@@ -8493,7 +8219,7 @@
 </p:notes>
 </file>
 
-<file path=ppt/notesSlides/notesSlide64.xml><?xml version="1.0" encoding="utf-8"?>
+<file path=ppt/notesSlides/notesSlide62.xml><?xml version="1.0" encoding="utf-8"?>
 <p:notes xmlns:a="http://schemas.openxmlformats.org/drawingml/2006/main" xmlns:r="http://schemas.openxmlformats.org/officeDocument/2006/relationships" xmlns:p="http://schemas.openxmlformats.org/presentationml/2006/main" showMasterPhAnim="0" showMasterSp="0">
   <p:cSld>
     <p:spTree>
@@ -8592,7 +8318,7 @@
 </p:notes>
 </file>
 
-<file path=ppt/notesSlides/notesSlide65.xml><?xml version="1.0" encoding="utf-8"?>
+<file path=ppt/notesSlides/notesSlide63.xml><?xml version="1.0" encoding="utf-8"?>
 <p:notes xmlns:a="http://schemas.openxmlformats.org/drawingml/2006/main" xmlns:r="http://schemas.openxmlformats.org/officeDocument/2006/relationships" xmlns:p="http://schemas.openxmlformats.org/presentationml/2006/main" showMasterPhAnim="0" showMasterSp="0">
   <p:cSld>
     <p:spTree>
@@ -32284,7 +32010,7 @@
         <p:spPr>
           <a:xfrm>
             <a:off x="114935" y="2572385"/>
-            <a:ext cx="6497955" cy="2319655"/>
+            <a:ext cx="6070600" cy="2167255"/>
           </a:xfrm>
           <a:prstGeom prst="rect">
             <a:avLst/>
@@ -32785,367 +32511,59 @@
   <p:cSld>
     <p:spTree>
       <p:nvGrpSpPr>
-        <p:cNvPr id="326" name="Shape 326"/>
+        <p:cNvPr id="1" name=""/>
         <p:cNvGrpSpPr/>
         <p:nvPr/>
       </p:nvGrpSpPr>
-      <p:grpSpPr>
-        <a:xfrm>
-          <a:off x="0" y="0"/>
-          <a:ext cx="0" cy="0"/>
-          <a:chOff x="0" y="0"/>
-          <a:chExt cx="0" cy="0"/>
-        </a:xfrm>
-      </p:grpSpPr>
-      <p:sp>
-        <p:nvSpPr>
-          <p:cNvPr id="327" name="Google Shape;327;p43"/>
-          <p:cNvSpPr/>
+      <p:grpSpPr/>
+      <p:pic>
+        <p:nvPicPr>
+          <p:cNvPr id="4" name="Picture 3"/>
+          <p:cNvPicPr>
+            <a:picLocks noChangeAspect="1"/>
+          </p:cNvPicPr>
           <p:nvPr/>
-        </p:nvSpPr>
+        </p:nvPicPr>
+        <p:blipFill>
+          <a:blip r:embed="rId1"/>
+          <a:stretch>
+            <a:fillRect/>
+          </a:stretch>
+        </p:blipFill>
         <p:spPr>
           <a:xfrm>
-            <a:off x="397800" y="16925"/>
-            <a:ext cx="8469000" cy="856500"/>
+            <a:off x="102235" y="1147445"/>
+            <a:ext cx="8939530" cy="1663065"/>
           </a:xfrm>
           <a:prstGeom prst="rect">
             <a:avLst/>
           </a:prstGeom>
-          <a:noFill/>
-          <a:ln>
-            <a:noFill/>
-          </a:ln>
         </p:spPr>
-        <p:txBody>
-          <a:bodyPr spcFirstLastPara="1" wrap="square" lIns="90000" tIns="45000" rIns="90000" bIns="45000" anchor="b" anchorCtr="0">
-            <a:noAutofit/>
-          </a:bodyPr>
-          <a:lstStyle/>
-          <a:p>
-            <a:pPr marL="0" marR="0" lvl="0" indent="0" algn="l" rtl="0">
-              <a:lnSpc>
-                <a:spcPct val="100000"/>
-              </a:lnSpc>
-              <a:spcBef>
-                <a:spcPts val="0"/>
-              </a:spcBef>
-              <a:spcAft>
-                <a:spcPts val="0"/>
-              </a:spcAft>
-              <a:buNone/>
-            </a:pPr>
-            <a:r>
-              <a:rPr lang="en-GB" sz="3200" b="1">
-                <a:solidFill>
-                  <a:srgbClr val="000000"/>
-                </a:solidFill>
-                <a:latin typeface="Calibri" panose="020F0502020204030204"/>
-                <a:ea typeface="Calibri" panose="020F0502020204030204"/>
-                <a:cs typeface="Calibri" panose="020F0502020204030204"/>
-                <a:sym typeface="Calibri" panose="020F0502020204030204"/>
-              </a:rPr>
-              <a:t>Text Normalization</a:t>
-            </a:r>
-            <a:r>
-              <a:rPr lang="en-GB" sz="3200" b="1">
-                <a:latin typeface="Calibri" panose="020F0502020204030204"/>
-                <a:ea typeface="Calibri" panose="020F0502020204030204"/>
-                <a:cs typeface="Calibri" panose="020F0502020204030204"/>
-                <a:sym typeface="Calibri" panose="020F0502020204030204"/>
-              </a:rPr>
-              <a:t>: Typical NLP pipeline </a:t>
-            </a:r>
-            <a:endParaRPr sz="3200">
-              <a:solidFill>
-                <a:schemeClr val="dk1"/>
-              </a:solidFill>
-              <a:latin typeface="Arial" panose="020B0604020202020204"/>
-              <a:ea typeface="Arial" panose="020B0604020202020204"/>
-              <a:cs typeface="Arial" panose="020B0604020202020204"/>
-              <a:sym typeface="Arial" panose="020B0604020202020204"/>
-            </a:endParaRPr>
-          </a:p>
-        </p:txBody>
-      </p:sp>
-      <p:sp>
-        <p:nvSpPr>
-          <p:cNvPr id="328" name="Google Shape;328;p43"/>
-          <p:cNvSpPr/>
+      </p:pic>
+      <p:pic>
+        <p:nvPicPr>
+          <p:cNvPr id="5" name="Picture 4"/>
+          <p:cNvPicPr>
+            <a:picLocks noChangeAspect="1"/>
+          </p:cNvPicPr>
           <p:nvPr/>
-        </p:nvSpPr>
+        </p:nvPicPr>
+        <p:blipFill>
+          <a:blip r:embed="rId2"/>
+          <a:stretch>
+            <a:fillRect/>
+          </a:stretch>
+        </p:blipFill>
         <p:spPr>
           <a:xfrm>
-            <a:off x="269475" y="971650"/>
-            <a:ext cx="8416800" cy="3428400"/>
+            <a:off x="1800860" y="3041015"/>
+            <a:ext cx="4295775" cy="1181100"/>
           </a:xfrm>
           <a:prstGeom prst="rect">
             <a:avLst/>
           </a:prstGeom>
-          <a:noFill/>
-          <a:ln>
-            <a:noFill/>
-          </a:ln>
         </p:spPr>
-        <p:txBody>
-          <a:bodyPr spcFirstLastPara="1" wrap="square" lIns="90000" tIns="45000" rIns="90000" bIns="45000" anchor="t" anchorCtr="0">
-            <a:noAutofit/>
-          </a:bodyPr>
-          <a:lstStyle/>
-          <a:p>
-            <a:pPr marL="342900" marR="0" lvl="0" indent="-342900" algn="l" rtl="0">
-              <a:lnSpc>
-                <a:spcPct val="150000"/>
-              </a:lnSpc>
-              <a:spcBef>
-                <a:spcPts val="0"/>
-              </a:spcBef>
-              <a:spcAft>
-                <a:spcPts val="0"/>
-              </a:spcAft>
-              <a:buClr>
-                <a:srgbClr val="CC0000"/>
-              </a:buClr>
-              <a:buSzPts val="3200"/>
-              <a:buFont typeface="Times"/>
-              <a:buChar char="•"/>
-            </a:pPr>
-            <a:r>
-              <a:rPr lang="en-GB" sz="3200">
-                <a:solidFill>
-                  <a:srgbClr val="000000"/>
-                </a:solidFill>
-                <a:latin typeface="Calibri" panose="020F0502020204030204"/>
-                <a:ea typeface="Calibri" panose="020F0502020204030204"/>
-                <a:cs typeface="Calibri" panose="020F0502020204030204"/>
-                <a:sym typeface="Calibri" panose="020F0502020204030204"/>
-              </a:rPr>
-              <a:t>Every NLP task needs to do text </a:t>
-            </a:r>
-            <a:r>
-              <a:rPr lang="en-GB" sz="3200">
-                <a:solidFill>
-                  <a:srgbClr val="000000"/>
-                </a:solidFill>
-                <a:latin typeface="Calibri" panose="020F0502020204030204"/>
-                <a:ea typeface="Calibri" panose="020F0502020204030204"/>
-                <a:cs typeface="Calibri" panose="020F0502020204030204"/>
-                <a:sym typeface="Calibri" panose="020F0502020204030204"/>
-              </a:rPr>
-              <a:t> n</a:t>
-            </a:r>
-            <a:r>
-              <a:rPr lang="en-GB" sz="3200">
-                <a:solidFill>
-                  <a:srgbClr val="000000"/>
-                </a:solidFill>
-                <a:latin typeface="Calibri" panose="020F0502020204030204"/>
-                <a:ea typeface="Calibri" panose="020F0502020204030204"/>
-                <a:cs typeface="Calibri" panose="020F0502020204030204"/>
-                <a:sym typeface="Calibri" panose="020F0502020204030204"/>
-              </a:rPr>
-              <a:t>ormalization: </a:t>
-            </a:r>
-            <a:endParaRPr sz="3200">
-              <a:solidFill>
-                <a:schemeClr val="dk1"/>
-              </a:solidFill>
-              <a:latin typeface="Arial" panose="020B0604020202020204"/>
-              <a:ea typeface="Arial" panose="020B0604020202020204"/>
-              <a:cs typeface="Arial" panose="020B0604020202020204"/>
-              <a:sym typeface="Arial" panose="020B0604020202020204"/>
-            </a:endParaRPr>
-          </a:p>
-          <a:p>
-            <a:pPr marL="914400" marR="0" lvl="1" indent="-457200" algn="l" rtl="0">
-              <a:lnSpc>
-                <a:spcPct val="150000"/>
-              </a:lnSpc>
-              <a:spcBef>
-                <a:spcPts val="600"/>
-              </a:spcBef>
-              <a:spcAft>
-                <a:spcPts val="0"/>
-              </a:spcAft>
-              <a:buClr>
-                <a:srgbClr val="000000"/>
-              </a:buClr>
-              <a:buSzPts val="2800"/>
-              <a:buFont typeface="Calibri" panose="020F0502020204030204"/>
-              <a:buAutoNum type="arabicPeriod"/>
-            </a:pPr>
-            <a:r>
-              <a:rPr lang="en-GB" sz="2800" b="0" i="0" u="none" strike="noStrike" cap="none">
-                <a:solidFill>
-                  <a:srgbClr val="000000"/>
-                </a:solidFill>
-                <a:latin typeface="Calibri" panose="020F0502020204030204"/>
-                <a:ea typeface="Calibri" panose="020F0502020204030204"/>
-                <a:cs typeface="Calibri" panose="020F0502020204030204"/>
-                <a:sym typeface="Calibri" panose="020F0502020204030204"/>
-              </a:rPr>
-              <a:t>Segmenting/tokenizing words in running text</a:t>
-            </a:r>
-            <a:endParaRPr sz="2800" b="0" i="0" u="none" strike="noStrike" cap="none">
-              <a:solidFill>
-                <a:schemeClr val="dk1"/>
-              </a:solidFill>
-              <a:latin typeface="Arial" panose="020B0604020202020204"/>
-              <a:ea typeface="Arial" panose="020B0604020202020204"/>
-              <a:cs typeface="Arial" panose="020B0604020202020204"/>
-              <a:sym typeface="Arial" panose="020B0604020202020204"/>
-            </a:endParaRPr>
-          </a:p>
-          <a:p>
-            <a:pPr marL="914400" marR="0" lvl="1" indent="-457200" algn="l" rtl="0">
-              <a:lnSpc>
-                <a:spcPct val="150000"/>
-              </a:lnSpc>
-              <a:spcBef>
-                <a:spcPts val="600"/>
-              </a:spcBef>
-              <a:spcAft>
-                <a:spcPts val="0"/>
-              </a:spcAft>
-              <a:buClr>
-                <a:srgbClr val="000000"/>
-              </a:buClr>
-              <a:buSzPts val="2800"/>
-              <a:buFont typeface="Calibri" panose="020F0502020204030204"/>
-              <a:buAutoNum type="arabicPeriod"/>
-            </a:pPr>
-            <a:r>
-              <a:rPr lang="en-GB" sz="2800" b="0" i="0" u="none" strike="noStrike" cap="none">
-                <a:solidFill>
-                  <a:srgbClr val="000000"/>
-                </a:solidFill>
-                <a:latin typeface="Calibri" panose="020F0502020204030204"/>
-                <a:ea typeface="Calibri" panose="020F0502020204030204"/>
-                <a:cs typeface="Calibri" panose="020F0502020204030204"/>
-                <a:sym typeface="Calibri" panose="020F0502020204030204"/>
-              </a:rPr>
-              <a:t>Normalizing word formats</a:t>
-            </a:r>
-            <a:endParaRPr sz="2800" b="0" i="0" u="none" strike="noStrike" cap="none">
-              <a:solidFill>
-                <a:schemeClr val="dk1"/>
-              </a:solidFill>
-              <a:latin typeface="Arial" panose="020B0604020202020204"/>
-              <a:ea typeface="Arial" panose="020B0604020202020204"/>
-              <a:cs typeface="Arial" panose="020B0604020202020204"/>
-              <a:sym typeface="Arial" panose="020B0604020202020204"/>
-            </a:endParaRPr>
-          </a:p>
-          <a:p>
-            <a:pPr marL="914400" marR="0" lvl="1" indent="-457200" algn="l" rtl="0">
-              <a:lnSpc>
-                <a:spcPct val="150000"/>
-              </a:lnSpc>
-              <a:spcBef>
-                <a:spcPts val="600"/>
-              </a:spcBef>
-              <a:spcAft>
-                <a:spcPts val="0"/>
-              </a:spcAft>
-              <a:buClr>
-                <a:srgbClr val="000000"/>
-              </a:buClr>
-              <a:buSzPts val="2800"/>
-              <a:buFont typeface="Calibri" panose="020F0502020204030204"/>
-              <a:buAutoNum type="arabicPeriod"/>
-            </a:pPr>
-            <a:r>
-              <a:rPr lang="en-GB" sz="2800" b="0" i="0" u="none" strike="noStrike" cap="none">
-                <a:solidFill>
-                  <a:srgbClr val="000000"/>
-                </a:solidFill>
-                <a:latin typeface="Calibri" panose="020F0502020204030204"/>
-                <a:ea typeface="Calibri" panose="020F0502020204030204"/>
-                <a:cs typeface="Calibri" panose="020F0502020204030204"/>
-                <a:sym typeface="Calibri" panose="020F0502020204030204"/>
-              </a:rPr>
-              <a:t>Segmenting sentences in running text</a:t>
-            </a:r>
-            <a:endParaRPr sz="2800" b="0" i="0" u="none" strike="noStrike" cap="none">
-              <a:solidFill>
-                <a:schemeClr val="dk1"/>
-              </a:solidFill>
-              <a:latin typeface="Arial" panose="020B0604020202020204"/>
-              <a:ea typeface="Arial" panose="020B0604020202020204"/>
-              <a:cs typeface="Arial" panose="020B0604020202020204"/>
-              <a:sym typeface="Arial" panose="020B0604020202020204"/>
-            </a:endParaRPr>
-          </a:p>
-          <a:p>
-            <a:pPr marL="685800" marR="0" lvl="0" indent="-228600" algn="l" rtl="0">
-              <a:lnSpc>
-                <a:spcPct val="90000"/>
-              </a:lnSpc>
-              <a:spcBef>
-                <a:spcPts val="400"/>
-              </a:spcBef>
-              <a:spcAft>
-                <a:spcPts val="0"/>
-              </a:spcAft>
-              <a:buNone/>
-            </a:pPr>
-            <a:endParaRPr sz="2800">
-              <a:solidFill>
-                <a:schemeClr val="dk1"/>
-              </a:solidFill>
-              <a:latin typeface="Arial" panose="020B0604020202020204"/>
-              <a:ea typeface="Arial" panose="020B0604020202020204"/>
-              <a:cs typeface="Arial" panose="020B0604020202020204"/>
-              <a:sym typeface="Arial" panose="020B0604020202020204"/>
-            </a:endParaRPr>
-          </a:p>
-          <a:p>
-            <a:pPr marL="685800" marR="0" lvl="0" indent="-228600" algn="l" rtl="0">
-              <a:lnSpc>
-                <a:spcPct val="90000"/>
-              </a:lnSpc>
-              <a:spcBef>
-                <a:spcPts val="400"/>
-              </a:spcBef>
-              <a:spcAft>
-                <a:spcPts val="0"/>
-              </a:spcAft>
-              <a:buNone/>
-            </a:pPr>
-            <a:endParaRPr sz="2800">
-              <a:solidFill>
-                <a:schemeClr val="dk1"/>
-              </a:solidFill>
-              <a:latin typeface="Arial" panose="020B0604020202020204"/>
-              <a:ea typeface="Arial" panose="020B0604020202020204"/>
-              <a:cs typeface="Arial" panose="020B0604020202020204"/>
-              <a:sym typeface="Arial" panose="020B0604020202020204"/>
-            </a:endParaRPr>
-          </a:p>
-          <a:p>
-            <a:pPr marL="685800" marR="0" lvl="0" indent="-228600" algn="l" rtl="0">
-              <a:lnSpc>
-                <a:spcPct val="90000"/>
-              </a:lnSpc>
-              <a:spcBef>
-                <a:spcPts val="400"/>
-              </a:spcBef>
-              <a:spcAft>
-                <a:spcPts val="0"/>
-              </a:spcAft>
-              <a:buNone/>
-            </a:pPr>
-            <a:endParaRPr sz="2800">
-              <a:solidFill>
-                <a:schemeClr val="dk1"/>
-              </a:solidFill>
-              <a:latin typeface="Arial" panose="020B0604020202020204"/>
-              <a:ea typeface="Arial" panose="020B0604020202020204"/>
-              <a:cs typeface="Arial" panose="020B0604020202020204"/>
-              <a:sym typeface="Arial" panose="020B0604020202020204"/>
-            </a:endParaRPr>
-          </a:p>
-        </p:txBody>
-      </p:sp>
+      </p:pic>
     </p:spTree>
   </p:cSld>
   <p:clrMapOvr>
@@ -33159,62 +32577,17 @@
   <p:cSld>
     <p:spTree>
       <p:nvGrpSpPr>
-        <p:cNvPr id="344" name="Shape 344"/>
+        <p:cNvPr id="1" name=""/>
         <p:cNvGrpSpPr/>
         <p:nvPr/>
       </p:nvGrpSpPr>
-      <p:grpSpPr>
-        <a:xfrm>
-          <a:off x="0" y="0"/>
-          <a:ext cx="0" cy="0"/>
-          <a:chOff x="0" y="0"/>
-          <a:chExt cx="0" cy="0"/>
-        </a:xfrm>
-      </p:grpSpPr>
-      <p:sp>
-        <p:nvSpPr>
-          <p:cNvPr id="345" name="Google Shape;345;p46"/>
-          <p:cNvSpPr txBox="1"/>
-          <p:nvPr>
-            <p:ph type="title"/>
-          </p:nvPr>
-        </p:nvSpPr>
-        <p:spPr>
-          <a:xfrm>
-            <a:off x="311700" y="445025"/>
-            <a:ext cx="8520600" cy="572700"/>
-          </a:xfrm>
-          <a:prstGeom prst="rect">
-            <a:avLst/>
-          </a:prstGeom>
-        </p:spPr>
-        <p:txBody>
-          <a:bodyPr spcFirstLastPara="1" wrap="square" lIns="91425" tIns="91425" rIns="91425" bIns="91425" anchor="t" anchorCtr="0">
-            <a:normAutofit fontScale="90000"/>
-          </a:bodyPr>
-          <a:lstStyle/>
-          <a:p>
-            <a:pPr marL="0" lvl="0" indent="0" algn="l" rtl="0">
-              <a:spcBef>
-                <a:spcPts val="0"/>
-              </a:spcBef>
-              <a:spcAft>
-                <a:spcPts val="0"/>
-              </a:spcAft>
-              <a:buNone/>
-            </a:pPr>
-            <a:r>
-              <a:rPr lang="en-GB"/>
-              <a:t>NLP pipeline </a:t>
-            </a:r>
-            <a:endParaRPr lang="en-GB"/>
-          </a:p>
-        </p:txBody>
-      </p:sp>
+      <p:grpSpPr/>
       <p:pic>
         <p:nvPicPr>
-          <p:cNvPr id="346" name="Google Shape;346;p46"/>
-          <p:cNvPicPr preferRelativeResize="0"/>
+          <p:cNvPr id="2" name="Picture 1"/>
+          <p:cNvPicPr>
+            <a:picLocks noChangeAspect="1"/>
+          </p:cNvPicPr>
           <p:nvPr/>
         </p:nvPicPr>
         <p:blipFill>
@@ -33225,16 +32598,12 @@
         </p:blipFill>
         <p:spPr>
           <a:xfrm>
-            <a:off x="593725" y="1764030"/>
-            <a:ext cx="8181340" cy="1795780"/>
+            <a:off x="373380" y="832485"/>
+            <a:ext cx="8536940" cy="3478530"/>
           </a:xfrm>
           <a:prstGeom prst="rect">
             <a:avLst/>
           </a:prstGeom>
-          <a:noFill/>
-          <a:ln>
-            <a:noFill/>
-          </a:ln>
         </p:spPr>
       </p:pic>
     </p:spTree>
@@ -34174,6 +33543,483 @@
   <p:cSld>
     <p:spTree>
       <p:nvGrpSpPr>
+        <p:cNvPr id="1" name=""/>
+        <p:cNvGrpSpPr/>
+        <p:nvPr/>
+      </p:nvGrpSpPr>
+      <p:grpSpPr/>
+      <p:sp>
+        <p:nvSpPr>
+          <p:cNvPr id="2" name="Title 1"/>
+          <p:cNvSpPr/>
+          <p:nvPr>
+            <p:ph type="title"/>
+          </p:nvPr>
+        </p:nvSpPr>
+        <p:spPr/>
+        <p:txBody>
+          <a:bodyPr>
+            <a:normAutofit fontScale="90000"/>
+          </a:bodyPr>
+          <a:p>
+            <a:r>
+              <a:rPr lang="en-US" altLang="en-GB">
+                <a:sym typeface="+mn-ea"/>
+              </a:rPr>
+              <a:t>Lemmatization </a:t>
+            </a:r>
+            <a:endParaRPr lang="en-US" altLang="en-GB"/>
+          </a:p>
+        </p:txBody>
+      </p:sp>
+      <p:sp>
+        <p:nvSpPr>
+          <p:cNvPr id="3" name="Text Placeholder 2"/>
+          <p:cNvSpPr/>
+          <p:nvPr>
+            <p:ph type="body" idx="1"/>
+          </p:nvPr>
+        </p:nvSpPr>
+        <p:spPr>
+          <a:xfrm>
+            <a:off x="130175" y="1108075"/>
+            <a:ext cx="8702040" cy="3460750"/>
+          </a:xfrm>
+        </p:spPr>
+        <p:txBody>
+          <a:bodyPr/>
+          <a:p>
+            <a:pPr marL="114300" indent="0">
+              <a:buNone/>
+            </a:pPr>
+            <a:r>
+              <a:rPr lang="en-US" altLang="en-GB" sz="1600"/>
+              <a:t>Lemmatization is the process of reducing a word to its base or root form, known as a lemma. Unlike stemming, which simply removes prefixes or suffixes, lemmatization considers the context and converts the word to its meaningful base form.</a:t>
+            </a:r>
+            <a:endParaRPr lang="en-US" altLang="en-GB" sz="1600"/>
+          </a:p>
+          <a:p>
+            <a:pPr marL="114300" indent="0">
+              <a:buNone/>
+            </a:pPr>
+            <a:endParaRPr lang="en-US" altLang="en-GB" sz="1600"/>
+          </a:p>
+          <a:p>
+            <a:pPr marL="114300" indent="0">
+              <a:buNone/>
+            </a:pPr>
+            <a:endParaRPr lang="en-US" altLang="en-GB" sz="1600"/>
+          </a:p>
+        </p:txBody>
+      </p:sp>
+    </p:spTree>
+  </p:cSld>
+  <p:clrMapOvr>
+    <a:masterClrMapping/>
+  </p:clrMapOvr>
+</p:sld>
+</file>
+
+<file path=ppt/slides/slide46.xml><?xml version="1.0" encoding="utf-8"?>
+<p:sld xmlns:a="http://schemas.openxmlformats.org/drawingml/2006/main" xmlns:r="http://schemas.openxmlformats.org/officeDocument/2006/relationships" xmlns:p="http://schemas.openxmlformats.org/presentationml/2006/main">
+  <p:cSld>
+    <p:spTree>
+      <p:nvGrpSpPr>
+        <p:cNvPr id="1" name=""/>
+        <p:cNvGrpSpPr/>
+        <p:nvPr/>
+      </p:nvGrpSpPr>
+      <p:grpSpPr/>
+      <p:sp>
+        <p:nvSpPr>
+          <p:cNvPr id="3" name="Text Placeholder 2"/>
+          <p:cNvSpPr/>
+          <p:nvPr>
+            <p:ph type="body" idx="1"/>
+          </p:nvPr>
+        </p:nvSpPr>
+        <p:spPr>
+          <a:xfrm>
+            <a:off x="130175" y="1108075"/>
+            <a:ext cx="8702040" cy="3460750"/>
+          </a:xfrm>
+        </p:spPr>
+        <p:txBody>
+          <a:bodyPr/>
+          <a:p>
+            <a:pPr marL="114300" indent="0">
+              <a:buNone/>
+            </a:pPr>
+            <a:endParaRPr lang="en-US" altLang="en-GB" sz="1600"/>
+          </a:p>
+          <a:p>
+            <a:pPr marL="114300" indent="0">
+              <a:buNone/>
+            </a:pPr>
+            <a:endParaRPr lang="en-US" altLang="en-GB" sz="1600"/>
+          </a:p>
+        </p:txBody>
+      </p:sp>
+      <p:pic>
+        <p:nvPicPr>
+          <p:cNvPr id="4" name="Picture 3"/>
+          <p:cNvPicPr>
+            <a:picLocks noChangeAspect="1"/>
+          </p:cNvPicPr>
+          <p:nvPr/>
+        </p:nvPicPr>
+        <p:blipFill>
+          <a:blip r:embed="rId1"/>
+          <a:stretch>
+            <a:fillRect/>
+          </a:stretch>
+        </p:blipFill>
+        <p:spPr>
+          <a:xfrm>
+            <a:off x="561340" y="88900"/>
+            <a:ext cx="6591935" cy="3258820"/>
+          </a:xfrm>
+          <a:prstGeom prst="rect">
+            <a:avLst/>
+          </a:prstGeom>
+        </p:spPr>
+      </p:pic>
+      <p:sp>
+        <p:nvSpPr>
+          <p:cNvPr id="5" name="Text Box 4"/>
+          <p:cNvSpPr txBox="1"/>
+          <p:nvPr/>
+        </p:nvSpPr>
+        <p:spPr>
+          <a:xfrm>
+            <a:off x="274320" y="4401820"/>
+            <a:ext cx="8691880" cy="546100"/>
+          </a:xfrm>
+          <a:prstGeom prst="rect">
+            <a:avLst/>
+          </a:prstGeom>
+          <a:ln>
+            <a:solidFill>
+              <a:schemeClr val="tx1"/>
+            </a:solidFill>
+          </a:ln>
+        </p:spPr>
+        <p:txBody>
+          <a:bodyPr wrap="square">
+            <a:noAutofit/>
+          </a:bodyPr>
+          <a:p>
+            <a:pPr marL="0" indent="0" algn="l" fontAlgn="base" latinLnBrk="0">
+              <a:lnSpc>
+                <a:spcPts val="1260"/>
+              </a:lnSpc>
+              <a:spcBef>
+                <a:spcPct val="0"/>
+              </a:spcBef>
+              <a:spcAft>
+                <a:spcPct val="0"/>
+              </a:spcAft>
+            </a:pPr>
+            <a:r>
+              <a:rPr lang="en-US" altLang="zh-CN" sz="1600" b="0" i="0">
+                <a:solidFill>
+                  <a:srgbClr val="393A34"/>
+                </a:solidFill>
+                <a:latin typeface="var(--sds-font-family-monospace)"/>
+                <a:ea typeface="var(--sds-font-family-monospace)"/>
+              </a:rPr>
+              <a:t>['The', 'cat', 'are', 'running', 'faster', 'than', 'the', 'dog', '.', 'The', 'better', 'you', 'are', 'at', 'programming', ',', 'the', 'more', 'you', 'will', 'enjoy', 'it', '.']
+</a:t>
+            </a:r>
+            <a:endParaRPr lang="en-US" altLang="zh-CN" sz="1600" b="0" i="0">
+              <a:solidFill>
+                <a:srgbClr val="393A34"/>
+              </a:solidFill>
+              <a:latin typeface="var(--sds-font-family-monospace)"/>
+              <a:ea typeface="var(--sds-font-family-monospace)"/>
+            </a:endParaRPr>
+          </a:p>
+        </p:txBody>
+      </p:sp>
+      <p:sp>
+        <p:nvSpPr>
+          <p:cNvPr id="7" name="Text Box 6"/>
+          <p:cNvSpPr txBox="1"/>
+          <p:nvPr/>
+        </p:nvSpPr>
+        <p:spPr>
+          <a:xfrm>
+            <a:off x="274320" y="3435985"/>
+            <a:ext cx="8558530" cy="583565"/>
+          </a:xfrm>
+          <a:prstGeom prst="rect">
+            <a:avLst/>
+          </a:prstGeom>
+          <a:ln>
+            <a:solidFill>
+              <a:schemeClr val="tx1"/>
+            </a:solidFill>
+          </a:ln>
+        </p:spPr>
+        <p:txBody>
+          <a:bodyPr wrap="square">
+            <a:spAutoFit/>
+          </a:bodyPr>
+          <a:p>
+            <a:pPr marL="0" indent="0" algn="l"/>
+            <a:r>
+              <a:rPr lang="en-US" altLang="zh-CN" sz="1600" b="0" i="0">
+                <a:solidFill>
+                  <a:srgbClr val="A31515"/>
+                </a:solidFill>
+                <a:latin typeface="ui-monospace"/>
+                <a:ea typeface="ui-monospace"/>
+              </a:rPr>
+              <a:t>"The cats are running faster than the dog. The better you are at programming, the more you will enjoy it."</a:t>
+            </a:r>
+            <a:endParaRPr lang="en-US" altLang="zh-CN" sz="1600" b="0" i="0">
+              <a:solidFill>
+                <a:srgbClr val="A31515"/>
+              </a:solidFill>
+              <a:latin typeface="ui-monospace"/>
+              <a:ea typeface="ui-monospace"/>
+            </a:endParaRPr>
+          </a:p>
+        </p:txBody>
+      </p:sp>
+    </p:spTree>
+  </p:cSld>
+  <p:clrMapOvr>
+    <a:masterClrMapping/>
+  </p:clrMapOvr>
+</p:sld>
+</file>
+
+<file path=ppt/slides/slide47.xml><?xml version="1.0" encoding="utf-8"?>
+<p:sld xmlns:a="http://schemas.openxmlformats.org/drawingml/2006/main" xmlns:r="http://schemas.openxmlformats.org/officeDocument/2006/relationships" xmlns:p="http://schemas.openxmlformats.org/presentationml/2006/main">
+  <p:cSld>
+    <p:spTree>
+      <p:nvGrpSpPr>
+        <p:cNvPr id="1" name=""/>
+        <p:cNvGrpSpPr/>
+        <p:nvPr/>
+      </p:nvGrpSpPr>
+      <p:grpSpPr/>
+      <p:sp>
+        <p:nvSpPr>
+          <p:cNvPr id="2" name="Title 1"/>
+          <p:cNvSpPr/>
+          <p:nvPr>
+            <p:ph type="title"/>
+          </p:nvPr>
+        </p:nvSpPr>
+        <p:spPr/>
+        <p:txBody>
+          <a:bodyPr>
+            <a:normAutofit fontScale="90000"/>
+          </a:bodyPr>
+          <a:p>
+            <a:r>
+              <a:rPr lang="en-US" altLang="en-GB"/>
+              <a:t>Stemming </a:t>
+            </a:r>
+            <a:endParaRPr lang="en-US" altLang="en-GB"/>
+          </a:p>
+        </p:txBody>
+      </p:sp>
+      <p:sp>
+        <p:nvSpPr>
+          <p:cNvPr id="3" name="Text Placeholder 2"/>
+          <p:cNvSpPr/>
+          <p:nvPr>
+            <p:ph type="body" idx="1"/>
+          </p:nvPr>
+        </p:nvSpPr>
+        <p:spPr/>
+        <p:txBody>
+          <a:bodyPr/>
+          <a:p>
+            <a:pPr marL="114300" indent="0">
+              <a:buNone/>
+            </a:pPr>
+            <a:r>
+              <a:rPr lang="en-US" altLang="en-GB"/>
+              <a:t>Stemming is the process of reducing a word to its base or root form, known as a stem. Unlike lemmatization, stemming does not consider the context or meaning of the word; it simply removes prefixes or suffixes to achieve the root form. This can sometimes result in non-words or stems that are not actual words in the language.</a:t>
+            </a:r>
+            <a:endParaRPr lang="en-US" altLang="en-GB"/>
+          </a:p>
+          <a:p>
+            <a:pPr marL="114300" indent="0">
+              <a:buNone/>
+            </a:pPr>
+            <a:endParaRPr lang="en-US" altLang="en-GB"/>
+          </a:p>
+          <a:p>
+            <a:pPr marL="114300" indent="0">
+              <a:buNone/>
+            </a:pPr>
+            <a:endParaRPr lang="en-US" altLang="en-GB"/>
+          </a:p>
+        </p:txBody>
+      </p:sp>
+    </p:spTree>
+  </p:cSld>
+  <p:clrMapOvr>
+    <a:masterClrMapping/>
+  </p:clrMapOvr>
+</p:sld>
+</file>
+
+<file path=ppt/slides/slide48.xml><?xml version="1.0" encoding="utf-8"?>
+<p:sld xmlns:a="http://schemas.openxmlformats.org/drawingml/2006/main" xmlns:r="http://schemas.openxmlformats.org/officeDocument/2006/relationships" xmlns:p="http://schemas.openxmlformats.org/presentationml/2006/main">
+  <p:cSld>
+    <p:spTree>
+      <p:nvGrpSpPr>
+        <p:cNvPr id="1" name=""/>
+        <p:cNvGrpSpPr/>
+        <p:nvPr/>
+      </p:nvGrpSpPr>
+      <p:grpSpPr/>
+      <p:pic>
+        <p:nvPicPr>
+          <p:cNvPr id="4" name="Picture 3"/>
+          <p:cNvPicPr>
+            <a:picLocks noChangeAspect="1"/>
+          </p:cNvPicPr>
+          <p:nvPr/>
+        </p:nvPicPr>
+        <p:blipFill>
+          <a:blip r:embed="rId1"/>
+          <a:stretch>
+            <a:fillRect/>
+          </a:stretch>
+        </p:blipFill>
+        <p:spPr>
+          <a:xfrm>
+            <a:off x="718185" y="92710"/>
+            <a:ext cx="7141210" cy="2870835"/>
+          </a:xfrm>
+          <a:prstGeom prst="rect">
+            <a:avLst/>
+          </a:prstGeom>
+        </p:spPr>
+      </p:pic>
+      <p:sp>
+        <p:nvSpPr>
+          <p:cNvPr id="5" name="Text Box 4"/>
+          <p:cNvSpPr txBox="1"/>
+          <p:nvPr/>
+        </p:nvSpPr>
+        <p:spPr>
+          <a:xfrm>
+            <a:off x="386715" y="4231640"/>
+            <a:ext cx="8279765" cy="546735"/>
+          </a:xfrm>
+          <a:prstGeom prst="rect">
+            <a:avLst/>
+          </a:prstGeom>
+          <a:ln>
+            <a:solidFill>
+              <a:schemeClr val="tx1"/>
+            </a:solidFill>
+          </a:ln>
+        </p:spPr>
+        <p:txBody>
+          <a:bodyPr wrap="square">
+            <a:noAutofit/>
+          </a:bodyPr>
+          <a:p>
+            <a:pPr marL="0" indent="0" algn="l" fontAlgn="base" latinLnBrk="0">
+              <a:lnSpc>
+                <a:spcPts val="1260"/>
+              </a:lnSpc>
+              <a:spcBef>
+                <a:spcPct val="0"/>
+              </a:spcBef>
+              <a:spcAft>
+                <a:spcPct val="0"/>
+              </a:spcAft>
+            </a:pPr>
+            <a:r>
+              <a:rPr lang="en-US" altLang="zh-CN" sz="1600" b="0" i="0">
+                <a:solidFill>
+                  <a:srgbClr val="393A34"/>
+                </a:solidFill>
+                <a:latin typeface="var(--sds-font-family-monospace)"/>
+                <a:ea typeface="var(--sds-font-family-monospace)"/>
+              </a:rPr>
+              <a:t>['the', 'cat', 'are', 'run', 'faster', 'than', 'the', 'dog', '.', 'the', 'better', 'you', 'are', 'at', 'program', 'the', 'more', 'you', 'will', 'enjoy', 'it', '.']
+</a:t>
+            </a:r>
+            <a:endParaRPr lang="en-US" altLang="zh-CN" sz="1600" b="0" i="0">
+              <a:solidFill>
+                <a:srgbClr val="393A34"/>
+              </a:solidFill>
+              <a:latin typeface="var(--sds-font-family-monospace)"/>
+              <a:ea typeface="var(--sds-font-family-monospace)"/>
+            </a:endParaRPr>
+          </a:p>
+        </p:txBody>
+      </p:sp>
+      <p:sp>
+        <p:nvSpPr>
+          <p:cNvPr id="7" name="Text Box 6"/>
+          <p:cNvSpPr txBox="1"/>
+          <p:nvPr/>
+        </p:nvSpPr>
+        <p:spPr>
+          <a:xfrm>
+            <a:off x="274320" y="3435985"/>
+            <a:ext cx="8558530" cy="583565"/>
+          </a:xfrm>
+          <a:prstGeom prst="rect">
+            <a:avLst/>
+          </a:prstGeom>
+          <a:ln>
+            <a:solidFill>
+              <a:schemeClr val="tx1"/>
+            </a:solidFill>
+          </a:ln>
+        </p:spPr>
+        <p:txBody>
+          <a:bodyPr wrap="square">
+            <a:spAutoFit/>
+          </a:bodyPr>
+          <a:p>
+            <a:pPr marL="0" indent="0" algn="l"/>
+            <a:r>
+              <a:rPr lang="en-US" altLang="zh-CN" sz="1600" b="0" i="0">
+                <a:solidFill>
+                  <a:srgbClr val="A31515"/>
+                </a:solidFill>
+                <a:latin typeface="ui-monospace"/>
+                <a:ea typeface="ui-monospace"/>
+              </a:rPr>
+              <a:t>"The cats are running faster than the dog. The better you are at programming, the more you will enjoy it."</a:t>
+            </a:r>
+            <a:endParaRPr lang="en-US" altLang="zh-CN" sz="1600" b="0" i="0">
+              <a:solidFill>
+                <a:srgbClr val="A31515"/>
+              </a:solidFill>
+              <a:latin typeface="ui-monospace"/>
+              <a:ea typeface="ui-monospace"/>
+            </a:endParaRPr>
+          </a:p>
+        </p:txBody>
+      </p:sp>
+    </p:spTree>
+  </p:cSld>
+  <p:clrMapOvr>
+    <a:masterClrMapping/>
+  </p:clrMapOvr>
+</p:sld>
+</file>
+
+<file path=ppt/slides/slide49.xml><?xml version="1.0" encoding="utf-8"?>
+<p:sld xmlns:a="http://schemas.openxmlformats.org/drawingml/2006/main" xmlns:r="http://schemas.openxmlformats.org/officeDocument/2006/relationships" xmlns:p="http://schemas.openxmlformats.org/presentationml/2006/main">
+  <p:cSld>
+    <p:spTree>
+      <p:nvGrpSpPr>
         <p:cNvPr id="363" name="Shape 363"/>
         <p:cNvGrpSpPr/>
         <p:nvPr/>
@@ -34693,7 +34539,336 @@
 </p:sld>
 </file>
 
-<file path=ppt/slides/slide46.xml><?xml version="1.0" encoding="utf-8"?>
+<file path=ppt/slides/slide5.xml><?xml version="1.0" encoding="utf-8"?>
+<p:sld xmlns:a="http://schemas.openxmlformats.org/drawingml/2006/main" xmlns:r="http://schemas.openxmlformats.org/officeDocument/2006/relationships" xmlns:p="http://schemas.openxmlformats.org/presentationml/2006/main">
+  <p:cSld>
+    <p:spTree>
+      <p:nvGrpSpPr>
+        <p:cNvPr id="110" name="Shape 110"/>
+        <p:cNvGrpSpPr/>
+        <p:nvPr/>
+      </p:nvGrpSpPr>
+      <p:grpSpPr>
+        <a:xfrm>
+          <a:off x="0" y="0"/>
+          <a:ext cx="0" cy="0"/>
+          <a:chOff x="0" y="0"/>
+          <a:chExt cx="0" cy="0"/>
+        </a:xfrm>
+      </p:grpSpPr>
+      <p:sp>
+        <p:nvSpPr>
+          <p:cNvPr id="111" name="Google Shape;111;p22"/>
+          <p:cNvSpPr/>
+          <p:nvPr>
+            <p:ph type="title"/>
+          </p:nvPr>
+        </p:nvSpPr>
+        <p:spPr>
+          <a:xfrm>
+            <a:off x="520883" y="1115454"/>
+            <a:ext cx="2057400" cy="2057400"/>
+          </a:xfrm>
+          <a:prstGeom prst="ellipse">
+            <a:avLst/>
+          </a:prstGeom>
+          <a:solidFill>
+            <a:srgbClr val="262626"/>
+          </a:solidFill>
+          <a:ln w="174625" cap="flat" cmpd="thinThick">
+            <a:solidFill>
+              <a:srgbClr val="262626"/>
+            </a:solidFill>
+            <a:prstDash val="solid"/>
+            <a:round/>
+            <a:headEnd type="none" w="sm" len="sm"/>
+            <a:tailEnd type="none" w="sm" len="sm"/>
+          </a:ln>
+        </p:spPr>
+        <p:txBody>
+          <a:bodyPr spcFirstLastPara="1" wrap="square" lIns="68575" tIns="34275" rIns="68575" bIns="34275" anchor="ctr" anchorCtr="0">
+            <a:normAutofit/>
+          </a:bodyPr>
+          <a:lstStyle/>
+          <a:p>
+            <a:pPr marL="0" lvl="0" indent="0" algn="ctr" rtl="0">
+              <a:lnSpc>
+                <a:spcPct val="90000"/>
+              </a:lnSpc>
+              <a:spcBef>
+                <a:spcPts val="0"/>
+              </a:spcBef>
+              <a:spcAft>
+                <a:spcPts val="0"/>
+              </a:spcAft>
+              <a:buClr>
+                <a:srgbClr val="FFFFFF"/>
+              </a:buClr>
+              <a:buSzPts val="2000"/>
+              <a:buFont typeface="Calibri" panose="020F0502020204030204"/>
+              <a:buNone/>
+            </a:pPr>
+            <a:r>
+              <a:rPr lang="en-GB" sz="2000">
+                <a:solidFill>
+                  <a:srgbClr val="FFFFFF"/>
+                </a:solidFill>
+              </a:rPr>
+              <a:t>What is Natural Language Processing?</a:t>
+            </a:r>
+            <a:endParaRPr lang="en-GB" sz="2000">
+              <a:solidFill>
+                <a:srgbClr val="FFFFFF"/>
+              </a:solidFill>
+            </a:endParaRPr>
+          </a:p>
+        </p:txBody>
+      </p:sp>
+      <p:pic>
+        <p:nvPicPr>
+          <p:cNvPr id="112" name="Google Shape;112;p22" descr="A screenshot of a cell phone&#10;&#10;Description automatically generated"/>
+          <p:cNvPicPr preferRelativeResize="0"/>
+          <p:nvPr/>
+        </p:nvPicPr>
+        <p:blipFill rotWithShape="1">
+          <a:blip r:embed="rId1"/>
+          <a:srcRect/>
+          <a:stretch>
+            <a:fillRect/>
+          </a:stretch>
+        </p:blipFill>
+        <p:spPr>
+          <a:xfrm>
+            <a:off x="3261989" y="707439"/>
+            <a:ext cx="5070890" cy="1749456"/>
+          </a:xfrm>
+          <a:prstGeom prst="rect">
+            <a:avLst/>
+          </a:prstGeom>
+          <a:noFill/>
+          <a:ln>
+            <a:noFill/>
+          </a:ln>
+        </p:spPr>
+      </p:pic>
+      <p:sp>
+        <p:nvSpPr>
+          <p:cNvPr id="113" name="Google Shape;113;p22"/>
+          <p:cNvSpPr txBox="1"/>
+          <p:nvPr>
+            <p:ph type="body" idx="1"/>
+          </p:nvPr>
+        </p:nvSpPr>
+        <p:spPr>
+          <a:xfrm>
+            <a:off x="3073774" y="3017804"/>
+            <a:ext cx="5740800" cy="497700"/>
+          </a:xfrm>
+          <a:prstGeom prst="rect">
+            <a:avLst/>
+          </a:prstGeom>
+          <a:noFill/>
+          <a:ln>
+            <a:noFill/>
+          </a:ln>
+        </p:spPr>
+        <p:txBody>
+          <a:bodyPr spcFirstLastPara="1" wrap="square" lIns="68575" tIns="34275" rIns="68575" bIns="34275" anchor="t" anchorCtr="0">
+            <a:normAutofit fontScale="25000" lnSpcReduction="20000"/>
+          </a:bodyPr>
+          <a:lstStyle/>
+          <a:p>
+            <a:pPr marL="0" lvl="0" indent="0" algn="l" rtl="0">
+              <a:lnSpc>
+                <a:spcPct val="90000"/>
+              </a:lnSpc>
+              <a:spcBef>
+                <a:spcPts val="0"/>
+              </a:spcBef>
+              <a:spcAft>
+                <a:spcPts val="0"/>
+              </a:spcAft>
+              <a:buClr>
+                <a:schemeClr val="dk1"/>
+              </a:buClr>
+              <a:buSzPct val="36000"/>
+              <a:buNone/>
+            </a:pPr>
+            <a:r>
+              <a:rPr lang="en-GB" sz="6680"/>
+              <a:t>Computers using natural language as input and/or output</a:t>
+            </a:r>
+            <a:endParaRPr sz="6080"/>
+          </a:p>
+          <a:p>
+            <a:pPr marL="177800" lvl="0" indent="-114300" algn="l" rtl="0">
+              <a:lnSpc>
+                <a:spcPct val="90000"/>
+              </a:lnSpc>
+              <a:spcBef>
+                <a:spcPts val="800"/>
+              </a:spcBef>
+              <a:spcAft>
+                <a:spcPts val="0"/>
+              </a:spcAft>
+              <a:buClr>
+                <a:schemeClr val="dk1"/>
+              </a:buClr>
+              <a:buSzPct val="100000"/>
+              <a:buNone/>
+            </a:pPr>
+            <a:endParaRPr sz="1400"/>
+          </a:p>
+          <a:p>
+            <a:pPr marL="177800" lvl="0" indent="-114300" algn="l" rtl="0">
+              <a:lnSpc>
+                <a:spcPct val="90000"/>
+              </a:lnSpc>
+              <a:spcBef>
+                <a:spcPts val="800"/>
+              </a:spcBef>
+              <a:spcAft>
+                <a:spcPts val="1200"/>
+              </a:spcAft>
+              <a:buClr>
+                <a:schemeClr val="dk1"/>
+              </a:buClr>
+              <a:buSzPct val="100000"/>
+              <a:buNone/>
+            </a:pPr>
+            <a:endParaRPr sz="1400"/>
+          </a:p>
+        </p:txBody>
+      </p:sp>
+      <p:sp>
+        <p:nvSpPr>
+          <p:cNvPr id="114" name="Google Shape;114;p22"/>
+          <p:cNvSpPr txBox="1"/>
+          <p:nvPr/>
+        </p:nvSpPr>
+        <p:spPr>
+          <a:xfrm>
+            <a:off x="4514150" y="3881762"/>
+            <a:ext cx="2323800" cy="497700"/>
+          </a:xfrm>
+          <a:prstGeom prst="rect">
+            <a:avLst/>
+          </a:prstGeom>
+          <a:noFill/>
+          <a:ln w="9525" cap="flat" cmpd="sng">
+            <a:solidFill>
+              <a:schemeClr val="dk1"/>
+            </a:solidFill>
+            <a:prstDash val="solid"/>
+            <a:round/>
+            <a:headEnd type="none" w="sm" len="sm"/>
+            <a:tailEnd type="none" w="sm" len="sm"/>
+          </a:ln>
+        </p:spPr>
+        <p:txBody>
+          <a:bodyPr spcFirstLastPara="1" wrap="square" lIns="68575" tIns="34275" rIns="68575" bIns="34275" anchor="t" anchorCtr="0">
+            <a:normAutofit fontScale="25000" lnSpcReduction="20000"/>
+          </a:bodyPr>
+          <a:lstStyle/>
+          <a:p>
+            <a:pPr marL="0" marR="0" lvl="0" indent="0" algn="l" rtl="0">
+              <a:lnSpc>
+                <a:spcPct val="90000"/>
+              </a:lnSpc>
+              <a:spcBef>
+                <a:spcPts val="0"/>
+              </a:spcBef>
+              <a:spcAft>
+                <a:spcPts val="0"/>
+              </a:spcAft>
+              <a:buClr>
+                <a:schemeClr val="dk1"/>
+              </a:buClr>
+              <a:buSzPct val="26000"/>
+              <a:buFont typeface="Arial" panose="020B0604020202020204"/>
+              <a:buNone/>
+            </a:pPr>
+            <a:r>
+              <a:rPr lang="en-GB" sz="9080" b="0" i="0" u="none" strike="noStrike" cap="none">
+                <a:solidFill>
+                  <a:schemeClr val="dk1"/>
+                </a:solidFill>
+                <a:latin typeface="Calibri" panose="020F0502020204030204"/>
+                <a:ea typeface="Calibri" panose="020F0502020204030204"/>
+                <a:cs typeface="Calibri" panose="020F0502020204030204"/>
+                <a:sym typeface="Calibri" panose="020F0502020204030204"/>
+              </a:rPr>
+              <a:t>NLP = NLU + NLG</a:t>
+            </a:r>
+            <a:endParaRPr sz="7780"/>
+          </a:p>
+          <a:p>
+            <a:pPr marL="177800" marR="0" lvl="0" indent="-88900" algn="l" rtl="0">
+              <a:lnSpc>
+                <a:spcPct val="90000"/>
+              </a:lnSpc>
+              <a:spcBef>
+                <a:spcPts val="800"/>
+              </a:spcBef>
+              <a:spcAft>
+                <a:spcPts val="0"/>
+              </a:spcAft>
+              <a:buClr>
+                <a:schemeClr val="dk1"/>
+              </a:buClr>
+              <a:buSzPct val="100000"/>
+              <a:buFont typeface="Arial" panose="020B0604020202020204"/>
+              <a:buNone/>
+            </a:pPr>
+            <a:endParaRPr sz="1400" b="0" i="0" u="none" strike="noStrike" cap="none">
+              <a:solidFill>
+                <a:schemeClr val="dk1"/>
+              </a:solidFill>
+              <a:latin typeface="Calibri" panose="020F0502020204030204"/>
+              <a:ea typeface="Calibri" panose="020F0502020204030204"/>
+              <a:cs typeface="Calibri" panose="020F0502020204030204"/>
+              <a:sym typeface="Calibri" panose="020F0502020204030204"/>
+            </a:endParaRPr>
+          </a:p>
+          <a:p>
+            <a:pPr marL="177800" marR="0" lvl="0" indent="-88900" algn="l" rtl="0">
+              <a:lnSpc>
+                <a:spcPct val="90000"/>
+              </a:lnSpc>
+              <a:spcBef>
+                <a:spcPts val="800"/>
+              </a:spcBef>
+              <a:spcAft>
+                <a:spcPts val="0"/>
+              </a:spcAft>
+              <a:buClr>
+                <a:schemeClr val="dk1"/>
+              </a:buClr>
+              <a:buSzPct val="100000"/>
+              <a:buFont typeface="Arial" panose="020B0604020202020204"/>
+              <a:buNone/>
+            </a:pPr>
+            <a:endParaRPr sz="1400" b="0" i="0" u="none" strike="noStrike" cap="none">
+              <a:solidFill>
+                <a:schemeClr val="dk1"/>
+              </a:solidFill>
+              <a:latin typeface="Calibri" panose="020F0502020204030204"/>
+              <a:ea typeface="Calibri" panose="020F0502020204030204"/>
+              <a:cs typeface="Calibri" panose="020F0502020204030204"/>
+              <a:sym typeface="Calibri" panose="020F0502020204030204"/>
+            </a:endParaRPr>
+          </a:p>
+        </p:txBody>
+      </p:sp>
+    </p:spTree>
+  </p:cSld>
+  <p:clrMapOvr>
+    <a:masterClrMapping/>
+  </p:clrMapOvr>
+</p:sld>
+</file>
+
+<file path=ppt/slides/slide50.xml><?xml version="1.0" encoding="utf-8"?>
 <p:sld xmlns:a="http://schemas.openxmlformats.org/drawingml/2006/main" xmlns:r="http://schemas.openxmlformats.org/officeDocument/2006/relationships" xmlns:p="http://schemas.openxmlformats.org/presentationml/2006/main">
   <p:cSld>
     <p:spTree>
@@ -36571,7 +36746,7 @@
 </p:sld>
 </file>
 
-<file path=ppt/slides/slide47.xml><?xml version="1.0" encoding="utf-8"?>
+<file path=ppt/slides/slide51.xml><?xml version="1.0" encoding="utf-8"?>
 <p:sld xmlns:a="http://schemas.openxmlformats.org/drawingml/2006/main" xmlns:r="http://schemas.openxmlformats.org/officeDocument/2006/relationships" xmlns:p="http://schemas.openxmlformats.org/presentationml/2006/main">
   <p:cSld>
     <p:spTree>
@@ -37218,7 +37393,7 @@
 </p:sld>
 </file>
 
-<file path=ppt/slides/slide48.xml><?xml version="1.0" encoding="utf-8"?>
+<file path=ppt/slides/slide52.xml><?xml version="1.0" encoding="utf-8"?>
 <p:sld xmlns:a="http://schemas.openxmlformats.org/drawingml/2006/main" xmlns:r="http://schemas.openxmlformats.org/officeDocument/2006/relationships" xmlns:p="http://schemas.openxmlformats.org/presentationml/2006/main">
   <p:cSld>
     <p:spTree>
@@ -37793,7 +37968,7 @@
 </p:sld>
 </file>
 
-<file path=ppt/slides/slide49.xml><?xml version="1.0" encoding="utf-8"?>
+<file path=ppt/slides/slide53.xml><?xml version="1.0" encoding="utf-8"?>
 <p:sld xmlns:a="http://schemas.openxmlformats.org/drawingml/2006/main" xmlns:r="http://schemas.openxmlformats.org/officeDocument/2006/relationships" xmlns:p="http://schemas.openxmlformats.org/presentationml/2006/main">
   <p:cSld>
     <p:spTree>
@@ -38291,336 +38466,7 @@
 </p:sld>
 </file>
 
-<file path=ppt/slides/slide5.xml><?xml version="1.0" encoding="utf-8"?>
-<p:sld xmlns:a="http://schemas.openxmlformats.org/drawingml/2006/main" xmlns:r="http://schemas.openxmlformats.org/officeDocument/2006/relationships" xmlns:p="http://schemas.openxmlformats.org/presentationml/2006/main">
-  <p:cSld>
-    <p:spTree>
-      <p:nvGrpSpPr>
-        <p:cNvPr id="110" name="Shape 110"/>
-        <p:cNvGrpSpPr/>
-        <p:nvPr/>
-      </p:nvGrpSpPr>
-      <p:grpSpPr>
-        <a:xfrm>
-          <a:off x="0" y="0"/>
-          <a:ext cx="0" cy="0"/>
-          <a:chOff x="0" y="0"/>
-          <a:chExt cx="0" cy="0"/>
-        </a:xfrm>
-      </p:grpSpPr>
-      <p:sp>
-        <p:nvSpPr>
-          <p:cNvPr id="111" name="Google Shape;111;p22"/>
-          <p:cNvSpPr/>
-          <p:nvPr>
-            <p:ph type="title"/>
-          </p:nvPr>
-        </p:nvSpPr>
-        <p:spPr>
-          <a:xfrm>
-            <a:off x="520883" y="1115454"/>
-            <a:ext cx="2057400" cy="2057400"/>
-          </a:xfrm>
-          <a:prstGeom prst="ellipse">
-            <a:avLst/>
-          </a:prstGeom>
-          <a:solidFill>
-            <a:srgbClr val="262626"/>
-          </a:solidFill>
-          <a:ln w="174625" cap="flat" cmpd="thinThick">
-            <a:solidFill>
-              <a:srgbClr val="262626"/>
-            </a:solidFill>
-            <a:prstDash val="solid"/>
-            <a:round/>
-            <a:headEnd type="none" w="sm" len="sm"/>
-            <a:tailEnd type="none" w="sm" len="sm"/>
-          </a:ln>
-        </p:spPr>
-        <p:txBody>
-          <a:bodyPr spcFirstLastPara="1" wrap="square" lIns="68575" tIns="34275" rIns="68575" bIns="34275" anchor="ctr" anchorCtr="0">
-            <a:normAutofit/>
-          </a:bodyPr>
-          <a:lstStyle/>
-          <a:p>
-            <a:pPr marL="0" lvl="0" indent="0" algn="ctr" rtl="0">
-              <a:lnSpc>
-                <a:spcPct val="90000"/>
-              </a:lnSpc>
-              <a:spcBef>
-                <a:spcPts val="0"/>
-              </a:spcBef>
-              <a:spcAft>
-                <a:spcPts val="0"/>
-              </a:spcAft>
-              <a:buClr>
-                <a:srgbClr val="FFFFFF"/>
-              </a:buClr>
-              <a:buSzPts val="2000"/>
-              <a:buFont typeface="Calibri" panose="020F0502020204030204"/>
-              <a:buNone/>
-            </a:pPr>
-            <a:r>
-              <a:rPr lang="en-GB" sz="2000">
-                <a:solidFill>
-                  <a:srgbClr val="FFFFFF"/>
-                </a:solidFill>
-              </a:rPr>
-              <a:t>What is Natural Language Processing?</a:t>
-            </a:r>
-            <a:endParaRPr lang="en-GB" sz="2000">
-              <a:solidFill>
-                <a:srgbClr val="FFFFFF"/>
-              </a:solidFill>
-            </a:endParaRPr>
-          </a:p>
-        </p:txBody>
-      </p:sp>
-      <p:pic>
-        <p:nvPicPr>
-          <p:cNvPr id="112" name="Google Shape;112;p22" descr="A screenshot of a cell phone&#10;&#10;Description automatically generated"/>
-          <p:cNvPicPr preferRelativeResize="0"/>
-          <p:nvPr/>
-        </p:nvPicPr>
-        <p:blipFill rotWithShape="1">
-          <a:blip r:embed="rId1"/>
-          <a:srcRect/>
-          <a:stretch>
-            <a:fillRect/>
-          </a:stretch>
-        </p:blipFill>
-        <p:spPr>
-          <a:xfrm>
-            <a:off x="3261989" y="707439"/>
-            <a:ext cx="5070890" cy="1749456"/>
-          </a:xfrm>
-          <a:prstGeom prst="rect">
-            <a:avLst/>
-          </a:prstGeom>
-          <a:noFill/>
-          <a:ln>
-            <a:noFill/>
-          </a:ln>
-        </p:spPr>
-      </p:pic>
-      <p:sp>
-        <p:nvSpPr>
-          <p:cNvPr id="113" name="Google Shape;113;p22"/>
-          <p:cNvSpPr txBox="1"/>
-          <p:nvPr>
-            <p:ph type="body" idx="1"/>
-          </p:nvPr>
-        </p:nvSpPr>
-        <p:spPr>
-          <a:xfrm>
-            <a:off x="3073774" y="3017804"/>
-            <a:ext cx="5740800" cy="497700"/>
-          </a:xfrm>
-          <a:prstGeom prst="rect">
-            <a:avLst/>
-          </a:prstGeom>
-          <a:noFill/>
-          <a:ln>
-            <a:noFill/>
-          </a:ln>
-        </p:spPr>
-        <p:txBody>
-          <a:bodyPr spcFirstLastPara="1" wrap="square" lIns="68575" tIns="34275" rIns="68575" bIns="34275" anchor="t" anchorCtr="0">
-            <a:normAutofit fontScale="25000" lnSpcReduction="20000"/>
-          </a:bodyPr>
-          <a:lstStyle/>
-          <a:p>
-            <a:pPr marL="0" lvl="0" indent="0" algn="l" rtl="0">
-              <a:lnSpc>
-                <a:spcPct val="90000"/>
-              </a:lnSpc>
-              <a:spcBef>
-                <a:spcPts val="0"/>
-              </a:spcBef>
-              <a:spcAft>
-                <a:spcPts val="0"/>
-              </a:spcAft>
-              <a:buClr>
-                <a:schemeClr val="dk1"/>
-              </a:buClr>
-              <a:buSzPct val="36000"/>
-              <a:buNone/>
-            </a:pPr>
-            <a:r>
-              <a:rPr lang="en-GB" sz="6680"/>
-              <a:t>Computers using natural language as input and/or output</a:t>
-            </a:r>
-            <a:endParaRPr sz="6080"/>
-          </a:p>
-          <a:p>
-            <a:pPr marL="177800" lvl="0" indent="-114300" algn="l" rtl="0">
-              <a:lnSpc>
-                <a:spcPct val="90000"/>
-              </a:lnSpc>
-              <a:spcBef>
-                <a:spcPts val="800"/>
-              </a:spcBef>
-              <a:spcAft>
-                <a:spcPts val="0"/>
-              </a:spcAft>
-              <a:buClr>
-                <a:schemeClr val="dk1"/>
-              </a:buClr>
-              <a:buSzPct val="100000"/>
-              <a:buNone/>
-            </a:pPr>
-            <a:endParaRPr sz="1400"/>
-          </a:p>
-          <a:p>
-            <a:pPr marL="177800" lvl="0" indent="-114300" algn="l" rtl="0">
-              <a:lnSpc>
-                <a:spcPct val="90000"/>
-              </a:lnSpc>
-              <a:spcBef>
-                <a:spcPts val="800"/>
-              </a:spcBef>
-              <a:spcAft>
-                <a:spcPts val="1200"/>
-              </a:spcAft>
-              <a:buClr>
-                <a:schemeClr val="dk1"/>
-              </a:buClr>
-              <a:buSzPct val="100000"/>
-              <a:buNone/>
-            </a:pPr>
-            <a:endParaRPr sz="1400"/>
-          </a:p>
-        </p:txBody>
-      </p:sp>
-      <p:sp>
-        <p:nvSpPr>
-          <p:cNvPr id="114" name="Google Shape;114;p22"/>
-          <p:cNvSpPr txBox="1"/>
-          <p:nvPr/>
-        </p:nvSpPr>
-        <p:spPr>
-          <a:xfrm>
-            <a:off x="4514150" y="3881762"/>
-            <a:ext cx="2323800" cy="497700"/>
-          </a:xfrm>
-          <a:prstGeom prst="rect">
-            <a:avLst/>
-          </a:prstGeom>
-          <a:noFill/>
-          <a:ln w="9525" cap="flat" cmpd="sng">
-            <a:solidFill>
-              <a:schemeClr val="dk1"/>
-            </a:solidFill>
-            <a:prstDash val="solid"/>
-            <a:round/>
-            <a:headEnd type="none" w="sm" len="sm"/>
-            <a:tailEnd type="none" w="sm" len="sm"/>
-          </a:ln>
-        </p:spPr>
-        <p:txBody>
-          <a:bodyPr spcFirstLastPara="1" wrap="square" lIns="68575" tIns="34275" rIns="68575" bIns="34275" anchor="t" anchorCtr="0">
-            <a:normAutofit fontScale="25000" lnSpcReduction="20000"/>
-          </a:bodyPr>
-          <a:lstStyle/>
-          <a:p>
-            <a:pPr marL="0" marR="0" lvl="0" indent="0" algn="l" rtl="0">
-              <a:lnSpc>
-                <a:spcPct val="90000"/>
-              </a:lnSpc>
-              <a:spcBef>
-                <a:spcPts val="0"/>
-              </a:spcBef>
-              <a:spcAft>
-                <a:spcPts val="0"/>
-              </a:spcAft>
-              <a:buClr>
-                <a:schemeClr val="dk1"/>
-              </a:buClr>
-              <a:buSzPct val="26000"/>
-              <a:buFont typeface="Arial" panose="020B0604020202020204"/>
-              <a:buNone/>
-            </a:pPr>
-            <a:r>
-              <a:rPr lang="en-GB" sz="9080" b="0" i="0" u="none" strike="noStrike" cap="none">
-                <a:solidFill>
-                  <a:schemeClr val="dk1"/>
-                </a:solidFill>
-                <a:latin typeface="Calibri" panose="020F0502020204030204"/>
-                <a:ea typeface="Calibri" panose="020F0502020204030204"/>
-                <a:cs typeface="Calibri" panose="020F0502020204030204"/>
-                <a:sym typeface="Calibri" panose="020F0502020204030204"/>
-              </a:rPr>
-              <a:t>NLP = NLU + NLG</a:t>
-            </a:r>
-            <a:endParaRPr sz="7780"/>
-          </a:p>
-          <a:p>
-            <a:pPr marL="177800" marR="0" lvl="0" indent="-88900" algn="l" rtl="0">
-              <a:lnSpc>
-                <a:spcPct val="90000"/>
-              </a:lnSpc>
-              <a:spcBef>
-                <a:spcPts val="800"/>
-              </a:spcBef>
-              <a:spcAft>
-                <a:spcPts val="0"/>
-              </a:spcAft>
-              <a:buClr>
-                <a:schemeClr val="dk1"/>
-              </a:buClr>
-              <a:buSzPct val="100000"/>
-              <a:buFont typeface="Arial" panose="020B0604020202020204"/>
-              <a:buNone/>
-            </a:pPr>
-            <a:endParaRPr sz="1400" b="0" i="0" u="none" strike="noStrike" cap="none">
-              <a:solidFill>
-                <a:schemeClr val="dk1"/>
-              </a:solidFill>
-              <a:latin typeface="Calibri" panose="020F0502020204030204"/>
-              <a:ea typeface="Calibri" panose="020F0502020204030204"/>
-              <a:cs typeface="Calibri" panose="020F0502020204030204"/>
-              <a:sym typeface="Calibri" panose="020F0502020204030204"/>
-            </a:endParaRPr>
-          </a:p>
-          <a:p>
-            <a:pPr marL="177800" marR="0" lvl="0" indent="-88900" algn="l" rtl="0">
-              <a:lnSpc>
-                <a:spcPct val="90000"/>
-              </a:lnSpc>
-              <a:spcBef>
-                <a:spcPts val="800"/>
-              </a:spcBef>
-              <a:spcAft>
-                <a:spcPts val="0"/>
-              </a:spcAft>
-              <a:buClr>
-                <a:schemeClr val="dk1"/>
-              </a:buClr>
-              <a:buSzPct val="100000"/>
-              <a:buFont typeface="Arial" panose="020B0604020202020204"/>
-              <a:buNone/>
-            </a:pPr>
-            <a:endParaRPr sz="1400" b="0" i="0" u="none" strike="noStrike" cap="none">
-              <a:solidFill>
-                <a:schemeClr val="dk1"/>
-              </a:solidFill>
-              <a:latin typeface="Calibri" panose="020F0502020204030204"/>
-              <a:ea typeface="Calibri" panose="020F0502020204030204"/>
-              <a:cs typeface="Calibri" panose="020F0502020204030204"/>
-              <a:sym typeface="Calibri" panose="020F0502020204030204"/>
-            </a:endParaRPr>
-          </a:p>
-        </p:txBody>
-      </p:sp>
-    </p:spTree>
-  </p:cSld>
-  <p:clrMapOvr>
-    <a:masterClrMapping/>
-  </p:clrMapOvr>
-</p:sld>
-</file>
-
-<file path=ppt/slides/slide50.xml><?xml version="1.0" encoding="utf-8"?>
+<file path=ppt/slides/slide54.xml><?xml version="1.0" encoding="utf-8"?>
 <p:sld xmlns:a="http://schemas.openxmlformats.org/drawingml/2006/main" xmlns:r="http://schemas.openxmlformats.org/officeDocument/2006/relationships" xmlns:p="http://schemas.openxmlformats.org/presentationml/2006/main">
   <p:cSld>
     <p:spTree>
@@ -38984,7 +38830,7 @@
 </p:sld>
 </file>
 
-<file path=ppt/slides/slide51.xml><?xml version="1.0" encoding="utf-8"?>
+<file path=ppt/slides/slide55.xml><?xml version="1.0" encoding="utf-8"?>
 <p:sld xmlns:a="http://schemas.openxmlformats.org/drawingml/2006/main" xmlns:r="http://schemas.openxmlformats.org/officeDocument/2006/relationships" xmlns:p="http://schemas.openxmlformats.org/presentationml/2006/main">
   <p:cSld>
     <p:spTree>
@@ -39752,7 +39598,7 @@
 </p:sld>
 </file>
 
-<file path=ppt/slides/slide52.xml><?xml version="1.0" encoding="utf-8"?>
+<file path=ppt/slides/slide56.xml><?xml version="1.0" encoding="utf-8"?>
 <p:sld xmlns:a="http://schemas.openxmlformats.org/drawingml/2006/main" xmlns:r="http://schemas.openxmlformats.org/officeDocument/2006/relationships" xmlns:p="http://schemas.openxmlformats.org/presentationml/2006/main">
   <p:cSld>
     <p:spTree>
@@ -39889,7 +39735,7 @@
 </p:sld>
 </file>
 
-<file path=ppt/slides/slide53.xml><?xml version="1.0" encoding="utf-8"?>
+<file path=ppt/slides/slide57.xml><?xml version="1.0" encoding="utf-8"?>
 <p:sld xmlns:a="http://schemas.openxmlformats.org/drawingml/2006/main" xmlns:r="http://schemas.openxmlformats.org/officeDocument/2006/relationships" xmlns:p="http://schemas.openxmlformats.org/presentationml/2006/main">
   <p:cSld>
     <p:spTree>
@@ -40224,7 +40070,7 @@
 </p:sld>
 </file>
 
-<file path=ppt/slides/slide54.xml><?xml version="1.0" encoding="utf-8"?>
+<file path=ppt/slides/slide58.xml><?xml version="1.0" encoding="utf-8"?>
 <p:sld xmlns:a="http://schemas.openxmlformats.org/drawingml/2006/main" xmlns:r="http://schemas.openxmlformats.org/officeDocument/2006/relationships" xmlns:p="http://schemas.openxmlformats.org/presentationml/2006/main">
   <p:cSld>
     <p:spTree>
@@ -40873,7 +40719,7 @@
 </p:sld>
 </file>
 
-<file path=ppt/slides/slide55.xml><?xml version="1.0" encoding="utf-8"?>
+<file path=ppt/slides/slide59.xml><?xml version="1.0" encoding="utf-8"?>
 <p:sld xmlns:a="http://schemas.openxmlformats.org/drawingml/2006/main" xmlns:r="http://schemas.openxmlformats.org/officeDocument/2006/relationships" xmlns:p="http://schemas.openxmlformats.org/presentationml/2006/main">
   <p:cSld>
     <p:spTree>
@@ -41389,7 +41235,601 @@
 </p:sld>
 </file>
 
-<file path=ppt/slides/slide56.xml><?xml version="1.0" encoding="utf-8"?>
+<file path=ppt/slides/slide6.xml><?xml version="1.0" encoding="utf-8"?>
+<p:sld xmlns:a="http://schemas.openxmlformats.org/drawingml/2006/main" xmlns:r="http://schemas.openxmlformats.org/officeDocument/2006/relationships" xmlns:p="http://schemas.openxmlformats.org/presentationml/2006/main">
+  <p:cSld>
+    <p:spTree>
+      <p:nvGrpSpPr>
+        <p:cNvPr id="97" name="Shape 97"/>
+        <p:cNvGrpSpPr/>
+        <p:nvPr/>
+      </p:nvGrpSpPr>
+      <p:grpSpPr>
+        <a:xfrm>
+          <a:off x="0" y="0"/>
+          <a:ext cx="0" cy="0"/>
+          <a:chOff x="0" y="0"/>
+          <a:chExt cx="0" cy="0"/>
+        </a:xfrm>
+      </p:grpSpPr>
+      <p:sp>
+        <p:nvSpPr>
+          <p:cNvPr id="98" name="Google Shape;98;p20"/>
+          <p:cNvSpPr txBox="1"/>
+          <p:nvPr>
+            <p:ph type="title"/>
+          </p:nvPr>
+        </p:nvSpPr>
+        <p:spPr>
+          <a:xfrm>
+            <a:off x="311700" y="445025"/>
+            <a:ext cx="8520600" cy="572700"/>
+          </a:xfrm>
+          <a:prstGeom prst="rect">
+            <a:avLst/>
+          </a:prstGeom>
+        </p:spPr>
+        <p:txBody>
+          <a:bodyPr spcFirstLastPara="1" wrap="square" lIns="91425" tIns="91425" rIns="91425" bIns="91425" anchor="t" anchorCtr="0">
+            <a:normAutofit fontScale="90000"/>
+          </a:bodyPr>
+          <a:lstStyle/>
+          <a:p>
+            <a:pPr marL="0" lvl="0" indent="0" algn="l" rtl="0">
+              <a:spcBef>
+                <a:spcPts val="0"/>
+              </a:spcBef>
+              <a:spcAft>
+                <a:spcPts val="0"/>
+              </a:spcAft>
+              <a:buClr>
+                <a:schemeClr val="dk1"/>
+              </a:buClr>
+              <a:buSzPct val="39000"/>
+              <a:buFont typeface="Arial" panose="020B0604020202020204"/>
+              <a:buNone/>
+            </a:pPr>
+            <a:r>
+              <a:rPr lang="en-GB"/>
+              <a:t>NLP &amp; AI</a:t>
+            </a:r>
+            <a:endParaRPr lang="en-GB"/>
+          </a:p>
+          <a:p>
+            <a:pPr marL="0" lvl="0" indent="0" algn="l" rtl="0">
+              <a:spcBef>
+                <a:spcPts val="0"/>
+              </a:spcBef>
+              <a:spcAft>
+                <a:spcPts val="0"/>
+              </a:spcAft>
+              <a:buClr>
+                <a:schemeClr val="dk1"/>
+              </a:buClr>
+              <a:buSzPct val="39000"/>
+              <a:buFont typeface="Arial" panose="020B0604020202020204"/>
+              <a:buNone/>
+            </a:pPr>
+          </a:p>
+          <a:p>
+            <a:pPr marL="0" lvl="0" indent="0" algn="l" rtl="0">
+              <a:spcBef>
+                <a:spcPts val="0"/>
+              </a:spcBef>
+              <a:spcAft>
+                <a:spcPts val="0"/>
+              </a:spcAft>
+              <a:buNone/>
+            </a:pPr>
+          </a:p>
+        </p:txBody>
+      </p:sp>
+      <p:sp>
+        <p:nvSpPr>
+          <p:cNvPr id="99" name="Google Shape;99;p20"/>
+          <p:cNvSpPr txBox="1"/>
+          <p:nvPr>
+            <p:ph type="body" idx="1"/>
+          </p:nvPr>
+        </p:nvSpPr>
+        <p:spPr>
+          <a:xfrm>
+            <a:off x="311700" y="1152475"/>
+            <a:ext cx="8520600" cy="3416400"/>
+          </a:xfrm>
+          <a:prstGeom prst="rect">
+            <a:avLst/>
+          </a:prstGeom>
+        </p:spPr>
+        <p:txBody>
+          <a:bodyPr spcFirstLastPara="1" wrap="square" lIns="91425" tIns="91425" rIns="91425" bIns="91425" anchor="t" anchorCtr="0">
+            <a:noAutofit/>
+          </a:bodyPr>
+          <a:lstStyle/>
+          <a:p>
+            <a:pPr marL="457200" lvl="0" indent="-357505" algn="l" rtl="0">
+              <a:lnSpc>
+                <a:spcPct val="95000"/>
+              </a:lnSpc>
+              <a:spcBef>
+                <a:spcPts val="0"/>
+              </a:spcBef>
+              <a:spcAft>
+                <a:spcPts val="0"/>
+              </a:spcAft>
+              <a:buClr>
+                <a:schemeClr val="dk1"/>
+              </a:buClr>
+              <a:buSzPts val="2030"/>
+              <a:buChar char="●"/>
+            </a:pPr>
+            <a:r>
+              <a:rPr lang="en-GB" sz="2030" b="1">
+                <a:solidFill>
+                  <a:schemeClr val="dk1"/>
+                </a:solidFill>
+              </a:rPr>
+              <a:t>Computer Science </a:t>
+            </a:r>
+            <a:endParaRPr sz="2030" b="1">
+              <a:solidFill>
+                <a:schemeClr val="dk1"/>
+              </a:solidFill>
+            </a:endParaRPr>
+          </a:p>
+          <a:p>
+            <a:pPr marL="914400" lvl="1" indent="-335915" algn="l" rtl="0">
+              <a:lnSpc>
+                <a:spcPct val="95000"/>
+              </a:lnSpc>
+              <a:spcBef>
+                <a:spcPts val="0"/>
+              </a:spcBef>
+              <a:spcAft>
+                <a:spcPts val="0"/>
+              </a:spcAft>
+              <a:buClr>
+                <a:schemeClr val="dk1"/>
+              </a:buClr>
+              <a:buSzPts val="1690"/>
+              <a:buChar char="○"/>
+            </a:pPr>
+            <a:r>
+              <a:rPr lang="en-GB" sz="1690">
+                <a:solidFill>
+                  <a:schemeClr val="dk1"/>
+                </a:solidFill>
+              </a:rPr>
+              <a:t>Programming </a:t>
+            </a:r>
+            <a:endParaRPr sz="1690">
+              <a:solidFill>
+                <a:schemeClr val="dk1"/>
+              </a:solidFill>
+            </a:endParaRPr>
+          </a:p>
+          <a:p>
+            <a:pPr marL="914400" lvl="1" indent="-335915" algn="l" rtl="0">
+              <a:lnSpc>
+                <a:spcPct val="95000"/>
+              </a:lnSpc>
+              <a:spcBef>
+                <a:spcPts val="0"/>
+              </a:spcBef>
+              <a:spcAft>
+                <a:spcPts val="0"/>
+              </a:spcAft>
+              <a:buClr>
+                <a:schemeClr val="dk1"/>
+              </a:buClr>
+              <a:buSzPts val="1690"/>
+              <a:buChar char="○"/>
+            </a:pPr>
+            <a:r>
+              <a:rPr lang="en-GB" sz="1690">
+                <a:solidFill>
+                  <a:schemeClr val="dk1"/>
+                </a:solidFill>
+              </a:rPr>
+              <a:t>Operating Systems </a:t>
+            </a:r>
+            <a:endParaRPr sz="1690">
+              <a:solidFill>
+                <a:schemeClr val="dk1"/>
+              </a:solidFill>
+            </a:endParaRPr>
+          </a:p>
+          <a:p>
+            <a:pPr marL="914400" lvl="1" indent="-335915" algn="l" rtl="0">
+              <a:lnSpc>
+                <a:spcPct val="95000"/>
+              </a:lnSpc>
+              <a:spcBef>
+                <a:spcPts val="0"/>
+              </a:spcBef>
+              <a:spcAft>
+                <a:spcPts val="0"/>
+              </a:spcAft>
+              <a:buClr>
+                <a:schemeClr val="dk1"/>
+              </a:buClr>
+              <a:buSzPts val="1690"/>
+              <a:buChar char="○"/>
+            </a:pPr>
+            <a:r>
+              <a:rPr lang="en-GB" sz="1690">
+                <a:solidFill>
+                  <a:schemeClr val="dk1"/>
+                </a:solidFill>
+              </a:rPr>
+              <a:t>Databases</a:t>
+            </a:r>
+            <a:endParaRPr sz="1690">
+              <a:solidFill>
+                <a:schemeClr val="dk1"/>
+              </a:solidFill>
+            </a:endParaRPr>
+          </a:p>
+          <a:p>
+            <a:pPr marL="914400" lvl="1" indent="-335915" algn="l" rtl="0">
+              <a:lnSpc>
+                <a:spcPct val="95000"/>
+              </a:lnSpc>
+              <a:spcBef>
+                <a:spcPts val="0"/>
+              </a:spcBef>
+              <a:spcAft>
+                <a:spcPts val="0"/>
+              </a:spcAft>
+              <a:buClr>
+                <a:schemeClr val="dk1"/>
+              </a:buClr>
+              <a:buSzPts val="1690"/>
+              <a:buChar char="○"/>
+            </a:pPr>
+            <a:r>
+              <a:rPr lang="en-GB" sz="1690">
+                <a:solidFill>
+                  <a:schemeClr val="dk1"/>
+                </a:solidFill>
+              </a:rPr>
+              <a:t>… </a:t>
+            </a:r>
+            <a:endParaRPr sz="1690">
+              <a:solidFill>
+                <a:schemeClr val="dk1"/>
+              </a:solidFill>
+            </a:endParaRPr>
+          </a:p>
+          <a:p>
+            <a:pPr marL="914400" lvl="1" indent="-335915" algn="l" rtl="0">
+              <a:lnSpc>
+                <a:spcPct val="95000"/>
+              </a:lnSpc>
+              <a:spcBef>
+                <a:spcPts val="0"/>
+              </a:spcBef>
+              <a:spcAft>
+                <a:spcPts val="0"/>
+              </a:spcAft>
+              <a:buClr>
+                <a:schemeClr val="dk1"/>
+              </a:buClr>
+              <a:buSzPts val="1690"/>
+              <a:buChar char="○"/>
+            </a:pPr>
+            <a:r>
+              <a:rPr lang="en-GB" sz="1690" b="1">
+                <a:solidFill>
+                  <a:schemeClr val="dk1"/>
+                </a:solidFill>
+              </a:rPr>
+              <a:t>Artificial Intelligence </a:t>
+            </a:r>
+            <a:endParaRPr sz="1690" b="1">
+              <a:solidFill>
+                <a:schemeClr val="dk1"/>
+              </a:solidFill>
+            </a:endParaRPr>
+          </a:p>
+          <a:p>
+            <a:pPr marL="1371600" lvl="2" indent="-335915" algn="l" rtl="0">
+              <a:lnSpc>
+                <a:spcPct val="95000"/>
+              </a:lnSpc>
+              <a:spcBef>
+                <a:spcPts val="0"/>
+              </a:spcBef>
+              <a:spcAft>
+                <a:spcPts val="0"/>
+              </a:spcAft>
+              <a:buClr>
+                <a:schemeClr val="dk1"/>
+              </a:buClr>
+              <a:buSzPts val="1690"/>
+              <a:buChar char="■"/>
+            </a:pPr>
+            <a:r>
+              <a:rPr lang="en-GB" sz="1690">
+                <a:solidFill>
+                  <a:schemeClr val="dk1"/>
+                </a:solidFill>
+              </a:rPr>
+              <a:t>Problem Solving </a:t>
+            </a:r>
+            <a:endParaRPr sz="1690">
+              <a:solidFill>
+                <a:schemeClr val="dk1"/>
+              </a:solidFill>
+            </a:endParaRPr>
+          </a:p>
+          <a:p>
+            <a:pPr marL="1371600" lvl="2" indent="-335915" algn="l" rtl="0">
+              <a:lnSpc>
+                <a:spcPct val="95000"/>
+              </a:lnSpc>
+              <a:spcBef>
+                <a:spcPts val="0"/>
+              </a:spcBef>
+              <a:spcAft>
+                <a:spcPts val="0"/>
+              </a:spcAft>
+              <a:buClr>
+                <a:schemeClr val="dk1"/>
+              </a:buClr>
+              <a:buSzPts val="1690"/>
+              <a:buChar char="■"/>
+            </a:pPr>
+            <a:r>
+              <a:rPr lang="en-GB" sz="1690">
+                <a:solidFill>
+                  <a:schemeClr val="dk1"/>
+                </a:solidFill>
+              </a:rPr>
+              <a:t>Optimization </a:t>
+            </a:r>
+            <a:endParaRPr sz="1690">
+              <a:solidFill>
+                <a:schemeClr val="dk1"/>
+              </a:solidFill>
+            </a:endParaRPr>
+          </a:p>
+          <a:p>
+            <a:pPr marL="1371600" lvl="2" indent="-335915" algn="l" rtl="0">
+              <a:lnSpc>
+                <a:spcPct val="95000"/>
+              </a:lnSpc>
+              <a:spcBef>
+                <a:spcPts val="0"/>
+              </a:spcBef>
+              <a:spcAft>
+                <a:spcPts val="0"/>
+              </a:spcAft>
+              <a:buClr>
+                <a:schemeClr val="dk1"/>
+              </a:buClr>
+              <a:buSzPts val="1690"/>
+              <a:buChar char="■"/>
+            </a:pPr>
+            <a:r>
+              <a:rPr lang="en-GB" sz="1690">
+                <a:solidFill>
+                  <a:schemeClr val="dk1"/>
+                </a:solidFill>
+              </a:rPr>
+              <a:t>Robotics </a:t>
+            </a:r>
+            <a:endParaRPr sz="1690">
+              <a:solidFill>
+                <a:schemeClr val="dk1"/>
+              </a:solidFill>
+            </a:endParaRPr>
+          </a:p>
+          <a:p>
+            <a:pPr marL="1371600" lvl="2" indent="-335915" algn="l" rtl="0">
+              <a:lnSpc>
+                <a:spcPct val="95000"/>
+              </a:lnSpc>
+              <a:spcBef>
+                <a:spcPts val="0"/>
+              </a:spcBef>
+              <a:spcAft>
+                <a:spcPts val="0"/>
+              </a:spcAft>
+              <a:buClr>
+                <a:schemeClr val="dk1"/>
+              </a:buClr>
+              <a:buSzPts val="1690"/>
+              <a:buChar char="■"/>
+            </a:pPr>
+            <a:r>
+              <a:rPr lang="en-GB" sz="1690">
+                <a:solidFill>
+                  <a:schemeClr val="dk1"/>
+                </a:solidFill>
+              </a:rPr>
+              <a:t>Machine Learning </a:t>
+            </a:r>
+            <a:endParaRPr sz="1690">
+              <a:solidFill>
+                <a:schemeClr val="dk1"/>
+              </a:solidFill>
+            </a:endParaRPr>
+          </a:p>
+          <a:p>
+            <a:pPr marL="1371600" lvl="2" indent="-335915" algn="l" rtl="0">
+              <a:lnSpc>
+                <a:spcPct val="95000"/>
+              </a:lnSpc>
+              <a:spcBef>
+                <a:spcPts val="0"/>
+              </a:spcBef>
+              <a:spcAft>
+                <a:spcPts val="0"/>
+              </a:spcAft>
+              <a:buClr>
+                <a:schemeClr val="dk1"/>
+              </a:buClr>
+              <a:buSzPts val="1690"/>
+              <a:buChar char="■"/>
+            </a:pPr>
+            <a:r>
+              <a:rPr lang="en-GB" sz="1690">
+                <a:solidFill>
+                  <a:schemeClr val="dk1"/>
+                </a:solidFill>
+              </a:rPr>
+              <a:t>Computer Vision </a:t>
+            </a:r>
+            <a:endParaRPr sz="1690">
+              <a:solidFill>
+                <a:schemeClr val="dk1"/>
+              </a:solidFill>
+            </a:endParaRPr>
+          </a:p>
+          <a:p>
+            <a:pPr marL="1371600" lvl="2" indent="-335915" algn="l" rtl="0">
+              <a:lnSpc>
+                <a:spcPct val="95000"/>
+              </a:lnSpc>
+              <a:spcBef>
+                <a:spcPts val="0"/>
+              </a:spcBef>
+              <a:spcAft>
+                <a:spcPts val="0"/>
+              </a:spcAft>
+              <a:buClr>
+                <a:schemeClr val="dk1"/>
+              </a:buClr>
+              <a:buSzPts val="1690"/>
+              <a:buChar char="■"/>
+            </a:pPr>
+            <a:r>
+              <a:rPr lang="en-GB" sz="1690" b="1">
+                <a:solidFill>
+                  <a:schemeClr val="dk1"/>
+                </a:solidFill>
+              </a:rPr>
+              <a:t>Natural Language Processing</a:t>
+            </a:r>
+            <a:endParaRPr sz="1690" b="1">
+              <a:solidFill>
+                <a:schemeClr val="dk1"/>
+              </a:solidFill>
+            </a:endParaRPr>
+          </a:p>
+          <a:p>
+            <a:pPr marL="1371600" lvl="2" indent="-335915" algn="l" rtl="0">
+              <a:lnSpc>
+                <a:spcPct val="95000"/>
+              </a:lnSpc>
+              <a:spcBef>
+                <a:spcPts val="0"/>
+              </a:spcBef>
+              <a:spcAft>
+                <a:spcPts val="0"/>
+              </a:spcAft>
+              <a:buClr>
+                <a:schemeClr val="dk1"/>
+              </a:buClr>
+              <a:buSzPts val="1690"/>
+              <a:buChar char="■"/>
+            </a:pPr>
+            <a:r>
+              <a:rPr lang="en-GB" sz="1690">
+                <a:solidFill>
+                  <a:schemeClr val="dk1"/>
+                </a:solidFill>
+              </a:rPr>
+              <a:t>….. </a:t>
+            </a:r>
+            <a:endParaRPr sz="1690">
+              <a:solidFill>
+                <a:schemeClr val="dk1"/>
+              </a:solidFill>
+            </a:endParaRPr>
+          </a:p>
+          <a:p>
+            <a:pPr marL="0" lvl="0" indent="0" algn="l" rtl="0">
+              <a:lnSpc>
+                <a:spcPct val="95000"/>
+              </a:lnSpc>
+              <a:spcBef>
+                <a:spcPts val="1200"/>
+              </a:spcBef>
+              <a:spcAft>
+                <a:spcPts val="0"/>
+              </a:spcAft>
+              <a:buClr>
+                <a:schemeClr val="dk1"/>
+              </a:buClr>
+              <a:buSzPts val="935"/>
+              <a:buFont typeface="Arial" panose="020B0604020202020204"/>
+              <a:buNone/>
+            </a:pPr>
+            <a:endParaRPr sz="2030">
+              <a:solidFill>
+                <a:schemeClr val="dk1"/>
+              </a:solidFill>
+            </a:endParaRPr>
+          </a:p>
+          <a:p>
+            <a:pPr marL="0" lvl="0" indent="0" algn="l" rtl="0">
+              <a:lnSpc>
+                <a:spcPct val="95000"/>
+              </a:lnSpc>
+              <a:spcBef>
+                <a:spcPts val="1200"/>
+              </a:spcBef>
+              <a:spcAft>
+                <a:spcPts val="1200"/>
+              </a:spcAft>
+              <a:buSzPts val="935"/>
+              <a:buNone/>
+            </a:pPr>
+            <a:endParaRPr sz="2030">
+              <a:solidFill>
+                <a:schemeClr val="dk1"/>
+              </a:solidFill>
+            </a:endParaRPr>
+          </a:p>
+        </p:txBody>
+      </p:sp>
+      <p:pic>
+        <p:nvPicPr>
+          <p:cNvPr id="100" name="Google Shape;100;p20"/>
+          <p:cNvPicPr preferRelativeResize="0"/>
+          <p:nvPr/>
+        </p:nvPicPr>
+        <p:blipFill>
+          <a:blip r:embed="rId1"/>
+          <a:stretch>
+            <a:fillRect/>
+          </a:stretch>
+        </p:blipFill>
+        <p:spPr>
+          <a:xfrm>
+            <a:off x="3113725" y="139000"/>
+            <a:ext cx="6030274" cy="4228175"/>
+          </a:xfrm>
+          <a:prstGeom prst="rect">
+            <a:avLst/>
+          </a:prstGeom>
+          <a:noFill/>
+          <a:ln>
+            <a:noFill/>
+          </a:ln>
+        </p:spPr>
+      </p:pic>
+    </p:spTree>
+  </p:cSld>
+  <p:clrMapOvr>
+    <a:masterClrMapping/>
+  </p:clrMapOvr>
+</p:sld>
+</file>
+
+<file path=ppt/slides/slide60.xml><?xml version="1.0" encoding="utf-8"?>
 <p:sld xmlns:a="http://schemas.openxmlformats.org/drawingml/2006/main" xmlns:r="http://schemas.openxmlformats.org/officeDocument/2006/relationships" xmlns:p="http://schemas.openxmlformats.org/presentationml/2006/main">
   <p:cSld>
     <p:spTree>
@@ -42041,7 +42481,7 @@
 </p:sld>
 </file>
 
-<file path=ppt/slides/slide57.xml><?xml version="1.0" encoding="utf-8"?>
+<file path=ppt/slides/slide61.xml><?xml version="1.0" encoding="utf-8"?>
 <p:sld xmlns:a="http://schemas.openxmlformats.org/drawingml/2006/main" xmlns:r="http://schemas.openxmlformats.org/officeDocument/2006/relationships" xmlns:p="http://schemas.openxmlformats.org/presentationml/2006/main">
   <p:cSld>
     <p:spTree>
@@ -42374,7 +42814,7 @@
 </p:sld>
 </file>
 
-<file path=ppt/slides/slide58.xml><?xml version="1.0" encoding="utf-8"?>
+<file path=ppt/slides/slide62.xml><?xml version="1.0" encoding="utf-8"?>
 <p:sld xmlns:a="http://schemas.openxmlformats.org/drawingml/2006/main" xmlns:r="http://schemas.openxmlformats.org/officeDocument/2006/relationships" xmlns:p="http://schemas.openxmlformats.org/presentationml/2006/main">
   <p:cSld>
     <p:spTree>
@@ -43255,7 +43695,7 @@
 </p:sld>
 </file>
 
-<file path=ppt/slides/slide59.xml><?xml version="1.0" encoding="utf-8"?>
+<file path=ppt/slides/slide63.xml><?xml version="1.0" encoding="utf-8"?>
 <p:sld xmlns:a="http://schemas.openxmlformats.org/drawingml/2006/main" xmlns:r="http://schemas.openxmlformats.org/officeDocument/2006/relationships" xmlns:p="http://schemas.openxmlformats.org/presentationml/2006/main">
   <p:cSld>
     <p:spTree>
@@ -44171,601 +44611,7 @@
 </p:sld>
 </file>
 
-<file path=ppt/slides/slide6.xml><?xml version="1.0" encoding="utf-8"?>
-<p:sld xmlns:a="http://schemas.openxmlformats.org/drawingml/2006/main" xmlns:r="http://schemas.openxmlformats.org/officeDocument/2006/relationships" xmlns:p="http://schemas.openxmlformats.org/presentationml/2006/main">
-  <p:cSld>
-    <p:spTree>
-      <p:nvGrpSpPr>
-        <p:cNvPr id="97" name="Shape 97"/>
-        <p:cNvGrpSpPr/>
-        <p:nvPr/>
-      </p:nvGrpSpPr>
-      <p:grpSpPr>
-        <a:xfrm>
-          <a:off x="0" y="0"/>
-          <a:ext cx="0" cy="0"/>
-          <a:chOff x="0" y="0"/>
-          <a:chExt cx="0" cy="0"/>
-        </a:xfrm>
-      </p:grpSpPr>
-      <p:sp>
-        <p:nvSpPr>
-          <p:cNvPr id="98" name="Google Shape;98;p20"/>
-          <p:cNvSpPr txBox="1"/>
-          <p:nvPr>
-            <p:ph type="title"/>
-          </p:nvPr>
-        </p:nvSpPr>
-        <p:spPr>
-          <a:xfrm>
-            <a:off x="311700" y="445025"/>
-            <a:ext cx="8520600" cy="572700"/>
-          </a:xfrm>
-          <a:prstGeom prst="rect">
-            <a:avLst/>
-          </a:prstGeom>
-        </p:spPr>
-        <p:txBody>
-          <a:bodyPr spcFirstLastPara="1" wrap="square" lIns="91425" tIns="91425" rIns="91425" bIns="91425" anchor="t" anchorCtr="0">
-            <a:normAutofit fontScale="90000"/>
-          </a:bodyPr>
-          <a:lstStyle/>
-          <a:p>
-            <a:pPr marL="0" lvl="0" indent="0" algn="l" rtl="0">
-              <a:spcBef>
-                <a:spcPts val="0"/>
-              </a:spcBef>
-              <a:spcAft>
-                <a:spcPts val="0"/>
-              </a:spcAft>
-              <a:buClr>
-                <a:schemeClr val="dk1"/>
-              </a:buClr>
-              <a:buSzPct val="39000"/>
-              <a:buFont typeface="Arial" panose="020B0604020202020204"/>
-              <a:buNone/>
-            </a:pPr>
-            <a:r>
-              <a:rPr lang="en-GB"/>
-              <a:t>NLP &amp; AI</a:t>
-            </a:r>
-            <a:endParaRPr lang="en-GB"/>
-          </a:p>
-          <a:p>
-            <a:pPr marL="0" lvl="0" indent="0" algn="l" rtl="0">
-              <a:spcBef>
-                <a:spcPts val="0"/>
-              </a:spcBef>
-              <a:spcAft>
-                <a:spcPts val="0"/>
-              </a:spcAft>
-              <a:buClr>
-                <a:schemeClr val="dk1"/>
-              </a:buClr>
-              <a:buSzPct val="39000"/>
-              <a:buFont typeface="Arial" panose="020B0604020202020204"/>
-              <a:buNone/>
-            </a:pPr>
-          </a:p>
-          <a:p>
-            <a:pPr marL="0" lvl="0" indent="0" algn="l" rtl="0">
-              <a:spcBef>
-                <a:spcPts val="0"/>
-              </a:spcBef>
-              <a:spcAft>
-                <a:spcPts val="0"/>
-              </a:spcAft>
-              <a:buNone/>
-            </a:pPr>
-          </a:p>
-        </p:txBody>
-      </p:sp>
-      <p:sp>
-        <p:nvSpPr>
-          <p:cNvPr id="99" name="Google Shape;99;p20"/>
-          <p:cNvSpPr txBox="1"/>
-          <p:nvPr>
-            <p:ph type="body" idx="1"/>
-          </p:nvPr>
-        </p:nvSpPr>
-        <p:spPr>
-          <a:xfrm>
-            <a:off x="311700" y="1152475"/>
-            <a:ext cx="8520600" cy="3416400"/>
-          </a:xfrm>
-          <a:prstGeom prst="rect">
-            <a:avLst/>
-          </a:prstGeom>
-        </p:spPr>
-        <p:txBody>
-          <a:bodyPr spcFirstLastPara="1" wrap="square" lIns="91425" tIns="91425" rIns="91425" bIns="91425" anchor="t" anchorCtr="0">
-            <a:noAutofit/>
-          </a:bodyPr>
-          <a:lstStyle/>
-          <a:p>
-            <a:pPr marL="457200" lvl="0" indent="-357505" algn="l" rtl="0">
-              <a:lnSpc>
-                <a:spcPct val="95000"/>
-              </a:lnSpc>
-              <a:spcBef>
-                <a:spcPts val="0"/>
-              </a:spcBef>
-              <a:spcAft>
-                <a:spcPts val="0"/>
-              </a:spcAft>
-              <a:buClr>
-                <a:schemeClr val="dk1"/>
-              </a:buClr>
-              <a:buSzPts val="2030"/>
-              <a:buChar char="●"/>
-            </a:pPr>
-            <a:r>
-              <a:rPr lang="en-GB" sz="2030" b="1">
-                <a:solidFill>
-                  <a:schemeClr val="dk1"/>
-                </a:solidFill>
-              </a:rPr>
-              <a:t>Computer Science </a:t>
-            </a:r>
-            <a:endParaRPr sz="2030" b="1">
-              <a:solidFill>
-                <a:schemeClr val="dk1"/>
-              </a:solidFill>
-            </a:endParaRPr>
-          </a:p>
-          <a:p>
-            <a:pPr marL="914400" lvl="1" indent="-335915" algn="l" rtl="0">
-              <a:lnSpc>
-                <a:spcPct val="95000"/>
-              </a:lnSpc>
-              <a:spcBef>
-                <a:spcPts val="0"/>
-              </a:spcBef>
-              <a:spcAft>
-                <a:spcPts val="0"/>
-              </a:spcAft>
-              <a:buClr>
-                <a:schemeClr val="dk1"/>
-              </a:buClr>
-              <a:buSzPts val="1690"/>
-              <a:buChar char="○"/>
-            </a:pPr>
-            <a:r>
-              <a:rPr lang="en-GB" sz="1690">
-                <a:solidFill>
-                  <a:schemeClr val="dk1"/>
-                </a:solidFill>
-              </a:rPr>
-              <a:t>Programming </a:t>
-            </a:r>
-            <a:endParaRPr sz="1690">
-              <a:solidFill>
-                <a:schemeClr val="dk1"/>
-              </a:solidFill>
-            </a:endParaRPr>
-          </a:p>
-          <a:p>
-            <a:pPr marL="914400" lvl="1" indent="-335915" algn="l" rtl="0">
-              <a:lnSpc>
-                <a:spcPct val="95000"/>
-              </a:lnSpc>
-              <a:spcBef>
-                <a:spcPts val="0"/>
-              </a:spcBef>
-              <a:spcAft>
-                <a:spcPts val="0"/>
-              </a:spcAft>
-              <a:buClr>
-                <a:schemeClr val="dk1"/>
-              </a:buClr>
-              <a:buSzPts val="1690"/>
-              <a:buChar char="○"/>
-            </a:pPr>
-            <a:r>
-              <a:rPr lang="en-GB" sz="1690">
-                <a:solidFill>
-                  <a:schemeClr val="dk1"/>
-                </a:solidFill>
-              </a:rPr>
-              <a:t>Operating Systems </a:t>
-            </a:r>
-            <a:endParaRPr sz="1690">
-              <a:solidFill>
-                <a:schemeClr val="dk1"/>
-              </a:solidFill>
-            </a:endParaRPr>
-          </a:p>
-          <a:p>
-            <a:pPr marL="914400" lvl="1" indent="-335915" algn="l" rtl="0">
-              <a:lnSpc>
-                <a:spcPct val="95000"/>
-              </a:lnSpc>
-              <a:spcBef>
-                <a:spcPts val="0"/>
-              </a:spcBef>
-              <a:spcAft>
-                <a:spcPts val="0"/>
-              </a:spcAft>
-              <a:buClr>
-                <a:schemeClr val="dk1"/>
-              </a:buClr>
-              <a:buSzPts val="1690"/>
-              <a:buChar char="○"/>
-            </a:pPr>
-            <a:r>
-              <a:rPr lang="en-GB" sz="1690">
-                <a:solidFill>
-                  <a:schemeClr val="dk1"/>
-                </a:solidFill>
-              </a:rPr>
-              <a:t>Databases</a:t>
-            </a:r>
-            <a:endParaRPr sz="1690">
-              <a:solidFill>
-                <a:schemeClr val="dk1"/>
-              </a:solidFill>
-            </a:endParaRPr>
-          </a:p>
-          <a:p>
-            <a:pPr marL="914400" lvl="1" indent="-335915" algn="l" rtl="0">
-              <a:lnSpc>
-                <a:spcPct val="95000"/>
-              </a:lnSpc>
-              <a:spcBef>
-                <a:spcPts val="0"/>
-              </a:spcBef>
-              <a:spcAft>
-                <a:spcPts val="0"/>
-              </a:spcAft>
-              <a:buClr>
-                <a:schemeClr val="dk1"/>
-              </a:buClr>
-              <a:buSzPts val="1690"/>
-              <a:buChar char="○"/>
-            </a:pPr>
-            <a:r>
-              <a:rPr lang="en-GB" sz="1690">
-                <a:solidFill>
-                  <a:schemeClr val="dk1"/>
-                </a:solidFill>
-              </a:rPr>
-              <a:t>… </a:t>
-            </a:r>
-            <a:endParaRPr sz="1690">
-              <a:solidFill>
-                <a:schemeClr val="dk1"/>
-              </a:solidFill>
-            </a:endParaRPr>
-          </a:p>
-          <a:p>
-            <a:pPr marL="914400" lvl="1" indent="-335915" algn="l" rtl="0">
-              <a:lnSpc>
-                <a:spcPct val="95000"/>
-              </a:lnSpc>
-              <a:spcBef>
-                <a:spcPts val="0"/>
-              </a:spcBef>
-              <a:spcAft>
-                <a:spcPts val="0"/>
-              </a:spcAft>
-              <a:buClr>
-                <a:schemeClr val="dk1"/>
-              </a:buClr>
-              <a:buSzPts val="1690"/>
-              <a:buChar char="○"/>
-            </a:pPr>
-            <a:r>
-              <a:rPr lang="en-GB" sz="1690" b="1">
-                <a:solidFill>
-                  <a:schemeClr val="dk1"/>
-                </a:solidFill>
-              </a:rPr>
-              <a:t>Artificial Intelligence </a:t>
-            </a:r>
-            <a:endParaRPr sz="1690" b="1">
-              <a:solidFill>
-                <a:schemeClr val="dk1"/>
-              </a:solidFill>
-            </a:endParaRPr>
-          </a:p>
-          <a:p>
-            <a:pPr marL="1371600" lvl="2" indent="-335915" algn="l" rtl="0">
-              <a:lnSpc>
-                <a:spcPct val="95000"/>
-              </a:lnSpc>
-              <a:spcBef>
-                <a:spcPts val="0"/>
-              </a:spcBef>
-              <a:spcAft>
-                <a:spcPts val="0"/>
-              </a:spcAft>
-              <a:buClr>
-                <a:schemeClr val="dk1"/>
-              </a:buClr>
-              <a:buSzPts val="1690"/>
-              <a:buChar char="■"/>
-            </a:pPr>
-            <a:r>
-              <a:rPr lang="en-GB" sz="1690">
-                <a:solidFill>
-                  <a:schemeClr val="dk1"/>
-                </a:solidFill>
-              </a:rPr>
-              <a:t>Problem Solving </a:t>
-            </a:r>
-            <a:endParaRPr sz="1690">
-              <a:solidFill>
-                <a:schemeClr val="dk1"/>
-              </a:solidFill>
-            </a:endParaRPr>
-          </a:p>
-          <a:p>
-            <a:pPr marL="1371600" lvl="2" indent="-335915" algn="l" rtl="0">
-              <a:lnSpc>
-                <a:spcPct val="95000"/>
-              </a:lnSpc>
-              <a:spcBef>
-                <a:spcPts val="0"/>
-              </a:spcBef>
-              <a:spcAft>
-                <a:spcPts val="0"/>
-              </a:spcAft>
-              <a:buClr>
-                <a:schemeClr val="dk1"/>
-              </a:buClr>
-              <a:buSzPts val="1690"/>
-              <a:buChar char="■"/>
-            </a:pPr>
-            <a:r>
-              <a:rPr lang="en-GB" sz="1690">
-                <a:solidFill>
-                  <a:schemeClr val="dk1"/>
-                </a:solidFill>
-              </a:rPr>
-              <a:t>Optimization </a:t>
-            </a:r>
-            <a:endParaRPr sz="1690">
-              <a:solidFill>
-                <a:schemeClr val="dk1"/>
-              </a:solidFill>
-            </a:endParaRPr>
-          </a:p>
-          <a:p>
-            <a:pPr marL="1371600" lvl="2" indent="-335915" algn="l" rtl="0">
-              <a:lnSpc>
-                <a:spcPct val="95000"/>
-              </a:lnSpc>
-              <a:spcBef>
-                <a:spcPts val="0"/>
-              </a:spcBef>
-              <a:spcAft>
-                <a:spcPts val="0"/>
-              </a:spcAft>
-              <a:buClr>
-                <a:schemeClr val="dk1"/>
-              </a:buClr>
-              <a:buSzPts val="1690"/>
-              <a:buChar char="■"/>
-            </a:pPr>
-            <a:r>
-              <a:rPr lang="en-GB" sz="1690">
-                <a:solidFill>
-                  <a:schemeClr val="dk1"/>
-                </a:solidFill>
-              </a:rPr>
-              <a:t>Robotics </a:t>
-            </a:r>
-            <a:endParaRPr sz="1690">
-              <a:solidFill>
-                <a:schemeClr val="dk1"/>
-              </a:solidFill>
-            </a:endParaRPr>
-          </a:p>
-          <a:p>
-            <a:pPr marL="1371600" lvl="2" indent="-335915" algn="l" rtl="0">
-              <a:lnSpc>
-                <a:spcPct val="95000"/>
-              </a:lnSpc>
-              <a:spcBef>
-                <a:spcPts val="0"/>
-              </a:spcBef>
-              <a:spcAft>
-                <a:spcPts val="0"/>
-              </a:spcAft>
-              <a:buClr>
-                <a:schemeClr val="dk1"/>
-              </a:buClr>
-              <a:buSzPts val="1690"/>
-              <a:buChar char="■"/>
-            </a:pPr>
-            <a:r>
-              <a:rPr lang="en-GB" sz="1690">
-                <a:solidFill>
-                  <a:schemeClr val="dk1"/>
-                </a:solidFill>
-              </a:rPr>
-              <a:t>Machine Learning </a:t>
-            </a:r>
-            <a:endParaRPr sz="1690">
-              <a:solidFill>
-                <a:schemeClr val="dk1"/>
-              </a:solidFill>
-            </a:endParaRPr>
-          </a:p>
-          <a:p>
-            <a:pPr marL="1371600" lvl="2" indent="-335915" algn="l" rtl="0">
-              <a:lnSpc>
-                <a:spcPct val="95000"/>
-              </a:lnSpc>
-              <a:spcBef>
-                <a:spcPts val="0"/>
-              </a:spcBef>
-              <a:spcAft>
-                <a:spcPts val="0"/>
-              </a:spcAft>
-              <a:buClr>
-                <a:schemeClr val="dk1"/>
-              </a:buClr>
-              <a:buSzPts val="1690"/>
-              <a:buChar char="■"/>
-            </a:pPr>
-            <a:r>
-              <a:rPr lang="en-GB" sz="1690">
-                <a:solidFill>
-                  <a:schemeClr val="dk1"/>
-                </a:solidFill>
-              </a:rPr>
-              <a:t>Computer Vision </a:t>
-            </a:r>
-            <a:endParaRPr sz="1690">
-              <a:solidFill>
-                <a:schemeClr val="dk1"/>
-              </a:solidFill>
-            </a:endParaRPr>
-          </a:p>
-          <a:p>
-            <a:pPr marL="1371600" lvl="2" indent="-335915" algn="l" rtl="0">
-              <a:lnSpc>
-                <a:spcPct val="95000"/>
-              </a:lnSpc>
-              <a:spcBef>
-                <a:spcPts val="0"/>
-              </a:spcBef>
-              <a:spcAft>
-                <a:spcPts val="0"/>
-              </a:spcAft>
-              <a:buClr>
-                <a:schemeClr val="dk1"/>
-              </a:buClr>
-              <a:buSzPts val="1690"/>
-              <a:buChar char="■"/>
-            </a:pPr>
-            <a:r>
-              <a:rPr lang="en-GB" sz="1690" b="1">
-                <a:solidFill>
-                  <a:schemeClr val="dk1"/>
-                </a:solidFill>
-              </a:rPr>
-              <a:t>Natural Language Processing</a:t>
-            </a:r>
-            <a:endParaRPr sz="1690" b="1">
-              <a:solidFill>
-                <a:schemeClr val="dk1"/>
-              </a:solidFill>
-            </a:endParaRPr>
-          </a:p>
-          <a:p>
-            <a:pPr marL="1371600" lvl="2" indent="-335915" algn="l" rtl="0">
-              <a:lnSpc>
-                <a:spcPct val="95000"/>
-              </a:lnSpc>
-              <a:spcBef>
-                <a:spcPts val="0"/>
-              </a:spcBef>
-              <a:spcAft>
-                <a:spcPts val="0"/>
-              </a:spcAft>
-              <a:buClr>
-                <a:schemeClr val="dk1"/>
-              </a:buClr>
-              <a:buSzPts val="1690"/>
-              <a:buChar char="■"/>
-            </a:pPr>
-            <a:r>
-              <a:rPr lang="en-GB" sz="1690">
-                <a:solidFill>
-                  <a:schemeClr val="dk1"/>
-                </a:solidFill>
-              </a:rPr>
-              <a:t>….. </a:t>
-            </a:r>
-            <a:endParaRPr sz="1690">
-              <a:solidFill>
-                <a:schemeClr val="dk1"/>
-              </a:solidFill>
-            </a:endParaRPr>
-          </a:p>
-          <a:p>
-            <a:pPr marL="0" lvl="0" indent="0" algn="l" rtl="0">
-              <a:lnSpc>
-                <a:spcPct val="95000"/>
-              </a:lnSpc>
-              <a:spcBef>
-                <a:spcPts val="1200"/>
-              </a:spcBef>
-              <a:spcAft>
-                <a:spcPts val="0"/>
-              </a:spcAft>
-              <a:buClr>
-                <a:schemeClr val="dk1"/>
-              </a:buClr>
-              <a:buSzPts val="935"/>
-              <a:buFont typeface="Arial" panose="020B0604020202020204"/>
-              <a:buNone/>
-            </a:pPr>
-            <a:endParaRPr sz="2030">
-              <a:solidFill>
-                <a:schemeClr val="dk1"/>
-              </a:solidFill>
-            </a:endParaRPr>
-          </a:p>
-          <a:p>
-            <a:pPr marL="0" lvl="0" indent="0" algn="l" rtl="0">
-              <a:lnSpc>
-                <a:spcPct val="95000"/>
-              </a:lnSpc>
-              <a:spcBef>
-                <a:spcPts val="1200"/>
-              </a:spcBef>
-              <a:spcAft>
-                <a:spcPts val="1200"/>
-              </a:spcAft>
-              <a:buSzPts val="935"/>
-              <a:buNone/>
-            </a:pPr>
-            <a:endParaRPr sz="2030">
-              <a:solidFill>
-                <a:schemeClr val="dk1"/>
-              </a:solidFill>
-            </a:endParaRPr>
-          </a:p>
-        </p:txBody>
-      </p:sp>
-      <p:pic>
-        <p:nvPicPr>
-          <p:cNvPr id="100" name="Google Shape;100;p20"/>
-          <p:cNvPicPr preferRelativeResize="0"/>
-          <p:nvPr/>
-        </p:nvPicPr>
-        <p:blipFill>
-          <a:blip r:embed="rId1"/>
-          <a:stretch>
-            <a:fillRect/>
-          </a:stretch>
-        </p:blipFill>
-        <p:spPr>
-          <a:xfrm>
-            <a:off x="3113725" y="139000"/>
-            <a:ext cx="6030274" cy="4228175"/>
-          </a:xfrm>
-          <a:prstGeom prst="rect">
-            <a:avLst/>
-          </a:prstGeom>
-          <a:noFill/>
-          <a:ln>
-            <a:noFill/>
-          </a:ln>
-        </p:spPr>
-      </p:pic>
-    </p:spTree>
-  </p:cSld>
-  <p:clrMapOvr>
-    <a:masterClrMapping/>
-  </p:clrMapOvr>
-</p:sld>
-</file>
-
-<file path=ppt/slides/slide60.xml><?xml version="1.0" encoding="utf-8"?>
+<file path=ppt/slides/slide64.xml><?xml version="1.0" encoding="utf-8"?>
 <p:sld xmlns:a="http://schemas.openxmlformats.org/drawingml/2006/main" xmlns:r="http://schemas.openxmlformats.org/officeDocument/2006/relationships" xmlns:p="http://schemas.openxmlformats.org/presentationml/2006/main">
   <p:cSld>
     <p:spTree>
@@ -44878,7 +44724,7 @@
 </p:sld>
 </file>
 
-<file path=ppt/slides/slide61.xml><?xml version="1.0" encoding="utf-8"?>
+<file path=ppt/slides/slide65.xml><?xml version="1.0" encoding="utf-8"?>
 <p:sld xmlns:a="http://schemas.openxmlformats.org/drawingml/2006/main" xmlns:r="http://schemas.openxmlformats.org/officeDocument/2006/relationships" xmlns:p="http://schemas.openxmlformats.org/presentationml/2006/main">
   <p:cSld>
     <p:spTree>
@@ -45062,7 +44908,7 @@
 </p:sld>
 </file>
 
-<file path=ppt/slides/slide62.xml><?xml version="1.0" encoding="utf-8"?>
+<file path=ppt/slides/slide66.xml><?xml version="1.0" encoding="utf-8"?>
 <p:sld xmlns:a="http://schemas.openxmlformats.org/drawingml/2006/main" xmlns:r="http://schemas.openxmlformats.org/officeDocument/2006/relationships" xmlns:p="http://schemas.openxmlformats.org/presentationml/2006/main">
   <p:cSld>
     <p:spTree>
@@ -47150,7 +46996,7 @@
 </p:sld>
 </file>
 
-<file path=ppt/slides/slide63.xml><?xml version="1.0" encoding="utf-8"?>
+<file path=ppt/slides/slide67.xml><?xml version="1.0" encoding="utf-8"?>
 <p:sld xmlns:a="http://schemas.openxmlformats.org/drawingml/2006/main" xmlns:r="http://schemas.openxmlformats.org/officeDocument/2006/relationships" xmlns:p="http://schemas.openxmlformats.org/presentationml/2006/main">
   <p:cSld>
     <p:spTree>
@@ -47484,7 +47330,7 @@
 </p:sld>
 </file>
 
-<file path=ppt/slides/slide64.xml><?xml version="1.0" encoding="utf-8"?>
+<file path=ppt/slides/slide68.xml><?xml version="1.0" encoding="utf-8"?>
 <p:sld xmlns:a="http://schemas.openxmlformats.org/drawingml/2006/main" xmlns:r="http://schemas.openxmlformats.org/officeDocument/2006/relationships" xmlns:p="http://schemas.openxmlformats.org/presentationml/2006/main">
   <p:cSld>
     <p:spTree>
@@ -47684,7 +47530,7 @@
 </p:sld>
 </file>
 
-<file path=ppt/slides/slide65.xml><?xml version="1.0" encoding="utf-8"?>
+<file path=ppt/slides/slide69.xml><?xml version="1.0" encoding="utf-8"?>
 <p:sld xmlns:a="http://schemas.openxmlformats.org/drawingml/2006/main" xmlns:r="http://schemas.openxmlformats.org/officeDocument/2006/relationships" xmlns:p="http://schemas.openxmlformats.org/presentationml/2006/main">
   <p:cSld>
     <p:spTree>
@@ -48197,7 +48043,213 @@
 </p:sld>
 </file>
 
-<file path=ppt/slides/slide66.xml><?xml version="1.0" encoding="utf-8"?>
+<file path=ppt/slides/slide7.xml><?xml version="1.0" encoding="utf-8"?>
+<p:sld xmlns:a="http://schemas.openxmlformats.org/drawingml/2006/main" xmlns:r="http://schemas.openxmlformats.org/officeDocument/2006/relationships" xmlns:p="http://schemas.openxmlformats.org/presentationml/2006/main">
+  <p:cSld>
+    <p:spTree>
+      <p:nvGrpSpPr>
+        <p:cNvPr id="104" name="Shape 104"/>
+        <p:cNvGrpSpPr/>
+        <p:nvPr/>
+      </p:nvGrpSpPr>
+      <p:grpSpPr>
+        <a:xfrm>
+          <a:off x="0" y="0"/>
+          <a:ext cx="0" cy="0"/>
+          <a:chOff x="0" y="0"/>
+          <a:chExt cx="0" cy="0"/>
+        </a:xfrm>
+      </p:grpSpPr>
+      <p:sp>
+        <p:nvSpPr>
+          <p:cNvPr id="105" name="Google Shape;105;p21"/>
+          <p:cNvSpPr txBox="1"/>
+          <p:nvPr>
+            <p:ph type="title"/>
+          </p:nvPr>
+        </p:nvSpPr>
+        <p:spPr>
+          <a:xfrm>
+            <a:off x="311700" y="445025"/>
+            <a:ext cx="8520600" cy="572700"/>
+          </a:xfrm>
+          <a:prstGeom prst="rect">
+            <a:avLst/>
+          </a:prstGeom>
+        </p:spPr>
+        <p:txBody>
+          <a:bodyPr spcFirstLastPara="1" wrap="square" lIns="91425" tIns="91425" rIns="91425" bIns="91425" anchor="t" anchorCtr="0">
+            <a:normAutofit fontScale="90000"/>
+          </a:bodyPr>
+          <a:lstStyle/>
+          <a:p>
+            <a:pPr marL="0" lvl="0" indent="0" algn="l" rtl="0">
+              <a:spcBef>
+                <a:spcPts val="0"/>
+              </a:spcBef>
+              <a:spcAft>
+                <a:spcPts val="0"/>
+              </a:spcAft>
+              <a:buNone/>
+            </a:pPr>
+            <a:r>
+              <a:rPr lang="en-GB"/>
+              <a:t>NLP fields </a:t>
+            </a:r>
+            <a:endParaRPr lang="en-GB"/>
+          </a:p>
+        </p:txBody>
+      </p:sp>
+      <p:sp>
+        <p:nvSpPr>
+          <p:cNvPr id="106" name="Google Shape;106;p21"/>
+          <p:cNvSpPr txBox="1"/>
+          <p:nvPr>
+            <p:ph type="body" idx="1"/>
+          </p:nvPr>
+        </p:nvSpPr>
+        <p:spPr>
+          <a:xfrm>
+            <a:off x="311700" y="1152475"/>
+            <a:ext cx="8520600" cy="3416400"/>
+          </a:xfrm>
+          <a:prstGeom prst="rect">
+            <a:avLst/>
+          </a:prstGeom>
+        </p:spPr>
+        <p:txBody>
+          <a:bodyPr spcFirstLastPara="1" wrap="square" lIns="91425" tIns="91425" rIns="91425" bIns="91425" anchor="t" anchorCtr="0">
+            <a:normAutofit/>
+          </a:bodyPr>
+          <a:lstStyle/>
+          <a:p>
+            <a:pPr marL="0" lvl="0" indent="0" algn="l" rtl="0">
+              <a:spcBef>
+                <a:spcPts val="0"/>
+              </a:spcBef>
+              <a:spcAft>
+                <a:spcPts val="1200"/>
+              </a:spcAft>
+              <a:buNone/>
+            </a:pPr>
+            <a:r>
+              <a:rPr lang="en-GB" sz="2050">
+                <a:solidFill>
+                  <a:srgbClr val="222222"/>
+                </a:solidFill>
+                <a:highlight>
+                  <a:srgbClr val="FFFFFF"/>
+                </a:highlight>
+                <a:latin typeface="Roboto" panose="02000000000000000000"/>
+                <a:ea typeface="Roboto" panose="02000000000000000000"/>
+                <a:cs typeface="Roboto" panose="02000000000000000000"/>
+                <a:sym typeface="Roboto" panose="02000000000000000000"/>
+              </a:rPr>
+              <a:t>NLP combines </a:t>
+            </a:r>
+            <a:r>
+              <a:rPr lang="en-GB" sz="2050" b="1">
+                <a:solidFill>
+                  <a:srgbClr val="222222"/>
+                </a:solidFill>
+                <a:highlight>
+                  <a:srgbClr val="FFFFFF"/>
+                </a:highlight>
+                <a:latin typeface="Roboto" panose="02000000000000000000"/>
+                <a:ea typeface="Roboto" panose="02000000000000000000"/>
+                <a:cs typeface="Roboto" panose="02000000000000000000"/>
+                <a:sym typeface="Roboto" panose="02000000000000000000"/>
+              </a:rPr>
+              <a:t>computational linguistics</a:t>
+            </a:r>
+            <a:r>
+              <a:rPr lang="en-GB" sz="2050">
+                <a:solidFill>
+                  <a:srgbClr val="222222"/>
+                </a:solidFill>
+                <a:highlight>
+                  <a:srgbClr val="FFFFFF"/>
+                </a:highlight>
+                <a:latin typeface="Roboto" panose="02000000000000000000"/>
+                <a:ea typeface="Roboto" panose="02000000000000000000"/>
+                <a:cs typeface="Roboto" panose="02000000000000000000"/>
+                <a:sym typeface="Roboto" panose="02000000000000000000"/>
+              </a:rPr>
+              <a:t>, </a:t>
+            </a:r>
+            <a:r>
+              <a:rPr lang="en-GB" sz="2050" b="1">
+                <a:solidFill>
+                  <a:srgbClr val="222222"/>
+                </a:solidFill>
+                <a:highlight>
+                  <a:srgbClr val="FFFFFF"/>
+                </a:highlight>
+                <a:latin typeface="Roboto" panose="02000000000000000000"/>
+                <a:ea typeface="Roboto" panose="02000000000000000000"/>
+                <a:cs typeface="Roboto" panose="02000000000000000000"/>
+                <a:sym typeface="Roboto" panose="02000000000000000000"/>
+              </a:rPr>
+              <a:t>computer science</a:t>
+            </a:r>
+            <a:r>
+              <a:rPr lang="en-GB" sz="2050">
+                <a:solidFill>
+                  <a:srgbClr val="222222"/>
+                </a:solidFill>
+                <a:highlight>
+                  <a:srgbClr val="FFFFFF"/>
+                </a:highlight>
+                <a:latin typeface="Roboto" panose="02000000000000000000"/>
+                <a:ea typeface="Roboto" panose="02000000000000000000"/>
+                <a:cs typeface="Roboto" panose="02000000000000000000"/>
+                <a:sym typeface="Roboto" panose="02000000000000000000"/>
+              </a:rPr>
+              <a:t>, and </a:t>
+            </a:r>
+            <a:r>
+              <a:rPr lang="en-GB" sz="2050" b="1">
+                <a:solidFill>
+                  <a:srgbClr val="222222"/>
+                </a:solidFill>
+                <a:highlight>
+                  <a:srgbClr val="FFFFFF"/>
+                </a:highlight>
+                <a:latin typeface="Roboto" panose="02000000000000000000"/>
+                <a:ea typeface="Roboto" panose="02000000000000000000"/>
+                <a:cs typeface="Roboto" panose="02000000000000000000"/>
+                <a:sym typeface="Roboto" panose="02000000000000000000"/>
+              </a:rPr>
+              <a:t>machine learning</a:t>
+            </a:r>
+            <a:r>
+              <a:rPr lang="en-GB" sz="2050">
+                <a:solidFill>
+                  <a:srgbClr val="222222"/>
+                </a:solidFill>
+                <a:highlight>
+                  <a:srgbClr val="FFFFFF"/>
+                </a:highlight>
+                <a:latin typeface="Roboto" panose="02000000000000000000"/>
+                <a:ea typeface="Roboto" panose="02000000000000000000"/>
+                <a:cs typeface="Roboto" panose="02000000000000000000"/>
+                <a:sym typeface="Roboto" panose="02000000000000000000"/>
+              </a:rPr>
+              <a:t> to process and analyze large amounts of natural language data.</a:t>
+            </a:r>
+            <a:endParaRPr sz="2600"/>
+          </a:p>
+        </p:txBody>
+      </p:sp>
+    </p:spTree>
+  </p:cSld>
+  <p:clrMapOvr>
+    <a:masterClrMapping/>
+  </p:clrMapOvr>
+</p:sld>
+</file>
+
+<file path=ppt/slides/slide70.xml><?xml version="1.0" encoding="utf-8"?>
 <p:sld xmlns:a="http://schemas.openxmlformats.org/drawingml/2006/main" xmlns:r="http://schemas.openxmlformats.org/officeDocument/2006/relationships" xmlns:p="http://schemas.openxmlformats.org/presentationml/2006/main">
   <p:cSld>
     <p:spTree>
@@ -49106,7 +49158,7 @@
 </p:sld>
 </file>
 
-<file path=ppt/slides/slide67.xml><?xml version="1.0" encoding="utf-8"?>
+<file path=ppt/slides/slide71.xml><?xml version="1.0" encoding="utf-8"?>
 <p:sld xmlns:a="http://schemas.openxmlformats.org/drawingml/2006/main" xmlns:r="http://schemas.openxmlformats.org/officeDocument/2006/relationships" xmlns:p="http://schemas.openxmlformats.org/presentationml/2006/main">
   <p:cSld>
     <p:spTree>
@@ -49329,7 +49381,7 @@
 </p:sld>
 </file>
 
-<file path=ppt/slides/slide68.xml><?xml version="1.0" encoding="utf-8"?>
+<file path=ppt/slides/slide72.xml><?xml version="1.0" encoding="utf-8"?>
 <p:sld xmlns:a="http://schemas.openxmlformats.org/drawingml/2006/main" xmlns:r="http://schemas.openxmlformats.org/officeDocument/2006/relationships" xmlns:p="http://schemas.openxmlformats.org/presentationml/2006/main">
   <p:cSld>
     <p:spTree>
@@ -49442,7 +49494,7 @@
 </p:sld>
 </file>
 
-<file path=ppt/slides/slide69.xml><?xml version="1.0" encoding="utf-8"?>
+<file path=ppt/slides/slide73.xml><?xml version="1.0" encoding="utf-8"?>
 <p:sld xmlns:a="http://schemas.openxmlformats.org/drawingml/2006/main" xmlns:r="http://schemas.openxmlformats.org/officeDocument/2006/relationships" xmlns:p="http://schemas.openxmlformats.org/presentationml/2006/main">
   <p:cSld>
     <p:spTree>
@@ -49531,213 +49583,7 @@
 </p:sld>
 </file>
 
-<file path=ppt/slides/slide7.xml><?xml version="1.0" encoding="utf-8"?>
-<p:sld xmlns:a="http://schemas.openxmlformats.org/drawingml/2006/main" xmlns:r="http://schemas.openxmlformats.org/officeDocument/2006/relationships" xmlns:p="http://schemas.openxmlformats.org/presentationml/2006/main">
-  <p:cSld>
-    <p:spTree>
-      <p:nvGrpSpPr>
-        <p:cNvPr id="104" name="Shape 104"/>
-        <p:cNvGrpSpPr/>
-        <p:nvPr/>
-      </p:nvGrpSpPr>
-      <p:grpSpPr>
-        <a:xfrm>
-          <a:off x="0" y="0"/>
-          <a:ext cx="0" cy="0"/>
-          <a:chOff x="0" y="0"/>
-          <a:chExt cx="0" cy="0"/>
-        </a:xfrm>
-      </p:grpSpPr>
-      <p:sp>
-        <p:nvSpPr>
-          <p:cNvPr id="105" name="Google Shape;105;p21"/>
-          <p:cNvSpPr txBox="1"/>
-          <p:nvPr>
-            <p:ph type="title"/>
-          </p:nvPr>
-        </p:nvSpPr>
-        <p:spPr>
-          <a:xfrm>
-            <a:off x="311700" y="445025"/>
-            <a:ext cx="8520600" cy="572700"/>
-          </a:xfrm>
-          <a:prstGeom prst="rect">
-            <a:avLst/>
-          </a:prstGeom>
-        </p:spPr>
-        <p:txBody>
-          <a:bodyPr spcFirstLastPara="1" wrap="square" lIns="91425" tIns="91425" rIns="91425" bIns="91425" anchor="t" anchorCtr="0">
-            <a:normAutofit fontScale="90000"/>
-          </a:bodyPr>
-          <a:lstStyle/>
-          <a:p>
-            <a:pPr marL="0" lvl="0" indent="0" algn="l" rtl="0">
-              <a:spcBef>
-                <a:spcPts val="0"/>
-              </a:spcBef>
-              <a:spcAft>
-                <a:spcPts val="0"/>
-              </a:spcAft>
-              <a:buNone/>
-            </a:pPr>
-            <a:r>
-              <a:rPr lang="en-GB"/>
-              <a:t>NLP fields </a:t>
-            </a:r>
-            <a:endParaRPr lang="en-GB"/>
-          </a:p>
-        </p:txBody>
-      </p:sp>
-      <p:sp>
-        <p:nvSpPr>
-          <p:cNvPr id="106" name="Google Shape;106;p21"/>
-          <p:cNvSpPr txBox="1"/>
-          <p:nvPr>
-            <p:ph type="body" idx="1"/>
-          </p:nvPr>
-        </p:nvSpPr>
-        <p:spPr>
-          <a:xfrm>
-            <a:off x="311700" y="1152475"/>
-            <a:ext cx="8520600" cy="3416400"/>
-          </a:xfrm>
-          <a:prstGeom prst="rect">
-            <a:avLst/>
-          </a:prstGeom>
-        </p:spPr>
-        <p:txBody>
-          <a:bodyPr spcFirstLastPara="1" wrap="square" lIns="91425" tIns="91425" rIns="91425" bIns="91425" anchor="t" anchorCtr="0">
-            <a:normAutofit/>
-          </a:bodyPr>
-          <a:lstStyle/>
-          <a:p>
-            <a:pPr marL="0" lvl="0" indent="0" algn="l" rtl="0">
-              <a:spcBef>
-                <a:spcPts val="0"/>
-              </a:spcBef>
-              <a:spcAft>
-                <a:spcPts val="1200"/>
-              </a:spcAft>
-              <a:buNone/>
-            </a:pPr>
-            <a:r>
-              <a:rPr lang="en-GB" sz="2050">
-                <a:solidFill>
-                  <a:srgbClr val="222222"/>
-                </a:solidFill>
-                <a:highlight>
-                  <a:srgbClr val="FFFFFF"/>
-                </a:highlight>
-                <a:latin typeface="Roboto" panose="02000000000000000000"/>
-                <a:ea typeface="Roboto" panose="02000000000000000000"/>
-                <a:cs typeface="Roboto" panose="02000000000000000000"/>
-                <a:sym typeface="Roboto" panose="02000000000000000000"/>
-              </a:rPr>
-              <a:t>NLP combines </a:t>
-            </a:r>
-            <a:r>
-              <a:rPr lang="en-GB" sz="2050" b="1">
-                <a:solidFill>
-                  <a:srgbClr val="222222"/>
-                </a:solidFill>
-                <a:highlight>
-                  <a:srgbClr val="FFFFFF"/>
-                </a:highlight>
-                <a:latin typeface="Roboto" panose="02000000000000000000"/>
-                <a:ea typeface="Roboto" panose="02000000000000000000"/>
-                <a:cs typeface="Roboto" panose="02000000000000000000"/>
-                <a:sym typeface="Roboto" panose="02000000000000000000"/>
-              </a:rPr>
-              <a:t>computational linguistics</a:t>
-            </a:r>
-            <a:r>
-              <a:rPr lang="en-GB" sz="2050">
-                <a:solidFill>
-                  <a:srgbClr val="222222"/>
-                </a:solidFill>
-                <a:highlight>
-                  <a:srgbClr val="FFFFFF"/>
-                </a:highlight>
-                <a:latin typeface="Roboto" panose="02000000000000000000"/>
-                <a:ea typeface="Roboto" panose="02000000000000000000"/>
-                <a:cs typeface="Roboto" panose="02000000000000000000"/>
-                <a:sym typeface="Roboto" panose="02000000000000000000"/>
-              </a:rPr>
-              <a:t>, </a:t>
-            </a:r>
-            <a:r>
-              <a:rPr lang="en-GB" sz="2050" b="1">
-                <a:solidFill>
-                  <a:srgbClr val="222222"/>
-                </a:solidFill>
-                <a:highlight>
-                  <a:srgbClr val="FFFFFF"/>
-                </a:highlight>
-                <a:latin typeface="Roboto" panose="02000000000000000000"/>
-                <a:ea typeface="Roboto" panose="02000000000000000000"/>
-                <a:cs typeface="Roboto" panose="02000000000000000000"/>
-                <a:sym typeface="Roboto" panose="02000000000000000000"/>
-              </a:rPr>
-              <a:t>computer science</a:t>
-            </a:r>
-            <a:r>
-              <a:rPr lang="en-GB" sz="2050">
-                <a:solidFill>
-                  <a:srgbClr val="222222"/>
-                </a:solidFill>
-                <a:highlight>
-                  <a:srgbClr val="FFFFFF"/>
-                </a:highlight>
-                <a:latin typeface="Roboto" panose="02000000000000000000"/>
-                <a:ea typeface="Roboto" panose="02000000000000000000"/>
-                <a:cs typeface="Roboto" panose="02000000000000000000"/>
-                <a:sym typeface="Roboto" panose="02000000000000000000"/>
-              </a:rPr>
-              <a:t>, and </a:t>
-            </a:r>
-            <a:r>
-              <a:rPr lang="en-GB" sz="2050" b="1">
-                <a:solidFill>
-                  <a:srgbClr val="222222"/>
-                </a:solidFill>
-                <a:highlight>
-                  <a:srgbClr val="FFFFFF"/>
-                </a:highlight>
-                <a:latin typeface="Roboto" panose="02000000000000000000"/>
-                <a:ea typeface="Roboto" panose="02000000000000000000"/>
-                <a:cs typeface="Roboto" panose="02000000000000000000"/>
-                <a:sym typeface="Roboto" panose="02000000000000000000"/>
-              </a:rPr>
-              <a:t>machine learning</a:t>
-            </a:r>
-            <a:r>
-              <a:rPr lang="en-GB" sz="2050">
-                <a:solidFill>
-                  <a:srgbClr val="222222"/>
-                </a:solidFill>
-                <a:highlight>
-                  <a:srgbClr val="FFFFFF"/>
-                </a:highlight>
-                <a:latin typeface="Roboto" panose="02000000000000000000"/>
-                <a:ea typeface="Roboto" panose="02000000000000000000"/>
-                <a:cs typeface="Roboto" panose="02000000000000000000"/>
-                <a:sym typeface="Roboto" panose="02000000000000000000"/>
-              </a:rPr>
-              <a:t> to process and analyze large amounts of natural language data.</a:t>
-            </a:r>
-            <a:endParaRPr sz="2600"/>
-          </a:p>
-        </p:txBody>
-      </p:sp>
-    </p:spTree>
-  </p:cSld>
-  <p:clrMapOvr>
-    <a:masterClrMapping/>
-  </p:clrMapOvr>
-</p:sld>
-</file>
-
-<file path=ppt/slides/slide70.xml><?xml version="1.0" encoding="utf-8"?>
+<file path=ppt/slides/slide74.xml><?xml version="1.0" encoding="utf-8"?>
 <p:sld xmlns:a="http://schemas.openxmlformats.org/drawingml/2006/main" xmlns:r="http://schemas.openxmlformats.org/officeDocument/2006/relationships" xmlns:p="http://schemas.openxmlformats.org/presentationml/2006/main">
   <p:cSld>
     <p:bg>
@@ -50003,7 +49849,7 @@
 </p:sld>
 </file>
 
-<file path=ppt/slides/slide71.xml><?xml version="1.0" encoding="utf-8"?>
+<file path=ppt/slides/slide75.xml><?xml version="1.0" encoding="utf-8"?>
 <p:sld xmlns:a="http://schemas.openxmlformats.org/drawingml/2006/main" xmlns:r="http://schemas.openxmlformats.org/officeDocument/2006/relationships" xmlns:p="http://schemas.openxmlformats.org/presentationml/2006/main">
   <p:cSld>
     <p:spTree>
